--- a/share/加拉太书/加1_11-24保罗的见证/加1_11-24保罗的见证.pptx
+++ b/share/加拉太书/加1_11-24保罗的见证/加1_11-24保罗的见证.pptx
@@ -5,7 +5,7 @@
     <p:sldMasterId id="2147483648" r:id="rId1"/>
   </p:sldMasterIdLst>
   <p:notesMasterIdLst>
-    <p:notesMasterId r:id="rId12"/>
+    <p:notesMasterId r:id="rId14"/>
   </p:notesMasterIdLst>
   <p:sldIdLst>
     <p:sldId id="256" r:id="rId2"/>
@@ -16,8 +16,10 @@
     <p:sldId id="342" r:id="rId7"/>
     <p:sldId id="337" r:id="rId8"/>
     <p:sldId id="343" r:id="rId9"/>
-    <p:sldId id="303" r:id="rId10"/>
-    <p:sldId id="286" r:id="rId11"/>
+    <p:sldId id="345" r:id="rId10"/>
+    <p:sldId id="344" r:id="rId11"/>
+    <p:sldId id="303" r:id="rId12"/>
+    <p:sldId id="286" r:id="rId13"/>
   </p:sldIdLst>
   <p:sldSz cx="9144000" cy="6858000" type="screen4x3"/>
   <p:notesSz cx="6858000" cy="9144000"/>
@@ -199,14 +201,14 @@
           <a:effectLst/>
           <a:extLst>
             <a:ext uri="{909E8E84-426E-40DD-AFC4-6F175D3DCCD1}">
-              <a14:hiddenFill xmlns="" xmlns:a14="http://schemas.microsoft.com/office/drawing/2010/main">
+              <a14:hiddenFill xmlns:a14="http://schemas.microsoft.com/office/drawing/2010/main" xmlns="">
                 <a:solidFill>
                   <a:schemeClr val="accent1"/>
                 </a:solidFill>
               </a14:hiddenFill>
             </a:ext>
             <a:ext uri="{91240B29-F687-4F45-9708-019B960494DF}">
-              <a14:hiddenLine xmlns="" xmlns:a14="http://schemas.microsoft.com/office/drawing/2010/main" w="9525">
+              <a14:hiddenLine xmlns:a14="http://schemas.microsoft.com/office/drawing/2010/main" xmlns="" w="9525">
                 <a:solidFill>
                   <a:schemeClr val="tx1"/>
                 </a:solidFill>
@@ -216,7 +218,7 @@
               </a14:hiddenLine>
             </a:ext>
             <a:ext uri="{AF507438-7753-43E0-B8FC-AC1667EBCBE1}">
-              <a14:hiddenEffects xmlns="" xmlns:a14="http://schemas.microsoft.com/office/drawing/2010/main">
+              <a14:hiddenEffects xmlns:a14="http://schemas.microsoft.com/office/drawing/2010/main" xmlns="">
                 <a:effectLst>
                   <a:outerShdw dist="35921" dir="2700000" algn="ctr" rotWithShape="0">
                     <a:schemeClr val="bg2"/>
@@ -267,14 +269,14 @@
           <a:effectLst/>
           <a:extLst>
             <a:ext uri="{909E8E84-426E-40DD-AFC4-6F175D3DCCD1}">
-              <a14:hiddenFill xmlns="" xmlns:a14="http://schemas.microsoft.com/office/drawing/2010/main">
+              <a14:hiddenFill xmlns:a14="http://schemas.microsoft.com/office/drawing/2010/main" xmlns="">
                 <a:solidFill>
                   <a:schemeClr val="accent1"/>
                 </a:solidFill>
               </a14:hiddenFill>
             </a:ext>
             <a:ext uri="{91240B29-F687-4F45-9708-019B960494DF}">
-              <a14:hiddenLine xmlns="" xmlns:a14="http://schemas.microsoft.com/office/drawing/2010/main" w="9525">
+              <a14:hiddenLine xmlns:a14="http://schemas.microsoft.com/office/drawing/2010/main" xmlns="" w="9525">
                 <a:solidFill>
                   <a:schemeClr val="tx1"/>
                 </a:solidFill>
@@ -284,7 +286,7 @@
               </a14:hiddenLine>
             </a:ext>
             <a:ext uri="{AF507438-7753-43E0-B8FC-AC1667EBCBE1}">
-              <a14:hiddenEffects xmlns="" xmlns:a14="http://schemas.microsoft.com/office/drawing/2010/main">
+              <a14:hiddenEffects xmlns:a14="http://schemas.microsoft.com/office/drawing/2010/main" xmlns="">
                 <a:effectLst>
                   <a:outerShdw dist="35921" dir="2700000" algn="ctr" rotWithShape="0">
                     <a:schemeClr val="bg2"/>
@@ -340,7 +342,7 @@
           <a:effectLst/>
           <a:extLst>
             <a:ext uri="{AF507438-7753-43E0-B8FC-AC1667EBCBE1}">
-              <a14:hiddenEffects xmlns="" xmlns:a14="http://schemas.microsoft.com/office/drawing/2010/main">
+              <a14:hiddenEffects xmlns:a14="http://schemas.microsoft.com/office/drawing/2010/main" xmlns="">
                 <a:effectLst>
                   <a:outerShdw dist="35921" dir="2700000" algn="ctr" rotWithShape="0">
                     <a:srgbClr val="808080"/>
@@ -349,7 +351,7 @@
               </a14:hiddenEffects>
             </a:ext>
             <a:ext uri="{53640926-AAD7-44D8-BBD7-CCE9431645EC}">
-              <a14:shadowObscured xmlns="" xmlns:a14="http://schemas.microsoft.com/office/drawing/2010/main" val="1"/>
+              <a14:shadowObscured xmlns:a14="http://schemas.microsoft.com/office/drawing/2010/main" xmlns="" val="1"/>
             </a:ext>
           </a:extLst>
         </p:spPr>
@@ -379,14 +381,14 @@
           <a:effectLst/>
           <a:extLst>
             <a:ext uri="{909E8E84-426E-40DD-AFC4-6F175D3DCCD1}">
-              <a14:hiddenFill xmlns="" xmlns:a14="http://schemas.microsoft.com/office/drawing/2010/main">
+              <a14:hiddenFill xmlns:a14="http://schemas.microsoft.com/office/drawing/2010/main" xmlns="">
                 <a:solidFill>
                   <a:schemeClr val="accent1"/>
                 </a:solidFill>
               </a14:hiddenFill>
             </a:ext>
             <a:ext uri="{91240B29-F687-4F45-9708-019B960494DF}">
-              <a14:hiddenLine xmlns="" xmlns:a14="http://schemas.microsoft.com/office/drawing/2010/main" w="9525">
+              <a14:hiddenLine xmlns:a14="http://schemas.microsoft.com/office/drawing/2010/main" xmlns="" w="9525">
                 <a:solidFill>
                   <a:schemeClr val="tx1"/>
                 </a:solidFill>
@@ -396,7 +398,7 @@
               </a14:hiddenLine>
             </a:ext>
             <a:ext uri="{AF507438-7753-43E0-B8FC-AC1667EBCBE1}">
-              <a14:hiddenEffects xmlns="" xmlns:a14="http://schemas.microsoft.com/office/drawing/2010/main">
+              <a14:hiddenEffects xmlns:a14="http://schemas.microsoft.com/office/drawing/2010/main" xmlns="">
                 <a:effectLst>
                   <a:outerShdw dist="35921" dir="2700000" algn="ctr" rotWithShape="0">
                     <a:schemeClr val="bg2"/>
@@ -475,14 +477,14 @@
           <a:effectLst/>
           <a:extLst>
             <a:ext uri="{909E8E84-426E-40DD-AFC4-6F175D3DCCD1}">
-              <a14:hiddenFill xmlns="" xmlns:a14="http://schemas.microsoft.com/office/drawing/2010/main">
+              <a14:hiddenFill xmlns:a14="http://schemas.microsoft.com/office/drawing/2010/main" xmlns="">
                 <a:solidFill>
                   <a:schemeClr val="accent1"/>
                 </a:solidFill>
               </a14:hiddenFill>
             </a:ext>
             <a:ext uri="{91240B29-F687-4F45-9708-019B960494DF}">
-              <a14:hiddenLine xmlns="" xmlns:a14="http://schemas.microsoft.com/office/drawing/2010/main" w="9525">
+              <a14:hiddenLine xmlns:a14="http://schemas.microsoft.com/office/drawing/2010/main" xmlns="" w="9525">
                 <a:solidFill>
                   <a:schemeClr val="tx1"/>
                 </a:solidFill>
@@ -492,7 +494,7 @@
               </a14:hiddenLine>
             </a:ext>
             <a:ext uri="{AF507438-7753-43E0-B8FC-AC1667EBCBE1}">
-              <a14:hiddenEffects xmlns="" xmlns:a14="http://schemas.microsoft.com/office/drawing/2010/main">
+              <a14:hiddenEffects xmlns:a14="http://schemas.microsoft.com/office/drawing/2010/main" xmlns="">
                 <a:effectLst>
                   <a:outerShdw dist="35921" dir="2700000" algn="ctr" rotWithShape="0">
                     <a:schemeClr val="bg2"/>
@@ -543,14 +545,14 @@
           <a:effectLst/>
           <a:extLst>
             <a:ext uri="{909E8E84-426E-40DD-AFC4-6F175D3DCCD1}">
-              <a14:hiddenFill xmlns="" xmlns:a14="http://schemas.microsoft.com/office/drawing/2010/main">
+              <a14:hiddenFill xmlns:a14="http://schemas.microsoft.com/office/drawing/2010/main" xmlns="">
                 <a:solidFill>
                   <a:schemeClr val="accent1"/>
                 </a:solidFill>
               </a14:hiddenFill>
             </a:ext>
             <a:ext uri="{91240B29-F687-4F45-9708-019B960494DF}">
-              <a14:hiddenLine xmlns="" xmlns:a14="http://schemas.microsoft.com/office/drawing/2010/main" w="9525">
+              <a14:hiddenLine xmlns:a14="http://schemas.microsoft.com/office/drawing/2010/main" xmlns="" w="9525">
                 <a:solidFill>
                   <a:schemeClr val="tx1"/>
                 </a:solidFill>
@@ -560,7 +562,7 @@
               </a14:hiddenLine>
             </a:ext>
             <a:ext uri="{AF507438-7753-43E0-B8FC-AC1667EBCBE1}">
-              <a14:hiddenEffects xmlns="" xmlns:a14="http://schemas.microsoft.com/office/drawing/2010/main">
+              <a14:hiddenEffects xmlns:a14="http://schemas.microsoft.com/office/drawing/2010/main" xmlns="">
                 <a:effectLst>
                   <a:outerShdw dist="35921" dir="2700000" algn="ctr" rotWithShape="0">
                     <a:schemeClr val="bg2"/>
@@ -594,7 +596,7 @@
     </p:spTree>
     <p:extLst>
       <p:ext uri="{BB962C8B-B14F-4D97-AF65-F5344CB8AC3E}">
-        <p14:creationId xmlns="" xmlns:p14="http://schemas.microsoft.com/office/powerpoint/2010/main" val="45029081"/>
+        <p14:creationId xmlns:p14="http://schemas.microsoft.com/office/powerpoint/2010/main" xmlns="" val="45029081"/>
       </p:ext>
     </p:extLst>
   </p:cSld>
@@ -799,7 +801,177 @@
     </p:spTree>
     <p:extLst>
       <p:ext uri="{BB962C8B-B14F-4D97-AF65-F5344CB8AC3E}">
-        <p14:creationId xmlns="" xmlns:p14="http://schemas.microsoft.com/office/powerpoint/2010/main" val="3162953695"/>
+        <p14:creationId xmlns:p14="http://schemas.microsoft.com/office/powerpoint/2010/main" xmlns="" val="3162953695"/>
+      </p:ext>
+    </p:extLst>
+  </p:cSld>
+  <p:clrMapOvr>
+    <a:masterClrMapping/>
+  </p:clrMapOvr>
+</p:notes>
+</file>
+
+<file path=ppt/notesSlides/notesSlide10.xml><?xml version="1.0" encoding="utf-8"?>
+<p:notes xmlns:a="http://schemas.openxmlformats.org/drawingml/2006/main" xmlns:r="http://schemas.openxmlformats.org/officeDocument/2006/relationships" xmlns:p="http://schemas.openxmlformats.org/presentationml/2006/main">
+  <p:cSld>
+    <p:spTree>
+      <p:nvGrpSpPr>
+        <p:cNvPr id="1" name=""/>
+        <p:cNvGrpSpPr/>
+        <p:nvPr/>
+      </p:nvGrpSpPr>
+      <p:grpSpPr>
+        <a:xfrm>
+          <a:off x="0" y="0"/>
+          <a:ext cx="0" cy="0"/>
+          <a:chOff x="0" y="0"/>
+          <a:chExt cx="0" cy="0"/>
+        </a:xfrm>
+      </p:grpSpPr>
+      <p:sp>
+        <p:nvSpPr>
+          <p:cNvPr id="2" name="幻灯片图像占位符 1"/>
+          <p:cNvSpPr>
+            <a:spLocks noGrp="1" noRot="1" noChangeAspect="1"/>
+          </p:cNvSpPr>
+          <p:nvPr>
+            <p:ph type="sldImg"/>
+          </p:nvPr>
+        </p:nvSpPr>
+        <p:spPr/>
+      </p:sp>
+      <p:sp>
+        <p:nvSpPr>
+          <p:cNvPr id="3" name="备注占位符 2"/>
+          <p:cNvSpPr>
+            <a:spLocks noGrp="1"/>
+          </p:cNvSpPr>
+          <p:nvPr>
+            <p:ph type="body" idx="1"/>
+          </p:nvPr>
+        </p:nvSpPr>
+        <p:spPr/>
+        <p:txBody>
+          <a:bodyPr/>
+          <a:lstStyle/>
+          <a:p>
+            <a:endParaRPr lang="zh-CN" altLang="en-US" dirty="0"/>
+          </a:p>
+        </p:txBody>
+      </p:sp>
+      <p:sp>
+        <p:nvSpPr>
+          <p:cNvPr id="4" name="灯片编号占位符 3"/>
+          <p:cNvSpPr>
+            <a:spLocks noGrp="1"/>
+          </p:cNvSpPr>
+          <p:nvPr>
+            <p:ph type="sldNum" sz="quarter" idx="10"/>
+          </p:nvPr>
+        </p:nvSpPr>
+        <p:spPr/>
+        <p:txBody>
+          <a:bodyPr/>
+          <a:lstStyle/>
+          <a:p>
+            <a:fld id="{4F212CDC-BBBD-47F2-BD0A-0380DC626990}" type="slidenum">
+              <a:rPr lang="en-US" altLang="zh-CN" smtClean="0"/>
+              <a:pPr/>
+              <a:t>10</a:t>
+            </a:fld>
+            <a:endParaRPr lang="en-US" altLang="zh-CN"/>
+          </a:p>
+        </p:txBody>
+      </p:sp>
+    </p:spTree>
+    <p:extLst>
+      <p:ext uri="{BB962C8B-B14F-4D97-AF65-F5344CB8AC3E}">
+        <p14:creationId xmlns:p14="http://schemas.microsoft.com/office/powerpoint/2010/main" xmlns="" val="4074272823"/>
+      </p:ext>
+    </p:extLst>
+  </p:cSld>
+  <p:clrMapOvr>
+    <a:masterClrMapping/>
+  </p:clrMapOvr>
+</p:notes>
+</file>
+
+<file path=ppt/notesSlides/notesSlide11.xml><?xml version="1.0" encoding="utf-8"?>
+<p:notes xmlns:a="http://schemas.openxmlformats.org/drawingml/2006/main" xmlns:r="http://schemas.openxmlformats.org/officeDocument/2006/relationships" xmlns:p="http://schemas.openxmlformats.org/presentationml/2006/main">
+  <p:cSld>
+    <p:spTree>
+      <p:nvGrpSpPr>
+        <p:cNvPr id="1" name=""/>
+        <p:cNvGrpSpPr/>
+        <p:nvPr/>
+      </p:nvGrpSpPr>
+      <p:grpSpPr>
+        <a:xfrm>
+          <a:off x="0" y="0"/>
+          <a:ext cx="0" cy="0"/>
+          <a:chOff x="0" y="0"/>
+          <a:chExt cx="0" cy="0"/>
+        </a:xfrm>
+      </p:grpSpPr>
+      <p:sp>
+        <p:nvSpPr>
+          <p:cNvPr id="2" name="幻灯片图像占位符 1"/>
+          <p:cNvSpPr>
+            <a:spLocks noGrp="1" noRot="1" noChangeAspect="1"/>
+          </p:cNvSpPr>
+          <p:nvPr>
+            <p:ph type="sldImg"/>
+          </p:nvPr>
+        </p:nvSpPr>
+        <p:spPr/>
+      </p:sp>
+      <p:sp>
+        <p:nvSpPr>
+          <p:cNvPr id="3" name="备注占位符 2"/>
+          <p:cNvSpPr>
+            <a:spLocks noGrp="1"/>
+          </p:cNvSpPr>
+          <p:nvPr>
+            <p:ph type="body" idx="1"/>
+          </p:nvPr>
+        </p:nvSpPr>
+        <p:spPr/>
+        <p:txBody>
+          <a:bodyPr/>
+          <a:lstStyle/>
+          <a:p>
+            <a:endParaRPr lang="zh-CN" altLang="en-US" dirty="0"/>
+          </a:p>
+        </p:txBody>
+      </p:sp>
+      <p:sp>
+        <p:nvSpPr>
+          <p:cNvPr id="4" name="灯片编号占位符 3"/>
+          <p:cNvSpPr>
+            <a:spLocks noGrp="1"/>
+          </p:cNvSpPr>
+          <p:nvPr>
+            <p:ph type="sldNum" sz="quarter" idx="10"/>
+          </p:nvPr>
+        </p:nvSpPr>
+        <p:spPr/>
+        <p:txBody>
+          <a:bodyPr/>
+          <a:lstStyle/>
+          <a:p>
+            <a:fld id="{4F212CDC-BBBD-47F2-BD0A-0380DC626990}" type="slidenum">
+              <a:rPr lang="en-US" altLang="zh-CN" smtClean="0"/>
+              <a:pPr/>
+              <a:t>11</a:t>
+            </a:fld>
+            <a:endParaRPr lang="en-US" altLang="zh-CN"/>
+          </a:p>
+        </p:txBody>
+      </p:sp>
+    </p:spTree>
+    <p:extLst>
+      <p:ext uri="{BB962C8B-B14F-4D97-AF65-F5344CB8AC3E}">
+        <p14:creationId xmlns:p14="http://schemas.microsoft.com/office/powerpoint/2010/main" xmlns="" val="4074272823"/>
       </p:ext>
     </p:extLst>
   </p:cSld>
@@ -894,7 +1066,7 @@
     </p:spTree>
     <p:extLst>
       <p:ext uri="{BB962C8B-B14F-4D97-AF65-F5344CB8AC3E}">
-        <p14:creationId xmlns="" xmlns:p14="http://schemas.microsoft.com/office/powerpoint/2010/main" val="4074272823"/>
+        <p14:creationId xmlns:p14="http://schemas.microsoft.com/office/powerpoint/2010/main" xmlns="" val="4074272823"/>
       </p:ext>
     </p:extLst>
   </p:cSld>
@@ -997,7 +1169,7 @@
     </p:spTree>
     <p:extLst>
       <p:ext uri="{BB962C8B-B14F-4D97-AF65-F5344CB8AC3E}">
-        <p14:creationId xmlns="" xmlns:p14="http://schemas.microsoft.com/office/powerpoint/2010/main" val="4074272823"/>
+        <p14:creationId xmlns:p14="http://schemas.microsoft.com/office/powerpoint/2010/main" xmlns="" val="4074272823"/>
       </p:ext>
     </p:extLst>
   </p:cSld>
@@ -1082,7 +1254,7 @@
     </p:spTree>
     <p:extLst>
       <p:ext uri="{BB962C8B-B14F-4D97-AF65-F5344CB8AC3E}">
-        <p14:creationId xmlns="" xmlns:p14="http://schemas.microsoft.com/office/powerpoint/2010/main" val="4074272823"/>
+        <p14:creationId xmlns:p14="http://schemas.microsoft.com/office/powerpoint/2010/main" xmlns="" val="4074272823"/>
       </p:ext>
     </p:extLst>
   </p:cSld>
@@ -1167,7 +1339,7 @@
     </p:spTree>
     <p:extLst>
       <p:ext uri="{BB962C8B-B14F-4D97-AF65-F5344CB8AC3E}">
-        <p14:creationId xmlns="" xmlns:p14="http://schemas.microsoft.com/office/powerpoint/2010/main" val="4074272823"/>
+        <p14:creationId xmlns:p14="http://schemas.microsoft.com/office/powerpoint/2010/main" xmlns="" val="4074272823"/>
       </p:ext>
     </p:extLst>
   </p:cSld>
@@ -1252,7 +1424,7 @@
     </p:spTree>
     <p:extLst>
       <p:ext uri="{BB962C8B-B14F-4D97-AF65-F5344CB8AC3E}">
-        <p14:creationId xmlns="" xmlns:p14="http://schemas.microsoft.com/office/powerpoint/2010/main" val="4074272823"/>
+        <p14:creationId xmlns:p14="http://schemas.microsoft.com/office/powerpoint/2010/main" xmlns="" val="4074272823"/>
       </p:ext>
     </p:extLst>
   </p:cSld>
@@ -1337,7 +1509,7 @@
     </p:spTree>
     <p:extLst>
       <p:ext uri="{BB962C8B-B14F-4D97-AF65-F5344CB8AC3E}">
-        <p14:creationId xmlns="" xmlns:p14="http://schemas.microsoft.com/office/powerpoint/2010/main" val="4074272823"/>
+        <p14:creationId xmlns:p14="http://schemas.microsoft.com/office/powerpoint/2010/main" xmlns="" val="4074272823"/>
       </p:ext>
     </p:extLst>
   </p:cSld>
@@ -1422,7 +1594,7 @@
     </p:spTree>
     <p:extLst>
       <p:ext uri="{BB962C8B-B14F-4D97-AF65-F5344CB8AC3E}">
-        <p14:creationId xmlns="" xmlns:p14="http://schemas.microsoft.com/office/powerpoint/2010/main" val="4074272823"/>
+        <p14:creationId xmlns:p14="http://schemas.microsoft.com/office/powerpoint/2010/main" xmlns="" val="4074272823"/>
       </p:ext>
     </p:extLst>
   </p:cSld>
@@ -1507,7 +1679,7 @@
     </p:spTree>
     <p:extLst>
       <p:ext uri="{BB962C8B-B14F-4D97-AF65-F5344CB8AC3E}">
-        <p14:creationId xmlns="" xmlns:p14="http://schemas.microsoft.com/office/powerpoint/2010/main" val="4074272823"/>
+        <p14:creationId xmlns:p14="http://schemas.microsoft.com/office/powerpoint/2010/main" xmlns="" val="4074272823"/>
       </p:ext>
     </p:extLst>
   </p:cSld>
@@ -1561,7 +1733,7 @@
           <a:effectLst/>
           <a:extLst>
             <a:ext uri="{91240B29-F687-4F45-9708-019B960494DF}">
-              <a14:hiddenLine xmlns="" xmlns:a14="http://schemas.microsoft.com/office/drawing/2010/main" w="9525">
+              <a14:hiddenLine xmlns:a14="http://schemas.microsoft.com/office/drawing/2010/main" xmlns="" w="9525">
                 <a:solidFill>
                   <a:schemeClr val="tx1"/>
                 </a:solidFill>
@@ -1571,7 +1743,7 @@
               </a14:hiddenLine>
             </a:ext>
             <a:ext uri="{AF507438-7753-43E0-B8FC-AC1667EBCBE1}">
-              <a14:hiddenEffects xmlns="" xmlns:a14="http://schemas.microsoft.com/office/drawing/2010/main">
+              <a14:hiddenEffects xmlns:a14="http://schemas.microsoft.com/office/drawing/2010/main" xmlns="">
                 <a:effectLst>
                   <a:outerShdw dist="35921" dir="2700000" algn="ctr" rotWithShape="0">
                     <a:schemeClr val="bg2"/>
@@ -1618,7 +1790,7 @@
           <a:effectLst/>
           <a:extLst>
             <a:ext uri="{91240B29-F687-4F45-9708-019B960494DF}">
-              <a14:hiddenLine xmlns="" xmlns:a14="http://schemas.microsoft.com/office/drawing/2010/main" w="9525">
+              <a14:hiddenLine xmlns:a14="http://schemas.microsoft.com/office/drawing/2010/main" xmlns="" w="9525">
                 <a:solidFill>
                   <a:schemeClr val="tx1"/>
                 </a:solidFill>
@@ -1628,7 +1800,7 @@
               </a14:hiddenLine>
             </a:ext>
             <a:ext uri="{AF507438-7753-43E0-B8FC-AC1667EBCBE1}">
-              <a14:hiddenEffects xmlns="" xmlns:a14="http://schemas.microsoft.com/office/drawing/2010/main">
+              <a14:hiddenEffects xmlns:a14="http://schemas.microsoft.com/office/drawing/2010/main" xmlns="">
                 <a:effectLst>
                   <a:outerShdw dist="35921" dir="2700000" algn="ctr" rotWithShape="0">
                     <a:schemeClr val="bg2"/>
@@ -1675,7 +1847,7 @@
           <a:effectLst/>
           <a:extLst>
             <a:ext uri="{91240B29-F687-4F45-9708-019B960494DF}">
-              <a14:hiddenLine xmlns="" xmlns:a14="http://schemas.microsoft.com/office/drawing/2010/main" w="9525">
+              <a14:hiddenLine xmlns:a14="http://schemas.microsoft.com/office/drawing/2010/main" xmlns="" w="9525">
                 <a:solidFill>
                   <a:schemeClr val="tx1"/>
                 </a:solidFill>
@@ -1685,7 +1857,7 @@
               </a14:hiddenLine>
             </a:ext>
             <a:ext uri="{AF507438-7753-43E0-B8FC-AC1667EBCBE1}">
-              <a14:hiddenEffects xmlns="" xmlns:a14="http://schemas.microsoft.com/office/drawing/2010/main">
+              <a14:hiddenEffects xmlns:a14="http://schemas.microsoft.com/office/drawing/2010/main" xmlns="">
                 <a:effectLst>
                   <a:outerShdw dist="35921" dir="2700000" algn="ctr" rotWithShape="0">
                     <a:schemeClr val="bg2"/>
@@ -1728,7 +1900,7 @@
           <a:effectLst/>
           <a:extLst>
             <a:ext uri="{91240B29-F687-4F45-9708-019B960494DF}">
-              <a14:hiddenLine xmlns="" xmlns:a14="http://schemas.microsoft.com/office/drawing/2010/main" w="9525">
+              <a14:hiddenLine xmlns:a14="http://schemas.microsoft.com/office/drawing/2010/main" xmlns="" w="9525">
                 <a:solidFill>
                   <a:schemeClr val="tx1"/>
                 </a:solidFill>
@@ -1738,7 +1910,7 @@
               </a14:hiddenLine>
             </a:ext>
             <a:ext uri="{AF507438-7753-43E0-B8FC-AC1667EBCBE1}">
-              <a14:hiddenEffects xmlns="" xmlns:a14="http://schemas.microsoft.com/office/drawing/2010/main">
+              <a14:hiddenEffects xmlns:a14="http://schemas.microsoft.com/office/drawing/2010/main" xmlns="">
                 <a:effectLst>
                   <a:outerShdw dist="35921" dir="2700000" algn="ctr" rotWithShape="0">
                     <a:schemeClr val="bg2"/>
@@ -1781,7 +1953,7 @@
           <a:effectLst/>
           <a:extLst>
             <a:ext uri="{91240B29-F687-4F45-9708-019B960494DF}">
-              <a14:hiddenLine xmlns="" xmlns:a14="http://schemas.microsoft.com/office/drawing/2010/main" w="9525">
+              <a14:hiddenLine xmlns:a14="http://schemas.microsoft.com/office/drawing/2010/main" xmlns="" w="9525">
                 <a:solidFill>
                   <a:schemeClr val="tx1"/>
                 </a:solidFill>
@@ -1791,7 +1963,7 @@
               </a14:hiddenLine>
             </a:ext>
             <a:ext uri="{AF507438-7753-43E0-B8FC-AC1667EBCBE1}">
-              <a14:hiddenEffects xmlns="" xmlns:a14="http://schemas.microsoft.com/office/drawing/2010/main">
+              <a14:hiddenEffects xmlns:a14="http://schemas.microsoft.com/office/drawing/2010/main" xmlns="">
                 <a:effectLst>
                   <a:outerShdw dist="35921" dir="2700000" algn="ctr" rotWithShape="0">
                     <a:schemeClr val="bg2"/>
@@ -1834,7 +2006,7 @@
           <a:effectLst/>
           <a:extLst>
             <a:ext uri="{91240B29-F687-4F45-9708-019B960494DF}">
-              <a14:hiddenLine xmlns="" xmlns:a14="http://schemas.microsoft.com/office/drawing/2010/main" w="9525">
+              <a14:hiddenLine xmlns:a14="http://schemas.microsoft.com/office/drawing/2010/main" xmlns="" w="9525">
                 <a:solidFill>
                   <a:schemeClr val="tx1"/>
                 </a:solidFill>
@@ -1844,7 +2016,7 @@
               </a14:hiddenLine>
             </a:ext>
             <a:ext uri="{AF507438-7753-43E0-B8FC-AC1667EBCBE1}">
-              <a14:hiddenEffects xmlns="" xmlns:a14="http://schemas.microsoft.com/office/drawing/2010/main">
+              <a14:hiddenEffects xmlns:a14="http://schemas.microsoft.com/office/drawing/2010/main" xmlns="">
                 <a:effectLst>
                   <a:outerShdw dist="35921" dir="2700000" algn="ctr" rotWithShape="0">
                     <a:schemeClr val="bg2"/>
@@ -1980,7 +2152,7 @@
             <a:effectLst/>
             <a:extLst>
               <a:ext uri="{91240B29-F687-4F45-9708-019B960494DF}">
-                <a14:hiddenLine xmlns="" xmlns:a14="http://schemas.microsoft.com/office/drawing/2010/main" w="9525">
+                <a14:hiddenLine xmlns:a14="http://schemas.microsoft.com/office/drawing/2010/main" xmlns="" w="9525">
                   <a:solidFill>
                     <a:schemeClr val="tx1"/>
                   </a:solidFill>
@@ -1990,7 +2162,7 @@
                 </a14:hiddenLine>
               </a:ext>
               <a:ext uri="{AF507438-7753-43E0-B8FC-AC1667EBCBE1}">
-                <a14:hiddenEffects xmlns="" xmlns:a14="http://schemas.microsoft.com/office/drawing/2010/main">
+                <a14:hiddenEffects xmlns:a14="http://schemas.microsoft.com/office/drawing/2010/main" xmlns="">
                   <a:effectLst>
                     <a:outerShdw dist="35921" dir="2700000" algn="ctr" rotWithShape="0">
                       <a:schemeClr val="bg2"/>
@@ -2110,7 +2282,7 @@
             <a:effectLst/>
             <a:extLst>
               <a:ext uri="{91240B29-F687-4F45-9708-019B960494DF}">
-                <a14:hiddenLine xmlns="" xmlns:a14="http://schemas.microsoft.com/office/drawing/2010/main" w="9525">
+                <a14:hiddenLine xmlns:a14="http://schemas.microsoft.com/office/drawing/2010/main" xmlns="" w="9525">
                   <a:solidFill>
                     <a:schemeClr val="tx1"/>
                   </a:solidFill>
@@ -2120,7 +2292,7 @@
                 </a14:hiddenLine>
               </a:ext>
               <a:ext uri="{AF507438-7753-43E0-B8FC-AC1667EBCBE1}">
-                <a14:hiddenEffects xmlns="" xmlns:a14="http://schemas.microsoft.com/office/drawing/2010/main">
+                <a14:hiddenEffects xmlns:a14="http://schemas.microsoft.com/office/drawing/2010/main" xmlns="">
                   <a:effectLst>
                     <a:outerShdw dist="35921" dir="2700000" algn="ctr" rotWithShape="0">
                       <a:schemeClr val="bg2"/>
@@ -2232,7 +2404,7 @@
             <a:effectLst/>
             <a:extLst>
               <a:ext uri="{91240B29-F687-4F45-9708-019B960494DF}">
-                <a14:hiddenLine xmlns="" xmlns:a14="http://schemas.microsoft.com/office/drawing/2010/main" w="9525">
+                <a14:hiddenLine xmlns:a14="http://schemas.microsoft.com/office/drawing/2010/main" xmlns="" w="9525">
                   <a:solidFill>
                     <a:schemeClr val="tx1"/>
                   </a:solidFill>
@@ -2242,7 +2414,7 @@
                 </a14:hiddenLine>
               </a:ext>
               <a:ext uri="{AF507438-7753-43E0-B8FC-AC1667EBCBE1}">
-                <a14:hiddenEffects xmlns="" xmlns:a14="http://schemas.microsoft.com/office/drawing/2010/main">
+                <a14:hiddenEffects xmlns:a14="http://schemas.microsoft.com/office/drawing/2010/main" xmlns="">
                   <a:effectLst>
                     <a:outerShdw dist="35921" dir="2700000" algn="ctr" rotWithShape="0">
                       <a:schemeClr val="bg2"/>
@@ -9096,7 +9268,7 @@
           <a:effectLst/>
           <a:extLst>
             <a:ext uri="{91240B29-F687-4F45-9708-019B960494DF}">
-              <a14:hiddenLine xmlns="" xmlns:a14="http://schemas.microsoft.com/office/drawing/2010/main" w="9525">
+              <a14:hiddenLine xmlns:a14="http://schemas.microsoft.com/office/drawing/2010/main" xmlns="" w="9525">
                 <a:solidFill>
                   <a:schemeClr val="tx1"/>
                 </a:solidFill>
@@ -9106,7 +9278,7 @@
               </a14:hiddenLine>
             </a:ext>
             <a:ext uri="{AF507438-7753-43E0-B8FC-AC1667EBCBE1}">
-              <a14:hiddenEffects xmlns="" xmlns:a14="http://schemas.microsoft.com/office/drawing/2010/main">
+              <a14:hiddenEffects xmlns:a14="http://schemas.microsoft.com/office/drawing/2010/main" xmlns="">
                 <a:effectLst>
                   <a:outerShdw dist="35921" dir="2700000" algn="ctr" rotWithShape="0">
                     <a:schemeClr val="bg2"/>
@@ -9149,7 +9321,7 @@
           <a:effectLst/>
           <a:extLst>
             <a:ext uri="{91240B29-F687-4F45-9708-019B960494DF}">
-              <a14:hiddenLine xmlns="" xmlns:a14="http://schemas.microsoft.com/office/drawing/2010/main" w="9525">
+              <a14:hiddenLine xmlns:a14="http://schemas.microsoft.com/office/drawing/2010/main" xmlns="" w="9525">
                 <a:solidFill>
                   <a:schemeClr val="tx1"/>
                 </a:solidFill>
@@ -9159,7 +9331,7 @@
               </a14:hiddenLine>
             </a:ext>
             <a:ext uri="{AF507438-7753-43E0-B8FC-AC1667EBCBE1}">
-              <a14:hiddenEffects xmlns="" xmlns:a14="http://schemas.microsoft.com/office/drawing/2010/main">
+              <a14:hiddenEffects xmlns:a14="http://schemas.microsoft.com/office/drawing/2010/main" xmlns="">
                 <a:effectLst>
                   <a:outerShdw dist="35921" dir="2700000" algn="ctr" rotWithShape="0">
                     <a:schemeClr val="bg2"/>
@@ -9295,7 +9467,7 @@
             <a:effectLst/>
             <a:extLst>
               <a:ext uri="{91240B29-F687-4F45-9708-019B960494DF}">
-                <a14:hiddenLine xmlns="" xmlns:a14="http://schemas.microsoft.com/office/drawing/2010/main" w="9525">
+                <a14:hiddenLine xmlns:a14="http://schemas.microsoft.com/office/drawing/2010/main" xmlns="" w="9525">
                   <a:solidFill>
                     <a:schemeClr val="tx1"/>
                   </a:solidFill>
@@ -9305,7 +9477,7 @@
                 </a14:hiddenLine>
               </a:ext>
               <a:ext uri="{AF507438-7753-43E0-B8FC-AC1667EBCBE1}">
-                <a14:hiddenEffects xmlns="" xmlns:a14="http://schemas.microsoft.com/office/drawing/2010/main">
+                <a14:hiddenEffects xmlns:a14="http://schemas.microsoft.com/office/drawing/2010/main" xmlns="">
                   <a:effectLst>
                     <a:outerShdw dist="35921" dir="2700000" algn="ctr" rotWithShape="0">
                       <a:schemeClr val="bg2"/>
@@ -9415,7 +9587,7 @@
             <a:effectLst/>
             <a:extLst>
               <a:ext uri="{91240B29-F687-4F45-9708-019B960494DF}">
-                <a14:hiddenLine xmlns="" xmlns:a14="http://schemas.microsoft.com/office/drawing/2010/main" w="9525">
+                <a14:hiddenLine xmlns:a14="http://schemas.microsoft.com/office/drawing/2010/main" xmlns="" w="9525">
                   <a:solidFill>
                     <a:schemeClr val="tx1"/>
                   </a:solidFill>
@@ -9425,7 +9597,7 @@
                 </a14:hiddenLine>
               </a:ext>
               <a:ext uri="{AF507438-7753-43E0-B8FC-AC1667EBCBE1}">
-                <a14:hiddenEffects xmlns="" xmlns:a14="http://schemas.microsoft.com/office/drawing/2010/main">
+                <a14:hiddenEffects xmlns:a14="http://schemas.microsoft.com/office/drawing/2010/main" xmlns="">
                   <a:effectLst>
                     <a:outerShdw dist="35921" dir="2700000" algn="ctr" rotWithShape="0">
                       <a:schemeClr val="bg2"/>
@@ -9537,7 +9709,7 @@
             <a:effectLst/>
             <a:extLst>
               <a:ext uri="{91240B29-F687-4F45-9708-019B960494DF}">
-                <a14:hiddenLine xmlns="" xmlns:a14="http://schemas.microsoft.com/office/drawing/2010/main" w="9525">
+                <a14:hiddenLine xmlns:a14="http://schemas.microsoft.com/office/drawing/2010/main" xmlns="" w="9525">
                   <a:solidFill>
                     <a:schemeClr val="tx1"/>
                   </a:solidFill>
@@ -9547,7 +9719,7 @@
                 </a14:hiddenLine>
               </a:ext>
               <a:ext uri="{AF507438-7753-43E0-B8FC-AC1667EBCBE1}">
-                <a14:hiddenEffects xmlns="" xmlns:a14="http://schemas.microsoft.com/office/drawing/2010/main">
+                <a14:hiddenEffects xmlns:a14="http://schemas.microsoft.com/office/drawing/2010/main" xmlns="">
                   <a:effectLst>
                     <a:outerShdw dist="35921" dir="2700000" algn="ctr" rotWithShape="0">
                       <a:schemeClr val="bg2"/>
@@ -9591,7 +9763,7 @@
           <a:effectLst/>
           <a:extLst>
             <a:ext uri="{91240B29-F687-4F45-9708-019B960494DF}">
-              <a14:hiddenLine xmlns="" xmlns:a14="http://schemas.microsoft.com/office/drawing/2010/main" w="9525">
+              <a14:hiddenLine xmlns:a14="http://schemas.microsoft.com/office/drawing/2010/main" xmlns="" w="9525">
                 <a:solidFill>
                   <a:schemeClr val="tx1"/>
                 </a:solidFill>
@@ -9601,7 +9773,7 @@
               </a14:hiddenLine>
             </a:ext>
             <a:ext uri="{AF507438-7753-43E0-B8FC-AC1667EBCBE1}">
-              <a14:hiddenEffects xmlns="" xmlns:a14="http://schemas.microsoft.com/office/drawing/2010/main">
+              <a14:hiddenEffects xmlns:a14="http://schemas.microsoft.com/office/drawing/2010/main" xmlns="">
                 <a:effectLst>
                   <a:outerShdw dist="35921" dir="2700000" algn="ctr" rotWithShape="0">
                     <a:schemeClr val="bg2"/>
@@ -9648,7 +9820,7 @@
           <a:effectLst/>
           <a:extLst>
             <a:ext uri="{91240B29-F687-4F45-9708-019B960494DF}">
-              <a14:hiddenLine xmlns="" xmlns:a14="http://schemas.microsoft.com/office/drawing/2010/main" w="9525">
+              <a14:hiddenLine xmlns:a14="http://schemas.microsoft.com/office/drawing/2010/main" xmlns="" w="9525">
                 <a:solidFill>
                   <a:schemeClr val="tx1"/>
                 </a:solidFill>
@@ -9658,7 +9830,7 @@
               </a14:hiddenLine>
             </a:ext>
             <a:ext uri="{AF507438-7753-43E0-B8FC-AC1667EBCBE1}">
-              <a14:hiddenEffects xmlns="" xmlns:a14="http://schemas.microsoft.com/office/drawing/2010/main">
+              <a14:hiddenEffects xmlns:a14="http://schemas.microsoft.com/office/drawing/2010/main" xmlns="">
                 <a:effectLst>
                   <a:outerShdw dist="35921" dir="2700000" algn="ctr" rotWithShape="0">
                     <a:schemeClr val="bg2"/>
@@ -9705,7 +9877,7 @@
           <a:effectLst/>
           <a:extLst>
             <a:ext uri="{91240B29-F687-4F45-9708-019B960494DF}">
-              <a14:hiddenLine xmlns="" xmlns:a14="http://schemas.microsoft.com/office/drawing/2010/main" w="9525">
+              <a14:hiddenLine xmlns:a14="http://schemas.microsoft.com/office/drawing/2010/main" xmlns="" w="9525">
                 <a:solidFill>
                   <a:schemeClr val="tx1"/>
                 </a:solidFill>
@@ -9715,7 +9887,7 @@
               </a14:hiddenLine>
             </a:ext>
             <a:ext uri="{AF507438-7753-43E0-B8FC-AC1667EBCBE1}">
-              <a14:hiddenEffects xmlns="" xmlns:a14="http://schemas.microsoft.com/office/drawing/2010/main">
+              <a14:hiddenEffects xmlns:a14="http://schemas.microsoft.com/office/drawing/2010/main" xmlns="">
                 <a:effectLst>
                   <a:outerShdw dist="35921" dir="2700000" algn="ctr" rotWithShape="0">
                     <a:schemeClr val="bg2"/>
@@ -9758,7 +9930,7 @@
           <a:effectLst/>
           <a:extLst>
             <a:ext uri="{91240B29-F687-4F45-9708-019B960494DF}">
-              <a14:hiddenLine xmlns="" xmlns:a14="http://schemas.microsoft.com/office/drawing/2010/main" w="9525">
+              <a14:hiddenLine xmlns:a14="http://schemas.microsoft.com/office/drawing/2010/main" xmlns="" w="9525">
                 <a:solidFill>
                   <a:schemeClr val="tx1"/>
                 </a:solidFill>
@@ -9768,7 +9940,7 @@
               </a14:hiddenLine>
             </a:ext>
             <a:ext uri="{AF507438-7753-43E0-B8FC-AC1667EBCBE1}">
-              <a14:hiddenEffects xmlns="" xmlns:a14="http://schemas.microsoft.com/office/drawing/2010/main">
+              <a14:hiddenEffects xmlns:a14="http://schemas.microsoft.com/office/drawing/2010/main" xmlns="">
                 <a:effectLst>
                   <a:outerShdw dist="35921" dir="2700000" algn="ctr" rotWithShape="0">
                     <a:schemeClr val="bg2"/>
@@ -9815,7 +9987,7 @@
           <a:effectLst/>
           <a:extLst>
             <a:ext uri="{91240B29-F687-4F45-9708-019B960494DF}">
-              <a14:hiddenLine xmlns="" xmlns:a14="http://schemas.microsoft.com/office/drawing/2010/main" w="9525">
+              <a14:hiddenLine xmlns:a14="http://schemas.microsoft.com/office/drawing/2010/main" xmlns="" w="9525">
                 <a:solidFill>
                   <a:schemeClr val="tx1"/>
                 </a:solidFill>
@@ -9825,7 +9997,7 @@
               </a14:hiddenLine>
             </a:ext>
             <a:ext uri="{AF507438-7753-43E0-B8FC-AC1667EBCBE1}">
-              <a14:hiddenEffects xmlns="" xmlns:a14="http://schemas.microsoft.com/office/drawing/2010/main">
+              <a14:hiddenEffects xmlns:a14="http://schemas.microsoft.com/office/drawing/2010/main" xmlns="">
                 <a:effectLst>
                   <a:outerShdw dist="35921" dir="2700000" algn="ctr" rotWithShape="0">
                     <a:schemeClr val="bg2"/>
@@ -9999,7 +10171,7 @@
           <a:effectLst/>
           <a:extLst>
             <a:ext uri="{91240B29-F687-4F45-9708-019B960494DF}">
-              <a14:hiddenLine xmlns="" xmlns:a14="http://schemas.microsoft.com/office/drawing/2010/main" w="9525">
+              <a14:hiddenLine xmlns:a14="http://schemas.microsoft.com/office/drawing/2010/main" xmlns="" w="9525">
                 <a:solidFill>
                   <a:schemeClr val="tx1"/>
                 </a:solidFill>
@@ -10009,7 +10181,7 @@
               </a14:hiddenLine>
             </a:ext>
             <a:ext uri="{AF507438-7753-43E0-B8FC-AC1667EBCBE1}">
-              <a14:hiddenEffects xmlns="" xmlns:a14="http://schemas.microsoft.com/office/drawing/2010/main">
+              <a14:hiddenEffects xmlns:a14="http://schemas.microsoft.com/office/drawing/2010/main" xmlns="">
                 <a:effectLst>
                   <a:outerShdw dist="35921" dir="2700000" algn="ctr" rotWithShape="0">
                     <a:schemeClr val="bg2"/>
@@ -10054,7 +10226,7 @@
           <a:effectLst/>
           <a:extLst>
             <a:ext uri="{91240B29-F687-4F45-9708-019B960494DF}">
-              <a14:hiddenLine xmlns="" xmlns:a14="http://schemas.microsoft.com/office/drawing/2010/main" w="9525">
+              <a14:hiddenLine xmlns:a14="http://schemas.microsoft.com/office/drawing/2010/main" xmlns="" w="9525">
                 <a:solidFill>
                   <a:schemeClr val="tx1"/>
                 </a:solidFill>
@@ -10064,7 +10236,7 @@
               </a14:hiddenLine>
             </a:ext>
             <a:ext uri="{AF507438-7753-43E0-B8FC-AC1667EBCBE1}">
-              <a14:hiddenEffects xmlns="" xmlns:a14="http://schemas.microsoft.com/office/drawing/2010/main">
+              <a14:hiddenEffects xmlns:a14="http://schemas.microsoft.com/office/drawing/2010/main" xmlns="">
                 <a:effectLst>
                   <a:outerShdw dist="35921" dir="2700000" algn="ctr" rotWithShape="0">
                     <a:schemeClr val="bg2"/>
@@ -10107,7 +10279,7 @@
           <a:effectLst/>
           <a:extLst>
             <a:ext uri="{91240B29-F687-4F45-9708-019B960494DF}">
-              <a14:hiddenLine xmlns="" xmlns:a14="http://schemas.microsoft.com/office/drawing/2010/main" w="9525">
+              <a14:hiddenLine xmlns:a14="http://schemas.microsoft.com/office/drawing/2010/main" xmlns="" w="9525">
                 <a:solidFill>
                   <a:schemeClr val="tx1"/>
                 </a:solidFill>
@@ -10117,7 +10289,7 @@
               </a14:hiddenLine>
             </a:ext>
             <a:ext uri="{AF507438-7753-43E0-B8FC-AC1667EBCBE1}">
-              <a14:hiddenEffects xmlns="" xmlns:a14="http://schemas.microsoft.com/office/drawing/2010/main">
+              <a14:hiddenEffects xmlns:a14="http://schemas.microsoft.com/office/drawing/2010/main" xmlns="">
                 <a:effectLst>
                   <a:outerShdw dist="35921" dir="2700000" algn="ctr" rotWithShape="0">
                     <a:schemeClr val="bg2"/>
@@ -10147,7 +10319,7 @@
           <a:blip r:embed="rId7" cstate="print">
             <a:extLst>
               <a:ext uri="{28A0092B-C50C-407E-A947-70E740481C1C}">
-                <a14:useLocalDpi xmlns="" xmlns:a14="http://schemas.microsoft.com/office/drawing/2010/main" val="0"/>
+                <a14:useLocalDpi xmlns:a14="http://schemas.microsoft.com/office/drawing/2010/main" xmlns="" val="0"/>
               </a:ext>
             </a:extLst>
           </a:blip>
@@ -10167,7 +10339,7 @@
           <a:noFill/>
           <a:extLst>
             <a:ext uri="{909E8E84-426E-40DD-AFC4-6F175D3DCCD1}">
-              <a14:hiddenFill xmlns="" xmlns:a14="http://schemas.microsoft.com/office/drawing/2010/main">
+              <a14:hiddenFill xmlns:a14="http://schemas.microsoft.com/office/drawing/2010/main" xmlns="">
                 <a:solidFill>
                   <a:srgbClr val="FFFFFF"/>
                 </a:solidFill>
@@ -10242,7 +10414,7 @@
           <a:effectLst/>
           <a:extLst>
             <a:ext uri="{91240B29-F687-4F45-9708-019B960494DF}">
-              <a14:hiddenLine xmlns="" xmlns:a14="http://schemas.microsoft.com/office/drawing/2010/main" w="9525">
+              <a14:hiddenLine xmlns:a14="http://schemas.microsoft.com/office/drawing/2010/main" xmlns="" w="9525">
                 <a:solidFill>
                   <a:schemeClr val="tx1"/>
                 </a:solidFill>
@@ -10252,7 +10424,7 @@
               </a14:hiddenLine>
             </a:ext>
             <a:ext uri="{AF507438-7753-43E0-B8FC-AC1667EBCBE1}">
-              <a14:hiddenEffects xmlns="" xmlns:a14="http://schemas.microsoft.com/office/drawing/2010/main">
+              <a14:hiddenEffects xmlns:a14="http://schemas.microsoft.com/office/drawing/2010/main" xmlns="">
                 <a:effectLst>
                   <a:outerShdw dist="35921" dir="2700000" algn="ctr" rotWithShape="0">
                     <a:schemeClr val="bg2"/>
@@ -10276,7 +10448,7 @@
     <a:masterClrMapping/>
   </p:clrMapOvr>
   <mc:AlternateContent xmlns:mc="http://schemas.openxmlformats.org/markup-compatibility/2006">
-    <mc:Choice xmlns="" xmlns:p14="http://schemas.microsoft.com/office/powerpoint/2010/main" Requires="p14">
+    <mc:Choice xmlns:p14="http://schemas.microsoft.com/office/powerpoint/2010/main" xmlns="" Requires="p14">
       <p:transition p14:dur="10"/>
     </mc:Choice>
     <mc:Fallback>
@@ -11127,7 +11299,7 @@
     </p:spTree>
     <p:extLst>
       <p:ext uri="{BB962C8B-B14F-4D97-AF65-F5344CB8AC3E}">
-        <p14:creationId xmlns="" xmlns:p14="http://schemas.microsoft.com/office/powerpoint/2010/main" val="3837632591"/>
+        <p14:creationId xmlns:p14="http://schemas.microsoft.com/office/powerpoint/2010/main" xmlns="" val="3837632591"/>
       </p:ext>
     </p:extLst>
   </p:cSld>
@@ -11135,7 +11307,7 @@
     <a:masterClrMapping/>
   </p:clrMapOvr>
   <mc:AlternateContent xmlns:mc="http://schemas.openxmlformats.org/markup-compatibility/2006">
-    <mc:Choice xmlns="" xmlns:p14="http://schemas.microsoft.com/office/powerpoint/2010/main" Requires="p14">
+    <mc:Choice xmlns:p14="http://schemas.microsoft.com/office/powerpoint/2010/main" xmlns="" Requires="p14">
       <p:transition p14:dur="10"/>
     </mc:Choice>
     <mc:Fallback>
@@ -11331,7 +11503,7 @@
     </p:spTree>
     <p:extLst>
       <p:ext uri="{BB962C8B-B14F-4D97-AF65-F5344CB8AC3E}">
-        <p14:creationId xmlns="" xmlns:p14="http://schemas.microsoft.com/office/powerpoint/2010/main" val="2834318928"/>
+        <p14:creationId xmlns:p14="http://schemas.microsoft.com/office/powerpoint/2010/main" xmlns="" val="2834318928"/>
       </p:ext>
     </p:extLst>
   </p:cSld>
@@ -11339,7 +11511,7 @@
     <a:masterClrMapping/>
   </p:clrMapOvr>
   <mc:AlternateContent xmlns:mc="http://schemas.openxmlformats.org/markup-compatibility/2006">
-    <mc:Choice xmlns="" xmlns:p14="http://schemas.microsoft.com/office/powerpoint/2010/main" Requires="p14">
+    <mc:Choice xmlns:p14="http://schemas.microsoft.com/office/powerpoint/2010/main" xmlns="" Requires="p14">
       <p:transition p14:dur="10"/>
     </mc:Choice>
     <mc:Fallback>
@@ -11622,7 +11794,7 @@
     </p:spTree>
     <p:extLst>
       <p:ext uri="{BB962C8B-B14F-4D97-AF65-F5344CB8AC3E}">
-        <p14:creationId xmlns="" xmlns:p14="http://schemas.microsoft.com/office/powerpoint/2010/main" val="4048891960"/>
+        <p14:creationId xmlns:p14="http://schemas.microsoft.com/office/powerpoint/2010/main" xmlns="" val="4048891960"/>
       </p:ext>
     </p:extLst>
   </p:cSld>
@@ -11630,7 +11802,7 @@
     <a:masterClrMapping/>
   </p:clrMapOvr>
   <mc:AlternateContent xmlns:mc="http://schemas.openxmlformats.org/markup-compatibility/2006">
-    <mc:Choice xmlns="" xmlns:p14="http://schemas.microsoft.com/office/powerpoint/2010/main" Requires="p14">
+    <mc:Choice xmlns:p14="http://schemas.microsoft.com/office/powerpoint/2010/main" xmlns="" Requires="p14">
       <p:transition p14:dur="10"/>
     </mc:Choice>
     <mc:Fallback>
@@ -11812,7 +11984,7 @@
     </p:spTree>
     <p:extLst>
       <p:ext uri="{BB962C8B-B14F-4D97-AF65-F5344CB8AC3E}">
-        <p14:creationId xmlns="" xmlns:p14="http://schemas.microsoft.com/office/powerpoint/2010/main" val="356270086"/>
+        <p14:creationId xmlns:p14="http://schemas.microsoft.com/office/powerpoint/2010/main" xmlns="" val="356270086"/>
       </p:ext>
     </p:extLst>
   </p:cSld>
@@ -11820,7 +11992,7 @@
     <a:masterClrMapping/>
   </p:clrMapOvr>
   <mc:AlternateContent xmlns:mc="http://schemas.openxmlformats.org/markup-compatibility/2006">
-    <mc:Choice xmlns="" xmlns:p14="http://schemas.microsoft.com/office/powerpoint/2010/main" Requires="p14">
+    <mc:Choice xmlns:p14="http://schemas.microsoft.com/office/powerpoint/2010/main" xmlns="" Requires="p14">
       <p:transition p14:dur="10"/>
     </mc:Choice>
     <mc:Fallback>
@@ -11995,7 +12167,7 @@
     </p:spTree>
     <p:extLst>
       <p:ext uri="{BB962C8B-B14F-4D97-AF65-F5344CB8AC3E}">
-        <p14:creationId xmlns="" xmlns:p14="http://schemas.microsoft.com/office/powerpoint/2010/main" val="1537390044"/>
+        <p14:creationId xmlns:p14="http://schemas.microsoft.com/office/powerpoint/2010/main" xmlns="" val="1537390044"/>
       </p:ext>
     </p:extLst>
   </p:cSld>
@@ -12003,7 +12175,7 @@
     <a:masterClrMapping/>
   </p:clrMapOvr>
   <mc:AlternateContent xmlns:mc="http://schemas.openxmlformats.org/markup-compatibility/2006">
-    <mc:Choice xmlns="" xmlns:p14="http://schemas.microsoft.com/office/powerpoint/2010/main" Requires="p14">
+    <mc:Choice xmlns:p14="http://schemas.microsoft.com/office/powerpoint/2010/main" xmlns="" Requires="p14">
       <p:transition p14:dur="10"/>
     </mc:Choice>
     <mc:Fallback>
@@ -12186,7 +12358,7 @@
     </p:spTree>
     <p:extLst>
       <p:ext uri="{BB962C8B-B14F-4D97-AF65-F5344CB8AC3E}">
-        <p14:creationId xmlns="" xmlns:p14="http://schemas.microsoft.com/office/powerpoint/2010/main" val="2350597799"/>
+        <p14:creationId xmlns:p14="http://schemas.microsoft.com/office/powerpoint/2010/main" xmlns="" val="2350597799"/>
       </p:ext>
     </p:extLst>
   </p:cSld>
@@ -12194,7 +12366,7 @@
     <a:masterClrMapping/>
   </p:clrMapOvr>
   <mc:AlternateContent xmlns:mc="http://schemas.openxmlformats.org/markup-compatibility/2006">
-    <mc:Choice xmlns="" xmlns:p14="http://schemas.microsoft.com/office/powerpoint/2010/main" Requires="p14">
+    <mc:Choice xmlns:p14="http://schemas.microsoft.com/office/powerpoint/2010/main" xmlns="" Requires="p14">
       <p:transition p14:dur="10"/>
     </mc:Choice>
     <mc:Fallback>
@@ -12373,7 +12545,7 @@
     </p:spTree>
     <p:extLst>
       <p:ext uri="{BB962C8B-B14F-4D97-AF65-F5344CB8AC3E}">
-        <p14:creationId xmlns="" xmlns:p14="http://schemas.microsoft.com/office/powerpoint/2010/main" val="1553643063"/>
+        <p14:creationId xmlns:p14="http://schemas.microsoft.com/office/powerpoint/2010/main" xmlns="" val="1553643063"/>
       </p:ext>
     </p:extLst>
   </p:cSld>
@@ -12381,7 +12553,7 @@
     <a:masterClrMapping/>
   </p:clrMapOvr>
   <mc:AlternateContent xmlns:mc="http://schemas.openxmlformats.org/markup-compatibility/2006">
-    <mc:Choice xmlns="" xmlns:p14="http://schemas.microsoft.com/office/powerpoint/2010/main" Requires="p14">
+    <mc:Choice xmlns:p14="http://schemas.microsoft.com/office/powerpoint/2010/main" xmlns="" Requires="p14">
       <p:transition p14:dur="10"/>
     </mc:Choice>
     <mc:Fallback>
@@ -12582,7 +12754,7 @@
     </p:spTree>
     <p:extLst>
       <p:ext uri="{BB962C8B-B14F-4D97-AF65-F5344CB8AC3E}">
-        <p14:creationId xmlns="" xmlns:p14="http://schemas.microsoft.com/office/powerpoint/2010/main" val="3931288045"/>
+        <p14:creationId xmlns:p14="http://schemas.microsoft.com/office/powerpoint/2010/main" xmlns="" val="3931288045"/>
       </p:ext>
     </p:extLst>
   </p:cSld>
@@ -12590,7 +12762,7 @@
     <a:masterClrMapping/>
   </p:clrMapOvr>
   <mc:AlternateContent xmlns:mc="http://schemas.openxmlformats.org/markup-compatibility/2006">
-    <mc:Choice xmlns="" xmlns:p14="http://schemas.microsoft.com/office/powerpoint/2010/main" Requires="p14">
+    <mc:Choice xmlns:p14="http://schemas.microsoft.com/office/powerpoint/2010/main" xmlns="" Requires="p14">
       <p:transition p14:dur="10"/>
     </mc:Choice>
     <mc:Fallback>
@@ -12887,7 +13059,7 @@
     </p:spTree>
     <p:extLst>
       <p:ext uri="{BB962C8B-B14F-4D97-AF65-F5344CB8AC3E}">
-        <p14:creationId xmlns="" xmlns:p14="http://schemas.microsoft.com/office/powerpoint/2010/main" val="1436502707"/>
+        <p14:creationId xmlns:p14="http://schemas.microsoft.com/office/powerpoint/2010/main" xmlns="" val="1436502707"/>
       </p:ext>
     </p:extLst>
   </p:cSld>
@@ -12895,7 +13067,7 @@
     <a:masterClrMapping/>
   </p:clrMapOvr>
   <mc:AlternateContent xmlns:mc="http://schemas.openxmlformats.org/markup-compatibility/2006">
-    <mc:Choice xmlns="" xmlns:p14="http://schemas.microsoft.com/office/powerpoint/2010/main" Requires="p14">
+    <mc:Choice xmlns:p14="http://schemas.microsoft.com/office/powerpoint/2010/main" xmlns="" Requires="p14">
       <p:transition p14:dur="10"/>
     </mc:Choice>
     <mc:Fallback>
@@ -13331,7 +13503,7 @@
     </p:spTree>
     <p:extLst>
       <p:ext uri="{BB962C8B-B14F-4D97-AF65-F5344CB8AC3E}">
-        <p14:creationId xmlns="" xmlns:p14="http://schemas.microsoft.com/office/powerpoint/2010/main" val="4218482637"/>
+        <p14:creationId xmlns:p14="http://schemas.microsoft.com/office/powerpoint/2010/main" xmlns="" val="4218482637"/>
       </p:ext>
     </p:extLst>
   </p:cSld>
@@ -13339,7 +13511,7 @@
     <a:masterClrMapping/>
   </p:clrMapOvr>
   <mc:AlternateContent xmlns:mc="http://schemas.openxmlformats.org/markup-compatibility/2006">
-    <mc:Choice xmlns="" xmlns:p14="http://schemas.microsoft.com/office/powerpoint/2010/main" Requires="p14">
+    <mc:Choice xmlns:p14="http://schemas.microsoft.com/office/powerpoint/2010/main" xmlns="" Requires="p14">
       <p:transition p14:dur="10"/>
     </mc:Choice>
     <mc:Fallback>
@@ -13466,7 +13638,7 @@
     </p:spTree>
     <p:extLst>
       <p:ext uri="{BB962C8B-B14F-4D97-AF65-F5344CB8AC3E}">
-        <p14:creationId xmlns="" xmlns:p14="http://schemas.microsoft.com/office/powerpoint/2010/main" val="3367094085"/>
+        <p14:creationId xmlns:p14="http://schemas.microsoft.com/office/powerpoint/2010/main" xmlns="" val="3367094085"/>
       </p:ext>
     </p:extLst>
   </p:cSld>
@@ -13474,7 +13646,7 @@
     <a:masterClrMapping/>
   </p:clrMapOvr>
   <mc:AlternateContent xmlns:mc="http://schemas.openxmlformats.org/markup-compatibility/2006">
-    <mc:Choice xmlns="" xmlns:p14="http://schemas.microsoft.com/office/powerpoint/2010/main" Requires="p14">
+    <mc:Choice xmlns:p14="http://schemas.microsoft.com/office/powerpoint/2010/main" xmlns="" Requires="p14">
       <p:transition p14:dur="10"/>
     </mc:Choice>
     <mc:Fallback>
@@ -13578,7 +13750,7 @@
     </p:spTree>
     <p:extLst>
       <p:ext uri="{BB962C8B-B14F-4D97-AF65-F5344CB8AC3E}">
-        <p14:creationId xmlns="" xmlns:p14="http://schemas.microsoft.com/office/powerpoint/2010/main" val="1902852705"/>
+        <p14:creationId xmlns:p14="http://schemas.microsoft.com/office/powerpoint/2010/main" xmlns="" val="1902852705"/>
       </p:ext>
     </p:extLst>
   </p:cSld>
@@ -13586,7 +13758,7 @@
     <a:masterClrMapping/>
   </p:clrMapOvr>
   <mc:AlternateContent xmlns:mc="http://schemas.openxmlformats.org/markup-compatibility/2006">
-    <mc:Choice xmlns="" xmlns:p14="http://schemas.microsoft.com/office/powerpoint/2010/main" Requires="p14">
+    <mc:Choice xmlns:p14="http://schemas.microsoft.com/office/powerpoint/2010/main" xmlns="" Requires="p14">
       <p:transition p14:dur="10"/>
     </mc:Choice>
     <mc:Fallback>
@@ -13872,7 +14044,7 @@
     </p:spTree>
     <p:extLst>
       <p:ext uri="{BB962C8B-B14F-4D97-AF65-F5344CB8AC3E}">
-        <p14:creationId xmlns="" xmlns:p14="http://schemas.microsoft.com/office/powerpoint/2010/main" val="3975071873"/>
+        <p14:creationId xmlns:p14="http://schemas.microsoft.com/office/powerpoint/2010/main" xmlns="" val="3975071873"/>
       </p:ext>
     </p:extLst>
   </p:cSld>
@@ -13880,7 +14052,7 @@
     <a:masterClrMapping/>
   </p:clrMapOvr>
   <mc:AlternateContent xmlns:mc="http://schemas.openxmlformats.org/markup-compatibility/2006">
-    <mc:Choice xmlns="" xmlns:p14="http://schemas.microsoft.com/office/powerpoint/2010/main" Requires="p14">
+    <mc:Choice xmlns:p14="http://schemas.microsoft.com/office/powerpoint/2010/main" xmlns="" Requires="p14">
       <p:transition p14:dur="10"/>
     </mc:Choice>
     <mc:Fallback>
@@ -14146,7 +14318,7 @@
     </p:spTree>
     <p:extLst>
       <p:ext uri="{BB962C8B-B14F-4D97-AF65-F5344CB8AC3E}">
-        <p14:creationId xmlns="" xmlns:p14="http://schemas.microsoft.com/office/powerpoint/2010/main" val="3345478573"/>
+        <p14:creationId xmlns:p14="http://schemas.microsoft.com/office/powerpoint/2010/main" xmlns="" val="3345478573"/>
       </p:ext>
     </p:extLst>
   </p:cSld>
@@ -14154,7 +14326,7 @@
     <a:masterClrMapping/>
   </p:clrMapOvr>
   <mc:AlternateContent xmlns:mc="http://schemas.openxmlformats.org/markup-compatibility/2006">
-    <mc:Choice xmlns="" xmlns:p14="http://schemas.microsoft.com/office/powerpoint/2010/main" Requires="p14">
+    <mc:Choice xmlns:p14="http://schemas.microsoft.com/office/powerpoint/2010/main" xmlns="" Requires="p14">
       <p:transition p14:dur="10"/>
     </mc:Choice>
     <mc:Fallback>
@@ -21021,7 +21193,7 @@
           <a:effectLst/>
           <a:extLst>
             <a:ext uri="{91240B29-F687-4F45-9708-019B960494DF}">
-              <a14:hiddenLine xmlns="" xmlns:a14="http://schemas.microsoft.com/office/drawing/2010/main" w="9525">
+              <a14:hiddenLine xmlns:a14="http://schemas.microsoft.com/office/drawing/2010/main" xmlns="" w="9525">
                 <a:solidFill>
                   <a:schemeClr val="tx1"/>
                 </a:solidFill>
@@ -21031,7 +21203,7 @@
               </a14:hiddenLine>
             </a:ext>
             <a:ext uri="{AF507438-7753-43E0-B8FC-AC1667EBCBE1}">
-              <a14:hiddenEffects xmlns="" xmlns:a14="http://schemas.microsoft.com/office/drawing/2010/main">
+              <a14:hiddenEffects xmlns:a14="http://schemas.microsoft.com/office/drawing/2010/main" xmlns="">
                 <a:effectLst>
                   <a:outerShdw dist="35921" dir="2700000" algn="ctr" rotWithShape="0">
                     <a:schemeClr val="bg2"/>
@@ -21141,7 +21313,7 @@
           <a:effectLst/>
           <a:extLst>
             <a:ext uri="{91240B29-F687-4F45-9708-019B960494DF}">
-              <a14:hiddenLine xmlns="" xmlns:a14="http://schemas.microsoft.com/office/drawing/2010/main" w="9525">
+              <a14:hiddenLine xmlns:a14="http://schemas.microsoft.com/office/drawing/2010/main" xmlns="" w="9525">
                 <a:solidFill>
                   <a:schemeClr val="tx1"/>
                 </a:solidFill>
@@ -21151,7 +21323,7 @@
               </a14:hiddenLine>
             </a:ext>
             <a:ext uri="{AF507438-7753-43E0-B8FC-AC1667EBCBE1}">
-              <a14:hiddenEffects xmlns="" xmlns:a14="http://schemas.microsoft.com/office/drawing/2010/main">
+              <a14:hiddenEffects xmlns:a14="http://schemas.microsoft.com/office/drawing/2010/main" xmlns="">
                 <a:effectLst>
                   <a:outerShdw dist="35921" dir="2700000" algn="ctr" rotWithShape="0">
                     <a:schemeClr val="bg2"/>
@@ -21260,7 +21432,7 @@
           <a:effectLst/>
           <a:extLst>
             <a:ext uri="{91240B29-F687-4F45-9708-019B960494DF}">
-              <a14:hiddenLine xmlns="" xmlns:a14="http://schemas.microsoft.com/office/drawing/2010/main" w="9525">
+              <a14:hiddenLine xmlns:a14="http://schemas.microsoft.com/office/drawing/2010/main" xmlns="" w="9525">
                 <a:solidFill>
                   <a:schemeClr val="tx1"/>
                 </a:solidFill>
@@ -21270,7 +21442,7 @@
               </a14:hiddenLine>
             </a:ext>
             <a:ext uri="{AF507438-7753-43E0-B8FC-AC1667EBCBE1}">
-              <a14:hiddenEffects xmlns="" xmlns:a14="http://schemas.microsoft.com/office/drawing/2010/main">
+              <a14:hiddenEffects xmlns:a14="http://schemas.microsoft.com/office/drawing/2010/main" xmlns="">
                 <a:effectLst>
                   <a:outerShdw dist="35921" dir="2700000" algn="ctr" rotWithShape="0">
                     <a:schemeClr val="bg2"/>
@@ -21380,7 +21552,7 @@
           <a:effectLst/>
           <a:extLst>
             <a:ext uri="{91240B29-F687-4F45-9708-019B960494DF}">
-              <a14:hiddenLine xmlns="" xmlns:a14="http://schemas.microsoft.com/office/drawing/2010/main" w="9525">
+              <a14:hiddenLine xmlns:a14="http://schemas.microsoft.com/office/drawing/2010/main" xmlns="" w="9525">
                 <a:solidFill>
                   <a:schemeClr val="tx1"/>
                 </a:solidFill>
@@ -21390,7 +21562,7 @@
               </a14:hiddenLine>
             </a:ext>
             <a:ext uri="{AF507438-7753-43E0-B8FC-AC1667EBCBE1}">
-              <a14:hiddenEffects xmlns="" xmlns:a14="http://schemas.microsoft.com/office/drawing/2010/main">
+              <a14:hiddenEffects xmlns:a14="http://schemas.microsoft.com/office/drawing/2010/main" xmlns="">
                 <a:effectLst>
                   <a:outerShdw dist="35921" dir="2700000" algn="ctr" rotWithShape="0">
                     <a:schemeClr val="bg2"/>
@@ -21512,7 +21684,7 @@
           <a:effectLst/>
           <a:extLst>
             <a:ext uri="{91240B29-F687-4F45-9708-019B960494DF}">
-              <a14:hiddenLine xmlns="" xmlns:a14="http://schemas.microsoft.com/office/drawing/2010/main" w="9525">
+              <a14:hiddenLine xmlns:a14="http://schemas.microsoft.com/office/drawing/2010/main" xmlns="" w="9525">
                 <a:solidFill>
                   <a:schemeClr val="tx1"/>
                 </a:solidFill>
@@ -21522,7 +21694,7 @@
               </a14:hiddenLine>
             </a:ext>
             <a:ext uri="{AF507438-7753-43E0-B8FC-AC1667EBCBE1}">
-              <a14:hiddenEffects xmlns="" xmlns:a14="http://schemas.microsoft.com/office/drawing/2010/main">
+              <a14:hiddenEffects xmlns:a14="http://schemas.microsoft.com/office/drawing/2010/main" xmlns="">
                 <a:effectLst>
                   <a:outerShdw dist="35921" dir="2700000" algn="ctr" rotWithShape="0">
                     <a:schemeClr val="bg2"/>
@@ -21565,7 +21737,7 @@
           <a:effectLst/>
           <a:extLst>
             <a:ext uri="{91240B29-F687-4F45-9708-019B960494DF}">
-              <a14:hiddenLine xmlns="" xmlns:a14="http://schemas.microsoft.com/office/drawing/2010/main" w="9525">
+              <a14:hiddenLine xmlns:a14="http://schemas.microsoft.com/office/drawing/2010/main" xmlns="" w="9525">
                 <a:solidFill>
                   <a:schemeClr val="tx1"/>
                 </a:solidFill>
@@ -21575,7 +21747,7 @@
               </a14:hiddenLine>
             </a:ext>
             <a:ext uri="{AF507438-7753-43E0-B8FC-AC1667EBCBE1}">
-              <a14:hiddenEffects xmlns="" xmlns:a14="http://schemas.microsoft.com/office/drawing/2010/main">
+              <a14:hiddenEffects xmlns:a14="http://schemas.microsoft.com/office/drawing/2010/main" xmlns="">
                 <a:effectLst>
                   <a:outerShdw dist="35921" dir="2700000" algn="ctr" rotWithShape="0">
                     <a:schemeClr val="bg2"/>
@@ -21671,7 +21843,7 @@
           <a:effectLst/>
           <a:extLst>
             <a:ext uri="{91240B29-F687-4F45-9708-019B960494DF}">
-              <a14:hiddenLine xmlns="" xmlns:a14="http://schemas.microsoft.com/office/drawing/2010/main" w="9525">
+              <a14:hiddenLine xmlns:a14="http://schemas.microsoft.com/office/drawing/2010/main" xmlns="" w="9525">
                 <a:solidFill>
                   <a:schemeClr val="tx1"/>
                 </a:solidFill>
@@ -21681,7 +21853,7 @@
               </a14:hiddenLine>
             </a:ext>
             <a:ext uri="{AF507438-7753-43E0-B8FC-AC1667EBCBE1}">
-              <a14:hiddenEffects xmlns="" xmlns:a14="http://schemas.microsoft.com/office/drawing/2010/main">
+              <a14:hiddenEffects xmlns:a14="http://schemas.microsoft.com/office/drawing/2010/main" xmlns="">
                 <a:effectLst>
                   <a:outerShdw dist="35921" dir="2700000" algn="ctr" rotWithShape="0">
                     <a:schemeClr val="bg2"/>
@@ -21724,14 +21896,14 @@
           <a:effectLst/>
           <a:extLst>
             <a:ext uri="{909E8E84-426E-40DD-AFC4-6F175D3DCCD1}">
-              <a14:hiddenFill xmlns="" xmlns:a14="http://schemas.microsoft.com/office/drawing/2010/main">
+              <a14:hiddenFill xmlns:a14="http://schemas.microsoft.com/office/drawing/2010/main" xmlns="">
                 <a:solidFill>
                   <a:schemeClr val="accent1"/>
                 </a:solidFill>
               </a14:hiddenFill>
             </a:ext>
             <a:ext uri="{91240B29-F687-4F45-9708-019B960494DF}">
-              <a14:hiddenLine xmlns="" xmlns:a14="http://schemas.microsoft.com/office/drawing/2010/main" w="9525">
+              <a14:hiddenLine xmlns:a14="http://schemas.microsoft.com/office/drawing/2010/main" xmlns="" w="9525">
                 <a:solidFill>
                   <a:schemeClr val="tx1"/>
                 </a:solidFill>
@@ -21741,7 +21913,7 @@
               </a14:hiddenLine>
             </a:ext>
             <a:ext uri="{AF507438-7753-43E0-B8FC-AC1667EBCBE1}">
-              <a14:hiddenEffects xmlns="" xmlns:a14="http://schemas.microsoft.com/office/drawing/2010/main">
+              <a14:hiddenEffects xmlns:a14="http://schemas.microsoft.com/office/drawing/2010/main" xmlns="">
                 <a:effectLst>
                   <a:outerShdw dist="35921" dir="2700000" algn="ctr" rotWithShape="0">
                     <a:schemeClr val="bg2"/>
@@ -21793,14 +21965,14 @@
           <a:effectLst/>
           <a:extLst>
             <a:ext uri="{909E8E84-426E-40DD-AFC4-6F175D3DCCD1}">
-              <a14:hiddenFill xmlns="" xmlns:a14="http://schemas.microsoft.com/office/drawing/2010/main">
+              <a14:hiddenFill xmlns:a14="http://schemas.microsoft.com/office/drawing/2010/main" xmlns="">
                 <a:solidFill>
                   <a:schemeClr val="accent1"/>
                 </a:solidFill>
               </a14:hiddenFill>
             </a:ext>
             <a:ext uri="{91240B29-F687-4F45-9708-019B960494DF}">
-              <a14:hiddenLine xmlns="" xmlns:a14="http://schemas.microsoft.com/office/drawing/2010/main" w="9525">
+              <a14:hiddenLine xmlns:a14="http://schemas.microsoft.com/office/drawing/2010/main" xmlns="" w="9525">
                 <a:solidFill>
                   <a:schemeClr val="tx1"/>
                 </a:solidFill>
@@ -21810,7 +21982,7 @@
               </a14:hiddenLine>
             </a:ext>
             <a:ext uri="{AF507438-7753-43E0-B8FC-AC1667EBCBE1}">
-              <a14:hiddenEffects xmlns="" xmlns:a14="http://schemas.microsoft.com/office/drawing/2010/main">
+              <a14:hiddenEffects xmlns:a14="http://schemas.microsoft.com/office/drawing/2010/main" xmlns="">
                 <a:effectLst>
                   <a:outerShdw dist="35921" dir="2700000" algn="ctr" rotWithShape="0">
                     <a:schemeClr val="bg2"/>
@@ -21890,14 +22062,14 @@
           <a:effectLst/>
           <a:extLst>
             <a:ext uri="{909E8E84-426E-40DD-AFC4-6F175D3DCCD1}">
-              <a14:hiddenFill xmlns="" xmlns:a14="http://schemas.microsoft.com/office/drawing/2010/main">
+              <a14:hiddenFill xmlns:a14="http://schemas.microsoft.com/office/drawing/2010/main" xmlns="">
                 <a:solidFill>
                   <a:schemeClr val="accent1"/>
                 </a:solidFill>
               </a14:hiddenFill>
             </a:ext>
             <a:ext uri="{91240B29-F687-4F45-9708-019B960494DF}">
-              <a14:hiddenLine xmlns="" xmlns:a14="http://schemas.microsoft.com/office/drawing/2010/main" w="9525">
+              <a14:hiddenLine xmlns:a14="http://schemas.microsoft.com/office/drawing/2010/main" xmlns="" w="9525">
                 <a:solidFill>
                   <a:schemeClr val="tx1"/>
                 </a:solidFill>
@@ -21907,7 +22079,7 @@
               </a14:hiddenLine>
             </a:ext>
             <a:ext uri="{AF507438-7753-43E0-B8FC-AC1667EBCBE1}">
-              <a14:hiddenEffects xmlns="" xmlns:a14="http://schemas.microsoft.com/office/drawing/2010/main">
+              <a14:hiddenEffects xmlns:a14="http://schemas.microsoft.com/office/drawing/2010/main" xmlns="">
                 <a:effectLst>
                   <a:outerShdw dist="35921" dir="2700000" algn="ctr" rotWithShape="0">
                     <a:schemeClr val="bg2"/>
@@ -21963,14 +22135,14 @@
           <a:effectLst/>
           <a:extLst>
             <a:ext uri="{909E8E84-426E-40DD-AFC4-6F175D3DCCD1}">
-              <a14:hiddenFill xmlns="" xmlns:a14="http://schemas.microsoft.com/office/drawing/2010/main">
+              <a14:hiddenFill xmlns:a14="http://schemas.microsoft.com/office/drawing/2010/main" xmlns="">
                 <a:solidFill>
                   <a:schemeClr val="accent1"/>
                 </a:solidFill>
               </a14:hiddenFill>
             </a:ext>
             <a:ext uri="{91240B29-F687-4F45-9708-019B960494DF}">
-              <a14:hiddenLine xmlns="" xmlns:a14="http://schemas.microsoft.com/office/drawing/2010/main" w="9525">
+              <a14:hiddenLine xmlns:a14="http://schemas.microsoft.com/office/drawing/2010/main" xmlns="" w="9525">
                 <a:solidFill>
                   <a:schemeClr val="tx1"/>
                 </a:solidFill>
@@ -21980,7 +22152,7 @@
               </a14:hiddenLine>
             </a:ext>
             <a:ext uri="{AF507438-7753-43E0-B8FC-AC1667EBCBE1}">
-              <a14:hiddenEffects xmlns="" xmlns:a14="http://schemas.microsoft.com/office/drawing/2010/main">
+              <a14:hiddenEffects xmlns:a14="http://schemas.microsoft.com/office/drawing/2010/main" xmlns="">
                 <a:effectLst>
                   <a:outerShdw dist="35921" dir="2700000" algn="ctr" rotWithShape="0">
                     <a:schemeClr val="bg2"/>
@@ -22036,14 +22208,14 @@
           <a:effectLst/>
           <a:extLst>
             <a:ext uri="{909E8E84-426E-40DD-AFC4-6F175D3DCCD1}">
-              <a14:hiddenFill xmlns="" xmlns:a14="http://schemas.microsoft.com/office/drawing/2010/main">
+              <a14:hiddenFill xmlns:a14="http://schemas.microsoft.com/office/drawing/2010/main" xmlns="">
                 <a:solidFill>
                   <a:schemeClr val="accent1"/>
                 </a:solidFill>
               </a14:hiddenFill>
             </a:ext>
             <a:ext uri="{91240B29-F687-4F45-9708-019B960494DF}">
-              <a14:hiddenLine xmlns="" xmlns:a14="http://schemas.microsoft.com/office/drawing/2010/main" w="9525">
+              <a14:hiddenLine xmlns:a14="http://schemas.microsoft.com/office/drawing/2010/main" xmlns="" w="9525">
                 <a:solidFill>
                   <a:schemeClr val="tx1"/>
                 </a:solidFill>
@@ -22053,7 +22225,7 @@
               </a14:hiddenLine>
             </a:ext>
             <a:ext uri="{AF507438-7753-43E0-B8FC-AC1667EBCBE1}">
-              <a14:hiddenEffects xmlns="" xmlns:a14="http://schemas.microsoft.com/office/drawing/2010/main">
+              <a14:hiddenEffects xmlns:a14="http://schemas.microsoft.com/office/drawing/2010/main" xmlns="">
                 <a:effectLst>
                   <a:outerShdw dist="35921" dir="2700000" algn="ctr" rotWithShape="0">
                     <a:schemeClr val="bg2"/>
@@ -22123,7 +22295,7 @@
           <a:effectLst/>
           <a:extLst>
             <a:ext uri="{AF507438-7753-43E0-B8FC-AC1667EBCBE1}">
-              <a14:hiddenEffects xmlns="" xmlns:a14="http://schemas.microsoft.com/office/drawing/2010/main">
+              <a14:hiddenEffects xmlns:a14="http://schemas.microsoft.com/office/drawing/2010/main" xmlns="">
                 <a:effectLst>
                   <a:outerShdw dist="35921" dir="2700000" algn="ctr" rotWithShape="0">
                     <a:schemeClr val="bg2"/>
@@ -22175,7 +22347,7 @@
           <a:effectLst/>
           <a:extLst>
             <a:ext uri="{AF507438-7753-43E0-B8FC-AC1667EBCBE1}">
-              <a14:hiddenEffects xmlns="" xmlns:a14="http://schemas.microsoft.com/office/drawing/2010/main">
+              <a14:hiddenEffects xmlns:a14="http://schemas.microsoft.com/office/drawing/2010/main" xmlns="">
                 <a:effectLst>
                   <a:outerShdw dist="35921" dir="2700000" algn="ctr" rotWithShape="0">
                     <a:schemeClr val="bg2"/>
@@ -22214,7 +22386,7 @@
     <p:sldLayoutId id="2147483663" r:id="rId15"/>
   </p:sldLayoutIdLst>
   <mc:AlternateContent xmlns:mc="http://schemas.openxmlformats.org/markup-compatibility/2006">
-    <mc:Choice xmlns="" xmlns:p14="http://schemas.microsoft.com/office/powerpoint/2010/main" Requires="p14">
+    <mc:Choice xmlns:p14="http://schemas.microsoft.com/office/powerpoint/2010/main" xmlns="" Requires="p14">
       <p:transition p14:dur="10"/>
     </mc:Choice>
     <mc:Fallback>
@@ -23946,7 +24118,7 @@
     <a:masterClrMapping/>
   </p:clrMapOvr>
   <mc:AlternateContent xmlns:mc="http://schemas.openxmlformats.org/markup-compatibility/2006">
-    <mc:Choice xmlns="" xmlns:p14="http://schemas.microsoft.com/office/powerpoint/2010/main" Requires="p14">
+    <mc:Choice xmlns:p14="http://schemas.microsoft.com/office/powerpoint/2010/main" xmlns="" Requires="p14">
       <p:transition p14:dur="10"/>
     </mc:Choice>
     <mc:Fallback>
@@ -23964,6 +24136,773 @@
 </file>
 
 <file path=ppt/slides/slide10.xml><?xml version="1.0" encoding="utf-8"?>
+<p:sld xmlns:a="http://schemas.openxmlformats.org/drawingml/2006/main" xmlns:r="http://schemas.openxmlformats.org/officeDocument/2006/relationships" xmlns:p="http://schemas.openxmlformats.org/presentationml/2006/main">
+  <p:cSld>
+    <p:spTree>
+      <p:nvGrpSpPr>
+        <p:cNvPr id="1" name=""/>
+        <p:cNvGrpSpPr/>
+        <p:nvPr/>
+      </p:nvGrpSpPr>
+      <p:grpSpPr>
+        <a:xfrm>
+          <a:off x="0" y="0"/>
+          <a:ext cx="0" cy="0"/>
+          <a:chOff x="0" y="0"/>
+          <a:chExt cx="0" cy="0"/>
+        </a:xfrm>
+      </p:grpSpPr>
+      <p:sp>
+        <p:nvSpPr>
+          <p:cNvPr id="8194" name="Rectangle 2"/>
+          <p:cNvSpPr>
+            <a:spLocks noGrp="1" noChangeArrowheads="1"/>
+          </p:cNvSpPr>
+          <p:nvPr>
+            <p:ph type="title"/>
+          </p:nvPr>
+        </p:nvSpPr>
+        <p:spPr>
+          <a:xfrm>
+            <a:off x="457200" y="238125"/>
+            <a:ext cx="7043758" cy="868363"/>
+          </a:xfrm>
+        </p:spPr>
+        <p:txBody>
+          <a:bodyPr/>
+          <a:lstStyle/>
+          <a:p>
+            <a:pPr lvl="0"/>
+            <a:r>
+              <a:rPr lang="en-US" altLang="zh-CN" sz="3600" dirty="0" smtClean="0">
+                <a:ea typeface="宋体" charset="-122"/>
+              </a:rPr>
+              <a:t>4</a:t>
+            </a:r>
+            <a:r>
+              <a:rPr lang="en-US" altLang="zh-CN" sz="3600" dirty="0" smtClean="0">
+                <a:ea typeface="宋体" charset="-122"/>
+              </a:rPr>
+              <a:t>.</a:t>
+            </a:r>
+            <a:r>
+              <a:rPr lang="zh-CN" altLang="en-US" sz="3600" dirty="0" smtClean="0">
+                <a:ea typeface="宋体" charset="-122"/>
+              </a:rPr>
+              <a:t>教会联结与合一</a:t>
+            </a:r>
+            <a:r>
+              <a:rPr lang="zh-CN" altLang="en-US" sz="3200" dirty="0" smtClean="0"/>
+              <a:t>（</a:t>
+            </a:r>
+            <a:r>
+              <a:rPr lang="en-US" altLang="zh-CN" sz="3200" dirty="0" smtClean="0"/>
+              <a:t>18-24</a:t>
+            </a:r>
+            <a:r>
+              <a:rPr lang="zh-CN" altLang="en-US" sz="3200" dirty="0" smtClean="0"/>
+              <a:t>） </a:t>
+            </a:r>
+            <a:endParaRPr lang="en-US" altLang="zh-CN" sz="3600" dirty="0">
+              <a:ea typeface="宋体" charset="-122"/>
+            </a:endParaRPr>
+          </a:p>
+        </p:txBody>
+      </p:sp>
+      <p:sp>
+        <p:nvSpPr>
+          <p:cNvPr id="8195" name="Rectangle 3"/>
+          <p:cNvSpPr>
+            <a:spLocks noGrp="1" noChangeArrowheads="1"/>
+          </p:cNvSpPr>
+          <p:nvPr>
+            <p:ph type="body" sz="half" idx="1"/>
+          </p:nvPr>
+        </p:nvSpPr>
+        <p:spPr>
+          <a:xfrm>
+            <a:off x="685800" y="1285860"/>
+            <a:ext cx="7467600" cy="5072098"/>
+          </a:xfrm>
+        </p:spPr>
+        <p:txBody>
+          <a:bodyPr/>
+          <a:lstStyle/>
+          <a:p>
+            <a:pPr>
+              <a:buNone/>
+            </a:pPr>
+            <a:r>
+              <a:rPr lang="en-US" altLang="zh-CN" sz="2800" dirty="0" smtClean="0">
+                <a:solidFill>
+                  <a:srgbClr val="FF0000"/>
+                </a:solidFill>
+              </a:rPr>
+              <a:t>17</a:t>
+            </a:r>
+            <a:r>
+              <a:rPr lang="zh-CN" altLang="en-US" sz="2800" dirty="0" smtClean="0">
+                <a:solidFill>
+                  <a:srgbClr val="FF0000"/>
+                </a:solidFill>
+              </a:rPr>
+              <a:t>也</a:t>
+            </a:r>
+            <a:r>
+              <a:rPr lang="zh-CN" altLang="en-US" sz="2800" dirty="0" smtClean="0">
+                <a:solidFill>
+                  <a:srgbClr val="FF0000"/>
+                </a:solidFill>
+              </a:rPr>
+              <a:t>没</a:t>
+            </a:r>
+            <a:r>
+              <a:rPr lang="en-US" altLang="zh-CN" sz="2800" dirty="0" smtClean="0">
+                <a:solidFill>
+                  <a:srgbClr val="FF0000"/>
+                </a:solidFill>
+              </a:rPr>
+              <a:t>…</a:t>
+            </a:r>
+            <a:r>
+              <a:rPr lang="zh-CN" altLang="en-US" sz="2800" dirty="0" smtClean="0">
+                <a:solidFill>
+                  <a:srgbClr val="FF0000"/>
+                </a:solidFill>
+              </a:rPr>
+              <a:t>见</a:t>
+            </a:r>
+            <a:r>
+              <a:rPr lang="en-US" altLang="zh-CN" sz="2800" dirty="0" smtClean="0">
+                <a:solidFill>
+                  <a:srgbClr val="FF0000"/>
+                </a:solidFill>
+              </a:rPr>
+              <a:t>…</a:t>
+            </a:r>
+            <a:r>
+              <a:rPr lang="zh-CN" altLang="en-US" sz="2800" dirty="0" smtClean="0">
+                <a:solidFill>
+                  <a:srgbClr val="FF0000"/>
+                </a:solidFill>
+              </a:rPr>
+              <a:t>先</a:t>
+            </a:r>
+            <a:r>
+              <a:rPr lang="zh-CN" altLang="en-US" sz="2800" dirty="0" smtClean="0">
+                <a:solidFill>
+                  <a:srgbClr val="FF0000"/>
+                </a:solidFill>
+              </a:rPr>
+              <a:t>作使徒</a:t>
+            </a:r>
+            <a:r>
+              <a:rPr lang="zh-CN" altLang="en-US" sz="2800" dirty="0" smtClean="0">
+                <a:solidFill>
+                  <a:srgbClr val="FF0000"/>
+                </a:solidFill>
+              </a:rPr>
+              <a:t>的</a:t>
+            </a:r>
+            <a:r>
+              <a:rPr lang="en-US" altLang="zh-CN" sz="2800" dirty="0" smtClean="0">
+                <a:solidFill>
+                  <a:srgbClr val="FF0000"/>
+                </a:solidFill>
+              </a:rPr>
+              <a:t>…</a:t>
+            </a:r>
+            <a:r>
+              <a:rPr lang="zh-CN" altLang="en-US" sz="2800" dirty="0" smtClean="0">
+                <a:solidFill>
+                  <a:srgbClr val="FF0000"/>
+                </a:solidFill>
+              </a:rPr>
+              <a:t> 。</a:t>
+            </a:r>
+            <a:r>
+              <a:rPr lang="en-US" altLang="zh-CN" sz="2800" dirty="0" smtClean="0">
+                <a:solidFill>
+                  <a:srgbClr val="FF0000"/>
+                </a:solidFill>
+              </a:rPr>
+              <a:t>18</a:t>
+            </a:r>
+            <a:r>
+              <a:rPr lang="zh-CN" altLang="en-US" sz="2800" dirty="0" smtClean="0">
+                <a:solidFill>
+                  <a:srgbClr val="FF0000"/>
+                </a:solidFill>
+              </a:rPr>
+              <a:t>过了</a:t>
+            </a:r>
+            <a:r>
+              <a:rPr lang="zh-CN" altLang="en-US" sz="2800" dirty="0" smtClean="0">
+                <a:solidFill>
+                  <a:srgbClr val="FF0000"/>
+                </a:solidFill>
+              </a:rPr>
+              <a:t>三年</a:t>
+            </a:r>
+            <a:r>
+              <a:rPr lang="en-US" altLang="zh-CN" sz="2800" dirty="0" smtClean="0">
+                <a:solidFill>
+                  <a:srgbClr val="FF0000"/>
+                </a:solidFill>
+              </a:rPr>
+              <a:t>…</a:t>
+            </a:r>
+            <a:r>
+              <a:rPr lang="zh-CN" altLang="en-US" sz="2800" dirty="0" smtClean="0">
+                <a:solidFill>
+                  <a:srgbClr val="FF0000"/>
+                </a:solidFill>
+              </a:rPr>
+              <a:t>见</a:t>
+            </a:r>
+            <a:r>
+              <a:rPr lang="zh-CN" altLang="en-US" sz="2800" dirty="0" smtClean="0">
+                <a:solidFill>
+                  <a:srgbClr val="FF0000"/>
+                </a:solidFill>
+              </a:rPr>
+              <a:t>矶</a:t>
+            </a:r>
+            <a:r>
+              <a:rPr lang="zh-CN" altLang="en-US" sz="2800" dirty="0" smtClean="0">
+                <a:solidFill>
+                  <a:srgbClr val="FF0000"/>
+                </a:solidFill>
+              </a:rPr>
+              <a:t>法</a:t>
+            </a:r>
+            <a:r>
+              <a:rPr lang="en-US" altLang="zh-CN" sz="2800" dirty="0" smtClean="0">
+                <a:solidFill>
+                  <a:srgbClr val="FF0000"/>
+                </a:solidFill>
+              </a:rPr>
+              <a:t>…</a:t>
+            </a:r>
+            <a:r>
+              <a:rPr lang="zh-CN" altLang="en-US" sz="2800" dirty="0" smtClean="0">
+                <a:solidFill>
+                  <a:srgbClr val="FF0000"/>
+                </a:solidFill>
+              </a:rPr>
+              <a:t>。</a:t>
+            </a:r>
+            <a:r>
+              <a:rPr lang="en-US" altLang="zh-CN" sz="2800" dirty="0" smtClean="0">
+                <a:solidFill>
+                  <a:srgbClr val="FF0000"/>
+                </a:solidFill>
+              </a:rPr>
+              <a:t>19</a:t>
+            </a:r>
+            <a:r>
+              <a:rPr lang="zh-CN" altLang="en-US" sz="2800" dirty="0" smtClean="0">
+                <a:solidFill>
+                  <a:srgbClr val="FF0000"/>
+                </a:solidFill>
+              </a:rPr>
+              <a:t>别的</a:t>
+            </a:r>
+            <a:r>
+              <a:rPr lang="zh-CN" altLang="en-US" sz="2800" dirty="0" smtClean="0">
+                <a:solidFill>
+                  <a:srgbClr val="FF0000"/>
+                </a:solidFill>
+              </a:rPr>
+              <a:t>使徒</a:t>
+            </a:r>
+            <a:r>
+              <a:rPr lang="zh-CN" altLang="en-US" sz="2800" dirty="0" smtClean="0">
+                <a:solidFill>
+                  <a:srgbClr val="FF0000"/>
+                </a:solidFill>
+              </a:rPr>
+              <a:t>，</a:t>
+            </a:r>
+            <a:r>
+              <a:rPr lang="en-US" altLang="zh-CN" sz="2800" dirty="0" smtClean="0">
+                <a:solidFill>
+                  <a:srgbClr val="FF0000"/>
+                </a:solidFill>
+              </a:rPr>
+              <a:t>…</a:t>
+            </a:r>
+            <a:r>
+              <a:rPr lang="zh-CN" altLang="en-US" sz="2800" dirty="0" smtClean="0">
+                <a:solidFill>
+                  <a:srgbClr val="FF0000"/>
+                </a:solidFill>
+              </a:rPr>
+              <a:t>除雅</a:t>
+            </a:r>
+            <a:r>
+              <a:rPr lang="zh-CN" altLang="en-US" sz="2800" dirty="0" smtClean="0">
+                <a:solidFill>
+                  <a:srgbClr val="FF0000"/>
+                </a:solidFill>
+              </a:rPr>
+              <a:t>各</a:t>
+            </a:r>
+            <a:r>
+              <a:rPr lang="zh-CN" altLang="en-US" sz="2800" dirty="0" smtClean="0">
+                <a:solidFill>
+                  <a:srgbClr val="FF0000"/>
+                </a:solidFill>
+              </a:rPr>
+              <a:t>，</a:t>
+            </a:r>
+            <a:r>
+              <a:rPr lang="en-US" altLang="zh-CN" sz="2800" dirty="0" smtClean="0">
+                <a:solidFill>
+                  <a:srgbClr val="FF0000"/>
+                </a:solidFill>
+              </a:rPr>
+              <a:t>…</a:t>
+            </a:r>
+            <a:r>
+              <a:rPr lang="zh-CN" altLang="en-US" sz="2800" dirty="0" smtClean="0">
+                <a:solidFill>
+                  <a:srgbClr val="FF0000"/>
+                </a:solidFill>
+              </a:rPr>
+              <a:t>都没见。</a:t>
+            </a:r>
+            <a:endParaRPr lang="en-US" altLang="zh-CN" sz="2800" dirty="0" smtClean="0">
+              <a:solidFill>
+                <a:srgbClr val="FF0000"/>
+              </a:solidFill>
+            </a:endParaRPr>
+          </a:p>
+          <a:p>
+            <a:r>
+              <a:rPr lang="zh-CN" altLang="en-US" dirty="0" smtClean="0"/>
+              <a:t>与其他使徒的关系</a:t>
+            </a:r>
+            <a:r>
+              <a:rPr lang="zh-CN" altLang="en-US" dirty="0" smtClean="0"/>
+              <a:t>（</a:t>
+            </a:r>
+            <a:r>
+              <a:rPr lang="en-US" dirty="0" smtClean="0"/>
+              <a:t>v17</a:t>
+            </a:r>
+            <a:r>
+              <a:rPr lang="en-US" altLang="zh-CN" dirty="0" smtClean="0"/>
+              <a:t>-19</a:t>
+            </a:r>
+            <a:r>
+              <a:rPr lang="zh-CN" altLang="en-US" dirty="0" smtClean="0"/>
+              <a:t>） </a:t>
+            </a:r>
+            <a:endParaRPr lang="en-US" altLang="zh-CN" dirty="0" smtClean="0"/>
+          </a:p>
+          <a:p>
+            <a:pPr lvl="1"/>
+            <a:r>
+              <a:rPr lang="en-US" altLang="zh-CN" sz="2400" dirty="0" smtClean="0"/>
+              <a:t>Q2. </a:t>
+            </a:r>
+            <a:r>
+              <a:rPr lang="zh-CN" altLang="en-US" sz="2400" dirty="0" smtClean="0"/>
+              <a:t>保罗信主前认识其他使徒吗</a:t>
+            </a:r>
+            <a:r>
+              <a:rPr lang="zh-CN" altLang="en-US" sz="2400" dirty="0" smtClean="0"/>
+              <a:t>？信</a:t>
+            </a:r>
+            <a:r>
+              <a:rPr lang="zh-CN" altLang="en-US" sz="2400" dirty="0" smtClean="0"/>
+              <a:t>主后跟哪些使徒交流过</a:t>
+            </a:r>
+            <a:r>
+              <a:rPr lang="zh-CN" altLang="en-US" sz="2400" dirty="0" smtClean="0"/>
+              <a:t>？保罗</a:t>
+            </a:r>
+            <a:r>
+              <a:rPr lang="zh-CN" altLang="en-US" sz="2400" dirty="0" smtClean="0"/>
+              <a:t>为什么强调这些</a:t>
+            </a:r>
+            <a:r>
+              <a:rPr lang="zh-CN" altLang="en-US" sz="2400" dirty="0" smtClean="0"/>
+              <a:t>事？</a:t>
+            </a:r>
+            <a:endParaRPr lang="zh-CN" altLang="en-US" sz="2400" dirty="0" smtClean="0"/>
+          </a:p>
+          <a:p>
+            <a:pPr lvl="2"/>
+            <a:r>
+              <a:rPr lang="zh-CN" altLang="en-US" sz="2000" dirty="0" smtClean="0"/>
+              <a:t>保罗信主前，保罗对信徒是敌对态度，跟使徒没有正面接触</a:t>
+            </a:r>
+            <a:r>
+              <a:rPr lang="zh-CN" altLang="en-US" sz="2000" dirty="0" smtClean="0"/>
+              <a:t>。。</a:t>
+            </a:r>
+            <a:endParaRPr lang="en-US" altLang="zh-CN" sz="2000" dirty="0" smtClean="0"/>
+          </a:p>
+          <a:p>
+            <a:pPr lvl="2"/>
+            <a:r>
+              <a:rPr lang="zh-CN" altLang="en-US" sz="2000" dirty="0" smtClean="0"/>
+              <a:t>刚信主时，</a:t>
+            </a:r>
+            <a:r>
+              <a:rPr lang="zh-CN" altLang="en-US" sz="2000" dirty="0" smtClean="0"/>
+              <a:t>保罗没有去见使徒，强调</a:t>
+            </a:r>
+            <a:r>
+              <a:rPr lang="zh-CN" altLang="en-US" sz="2000" dirty="0" smtClean="0"/>
+              <a:t>他对于神的呼召已经十分清楚</a:t>
+            </a:r>
+            <a:r>
+              <a:rPr lang="zh-CN" altLang="en-US" sz="2000" dirty="0" smtClean="0"/>
+              <a:t>，无须</a:t>
+            </a:r>
+            <a:r>
+              <a:rPr lang="zh-CN" altLang="en-US" sz="2000" dirty="0" smtClean="0"/>
+              <a:t>再与人商量 </a:t>
+            </a:r>
+            <a:r>
+              <a:rPr lang="zh-CN" altLang="en-US" sz="2000" dirty="0" smtClean="0"/>
+              <a:t>，无需征求</a:t>
+            </a:r>
+            <a:r>
+              <a:rPr lang="zh-CN" altLang="en-US" sz="2000" dirty="0" smtClean="0"/>
+              <a:t>他们的同意，以获得他们的支持。</a:t>
+            </a:r>
+            <a:endParaRPr lang="en-US" altLang="zh-CN" sz="2000" dirty="0" smtClean="0"/>
+          </a:p>
+          <a:p>
+            <a:pPr lvl="2"/>
+            <a:r>
+              <a:rPr lang="zh-CN" altLang="en-US" sz="2000" dirty="0" smtClean="0"/>
+              <a:t>保罗信</a:t>
+            </a:r>
+            <a:r>
+              <a:rPr lang="zh-CN" altLang="en-US" sz="2000" dirty="0" smtClean="0"/>
+              <a:t>主后</a:t>
+            </a:r>
+            <a:r>
+              <a:rPr lang="zh-CN" altLang="en-US" sz="2000" dirty="0" smtClean="0"/>
+              <a:t>，耶路撒冷的门徒最初不敢与他结交</a:t>
+            </a:r>
+            <a:r>
+              <a:rPr lang="zh-CN" altLang="en-US" sz="2000" dirty="0" smtClean="0"/>
+              <a:t>，不</a:t>
+            </a:r>
+            <a:r>
+              <a:rPr lang="zh-CN" altLang="en-US" sz="2000" dirty="0" smtClean="0"/>
+              <a:t>信</a:t>
+            </a:r>
+            <a:r>
+              <a:rPr lang="zh-CN" altLang="en-US" sz="2000" dirty="0" smtClean="0"/>
+              <a:t>他是真信徒</a:t>
+            </a:r>
+            <a:r>
+              <a:rPr lang="zh-CN" altLang="en-US" sz="2000" dirty="0" smtClean="0"/>
+              <a:t>，唯有巴拿巴接待他</a:t>
+            </a:r>
+            <a:r>
+              <a:rPr lang="zh-CN" altLang="en-US" sz="2000" dirty="0" smtClean="0"/>
+              <a:t>，得</a:t>
+            </a:r>
+            <a:r>
+              <a:rPr lang="zh-CN" altLang="en-US" sz="2000" dirty="0" smtClean="0"/>
+              <a:t>与使徒相见。后来</a:t>
+            </a:r>
+            <a:r>
+              <a:rPr lang="zh-CN" altLang="en-US" sz="2000" dirty="0" smtClean="0"/>
+              <a:t>会见</a:t>
+            </a:r>
+            <a:r>
+              <a:rPr lang="en-US" altLang="zh-CN" sz="2000" dirty="0" smtClean="0"/>
+              <a:t>2</a:t>
+            </a:r>
+            <a:r>
+              <a:rPr lang="zh-CN" altLang="en-US" sz="2000" dirty="0" smtClean="0"/>
+              <a:t>位领袖，</a:t>
+            </a:r>
+            <a:r>
+              <a:rPr lang="zh-CN" altLang="en-US" sz="2000" dirty="0" smtClean="0"/>
+              <a:t>彼得、雅各，促使犹太和外邦教会合一。</a:t>
+            </a:r>
+            <a:endParaRPr lang="en-US" altLang="zh-CN" sz="2000" dirty="0" smtClean="0"/>
+          </a:p>
+        </p:txBody>
+      </p:sp>
+    </p:spTree>
+    <p:extLst>
+      <p:ext uri="{BB962C8B-B14F-4D97-AF65-F5344CB8AC3E}">
+        <p14:creationId xmlns:p14="http://schemas.microsoft.com/office/powerpoint/2010/main" xmlns="" val="602482599"/>
+      </p:ext>
+    </p:extLst>
+  </p:cSld>
+  <p:clrMapOvr>
+    <a:masterClrMapping/>
+  </p:clrMapOvr>
+  <mc:AlternateContent xmlns:mc="http://schemas.openxmlformats.org/markup-compatibility/2006">
+    <mc:Choice xmlns:p14="http://schemas.microsoft.com/office/powerpoint/2010/main" xmlns="" Requires="p14">
+      <p:transition p14:dur="10"/>
+    </mc:Choice>
+    <mc:Fallback>
+      <p:transition/>
+    </mc:Fallback>
+  </mc:AlternateContent>
+  <p:timing>
+    <p:tnLst>
+      <p:par>
+        <p:cTn id="1" dur="indefinite" restart="never" nodeType="tmRoot"/>
+      </p:par>
+    </p:tnLst>
+  </p:timing>
+</p:sld>
+</file>
+
+<file path=ppt/slides/slide11.xml><?xml version="1.0" encoding="utf-8"?>
+<p:sld xmlns:a="http://schemas.openxmlformats.org/drawingml/2006/main" xmlns:r="http://schemas.openxmlformats.org/officeDocument/2006/relationships" xmlns:p="http://schemas.openxmlformats.org/presentationml/2006/main">
+  <p:cSld>
+    <p:spTree>
+      <p:nvGrpSpPr>
+        <p:cNvPr id="1" name=""/>
+        <p:cNvGrpSpPr/>
+        <p:nvPr/>
+      </p:nvGrpSpPr>
+      <p:grpSpPr>
+        <a:xfrm>
+          <a:off x="0" y="0"/>
+          <a:ext cx="0" cy="0"/>
+          <a:chOff x="0" y="0"/>
+          <a:chExt cx="0" cy="0"/>
+        </a:xfrm>
+      </p:grpSpPr>
+      <p:sp>
+        <p:nvSpPr>
+          <p:cNvPr id="8194" name="Rectangle 2"/>
+          <p:cNvSpPr>
+            <a:spLocks noGrp="1" noChangeArrowheads="1"/>
+          </p:cNvSpPr>
+          <p:nvPr>
+            <p:ph type="title"/>
+          </p:nvPr>
+        </p:nvSpPr>
+        <p:spPr/>
+        <p:txBody>
+          <a:bodyPr/>
+          <a:lstStyle/>
+          <a:p>
+            <a:r>
+              <a:rPr lang="zh-CN" altLang="en-US" dirty="0" smtClean="0">
+                <a:ea typeface="宋体" charset="-122"/>
+              </a:rPr>
+              <a:t>总结应用</a:t>
+            </a:r>
+            <a:endParaRPr lang="en-US" altLang="zh-CN" sz="3600" dirty="0">
+              <a:ea typeface="宋体" charset="-122"/>
+            </a:endParaRPr>
+          </a:p>
+        </p:txBody>
+      </p:sp>
+      <p:sp>
+        <p:nvSpPr>
+          <p:cNvPr id="8195" name="Rectangle 3"/>
+          <p:cNvSpPr>
+            <a:spLocks noGrp="1" noChangeArrowheads="1"/>
+          </p:cNvSpPr>
+          <p:nvPr>
+            <p:ph type="body" sz="half" idx="1"/>
+          </p:nvPr>
+        </p:nvSpPr>
+        <p:spPr>
+          <a:xfrm>
+            <a:off x="685800" y="1357298"/>
+            <a:ext cx="7467600" cy="4880014"/>
+          </a:xfrm>
+        </p:spPr>
+        <p:txBody>
+          <a:bodyPr/>
+          <a:lstStyle/>
+          <a:p>
+            <a:pPr lvl="1"/>
+            <a:r>
+              <a:rPr lang="en-US" altLang="zh-CN" sz="2400" dirty="0" smtClean="0"/>
+              <a:t>4</a:t>
+            </a:r>
+            <a:r>
+              <a:rPr lang="zh-CN" altLang="en-US" sz="2400" dirty="0" smtClean="0"/>
+              <a:t>组问题作为线索：</a:t>
+            </a:r>
+            <a:endParaRPr lang="en-US" altLang="zh-CN" sz="2400" dirty="0" smtClean="0"/>
+          </a:p>
+          <a:p>
+            <a:pPr lvl="2"/>
+            <a:r>
+              <a:rPr lang="zh-CN" altLang="en-US" sz="2000" dirty="0" smtClean="0"/>
+              <a:t>经文</a:t>
+            </a:r>
+            <a:r>
+              <a:rPr lang="zh-CN" altLang="en-US" sz="2000" dirty="0" smtClean="0"/>
+              <a:t>中提到接受福音有哪几种渠道？保罗与你分别属于哪一种？你如何理解“启示”一词</a:t>
+            </a:r>
+            <a:r>
+              <a:rPr lang="zh-CN" altLang="en-US" sz="2000" dirty="0" smtClean="0"/>
+              <a:t>？</a:t>
+            </a:r>
+            <a:endParaRPr lang="en-US" altLang="zh-CN" sz="2000" dirty="0" smtClean="0">
+              <a:solidFill>
+                <a:srgbClr val="0070C0"/>
+              </a:solidFill>
+            </a:endParaRPr>
+          </a:p>
+          <a:p>
+            <a:pPr lvl="2"/>
+            <a:r>
+              <a:rPr lang="zh-CN" altLang="en-US" sz="2000" dirty="0" smtClean="0"/>
+              <a:t>保罗</a:t>
+            </a:r>
+            <a:r>
+              <a:rPr lang="zh-CN" altLang="en-US" sz="2000" dirty="0" smtClean="0"/>
+              <a:t>信主前认识其他使徒吗？信主后跟哪些使徒交流过？保罗为什么强调这些事？</a:t>
+            </a:r>
+            <a:endParaRPr lang="en-US" altLang="zh-CN" sz="2000" dirty="0" smtClean="0">
+              <a:solidFill>
+                <a:srgbClr val="0070C0"/>
+              </a:solidFill>
+            </a:endParaRPr>
+          </a:p>
+          <a:p>
+            <a:pPr lvl="2"/>
+            <a:r>
+              <a:rPr lang="en-US" altLang="zh-CN" sz="2000" dirty="0" smtClean="0"/>
+              <a:t>14</a:t>
+            </a:r>
+            <a:r>
+              <a:rPr lang="zh-CN" altLang="en-US" sz="2000" dirty="0" smtClean="0"/>
+              <a:t>节提到的“遗传”指的是什么？为“遗传”热心跟信仰有冲突吗？如果有，冲突是</a:t>
+            </a:r>
+            <a:r>
+              <a:rPr lang="zh-CN" altLang="en-US" sz="2000" dirty="0" smtClean="0"/>
+              <a:t>什么？</a:t>
+            </a:r>
+            <a:endParaRPr lang="en-US" altLang="zh-CN" sz="2000" dirty="0" smtClean="0"/>
+          </a:p>
+          <a:p>
+            <a:pPr lvl="2"/>
+            <a:r>
+              <a:rPr lang="zh-CN" altLang="en-US" sz="2000" dirty="0" smtClean="0"/>
+              <a:t>保罗</a:t>
+            </a:r>
+            <a:r>
+              <a:rPr lang="zh-CN" altLang="en-US" sz="2000" dirty="0" smtClean="0"/>
+              <a:t>信主前后有哪些变化？我有哪些变化？请对比自己的改变与保罗有何相似之处。</a:t>
+            </a:r>
+            <a:endParaRPr lang="en-US" altLang="zh-CN" sz="2000" dirty="0" smtClean="0">
+              <a:solidFill>
+                <a:srgbClr val="0070C0"/>
+              </a:solidFill>
+            </a:endParaRPr>
+          </a:p>
+          <a:p>
+            <a:pPr lvl="1"/>
+            <a:r>
+              <a:rPr lang="zh-CN" altLang="en-US" sz="2400" dirty="0" smtClean="0"/>
+              <a:t>应用和反思：</a:t>
+            </a:r>
+            <a:endParaRPr lang="en-US" altLang="zh-CN" sz="2400" dirty="0"/>
+          </a:p>
+          <a:p>
+            <a:pPr lvl="2"/>
+            <a:r>
+              <a:rPr lang="zh-CN" altLang="en-US" sz="2000" dirty="0" smtClean="0"/>
+              <a:t>正确</a:t>
+            </a:r>
+            <a:r>
+              <a:rPr lang="zh-CN" altLang="en-US" sz="2000" dirty="0" smtClean="0"/>
+              <a:t>地引用</a:t>
+            </a:r>
+            <a:r>
+              <a:rPr lang="zh-CN" altLang="en-US" sz="2000" dirty="0" smtClean="0"/>
+              <a:t>“不</a:t>
+            </a:r>
+            <a:r>
+              <a:rPr lang="zh-CN" altLang="en-US" sz="2000" dirty="0" smtClean="0"/>
+              <a:t>从人领受”的</a:t>
+            </a:r>
+            <a:r>
+              <a:rPr lang="zh-CN" altLang="en-US" sz="2000" dirty="0" smtClean="0"/>
+              <a:t>原则；</a:t>
+            </a:r>
+            <a:endParaRPr lang="zh-CN" altLang="en-US" sz="2000" dirty="0" smtClean="0"/>
+          </a:p>
+          <a:p>
+            <a:pPr lvl="2"/>
+            <a:r>
+              <a:rPr lang="zh-CN" altLang="en-US" sz="2000" dirty="0" smtClean="0"/>
+              <a:t>总结</a:t>
+            </a:r>
+            <a:r>
+              <a:rPr lang="en-US" altLang="zh-CN" sz="2000" dirty="0" smtClean="0"/>
+              <a:t>/</a:t>
+            </a:r>
+            <a:r>
+              <a:rPr lang="zh-CN" altLang="en-US" sz="2000" dirty="0" smtClean="0"/>
+              <a:t>完善个人得救见证，向至少</a:t>
+            </a:r>
+            <a:r>
+              <a:rPr lang="en-US" altLang="zh-CN" sz="2000" dirty="0" smtClean="0"/>
+              <a:t>1</a:t>
+            </a:r>
+            <a:r>
+              <a:rPr lang="zh-CN" altLang="en-US" sz="2000" dirty="0" smtClean="0"/>
+              <a:t>人</a:t>
+            </a:r>
+            <a:r>
+              <a:rPr lang="zh-CN" altLang="en-US" sz="2000" dirty="0" smtClean="0"/>
+              <a:t>分享。</a:t>
+            </a:r>
+            <a:endParaRPr lang="en-US" altLang="zh-CN" dirty="0"/>
+          </a:p>
+          <a:p>
+            <a:pPr lvl="2"/>
+            <a:endParaRPr lang="en-US" altLang="zh-CN" sz="2000" dirty="0">
+              <a:ea typeface="宋体" charset="-122"/>
+            </a:endParaRPr>
+          </a:p>
+        </p:txBody>
+      </p:sp>
+    </p:spTree>
+    <p:extLst>
+      <p:ext uri="{BB962C8B-B14F-4D97-AF65-F5344CB8AC3E}">
+        <p14:creationId xmlns:p14="http://schemas.microsoft.com/office/powerpoint/2010/main" xmlns="" val="274900122"/>
+      </p:ext>
+    </p:extLst>
+  </p:cSld>
+  <p:clrMapOvr>
+    <a:masterClrMapping/>
+  </p:clrMapOvr>
+  <mc:AlternateContent xmlns:mc="http://schemas.openxmlformats.org/markup-compatibility/2006">
+    <mc:Choice xmlns:p14="http://schemas.microsoft.com/office/powerpoint/2010/main" xmlns="" Requires="p14">
+      <p:transition p14:dur="10"/>
+    </mc:Choice>
+    <mc:Fallback>
+      <p:transition/>
+    </mc:Fallback>
+  </mc:AlternateContent>
+  <p:timing>
+    <p:tnLst>
+      <p:par>
+        <p:cTn id="1" dur="indefinite" restart="never" nodeType="tmRoot"/>
+      </p:par>
+    </p:tnLst>
+  </p:timing>
+</p:sld>
+</file>
+
+<file path=ppt/slides/slide12.xml><?xml version="1.0" encoding="utf-8"?>
 <p:sld xmlns:a="http://schemas.openxmlformats.org/drawingml/2006/main" xmlns:r="http://schemas.openxmlformats.org/officeDocument/2006/relationships" xmlns:p="http://schemas.openxmlformats.org/presentationml/2006/main">
   <p:cSld>
     <p:spTree>
@@ -24060,7 +24999,7 @@
     <a:masterClrMapping/>
   </p:clrMapOvr>
   <mc:AlternateContent xmlns:mc="http://schemas.openxmlformats.org/markup-compatibility/2006">
-    <mc:Choice xmlns="" xmlns:p14="http://schemas.microsoft.com/office/powerpoint/2010/main" Requires="p14">
+    <mc:Choice xmlns:p14="http://schemas.microsoft.com/office/powerpoint/2010/main" xmlns="" Requires="p14">
       <p:transition p14:dur="10"/>
     </mc:Choice>
     <mc:Fallback>
@@ -24151,11 +25090,7 @@
             <a:pPr lvl="1"/>
             <a:r>
               <a:rPr lang="zh-CN" altLang="en-US" sz="2400" dirty="0" smtClean="0"/>
-              <a:t>我们都会听到许多感人的信主</a:t>
-            </a:r>
-            <a:r>
-              <a:rPr lang="zh-CN" altLang="en-US" sz="2400" dirty="0" smtClean="0"/>
-              <a:t>见证</a:t>
+              <a:t>我们都会听到许多感人的信主见证</a:t>
             </a:r>
             <a:endParaRPr lang="en-US" altLang="zh-CN" sz="2400" dirty="0" smtClean="0"/>
           </a:p>
@@ -24163,15 +25098,7 @@
             <a:pPr lvl="1"/>
             <a:r>
               <a:rPr lang="zh-CN" altLang="en-US" sz="2400" dirty="0" smtClean="0"/>
-              <a:t>圣经</a:t>
-            </a:r>
-            <a:r>
-              <a:rPr lang="zh-CN" altLang="en-US" sz="2400" dirty="0" smtClean="0"/>
-              <a:t>中浪子回头故事的真人</a:t>
-            </a:r>
-            <a:r>
-              <a:rPr lang="zh-CN" altLang="en-US" sz="2400" dirty="0" smtClean="0"/>
-              <a:t>版</a:t>
+              <a:t>圣经中浪子回头故事的真人版</a:t>
             </a:r>
             <a:endParaRPr lang="en-US" altLang="zh-CN" sz="2400" dirty="0" smtClean="0"/>
           </a:p>
@@ -24198,11 +25125,7 @@
             <a:pPr lvl="1"/>
             <a:r>
               <a:rPr lang="zh-CN" altLang="en-US" sz="2400" dirty="0" smtClean="0"/>
-              <a:t>有些人信主前后变化不大，有些人变化特别</a:t>
-            </a:r>
-            <a:r>
-              <a:rPr lang="zh-CN" altLang="en-US" sz="2400" dirty="0" smtClean="0"/>
-              <a:t>大</a:t>
+              <a:t>有些人信主前后变化不大，有些人变化特别大</a:t>
             </a:r>
             <a:endParaRPr lang="en-US" altLang="zh-CN" sz="2400" dirty="0" smtClean="0"/>
           </a:p>
@@ -24210,15 +25133,7 @@
             <a:pPr lvl="1"/>
             <a:r>
               <a:rPr lang="zh-CN" altLang="en-US" sz="2400" dirty="0" smtClean="0"/>
-              <a:t>使徒</a:t>
-            </a:r>
-            <a:r>
-              <a:rPr lang="zh-CN" altLang="en-US" sz="2400" dirty="0" smtClean="0"/>
-              <a:t>保罗就是一个极端的</a:t>
-            </a:r>
-            <a:r>
-              <a:rPr lang="zh-CN" altLang="en-US" sz="2400" dirty="0" smtClean="0"/>
-              <a:t>例子</a:t>
+              <a:t>使徒保罗就是一个极端的例子</a:t>
             </a:r>
             <a:endParaRPr lang="en-US" altLang="zh-CN" sz="2000" dirty="0">
               <a:ea typeface="宋体" charset="-122"/>
@@ -24232,7 +25147,7 @@
     <a:masterClrMapping/>
   </p:clrMapOvr>
   <mc:AlternateContent xmlns:mc="http://schemas.openxmlformats.org/markup-compatibility/2006">
-    <mc:Choice xmlns="" xmlns:p14="http://schemas.microsoft.com/office/powerpoint/2010/main" Requires="p14">
+    <mc:Choice xmlns:p14="http://schemas.microsoft.com/office/powerpoint/2010/main" xmlns="" Requires="p14">
       <p:transition p14:dur="10"/>
     </mc:Choice>
     <mc:Fallback>
@@ -24323,11 +25238,7 @@
             <a:pPr lvl="1"/>
             <a:r>
               <a:rPr lang="zh-CN" altLang="en-US" sz="2400" dirty="0" smtClean="0"/>
-              <a:t>以色列是个特别看重传统的名</a:t>
-            </a:r>
-            <a:r>
-              <a:rPr lang="zh-CN" altLang="en-US" sz="2400" dirty="0" smtClean="0"/>
-              <a:t>族</a:t>
+              <a:t>以色列是个特别看重传统的名族</a:t>
             </a:r>
             <a:endParaRPr lang="en-US" altLang="zh-CN" sz="2400" dirty="0" smtClean="0"/>
           </a:p>
@@ -24335,15 +25246,7 @@
             <a:pPr lvl="1"/>
             <a:r>
               <a:rPr lang="zh-CN" altLang="en-US" sz="2400" dirty="0" smtClean="0"/>
-              <a:t>曾有</a:t>
-            </a:r>
-            <a:r>
-              <a:rPr lang="zh-CN" altLang="en-US" sz="2400" dirty="0" smtClean="0"/>
-              <a:t>拉比比喻</a:t>
-            </a:r>
-            <a:r>
-              <a:rPr lang="zh-CN" altLang="en-US" sz="2400" dirty="0" smtClean="0"/>
-              <a:t>：</a:t>
+              <a:t>曾有拉比比喻：</a:t>
             </a:r>
             <a:r>
               <a:rPr lang="en-US" sz="2400" dirty="0" smtClean="0"/>
@@ -24370,15 +25273,7 @@
             <a:pPr lvl="1"/>
             <a:r>
               <a:rPr lang="zh-CN" altLang="en-US" sz="2400" dirty="0" smtClean="0"/>
-              <a:t>上文</a:t>
-            </a:r>
-            <a:r>
-              <a:rPr lang="zh-CN" altLang="en-US" sz="2400" dirty="0" smtClean="0"/>
-              <a:t>，</a:t>
-            </a:r>
-            <a:r>
-              <a:rPr lang="zh-CN" altLang="en-US" sz="2400" dirty="0" smtClean="0"/>
-              <a:t>保罗在问安语之后，就开始责备加拉太人那么快便离开那恩召他们的主，去附从“别的福音”。</a:t>
+              <a:t>上文，保罗在问安语之后，就开始责备加拉太人那么快便离开那恩召他们的主，去附从“别的福音”。</a:t>
             </a:r>
             <a:endParaRPr lang="en-US" altLang="zh-CN" sz="2400" dirty="0" smtClean="0"/>
           </a:p>
@@ -24405,7 +25300,7 @@
     </p:spTree>
     <p:extLst>
       <p:ext uri="{BB962C8B-B14F-4D97-AF65-F5344CB8AC3E}">
-        <p14:creationId xmlns="" xmlns:p14="http://schemas.microsoft.com/office/powerpoint/2010/main" val="2916621134"/>
+        <p14:creationId xmlns:p14="http://schemas.microsoft.com/office/powerpoint/2010/main" xmlns="" val="2916621134"/>
       </p:ext>
     </p:extLst>
   </p:cSld>
@@ -24413,7 +25308,7 @@
     <a:masterClrMapping/>
   </p:clrMapOvr>
   <mc:AlternateContent xmlns:mc="http://schemas.openxmlformats.org/markup-compatibility/2006">
-    <mc:Choice xmlns="" xmlns:p14="http://schemas.microsoft.com/office/powerpoint/2010/main" Requires="p14">
+    <mc:Choice xmlns:p14="http://schemas.microsoft.com/office/powerpoint/2010/main" xmlns="" Requires="p14">
       <p:transition p14:dur="10"/>
     </mc:Choice>
     <mc:Fallback>
@@ -24480,8 +25375,24 @@
               <a:t>.</a:t>
             </a:r>
             <a:r>
+              <a:rPr lang="zh-CN" altLang="en-US" sz="3600" dirty="0" smtClean="0">
+                <a:ea typeface="宋体" charset="-122"/>
+              </a:rPr>
+              <a:t>改变的原因</a:t>
+            </a:r>
+            <a:r>
+              <a:rPr lang="en-US" altLang="zh-CN" sz="3600" dirty="0" smtClean="0">
+                <a:ea typeface="宋体" charset="-122"/>
+              </a:rPr>
+              <a:t>—</a:t>
+            </a:r>
+            <a:r>
               <a:rPr lang="zh-CN" altLang="en-US" sz="3600" dirty="0" smtClean="0"/>
-              <a:t>保罗如何从神领受启示</a:t>
+              <a:t>领受</a:t>
+            </a:r>
+            <a:r>
+              <a:rPr lang="zh-CN" altLang="en-US" sz="3600" dirty="0" smtClean="0"/>
+              <a:t>启示</a:t>
             </a:r>
             <a:r>
               <a:rPr lang="zh-CN" altLang="en-US" sz="3200" dirty="0" smtClean="0"/>
@@ -24552,23 +25463,11 @@
                   <a:srgbClr val="FF0000"/>
                 </a:solidFill>
               </a:rPr>
-              <a:t>弟兄们</a:t>
-            </a:r>
-            <a:r>
-              <a:rPr lang="zh-CN" altLang="en-US" sz="2800" dirty="0" smtClean="0">
-                <a:solidFill>
-                  <a:srgbClr val="FF0000"/>
-                </a:solidFill>
-              </a:rPr>
-              <a:t>，我告诉你们，我素来所传的福音，不是出于</a:t>
+              <a:t>弟兄们，我告诉你们，我素来所传的福音，不是出于</a:t>
             </a:r>
             <a:r>
               <a:rPr lang="zh-CN" altLang="en-US" sz="2800" dirty="0" smtClean="0"/>
-              <a:t>人的</a:t>
-            </a:r>
-            <a:r>
-              <a:rPr lang="zh-CN" altLang="en-US" sz="2800" dirty="0" smtClean="0"/>
-              <a:t>意思</a:t>
+              <a:t>人的意思</a:t>
             </a:r>
             <a:r>
               <a:rPr lang="zh-CN" altLang="en-US" sz="2800" dirty="0" smtClean="0">
@@ -24587,19 +25486,11 @@
           <a:p>
             <a:r>
               <a:rPr lang="en-US" altLang="zh-CN" dirty="0" smtClean="0"/>
-              <a:t>1.1</a:t>
-            </a:r>
-            <a:r>
-              <a:rPr lang="en-US" altLang="zh-CN" dirty="0" smtClean="0"/>
-              <a:t>.</a:t>
+              <a:t>1.1.</a:t>
             </a:r>
             <a:r>
               <a:rPr lang="zh-CN" altLang="en-US" dirty="0" smtClean="0"/>
-              <a:t>人的意思</a:t>
-            </a:r>
-            <a:r>
-              <a:rPr lang="zh-CN" altLang="en-US" dirty="0" smtClean="0"/>
-              <a:t>（</a:t>
+              <a:t>人的意思（</a:t>
             </a:r>
             <a:r>
               <a:rPr lang="en-US" altLang="zh-CN" dirty="0" smtClean="0"/>
@@ -24619,11 +25510,7 @@
             </a:r>
             <a:r>
               <a:rPr lang="zh-CN" altLang="en-US" dirty="0" smtClean="0"/>
-              <a:t>）</a:t>
-            </a:r>
-            <a:r>
-              <a:rPr lang="zh-CN" altLang="en-US" dirty="0" smtClean="0"/>
-              <a:t>“不是出于人的意思”</a:t>
+              <a:t>）“不是出于人的意思”</a:t>
             </a:r>
             <a:endParaRPr lang="en-US" altLang="zh-CN" sz="2000" dirty="0" smtClean="0"/>
           </a:p>
@@ -24631,11 +25518,7 @@
             <a:pPr lvl="2"/>
             <a:r>
               <a:rPr lang="zh-CN" altLang="en-US" dirty="0" smtClean="0"/>
-              <a:t>就是不属于人的一种道理，既不是出于人的授意或附从人的主张，也不是从人间的各种哲理或学说中领悟出来的一种新道理</a:t>
-            </a:r>
-            <a:r>
-              <a:rPr lang="zh-CN" altLang="en-US" dirty="0" smtClean="0"/>
-              <a:t>。</a:t>
+              <a:t>就是不属于人的一种道理，既不是出于人的授意或附从人的主张，也不是从人间的各种哲理或学说中领悟出来的一种新道理。</a:t>
             </a:r>
             <a:endParaRPr lang="en-US" altLang="zh-CN" dirty="0" smtClean="0"/>
           </a:p>
@@ -24643,11 +25526,7 @@
             <a:pPr lvl="2"/>
             <a:r>
               <a:rPr lang="zh-CN" altLang="en-US" dirty="0" smtClean="0"/>
-              <a:t>他</a:t>
-            </a:r>
-            <a:r>
-              <a:rPr lang="zh-CN" altLang="en-US" dirty="0" smtClean="0"/>
-              <a:t>慎重地声明</a:t>
+              <a:t>他慎重地声明</a:t>
             </a:r>
             <a:r>
               <a:rPr lang="en-US" altLang="zh-CN" dirty="0" smtClean="0"/>
@@ -24655,15 +25534,7 @@
             </a:r>
             <a:r>
               <a:rPr lang="zh-CN" altLang="en-US" dirty="0" smtClean="0"/>
-              <a:t>他所传的福音，与他过去所受的教育，和宗教方面的栽培无关。乃是从神另外领受的一项</a:t>
-            </a:r>
-            <a:r>
-              <a:rPr lang="zh-CN" altLang="en-US" dirty="0" smtClean="0"/>
-              <a:t>“新道” </a:t>
-            </a:r>
-            <a:r>
-              <a:rPr lang="zh-CN" altLang="en-US" dirty="0" smtClean="0"/>
-              <a:t>。</a:t>
+              <a:t>他所传的福音，与他过去所受的教育，和宗教方面的栽培无关。乃是从神另外领受的一项“新道” 。</a:t>
             </a:r>
             <a:endParaRPr lang="en-US" altLang="zh-CN" dirty="0" smtClean="0"/>
           </a:p>
@@ -24672,7 +25543,7 @@
     </p:spTree>
     <p:extLst>
       <p:ext uri="{BB962C8B-B14F-4D97-AF65-F5344CB8AC3E}">
-        <p14:creationId xmlns="" xmlns:p14="http://schemas.microsoft.com/office/powerpoint/2010/main" val="602482599"/>
+        <p14:creationId xmlns:p14="http://schemas.microsoft.com/office/powerpoint/2010/main" xmlns="" val="602482599"/>
       </p:ext>
     </p:extLst>
   </p:cSld>
@@ -24680,7 +25551,7 @@
     <a:masterClrMapping/>
   </p:clrMapOvr>
   <mc:AlternateContent xmlns:mc="http://schemas.openxmlformats.org/markup-compatibility/2006">
-    <mc:Choice xmlns="" xmlns:p14="http://schemas.microsoft.com/office/powerpoint/2010/main" Requires="p14">
+    <mc:Choice xmlns:p14="http://schemas.microsoft.com/office/powerpoint/2010/main" xmlns="" Requires="p14">
       <p:transition p14:dur="10"/>
     </mc:Choice>
     <mc:Fallback>
@@ -24738,11 +25609,33 @@
               <a:rPr lang="en-US" altLang="zh-CN" sz="3600" dirty="0" smtClean="0">
                 <a:ea typeface="宋体" charset="-122"/>
               </a:rPr>
-              <a:t>1.</a:t>
+              <a:t>1</a:t>
+            </a:r>
+            <a:r>
+              <a:rPr lang="en-US" altLang="zh-CN" sz="3600" dirty="0" smtClean="0">
+                <a:ea typeface="宋体" charset="-122"/>
+              </a:rPr>
+              <a:t>.</a:t>
+            </a:r>
+            <a:r>
+              <a:rPr lang="zh-CN" altLang="en-US" sz="3600" dirty="0" smtClean="0">
+                <a:ea typeface="宋体" charset="-122"/>
+              </a:rPr>
+              <a:t>改变的原因</a:t>
+            </a:r>
+            <a:r>
+              <a:rPr lang="en-US" altLang="zh-CN" sz="3600" dirty="0" smtClean="0">
+                <a:ea typeface="宋体" charset="-122"/>
+              </a:rPr>
+              <a:t>—</a:t>
             </a:r>
             <a:r>
               <a:rPr lang="zh-CN" altLang="en-US" sz="3600" dirty="0" smtClean="0"/>
-              <a:t>保罗如何从神领受启示</a:t>
+              <a:t>领受</a:t>
+            </a:r>
+            <a:r>
+              <a:rPr lang="zh-CN" altLang="en-US" sz="3600" dirty="0" smtClean="0"/>
+              <a:t>启示</a:t>
             </a:r>
             <a:r>
               <a:rPr lang="zh-CN" altLang="en-US" sz="3200" dirty="0" smtClean="0"/>
@@ -24891,15 +25784,7 @@
                   <a:srgbClr val="FF0000"/>
                 </a:solidFill>
               </a:rPr>
-              <a:t>我认得一个在基督里的人，他前十四年被提到第三层天上去</a:t>
-            </a:r>
-            <a:r>
-              <a:rPr lang="zh-CN" altLang="en-US" sz="2000" dirty="0" smtClean="0">
-                <a:solidFill>
-                  <a:srgbClr val="FF0000"/>
-                </a:solidFill>
-              </a:rPr>
-              <a:t>。</a:t>
+              <a:t>我认得一个在基督里的人，他前十四年被提到第三层天上去。</a:t>
             </a:r>
             <a:endParaRPr lang="en-US" altLang="zh-CN" sz="2000" dirty="0" smtClean="0">
               <a:solidFill>
@@ -24911,11 +25796,7 @@
             <a:pPr lvl="2"/>
             <a:r>
               <a:rPr lang="zh-CN" altLang="en-US" sz="2000" dirty="0" smtClean="0"/>
-              <a:t>蒙召后不久，曾有一段时间（约三年）到阿拉伯去。这三年中他得着了什么启示，或如何受神造就，是我们所不能测透的</a:t>
-            </a:r>
-            <a:r>
-              <a:rPr lang="zh-CN" altLang="en-US" sz="2000" dirty="0" smtClean="0"/>
-              <a:t>。</a:t>
+              <a:t>蒙召后不久，曾有一段时间（约三年）到阿拉伯去。这三年中他得着了什么启示，或如何受神造就，是我们所不能测透的。</a:t>
             </a:r>
             <a:endParaRPr lang="en-US" altLang="zh-CN" sz="2000" dirty="0" smtClean="0"/>
           </a:p>
@@ -24951,15 +25832,7 @@
                   <a:srgbClr val="FF0000"/>
                 </a:solidFill>
               </a:rPr>
-              <a:t>用启示使我知道福音的奥秘，正如我以前略略写过的</a:t>
-            </a:r>
-            <a:r>
-              <a:rPr lang="zh-CN" altLang="en-US" sz="2000" dirty="0" smtClean="0">
-                <a:solidFill>
-                  <a:srgbClr val="FF0000"/>
-                </a:solidFill>
-              </a:rPr>
-              <a:t>。</a:t>
+              <a:t>用启示使我知道福音的奥秘，正如我以前略略写过的。</a:t>
             </a:r>
             <a:endParaRPr lang="en-US" altLang="zh-CN" sz="2000" dirty="0" smtClean="0">
               <a:solidFill>
@@ -24971,11 +25844,7 @@
             <a:pPr lvl="2"/>
             <a:r>
               <a:rPr lang="zh-CN" altLang="en-US" sz="2000" dirty="0" smtClean="0"/>
-              <a:t>外邦人得以在基督借着福音（不是藉割礼）得与犹太人（犹太信徒）同归于</a:t>
-            </a:r>
-            <a:r>
-              <a:rPr lang="zh-CN" altLang="en-US" sz="2000" dirty="0" smtClean="0"/>
-              <a:t>一</a:t>
+              <a:t>外邦人得以在基督借着福音（不是藉割礼）得与犹太人（犹太信徒）同归于一</a:t>
             </a:r>
             <a:endParaRPr lang="en-US" altLang="zh-CN" dirty="0" smtClean="0"/>
           </a:p>
@@ -24984,7 +25853,7 @@
     </p:spTree>
     <p:extLst>
       <p:ext uri="{BB962C8B-B14F-4D97-AF65-F5344CB8AC3E}">
-        <p14:creationId xmlns="" xmlns:p14="http://schemas.microsoft.com/office/powerpoint/2010/main" val="602482599"/>
+        <p14:creationId xmlns:p14="http://schemas.microsoft.com/office/powerpoint/2010/main" xmlns="" val="602482599"/>
       </p:ext>
     </p:extLst>
   </p:cSld>
@@ -24992,7 +25861,7 @@
     <a:masterClrMapping/>
   </p:clrMapOvr>
   <mc:AlternateContent xmlns:mc="http://schemas.openxmlformats.org/markup-compatibility/2006">
-    <mc:Choice xmlns="" xmlns:p14="http://schemas.microsoft.com/office/powerpoint/2010/main" Requires="p14">
+    <mc:Choice xmlns:p14="http://schemas.microsoft.com/office/powerpoint/2010/main" xmlns="" Requires="p14">
       <p:transition p14:dur="10"/>
     </mc:Choice>
     <mc:Fallback>
@@ -25050,11 +25919,33 @@
               <a:rPr lang="en-US" altLang="zh-CN" sz="3600" dirty="0" smtClean="0">
                 <a:ea typeface="宋体" charset="-122"/>
               </a:rPr>
-              <a:t>1.</a:t>
+              <a:t>1</a:t>
+            </a:r>
+            <a:r>
+              <a:rPr lang="en-US" altLang="zh-CN" sz="3600" dirty="0" smtClean="0">
+                <a:ea typeface="宋体" charset="-122"/>
+              </a:rPr>
+              <a:t>.</a:t>
+            </a:r>
+            <a:r>
+              <a:rPr lang="zh-CN" altLang="en-US" sz="3600" dirty="0" smtClean="0">
+                <a:ea typeface="宋体" charset="-122"/>
+              </a:rPr>
+              <a:t>改变的原因</a:t>
+            </a:r>
+            <a:r>
+              <a:rPr lang="en-US" altLang="zh-CN" sz="3600" dirty="0" smtClean="0">
+                <a:ea typeface="宋体" charset="-122"/>
+              </a:rPr>
+              <a:t>—</a:t>
             </a:r>
             <a:r>
               <a:rPr lang="zh-CN" altLang="en-US" sz="3600" dirty="0" smtClean="0"/>
-              <a:t>保罗如何从神领受启示</a:t>
+              <a:t>领受</a:t>
+            </a:r>
+            <a:r>
+              <a:rPr lang="zh-CN" altLang="en-US" sz="3600" dirty="0" smtClean="0"/>
+              <a:t>启示</a:t>
             </a:r>
             <a:r>
               <a:rPr lang="zh-CN" altLang="en-US" sz="3200" dirty="0" smtClean="0"/>
@@ -25163,43 +26054,27 @@
             <a:pPr lvl="1"/>
             <a:r>
               <a:rPr lang="en-US" altLang="zh-CN" sz="2400" dirty="0" smtClean="0"/>
-              <a:t>Q1</a:t>
-            </a:r>
-            <a:r>
-              <a:rPr lang="en-US" altLang="zh-CN" sz="2400" dirty="0" smtClean="0"/>
-              <a:t>. </a:t>
+              <a:t>Q1. </a:t>
             </a:r>
             <a:r>
               <a:rPr lang="zh-CN" altLang="en-US" sz="2400" dirty="0" smtClean="0"/>
-              <a:t>经文中提到接受福音有哪几种渠道？保罗与你分别属于哪一种</a:t>
+              <a:t>经文中提到接受福音有哪几种渠道？保罗与你分别属于哪一种？</a:t>
             </a:r>
             <a:r>
               <a:rPr lang="zh-CN" altLang="en-US" sz="2400" dirty="0" smtClean="0"/>
-              <a:t>？</a:t>
-            </a:r>
-            <a:r>
-              <a:rPr lang="zh-CN" altLang="en-US" sz="2400" b="1" dirty="0" smtClean="0"/>
-              <a:t>你如何理解“启示”一词</a:t>
-            </a:r>
-            <a:r>
-              <a:rPr lang="zh-CN" altLang="en-US" sz="2400" b="1" dirty="0" smtClean="0"/>
-              <a:t>？</a:t>
-            </a:r>
-            <a:endParaRPr lang="en-US" altLang="zh-CN" sz="2000" dirty="0" smtClean="0">
-              <a:solidFill>
-                <a:srgbClr val="FF0000"/>
-              </a:solidFill>
-            </a:endParaRPr>
+              <a:t>你如何理解“启示”一词？</a:t>
+            </a:r>
+            <a:endParaRPr lang="en-US" altLang="zh-CN" sz="2400" dirty="0" smtClean="0"/>
           </a:p>
           <a:p>
             <a:pPr lvl="2"/>
             <a:r>
               <a:rPr lang="zh-CN" altLang="en-US" sz="2000" dirty="0" smtClean="0"/>
-              <a:t>两种渠道：通过人的教导，直接被神启示。保罗没有人教导，直接由神启示他；提摩太在真道上所受的栽培是从保罗那里听到的，可见提摩太是被人教导的，我们听到的福音也是从一代一代信仰前辈传承而来的</a:t>
+              <a:t>两种渠道：通过人的教导，直接被神启示。保罗没有人教导，直接由神启示他；提摩太在真道上所受的栽培是从保罗那里听到的，可见提摩太是被人教导的，我们听到的福音也是从一代一代信仰前辈传承而来</a:t>
             </a:r>
             <a:r>
               <a:rPr lang="zh-CN" altLang="en-US" sz="2000" dirty="0" smtClean="0"/>
-              <a:t>。。</a:t>
+              <a:t>的。</a:t>
             </a:r>
             <a:endParaRPr lang="en-US" altLang="zh-CN" sz="2000" dirty="0" smtClean="0"/>
           </a:p>
@@ -25207,11 +26082,7 @@
             <a:pPr lvl="2"/>
             <a:r>
               <a:rPr lang="zh-CN" altLang="en-US" sz="2000" dirty="0" smtClean="0"/>
-              <a:t>保罗的启示是直接从神而来，有些信徒在生活、工作、行事之中，应用这项原则“直接听从神的指引，不听人的意见”时，却要</a:t>
-            </a:r>
-            <a:r>
-              <a:rPr lang="zh-CN" altLang="en-US" sz="2000" dirty="0" smtClean="0"/>
-              <a:t>小心谨慎，</a:t>
+              <a:t>保罗的启示是直接从神而来，有些信徒在生活、工作、行事之中，应用这项原则“直接听从神的指引，不听人的意见”时，却要小心谨慎，</a:t>
             </a:r>
             <a:r>
               <a:rPr lang="en-US" altLang="zh-CN" sz="2000" dirty="0" smtClean="0"/>
@@ -25228,7 +26099,7 @@
     </p:spTree>
     <p:extLst>
       <p:ext uri="{BB962C8B-B14F-4D97-AF65-F5344CB8AC3E}">
-        <p14:creationId xmlns="" xmlns:p14="http://schemas.microsoft.com/office/powerpoint/2010/main" val="602482599"/>
+        <p14:creationId xmlns:p14="http://schemas.microsoft.com/office/powerpoint/2010/main" xmlns="" val="602482599"/>
       </p:ext>
     </p:extLst>
   </p:cSld>
@@ -25236,7 +26107,7 @@
     <a:masterClrMapping/>
   </p:clrMapOvr>
   <mc:AlternateContent xmlns:mc="http://schemas.openxmlformats.org/markup-compatibility/2006">
-    <mc:Choice xmlns="" xmlns:p14="http://schemas.microsoft.com/office/powerpoint/2010/main" Requires="p14">
+    <mc:Choice xmlns:p14="http://schemas.microsoft.com/office/powerpoint/2010/main" xmlns="" Requires="p14">
       <p:transition p14:dur="10"/>
     </mc:Choice>
     <mc:Fallback>
@@ -25295,11 +26166,33 @@
               <a:rPr lang="en-US" altLang="zh-CN" sz="3600" dirty="0" smtClean="0">
                 <a:ea typeface="宋体" charset="-122"/>
               </a:rPr>
-              <a:t>2.</a:t>
+              <a:t>2</a:t>
+            </a:r>
+            <a:r>
+              <a:rPr lang="en-US" altLang="zh-CN" sz="3600" dirty="0" smtClean="0">
+                <a:ea typeface="宋体" charset="-122"/>
+              </a:rPr>
+              <a:t>.</a:t>
+            </a:r>
+            <a:r>
+              <a:rPr lang="zh-CN" altLang="en-US" sz="3600" dirty="0" smtClean="0">
+                <a:ea typeface="宋体" charset="-122"/>
+              </a:rPr>
+              <a:t>改变前</a:t>
+            </a:r>
+            <a:r>
+              <a:rPr lang="en-US" altLang="zh-CN" sz="3600" dirty="0" smtClean="0">
+                <a:ea typeface="宋体" charset="-122"/>
+              </a:rPr>
+              <a:t>—</a:t>
             </a:r>
             <a:r>
               <a:rPr lang="zh-CN" altLang="en-US" sz="3600" dirty="0" smtClean="0"/>
-              <a:t>保罗如何热心律法</a:t>
+              <a:t>醉</a:t>
+            </a:r>
+            <a:r>
+              <a:rPr lang="zh-CN" altLang="en-US" sz="3600" dirty="0" smtClean="0"/>
+              <a:t>心律法传统</a:t>
             </a:r>
             <a:r>
               <a:rPr lang="zh-CN" altLang="en-US" sz="3200" dirty="0" smtClean="0"/>
@@ -25376,15 +26269,7 @@
                   <a:srgbClr val="FF0000"/>
                 </a:solidFill>
               </a:rPr>
-              <a:t>更加</a:t>
-            </a:r>
-            <a:r>
-              <a:rPr lang="zh-CN" altLang="en-US" sz="2800" dirty="0" smtClean="0">
-                <a:solidFill>
-                  <a:srgbClr val="FF0000"/>
-                </a:solidFill>
-              </a:rPr>
-              <a:t>热心。</a:t>
+              <a:t>更加热心。</a:t>
             </a:r>
             <a:endParaRPr lang="en-US" altLang="zh-CN" sz="2800" dirty="0" smtClean="0">
               <a:solidFill>
@@ -25394,10 +26279,6 @@
           </a:p>
           <a:p>
             <a:r>
-              <a:rPr lang="en-US" altLang="zh-CN" dirty="0" smtClean="0"/>
-              <a:t>2.1 </a:t>
-            </a:r>
-            <a:r>
               <a:rPr lang="zh-CN" altLang="en-US" dirty="0" smtClean="0"/>
               <a:t>遗传</a:t>
             </a:r>
@@ -25411,11 +26292,7 @@
             </a:r>
             <a:r>
               <a:rPr lang="zh-CN" altLang="en-US" dirty="0" smtClean="0"/>
-              <a:t>）</a:t>
-            </a:r>
-            <a:r>
-              <a:rPr lang="zh-CN" altLang="en-US" dirty="0" smtClean="0"/>
-              <a:t> </a:t>
+              <a:t>） </a:t>
             </a:r>
             <a:endParaRPr lang="en-US" altLang="zh-CN" dirty="0" smtClean="0"/>
           </a:p>
@@ -25423,15 +26300,11 @@
             <a:pPr lvl="1"/>
             <a:r>
               <a:rPr lang="en-US" altLang="zh-CN" sz="2400" dirty="0" smtClean="0"/>
-              <a:t>Q</a:t>
+              <a:t>Q3. </a:t>
             </a:r>
             <a:r>
               <a:rPr lang="en-US" altLang="zh-CN" sz="2400" dirty="0" smtClean="0"/>
-              <a:t>2</a:t>
-            </a:r>
-            <a:r>
-              <a:rPr lang="en-US" altLang="zh-CN" sz="2400" dirty="0" smtClean="0"/>
-              <a:t>. 14</a:t>
+              <a:t>14</a:t>
             </a:r>
             <a:r>
               <a:rPr lang="zh-CN" altLang="en-US" sz="2400" dirty="0" smtClean="0"/>
@@ -25442,11 +26315,7 @@
             <a:pPr lvl="2"/>
             <a:r>
               <a:rPr lang="zh-CN" altLang="en-US" sz="2000" dirty="0" smtClean="0"/>
-              <a:t>遗传</a:t>
-            </a:r>
-            <a:r>
-              <a:rPr lang="zh-CN" altLang="en-US" sz="2000" dirty="0" smtClean="0"/>
-              <a:t>英文单词是</a:t>
+              <a:t>遗传英文单词是</a:t>
             </a:r>
             <a:r>
               <a:rPr lang="en-US" sz="2000" dirty="0" smtClean="0"/>
@@ -25454,11 +26323,7 @@
             </a:r>
             <a:r>
               <a:rPr lang="zh-CN" altLang="en-US" sz="2000" dirty="0" smtClean="0"/>
-              <a:t>，也就是传统，指古人设立的规矩和习惯，犹太人有犹太人的传统，我们中国人也有自己的传统</a:t>
-            </a:r>
-            <a:r>
-              <a:rPr lang="zh-CN" altLang="en-US" sz="2000" dirty="0" smtClean="0"/>
-              <a:t>。</a:t>
+              <a:t>，也就是传统，指古人设立的规矩和习惯，犹太人有犹太人的传统，我们中国人也有自己的传统。</a:t>
             </a:r>
             <a:endParaRPr lang="en-US" altLang="zh-CN" sz="2000" dirty="0" smtClean="0"/>
           </a:p>
@@ -25466,11 +26331,7 @@
             <a:pPr lvl="2"/>
             <a:r>
               <a:rPr lang="zh-CN" altLang="en-US" sz="2000" dirty="0" smtClean="0"/>
-              <a:t>传统本身没有错，但是跟神的旨意有冲突时，就该有所取舍。过分看重传统，有时候跟信仰会有冲突</a:t>
-            </a:r>
-            <a:r>
-              <a:rPr lang="zh-CN" altLang="en-US" sz="2000" dirty="0" smtClean="0"/>
-              <a:t>。</a:t>
+              <a:t>传统本身没有错，但是跟神的旨意有冲突时，就该有所取舍。过分看重传统，有时候跟信仰会有冲突。</a:t>
             </a:r>
             <a:endParaRPr lang="en-US" altLang="zh-CN" sz="2000" dirty="0" smtClean="0"/>
           </a:p>
@@ -25482,7 +26343,11 @@
             </a:r>
             <a:r>
               <a:rPr lang="zh-CN" altLang="en-US" sz="2000" dirty="0" smtClean="0"/>
-              <a:t>犹太人古人的遗传</a:t>
+              <a:t>犹太人古人的</a:t>
+            </a:r>
+            <a:r>
+              <a:rPr lang="zh-CN" altLang="en-US" sz="2000" dirty="0" smtClean="0"/>
+              <a:t>遗传，洗手、奉献与孝敬父母</a:t>
             </a:r>
             <a:endParaRPr lang="en-US" altLang="zh-CN" sz="2000" dirty="0" smtClean="0"/>
           </a:p>
@@ -25497,67 +26362,13 @@
               <a:t>过年</a:t>
             </a:r>
             <a:endParaRPr lang="en-US" altLang="zh-CN" sz="2000" dirty="0" smtClean="0"/>
-          </a:p>
-        </p:txBody>
-      </p:sp>
-      <p:sp>
-        <p:nvSpPr>
-          <p:cNvPr id="4" name="矩形 3"/>
-          <p:cNvSpPr/>
-          <p:nvPr/>
-        </p:nvSpPr>
-        <p:spPr>
-          <a:xfrm>
-            <a:off x="2648236" y="3244334"/>
-            <a:ext cx="3847528" cy="369332"/>
-          </a:xfrm>
-          <a:prstGeom prst="rect">
-            <a:avLst/>
-          </a:prstGeom>
-        </p:spPr>
-        <p:txBody>
-          <a:bodyPr wrap="none">
-            <a:spAutoFit/>
-          </a:bodyPr>
-          <a:lstStyle/>
-          <a:p>
-            <a:pPr lvl="0"/>
-            <a:r>
-              <a:rPr lang="zh-CN" altLang="en-US" b="1" dirty="0" smtClean="0"/>
-              <a:t>保罗如何归主及蒙召（</a:t>
-            </a:r>
-            <a:r>
-              <a:rPr lang="en-US" b="1" dirty="0" smtClean="0"/>
-              <a:t>1</a:t>
-            </a:r>
-            <a:r>
-              <a:rPr lang="zh-CN" altLang="en-US" b="1" dirty="0" smtClean="0"/>
-              <a:t>：</a:t>
-            </a:r>
-            <a:r>
-              <a:rPr lang="en-US" b="1" dirty="0" smtClean="0"/>
-              <a:t>15</a:t>
-            </a:r>
-            <a:r>
-              <a:rPr lang="zh-CN" altLang="en-US" b="1" dirty="0" smtClean="0"/>
-              <a:t>－</a:t>
-            </a:r>
-            <a:r>
-              <a:rPr lang="en-US" b="1" dirty="0" smtClean="0"/>
-              <a:t>17</a:t>
-            </a:r>
-            <a:r>
-              <a:rPr lang="zh-CN" altLang="en-US" b="1" dirty="0" smtClean="0"/>
-              <a:t>）</a:t>
-            </a:r>
-            <a:endParaRPr lang="zh-CN" altLang="en-US" b="1" dirty="0"/>
           </a:p>
         </p:txBody>
       </p:sp>
     </p:spTree>
     <p:extLst>
       <p:ext uri="{BB962C8B-B14F-4D97-AF65-F5344CB8AC3E}">
-        <p14:creationId xmlns="" xmlns:p14="http://schemas.microsoft.com/office/powerpoint/2010/main" val="602482599"/>
+        <p14:creationId xmlns:p14="http://schemas.microsoft.com/office/powerpoint/2010/main" xmlns="" val="602482599"/>
       </p:ext>
     </p:extLst>
   </p:cSld>
@@ -25565,7 +26376,7 @@
     <a:masterClrMapping/>
   </p:clrMapOvr>
   <mc:AlternateContent xmlns:mc="http://schemas.openxmlformats.org/markup-compatibility/2006">
-    <mc:Choice xmlns="" xmlns:p14="http://schemas.microsoft.com/office/powerpoint/2010/main" Requires="p14">
+    <mc:Choice xmlns:p14="http://schemas.microsoft.com/office/powerpoint/2010/main" xmlns="" Requires="p14">
       <p:transition p14:dur="10"/>
     </mc:Choice>
     <mc:Fallback>
@@ -25626,11 +26437,15 @@
             </a:r>
             <a:r>
               <a:rPr lang="zh-CN" altLang="en-US" sz="3600" dirty="0" smtClean="0"/>
-              <a:t>保罗</a:t>
+              <a:t>改变的过程</a:t>
+            </a:r>
+            <a:r>
+              <a:rPr lang="en-US" altLang="zh-CN" sz="3600" dirty="0" smtClean="0"/>
+              <a:t>—</a:t>
             </a:r>
             <a:r>
               <a:rPr lang="zh-CN" altLang="en-US" sz="3600" dirty="0" smtClean="0"/>
-              <a:t>如何归主及蒙召</a:t>
+              <a:t>归主蒙召</a:t>
             </a:r>
             <a:r>
               <a:rPr lang="zh-CN" altLang="en-US" sz="3200" dirty="0" smtClean="0"/>
@@ -25685,7 +26500,7 @@
                   <a:srgbClr val="FF0000"/>
                 </a:solidFill>
               </a:rPr>
-              <a:t>14</a:t>
+              <a:t>15</a:t>
             </a:r>
             <a:r>
               <a:rPr lang="zh-CN" altLang="en-US" sz="2800" dirty="0" smtClean="0">
@@ -25693,11 +26508,11 @@
                   <a:srgbClr val="FF0000"/>
                 </a:solidFill>
               </a:rPr>
-              <a:t>我又在犹太教中，比我本国许多同岁的人更有长进，为我祖宗的</a:t>
+              <a:t>然而那把我从</a:t>
             </a:r>
             <a:r>
               <a:rPr lang="zh-CN" altLang="en-US" sz="2800" dirty="0" smtClean="0"/>
-              <a:t>遗传</a:t>
+              <a:t>母腹里分别</a:t>
             </a:r>
             <a:r>
               <a:rPr lang="zh-CN" altLang="en-US" sz="2800" dirty="0" smtClean="0">
@@ -25705,7 +26520,15 @@
                   <a:srgbClr val="FF0000"/>
                 </a:solidFill>
               </a:rPr>
-              <a:t>更加</a:t>
+              <a:t>出来、又施恩召我的　神，</a:t>
+            </a:r>
+            <a:r>
+              <a:rPr lang="en-US" altLang="zh-CN" sz="2800" dirty="0" smtClean="0">
+                <a:solidFill>
+                  <a:srgbClr val="FF0000"/>
+                </a:solidFill>
+              </a:rPr>
+              <a:t>16</a:t>
             </a:r>
             <a:r>
               <a:rPr lang="zh-CN" altLang="en-US" sz="2800" dirty="0" smtClean="0">
@@ -25713,7 +26536,31 @@
                   <a:srgbClr val="FF0000"/>
                 </a:solidFill>
               </a:rPr>
-              <a:t>热心。</a:t>
+              <a:t>既然乐意</a:t>
+            </a:r>
+            <a:r>
+              <a:rPr lang="zh-CN" altLang="en-US" sz="2800" dirty="0" smtClean="0"/>
+              <a:t>将他儿子启示</a:t>
+            </a:r>
+            <a:r>
+              <a:rPr lang="zh-CN" altLang="en-US" sz="2800" dirty="0" smtClean="0">
+                <a:solidFill>
+                  <a:srgbClr val="FF0000"/>
+                </a:solidFill>
+              </a:rPr>
+              <a:t>在我心里，叫我把他传在</a:t>
+            </a:r>
+            <a:r>
+              <a:rPr lang="zh-CN" altLang="en-US" sz="2800" dirty="0" smtClean="0"/>
+              <a:t>外邦人</a:t>
+            </a:r>
+            <a:r>
+              <a:rPr lang="zh-CN" altLang="en-US" sz="2800" dirty="0" smtClean="0">
+                <a:solidFill>
+                  <a:srgbClr val="FF0000"/>
+                </a:solidFill>
+              </a:rPr>
+              <a:t>中。</a:t>
             </a:r>
             <a:endParaRPr lang="en-US" altLang="zh-CN" sz="2800" dirty="0" smtClean="0">
               <a:solidFill>
@@ -25728,15 +26575,7 @@
             </a:r>
             <a:r>
               <a:rPr lang="zh-CN" altLang="en-US" dirty="0" smtClean="0"/>
-              <a:t>在</a:t>
-            </a:r>
-            <a:r>
-              <a:rPr lang="zh-CN" altLang="en-US" dirty="0" smtClean="0"/>
-              <a:t>神方面</a:t>
-            </a:r>
-            <a:r>
-              <a:rPr lang="zh-CN" altLang="en-US" dirty="0" smtClean="0"/>
-              <a:t>（</a:t>
+              <a:t>在神方面（</a:t>
             </a:r>
             <a:r>
               <a:rPr lang="en-US" dirty="0" smtClean="0"/>
@@ -25744,11 +26583,7 @@
             </a:r>
             <a:r>
               <a:rPr lang="zh-CN" altLang="en-US" dirty="0" smtClean="0"/>
-              <a:t>）</a:t>
-            </a:r>
-            <a:r>
-              <a:rPr lang="zh-CN" altLang="en-US" dirty="0" smtClean="0"/>
-              <a:t> </a:t>
+              <a:t>） </a:t>
             </a:r>
             <a:endParaRPr lang="en-US" altLang="zh-CN" dirty="0" smtClean="0"/>
           </a:p>
@@ -25756,21 +26591,465 @@
             <a:pPr lvl="1"/>
             <a:r>
               <a:rPr lang="en-US" altLang="zh-CN" sz="2400" dirty="0" smtClean="0"/>
-              <a:t>Q</a:t>
+              <a:t>A. </a:t>
+            </a:r>
+            <a:r>
+              <a:rPr lang="zh-CN" altLang="en-US" sz="2400" dirty="0" smtClean="0"/>
+              <a:t>拣选──</a:t>
+            </a:r>
+            <a:r>
+              <a:rPr lang="zh-CN" altLang="en-US" sz="2400" dirty="0" smtClean="0"/>
+              <a:t>“从</a:t>
+            </a:r>
+            <a:r>
+              <a:rPr lang="zh-CN" altLang="en-US" sz="2400" dirty="0" smtClean="0"/>
+              <a:t>母腹里分别出来</a:t>
             </a:r>
             <a:r>
               <a:rPr lang="en-US" altLang="zh-CN" sz="2400" dirty="0" smtClean="0"/>
-              <a:t>4.</a:t>
+              <a:t>……”</a:t>
             </a:r>
             <a:r>
               <a:rPr lang="zh-CN" altLang="en-US" sz="2400" dirty="0" smtClean="0"/>
-              <a:t>保罗信主前后有哪些变化？我有哪些变化？请对比自己的改变与保罗有何相似之处</a:t>
+              <a:t>（</a:t>
+            </a:r>
+            <a:r>
+              <a:rPr lang="en-US" altLang="zh-CN" sz="2400" dirty="0" smtClean="0"/>
+              <a:t>15</a:t>
             </a:r>
             <a:r>
               <a:rPr lang="zh-CN" altLang="en-US" sz="2400" dirty="0" smtClean="0"/>
-              <a:t>。</a:t>
+              <a:t>）</a:t>
+            </a:r>
+          </a:p>
+          <a:p>
+            <a:pPr lvl="1"/>
+            <a:r>
+              <a:rPr lang="en-US" altLang="zh-CN" sz="2400" dirty="0" smtClean="0"/>
+              <a:t>B</a:t>
+            </a:r>
+            <a:r>
+              <a:rPr lang="en-US" altLang="zh-CN" sz="2400" dirty="0" smtClean="0"/>
+              <a:t>. </a:t>
+            </a:r>
+            <a:r>
+              <a:rPr lang="zh-CN" altLang="en-US" sz="2400" dirty="0" smtClean="0"/>
+              <a:t>启示──</a:t>
+            </a:r>
+            <a:r>
+              <a:rPr lang="zh-CN" altLang="en-US" sz="2400" dirty="0" smtClean="0"/>
+              <a:t>“将他儿子</a:t>
+            </a:r>
+            <a:r>
+              <a:rPr lang="zh-CN" altLang="en-US" sz="2400" dirty="0" smtClean="0"/>
+              <a:t>启示在我心里”</a:t>
+            </a:r>
+            <a:r>
+              <a:rPr lang="zh-CN" altLang="en-US" sz="2400" dirty="0" smtClean="0"/>
+              <a:t>（</a:t>
+            </a:r>
+            <a:r>
+              <a:rPr lang="en-US" altLang="zh-CN" sz="2400" dirty="0" smtClean="0"/>
+              <a:t>16</a:t>
+            </a:r>
+            <a:r>
+              <a:rPr lang="zh-CN" altLang="en-US" sz="2400" dirty="0" smtClean="0"/>
+              <a:t>上）</a:t>
+            </a:r>
+          </a:p>
+          <a:p>
+            <a:pPr lvl="1"/>
+            <a:r>
+              <a:rPr lang="en-US" altLang="zh-CN" sz="2400" dirty="0" smtClean="0"/>
+              <a:t>C</a:t>
+            </a:r>
+            <a:r>
+              <a:rPr lang="en-US" altLang="zh-CN" sz="2400" dirty="0" smtClean="0"/>
+              <a:t>. </a:t>
+            </a:r>
+            <a:r>
+              <a:rPr lang="zh-CN" altLang="en-US" sz="2400" dirty="0" smtClean="0"/>
+              <a:t>差遣──“叫我</a:t>
+            </a:r>
+            <a:r>
+              <a:rPr lang="zh-CN" altLang="en-US" sz="2400" dirty="0" smtClean="0"/>
+              <a:t>把</a:t>
+            </a:r>
+            <a:r>
+              <a:rPr lang="zh-CN" altLang="en-US" sz="2400" dirty="0" smtClean="0"/>
+              <a:t>他</a:t>
+            </a:r>
+            <a:r>
+              <a:rPr lang="zh-CN" altLang="en-US" sz="2400" dirty="0" smtClean="0"/>
+              <a:t>传</a:t>
+            </a:r>
+            <a:r>
+              <a:rPr lang="zh-CN" altLang="en-US" sz="2400" dirty="0" smtClean="0"/>
+              <a:t>在外邦</a:t>
+            </a:r>
+            <a:r>
+              <a:rPr lang="zh-CN" altLang="en-US" sz="2400" dirty="0" smtClean="0"/>
+              <a:t>人中</a:t>
+            </a:r>
+            <a:r>
+              <a:rPr lang="en-US" altLang="zh-CN" sz="2400" dirty="0" smtClean="0"/>
+              <a:t>”</a:t>
+            </a:r>
+            <a:r>
+              <a:rPr lang="zh-CN" altLang="en-US" sz="2400" dirty="0" smtClean="0"/>
+              <a:t>（</a:t>
+            </a:r>
+            <a:r>
+              <a:rPr lang="en-US" altLang="zh-CN" sz="2400" dirty="0" smtClean="0"/>
+              <a:t>16</a:t>
+            </a:r>
+            <a:r>
+              <a:rPr lang="zh-CN" altLang="en-US" sz="2400" dirty="0" smtClean="0"/>
+              <a:t>上）</a:t>
+            </a:r>
+          </a:p>
+          <a:p>
+            <a:pPr lvl="1"/>
+            <a:r>
+              <a:rPr lang="zh-CN" altLang="en-US" sz="2400" dirty="0" smtClean="0"/>
+              <a:t>总之</a:t>
+            </a:r>
+            <a:r>
+              <a:rPr lang="zh-CN" altLang="en-US" sz="2400" dirty="0" smtClean="0"/>
+              <a:t>，从上文可见神所拣选的仆人有几个明显的记号</a:t>
+            </a:r>
+            <a:r>
+              <a:rPr lang="en-US" altLang="zh-CN" sz="2400" dirty="0" smtClean="0"/>
+              <a:t>︰</a:t>
+            </a:r>
+            <a:r>
+              <a:rPr lang="zh-CN" altLang="en-US" sz="2400" dirty="0" smtClean="0"/>
+              <a:t>有神的恩召、有神的启示、有神的差遣。</a:t>
             </a:r>
             <a:endParaRPr lang="zh-CN" altLang="en-US" sz="2400" dirty="0" smtClean="0"/>
+          </a:p>
+        </p:txBody>
+      </p:sp>
+    </p:spTree>
+    <p:extLst>
+      <p:ext uri="{BB962C8B-B14F-4D97-AF65-F5344CB8AC3E}">
+        <p14:creationId xmlns:p14="http://schemas.microsoft.com/office/powerpoint/2010/main" xmlns="" val="602482599"/>
+      </p:ext>
+    </p:extLst>
+  </p:cSld>
+  <p:clrMapOvr>
+    <a:masterClrMapping/>
+  </p:clrMapOvr>
+  <mc:AlternateContent xmlns:mc="http://schemas.openxmlformats.org/markup-compatibility/2006">
+    <mc:Choice xmlns:p14="http://schemas.microsoft.com/office/powerpoint/2010/main" xmlns="" Requires="p14">
+      <p:transition p14:dur="10"/>
+    </mc:Choice>
+    <mc:Fallback>
+      <p:transition/>
+    </mc:Fallback>
+  </mc:AlternateContent>
+  <p:timing>
+    <p:tnLst>
+      <p:par>
+        <p:cTn id="1" dur="indefinite" restart="never" nodeType="tmRoot"/>
+      </p:par>
+    </p:tnLst>
+  </p:timing>
+</p:sld>
+</file>
+
+<file path=ppt/slides/slide9.xml><?xml version="1.0" encoding="utf-8"?>
+<p:sld xmlns:a="http://schemas.openxmlformats.org/drawingml/2006/main" xmlns:r="http://schemas.openxmlformats.org/officeDocument/2006/relationships" xmlns:p="http://schemas.openxmlformats.org/presentationml/2006/main">
+  <p:cSld>
+    <p:spTree>
+      <p:nvGrpSpPr>
+        <p:cNvPr id="1" name=""/>
+        <p:cNvGrpSpPr/>
+        <p:nvPr/>
+      </p:nvGrpSpPr>
+      <p:grpSpPr>
+        <a:xfrm>
+          <a:off x="0" y="0"/>
+          <a:ext cx="0" cy="0"/>
+          <a:chOff x="0" y="0"/>
+          <a:chExt cx="0" cy="0"/>
+        </a:xfrm>
+      </p:grpSpPr>
+      <p:sp>
+        <p:nvSpPr>
+          <p:cNvPr id="8194" name="Rectangle 2"/>
+          <p:cNvSpPr>
+            <a:spLocks noGrp="1" noChangeArrowheads="1"/>
+          </p:cNvSpPr>
+          <p:nvPr>
+            <p:ph type="title"/>
+          </p:nvPr>
+        </p:nvSpPr>
+        <p:spPr>
+          <a:xfrm>
+            <a:off x="457200" y="238125"/>
+            <a:ext cx="7043758" cy="868363"/>
+          </a:xfrm>
+        </p:spPr>
+        <p:txBody>
+          <a:bodyPr/>
+          <a:lstStyle/>
+          <a:p>
+            <a:pPr lvl="0"/>
+            <a:r>
+              <a:rPr lang="en-US" altLang="zh-CN" sz="3600" dirty="0" smtClean="0"/>
+              <a:t>3</a:t>
+            </a:r>
+            <a:r>
+              <a:rPr lang="en-US" altLang="zh-CN" sz="3600" dirty="0" smtClean="0"/>
+              <a:t>.</a:t>
+            </a:r>
+            <a:r>
+              <a:rPr lang="zh-CN" altLang="en-US" sz="3600" dirty="0" smtClean="0"/>
+              <a:t>改变的过程</a:t>
+            </a:r>
+            <a:r>
+              <a:rPr lang="en-US" altLang="zh-CN" sz="3600" dirty="0" smtClean="0"/>
+              <a:t>—</a:t>
+            </a:r>
+            <a:r>
+              <a:rPr lang="zh-CN" altLang="en-US" sz="3600" dirty="0" smtClean="0"/>
+              <a:t>归主蒙召</a:t>
+            </a:r>
+            <a:r>
+              <a:rPr lang="zh-CN" altLang="en-US" sz="3200" dirty="0" smtClean="0"/>
+              <a:t>（</a:t>
+            </a:r>
+            <a:r>
+              <a:rPr lang="en-US" sz="3200" dirty="0" smtClean="0"/>
+              <a:t>15</a:t>
+            </a:r>
+            <a:r>
+              <a:rPr lang="en-US" altLang="zh-CN" sz="3200" dirty="0" smtClean="0"/>
+              <a:t>-</a:t>
+            </a:r>
+            <a:r>
+              <a:rPr lang="en-US" sz="3200" dirty="0" smtClean="0"/>
+              <a:t>17</a:t>
+            </a:r>
+            <a:r>
+              <a:rPr lang="zh-CN" altLang="en-US" sz="3200" dirty="0" smtClean="0"/>
+              <a:t>）</a:t>
+            </a:r>
+            <a:endParaRPr lang="zh-CN" altLang="en-US" sz="3600" dirty="0"/>
+          </a:p>
+        </p:txBody>
+      </p:sp>
+      <p:sp>
+        <p:nvSpPr>
+          <p:cNvPr id="8195" name="Rectangle 3"/>
+          <p:cNvSpPr>
+            <a:spLocks noGrp="1" noChangeArrowheads="1"/>
+          </p:cNvSpPr>
+          <p:nvPr>
+            <p:ph type="body" sz="half" idx="1"/>
+          </p:nvPr>
+        </p:nvSpPr>
+        <p:spPr>
+          <a:xfrm>
+            <a:off x="685800" y="1285860"/>
+            <a:ext cx="7467600" cy="5072098"/>
+          </a:xfrm>
+        </p:spPr>
+        <p:txBody>
+          <a:bodyPr/>
+          <a:lstStyle/>
+          <a:p>
+            <a:pPr>
+              <a:buNone/>
+            </a:pPr>
+            <a:r>
+              <a:rPr lang="en-US" altLang="zh-CN" sz="2800" dirty="0" smtClean="0">
+                <a:solidFill>
+                  <a:srgbClr val="FF0000"/>
+                </a:solidFill>
+              </a:rPr>
+              <a:t>13…</a:t>
+            </a:r>
+            <a:r>
+              <a:rPr lang="zh-CN" altLang="en-US" sz="2800" dirty="0" smtClean="0">
+                <a:solidFill>
+                  <a:srgbClr val="FF0000"/>
+                </a:solidFill>
+              </a:rPr>
+              <a:t>极力</a:t>
+            </a:r>
+            <a:r>
+              <a:rPr lang="zh-CN" altLang="en-US" sz="2800" dirty="0" smtClean="0"/>
+              <a:t>逼迫</a:t>
+            </a:r>
+            <a:r>
+              <a:rPr lang="en-US" altLang="zh-CN" sz="2800" dirty="0" smtClean="0">
+                <a:solidFill>
+                  <a:srgbClr val="FF0000"/>
+                </a:solidFill>
+              </a:rPr>
+              <a:t>…</a:t>
+            </a:r>
+            <a:r>
+              <a:rPr lang="zh-CN" altLang="en-US" sz="2800" dirty="0" smtClean="0">
+                <a:solidFill>
+                  <a:srgbClr val="FF0000"/>
+                </a:solidFill>
+              </a:rPr>
+              <a:t>教会</a:t>
+            </a:r>
+            <a:r>
+              <a:rPr lang="zh-CN" altLang="en-US" sz="2800" dirty="0" smtClean="0">
+                <a:solidFill>
+                  <a:srgbClr val="FF0000"/>
+                </a:solidFill>
+              </a:rPr>
+              <a:t>，</a:t>
+            </a:r>
+            <a:r>
+              <a:rPr lang="en-US" altLang="zh-CN" sz="2800" dirty="0" smtClean="0">
+                <a:solidFill>
+                  <a:srgbClr val="FF0000"/>
+                </a:solidFill>
+              </a:rPr>
+              <a:t>14</a:t>
+            </a:r>
+            <a:r>
+              <a:rPr lang="zh-CN" altLang="en-US" sz="2800" dirty="0" smtClean="0">
+                <a:solidFill>
+                  <a:srgbClr val="FF0000"/>
+                </a:solidFill>
+              </a:rPr>
+              <a:t>我又在</a:t>
+            </a:r>
+            <a:r>
+              <a:rPr lang="zh-CN" altLang="en-US" sz="2800" dirty="0" smtClean="0"/>
+              <a:t>犹太教</a:t>
+            </a:r>
+            <a:r>
+              <a:rPr lang="zh-CN" altLang="en-US" sz="2800" dirty="0" smtClean="0">
+                <a:solidFill>
+                  <a:srgbClr val="FF0000"/>
+                </a:solidFill>
+              </a:rPr>
+              <a:t>中</a:t>
+            </a:r>
+            <a:r>
+              <a:rPr lang="zh-CN" altLang="en-US" sz="2800" dirty="0" smtClean="0">
+                <a:solidFill>
+                  <a:srgbClr val="FF0000"/>
+                </a:solidFill>
+              </a:rPr>
+              <a:t>，</a:t>
+            </a:r>
+            <a:r>
+              <a:rPr lang="en-US" altLang="zh-CN" sz="2800" dirty="0" smtClean="0">
+                <a:solidFill>
+                  <a:srgbClr val="FF0000"/>
+                </a:solidFill>
+              </a:rPr>
+              <a:t>…</a:t>
+            </a:r>
+            <a:r>
+              <a:rPr lang="zh-CN" altLang="en-US" sz="2800" dirty="0" smtClean="0">
+                <a:solidFill>
+                  <a:srgbClr val="FF0000"/>
+                </a:solidFill>
+              </a:rPr>
+              <a:t>为</a:t>
+            </a:r>
+            <a:r>
+              <a:rPr lang="zh-CN" altLang="en-US" sz="2800" dirty="0" smtClean="0">
+                <a:solidFill>
+                  <a:srgbClr val="FF0000"/>
+                </a:solidFill>
+              </a:rPr>
+              <a:t>我祖宗的遗传更加</a:t>
+            </a:r>
+            <a:r>
+              <a:rPr lang="zh-CN" altLang="en-US" sz="2800" dirty="0" smtClean="0"/>
+              <a:t>热心</a:t>
+            </a:r>
+            <a:r>
+              <a:rPr lang="zh-CN" altLang="en-US" sz="2800" dirty="0" smtClean="0">
+                <a:solidFill>
+                  <a:srgbClr val="FF0000"/>
+                </a:solidFill>
+              </a:rPr>
+              <a:t>。 </a:t>
+            </a:r>
+            <a:r>
+              <a:rPr lang="en-US" altLang="zh-CN" sz="2800" dirty="0" smtClean="0">
+                <a:solidFill>
+                  <a:srgbClr val="FF0000"/>
+                </a:solidFill>
+              </a:rPr>
+              <a:t>23…</a:t>
+            </a:r>
+            <a:r>
+              <a:rPr lang="zh-CN" altLang="en-US" sz="2800" dirty="0" smtClean="0">
+                <a:solidFill>
+                  <a:srgbClr val="FF0000"/>
+                </a:solidFill>
+              </a:rPr>
+              <a:t>传扬</a:t>
+            </a:r>
+            <a:r>
+              <a:rPr lang="zh-CN" altLang="en-US" sz="2800" dirty="0" smtClean="0">
+                <a:solidFill>
+                  <a:srgbClr val="FF0000"/>
+                </a:solidFill>
+              </a:rPr>
+              <a:t>真道</a:t>
+            </a:r>
+            <a:endParaRPr lang="en-US" altLang="zh-CN" sz="2800" dirty="0" smtClean="0">
+              <a:solidFill>
+                <a:srgbClr val="FF0000"/>
+              </a:solidFill>
+            </a:endParaRPr>
+          </a:p>
+          <a:p>
+            <a:r>
+              <a:rPr lang="en-US" altLang="zh-CN" dirty="0" smtClean="0"/>
+              <a:t>3.2 </a:t>
+            </a:r>
+            <a:r>
+              <a:rPr lang="zh-CN" altLang="en-US" dirty="0" smtClean="0"/>
+              <a:t>在保罗方面</a:t>
+            </a:r>
+            <a:r>
+              <a:rPr lang="zh-CN" altLang="en-US" dirty="0" smtClean="0"/>
+              <a:t>（</a:t>
+            </a:r>
+            <a:r>
+              <a:rPr lang="en-US" dirty="0" smtClean="0"/>
+              <a:t>v13-14</a:t>
+            </a:r>
+            <a:r>
+              <a:rPr lang="zh-CN" altLang="en-US" dirty="0" smtClean="0"/>
+              <a:t>、</a:t>
+            </a:r>
+            <a:r>
+              <a:rPr lang="en-US" altLang="zh-CN" dirty="0" smtClean="0"/>
+              <a:t>23-24</a:t>
+            </a:r>
+            <a:r>
+              <a:rPr lang="zh-CN" altLang="en-US" dirty="0" smtClean="0"/>
+              <a:t>） </a:t>
+            </a:r>
+            <a:endParaRPr lang="en-US" altLang="zh-CN" dirty="0" smtClean="0"/>
+          </a:p>
+          <a:p>
+            <a:pPr lvl="1"/>
+            <a:r>
+              <a:rPr lang="en-US" altLang="zh-CN" sz="2400" dirty="0" smtClean="0"/>
+              <a:t>Q4.</a:t>
+            </a:r>
+            <a:r>
+              <a:rPr lang="zh-CN" altLang="en-US" sz="2400" dirty="0" smtClean="0"/>
+              <a:t>保罗信主前后有哪些变化？我有哪些变化？请对比自己的改变与保罗有何相似之处。</a:t>
+            </a:r>
           </a:p>
         </p:txBody>
       </p:sp>
@@ -26846,7 +28125,7 @@
     </p:spTree>
     <p:extLst>
       <p:ext uri="{BB962C8B-B14F-4D97-AF65-F5344CB8AC3E}">
-        <p14:creationId xmlns="" xmlns:p14="http://schemas.microsoft.com/office/powerpoint/2010/main" val="602482599"/>
+        <p14:creationId xmlns:p14="http://schemas.microsoft.com/office/powerpoint/2010/main" xmlns="" val="602482599"/>
       </p:ext>
     </p:extLst>
   </p:cSld>
@@ -26854,7 +28133,7 @@
     <a:masterClrMapping/>
   </p:clrMapOvr>
   <mc:AlternateContent xmlns:mc="http://schemas.openxmlformats.org/markup-compatibility/2006">
-    <mc:Choice xmlns="" xmlns:p14="http://schemas.microsoft.com/office/powerpoint/2010/main" Requires="p14">
+    <mc:Choice xmlns:p14="http://schemas.microsoft.com/office/powerpoint/2010/main" xmlns="" Requires="p14">
       <p:transition p14:dur="10"/>
     </mc:Choice>
     <mc:Fallback>
@@ -26994,235 +28273,6 @@
             </p:seq>
           </p:childTnLst>
         </p:cTn>
-      </p:par>
-    </p:tnLst>
-  </p:timing>
-</p:sld>
-</file>
-
-<file path=ppt/slides/slide9.xml><?xml version="1.0" encoding="utf-8"?>
-<p:sld xmlns:a="http://schemas.openxmlformats.org/drawingml/2006/main" xmlns:r="http://schemas.openxmlformats.org/officeDocument/2006/relationships" xmlns:p="http://schemas.openxmlformats.org/presentationml/2006/main">
-  <p:cSld>
-    <p:spTree>
-      <p:nvGrpSpPr>
-        <p:cNvPr id="1" name=""/>
-        <p:cNvGrpSpPr/>
-        <p:nvPr/>
-      </p:nvGrpSpPr>
-      <p:grpSpPr>
-        <a:xfrm>
-          <a:off x="0" y="0"/>
-          <a:ext cx="0" cy="0"/>
-          <a:chOff x="0" y="0"/>
-          <a:chExt cx="0" cy="0"/>
-        </a:xfrm>
-      </p:grpSpPr>
-      <p:sp>
-        <p:nvSpPr>
-          <p:cNvPr id="8194" name="Rectangle 2"/>
-          <p:cNvSpPr>
-            <a:spLocks noGrp="1" noChangeArrowheads="1"/>
-          </p:cNvSpPr>
-          <p:nvPr>
-            <p:ph type="title"/>
-          </p:nvPr>
-        </p:nvSpPr>
-        <p:spPr/>
-        <p:txBody>
-          <a:bodyPr/>
-          <a:lstStyle/>
-          <a:p>
-            <a:r>
-              <a:rPr lang="zh-CN" altLang="en-US" dirty="0" smtClean="0">
-                <a:ea typeface="宋体" charset="-122"/>
-              </a:rPr>
-              <a:t>总结应用</a:t>
-            </a:r>
-            <a:endParaRPr lang="en-US" altLang="zh-CN" sz="3600" dirty="0">
-              <a:ea typeface="宋体" charset="-122"/>
-            </a:endParaRPr>
-          </a:p>
-        </p:txBody>
-      </p:sp>
-      <p:sp>
-        <p:nvSpPr>
-          <p:cNvPr id="8195" name="Rectangle 3"/>
-          <p:cNvSpPr>
-            <a:spLocks noGrp="1" noChangeArrowheads="1"/>
-          </p:cNvSpPr>
-          <p:nvPr>
-            <p:ph type="body" sz="half" idx="1"/>
-          </p:nvPr>
-        </p:nvSpPr>
-        <p:spPr>
-          <a:xfrm>
-            <a:off x="685800" y="1357298"/>
-            <a:ext cx="7467600" cy="4880014"/>
-          </a:xfrm>
-        </p:spPr>
-        <p:txBody>
-          <a:bodyPr/>
-          <a:lstStyle/>
-          <a:p>
-            <a:pPr lvl="1"/>
-            <a:r>
-              <a:rPr lang="zh-CN" altLang="en-US" sz="2400" dirty="0" smtClean="0"/>
-              <a:t>回顾：保罗迫切盼望提摩太能够快速成长起来，继承保罗的使命。保罗的这份期盼，也代表神对我们的期望。这次我们分享了以下三点：</a:t>
-            </a:r>
-            <a:endParaRPr lang="en-US" altLang="zh-CN" sz="2400" dirty="0" smtClean="0"/>
-          </a:p>
-          <a:p>
-            <a:pPr lvl="2"/>
-            <a:r>
-              <a:rPr lang="en-US" altLang="zh-CN" sz="2000" dirty="0" smtClean="0"/>
-              <a:t>1</a:t>
-            </a:r>
-            <a:r>
-              <a:rPr lang="zh-CN" altLang="en-US" sz="2000" dirty="0" smtClean="0"/>
-              <a:t>）</a:t>
-            </a:r>
-            <a:r>
-              <a:rPr lang="zh-CN" altLang="en-US" sz="2000" dirty="0" smtClean="0">
-                <a:solidFill>
-                  <a:srgbClr val="0070C0"/>
-                </a:solidFill>
-              </a:rPr>
-              <a:t>被主刚强得着成长的动力</a:t>
-            </a:r>
-            <a:endParaRPr lang="en-US" altLang="zh-CN" sz="2000" dirty="0" smtClean="0">
-              <a:solidFill>
-                <a:srgbClr val="0070C0"/>
-              </a:solidFill>
-            </a:endParaRPr>
-          </a:p>
-          <a:p>
-            <a:pPr lvl="2"/>
-            <a:r>
-              <a:rPr lang="en-US" altLang="zh-CN" sz="2000" dirty="0" smtClean="0">
-                <a:solidFill>
-                  <a:srgbClr val="0070C0"/>
-                </a:solidFill>
-              </a:rPr>
-              <a:t>2</a:t>
-            </a:r>
-            <a:r>
-              <a:rPr lang="zh-CN" altLang="en-US" sz="2000" dirty="0" smtClean="0">
-                <a:solidFill>
-                  <a:srgbClr val="0070C0"/>
-                </a:solidFill>
-              </a:rPr>
-              <a:t>）靠神的话胜过成长的苦难</a:t>
-            </a:r>
-            <a:endParaRPr lang="en-US" altLang="zh-CN" sz="2000" dirty="0" smtClean="0">
-              <a:solidFill>
-                <a:srgbClr val="0070C0"/>
-              </a:solidFill>
-            </a:endParaRPr>
-          </a:p>
-          <a:p>
-            <a:pPr lvl="2"/>
-            <a:r>
-              <a:rPr lang="en-US" altLang="zh-CN" sz="2000" dirty="0" smtClean="0">
-                <a:solidFill>
-                  <a:srgbClr val="0070C0"/>
-                </a:solidFill>
-              </a:rPr>
-              <a:t>3</a:t>
-            </a:r>
-            <a:r>
-              <a:rPr lang="zh-CN" altLang="en-US" sz="2000" dirty="0" smtClean="0">
-                <a:solidFill>
-                  <a:srgbClr val="0070C0"/>
-                </a:solidFill>
-              </a:rPr>
-              <a:t>）福音带给我们成长的盼望</a:t>
-            </a:r>
-            <a:endParaRPr lang="en-US" altLang="zh-CN" sz="2000" dirty="0" smtClean="0">
-              <a:solidFill>
-                <a:srgbClr val="0070C0"/>
-              </a:solidFill>
-            </a:endParaRPr>
-          </a:p>
-          <a:p>
-            <a:pPr lvl="1"/>
-            <a:r>
-              <a:rPr lang="zh-CN" altLang="en-US" sz="2400" dirty="0" smtClean="0"/>
-              <a:t>应用和反思：</a:t>
-            </a:r>
-            <a:endParaRPr lang="en-US" altLang="zh-CN" sz="2400" dirty="0"/>
-          </a:p>
-          <a:p>
-            <a:pPr lvl="2"/>
-            <a:r>
-              <a:rPr lang="en-US" altLang="zh-CN" sz="2000" dirty="0" smtClean="0"/>
-              <a:t>1</a:t>
-            </a:r>
-            <a:r>
-              <a:rPr lang="zh-CN" altLang="en-US" sz="2000" dirty="0" smtClean="0"/>
-              <a:t>）做事的</a:t>
-            </a:r>
-            <a:r>
-              <a:rPr lang="en-US" altLang="zh-CN" sz="2000" dirty="0" smtClean="0"/>
-              <a:t>3</a:t>
-            </a:r>
-            <a:r>
-              <a:rPr lang="zh-CN" altLang="en-US" sz="2000" dirty="0" smtClean="0"/>
-              <a:t>种境界：自己做事、带人做事、教人带人，我们各人属于哪一种？</a:t>
-            </a:r>
-          </a:p>
-          <a:p>
-            <a:pPr lvl="2"/>
-            <a:r>
-              <a:rPr lang="en-US" altLang="zh-CN" sz="2000" dirty="0" smtClean="0"/>
-              <a:t>2</a:t>
-            </a:r>
-            <a:r>
-              <a:rPr lang="zh-CN" altLang="en-US" sz="2000" dirty="0" smtClean="0"/>
-              <a:t>）思考我的舒适区在哪里？我愿意为了属灵生命的成长走出舒适区吗？</a:t>
-            </a:r>
-          </a:p>
-          <a:p>
-            <a:pPr lvl="2"/>
-            <a:r>
-              <a:rPr lang="en-US" altLang="zh-CN" sz="2000" dirty="0" smtClean="0"/>
-              <a:t>3</a:t>
-            </a:r>
-            <a:r>
-              <a:rPr lang="zh-CN" altLang="en-US" sz="2000" dirty="0" smtClean="0"/>
-              <a:t>）福音在我身上发生了什么果效？对将来属灵生命成长有怎样的憧憬？</a:t>
-            </a:r>
-            <a:endParaRPr lang="en-US" altLang="zh-CN" dirty="0"/>
-          </a:p>
-          <a:p>
-            <a:pPr lvl="2"/>
-            <a:endParaRPr lang="en-US" altLang="zh-CN" sz="2000" dirty="0">
-              <a:ea typeface="宋体" charset="-122"/>
-            </a:endParaRPr>
-          </a:p>
-        </p:txBody>
-      </p:sp>
-    </p:spTree>
-    <p:extLst>
-      <p:ext uri="{BB962C8B-B14F-4D97-AF65-F5344CB8AC3E}">
-        <p14:creationId xmlns="" xmlns:p14="http://schemas.microsoft.com/office/powerpoint/2010/main" val="274900122"/>
-      </p:ext>
-    </p:extLst>
-  </p:cSld>
-  <p:clrMapOvr>
-    <a:masterClrMapping/>
-  </p:clrMapOvr>
-  <mc:AlternateContent xmlns:mc="http://schemas.openxmlformats.org/markup-compatibility/2006">
-    <mc:Choice xmlns="" xmlns:p14="http://schemas.microsoft.com/office/powerpoint/2010/main" Requires="p14">
-      <p:transition p14:dur="10"/>
-    </mc:Choice>
-    <mc:Fallback>
-      <p:transition/>
-    </mc:Fallback>
-  </mc:AlternateContent>
-  <p:timing>
-    <p:tnLst>
-      <p:par>
-        <p:cTn id="1" dur="indefinite" restart="never" nodeType="tmRoot"/>
       </p:par>
     </p:tnLst>
   </p:timing>

--- a/share/加拉太书/加1_11-24保罗的见证/加1_11-24保罗的见证.pptx
+++ b/share/加拉太书/加1_11-24保罗的见证/加1_11-24保罗的见证.pptx
@@ -5,21 +5,22 @@
     <p:sldMasterId id="2147483648" r:id="rId1"/>
   </p:sldMasterIdLst>
   <p:notesMasterIdLst>
-    <p:notesMasterId r:id="rId14"/>
+    <p:notesMasterId r:id="rId15"/>
   </p:notesMasterIdLst>
   <p:sldIdLst>
     <p:sldId id="256" r:id="rId2"/>
     <p:sldId id="259" r:id="rId3"/>
     <p:sldId id="291" r:id="rId4"/>
-    <p:sldId id="292" r:id="rId5"/>
-    <p:sldId id="336" r:id="rId6"/>
-    <p:sldId id="342" r:id="rId7"/>
-    <p:sldId id="337" r:id="rId8"/>
-    <p:sldId id="343" r:id="rId9"/>
-    <p:sldId id="345" r:id="rId10"/>
-    <p:sldId id="344" r:id="rId11"/>
-    <p:sldId id="303" r:id="rId12"/>
-    <p:sldId id="286" r:id="rId13"/>
+    <p:sldId id="346" r:id="rId5"/>
+    <p:sldId id="292" r:id="rId6"/>
+    <p:sldId id="336" r:id="rId7"/>
+    <p:sldId id="342" r:id="rId8"/>
+    <p:sldId id="337" r:id="rId9"/>
+    <p:sldId id="343" r:id="rId10"/>
+    <p:sldId id="345" r:id="rId11"/>
+    <p:sldId id="344" r:id="rId12"/>
+    <p:sldId id="303" r:id="rId13"/>
+    <p:sldId id="286" r:id="rId14"/>
   </p:sldIdLst>
   <p:sldSz cx="9144000" cy="6858000" type="screen4x3"/>
   <p:notesSz cx="6858000" cy="9144000"/>
@@ -201,14 +202,14 @@
           <a:effectLst/>
           <a:extLst>
             <a:ext uri="{909E8E84-426E-40DD-AFC4-6F175D3DCCD1}">
-              <a14:hiddenFill xmlns:a14="http://schemas.microsoft.com/office/drawing/2010/main" xmlns="">
+              <a14:hiddenFill xmlns="" xmlns:a14="http://schemas.microsoft.com/office/drawing/2010/main">
                 <a:solidFill>
                   <a:schemeClr val="accent1"/>
                 </a:solidFill>
               </a14:hiddenFill>
             </a:ext>
             <a:ext uri="{91240B29-F687-4F45-9708-019B960494DF}">
-              <a14:hiddenLine xmlns:a14="http://schemas.microsoft.com/office/drawing/2010/main" xmlns="" w="9525">
+              <a14:hiddenLine xmlns="" xmlns:a14="http://schemas.microsoft.com/office/drawing/2010/main" w="9525">
                 <a:solidFill>
                   <a:schemeClr val="tx1"/>
                 </a:solidFill>
@@ -218,7 +219,7 @@
               </a14:hiddenLine>
             </a:ext>
             <a:ext uri="{AF507438-7753-43E0-B8FC-AC1667EBCBE1}">
-              <a14:hiddenEffects xmlns:a14="http://schemas.microsoft.com/office/drawing/2010/main" xmlns="">
+              <a14:hiddenEffects xmlns="" xmlns:a14="http://schemas.microsoft.com/office/drawing/2010/main">
                 <a:effectLst>
                   <a:outerShdw dist="35921" dir="2700000" algn="ctr" rotWithShape="0">
                     <a:schemeClr val="bg2"/>
@@ -269,14 +270,14 @@
           <a:effectLst/>
           <a:extLst>
             <a:ext uri="{909E8E84-426E-40DD-AFC4-6F175D3DCCD1}">
-              <a14:hiddenFill xmlns:a14="http://schemas.microsoft.com/office/drawing/2010/main" xmlns="">
+              <a14:hiddenFill xmlns="" xmlns:a14="http://schemas.microsoft.com/office/drawing/2010/main">
                 <a:solidFill>
                   <a:schemeClr val="accent1"/>
                 </a:solidFill>
               </a14:hiddenFill>
             </a:ext>
             <a:ext uri="{91240B29-F687-4F45-9708-019B960494DF}">
-              <a14:hiddenLine xmlns:a14="http://schemas.microsoft.com/office/drawing/2010/main" xmlns="" w="9525">
+              <a14:hiddenLine xmlns="" xmlns:a14="http://schemas.microsoft.com/office/drawing/2010/main" w="9525">
                 <a:solidFill>
                   <a:schemeClr val="tx1"/>
                 </a:solidFill>
@@ -286,7 +287,7 @@
               </a14:hiddenLine>
             </a:ext>
             <a:ext uri="{AF507438-7753-43E0-B8FC-AC1667EBCBE1}">
-              <a14:hiddenEffects xmlns:a14="http://schemas.microsoft.com/office/drawing/2010/main" xmlns="">
+              <a14:hiddenEffects xmlns="" xmlns:a14="http://schemas.microsoft.com/office/drawing/2010/main">
                 <a:effectLst>
                   <a:outerShdw dist="35921" dir="2700000" algn="ctr" rotWithShape="0">
                     <a:schemeClr val="bg2"/>
@@ -342,7 +343,7 @@
           <a:effectLst/>
           <a:extLst>
             <a:ext uri="{AF507438-7753-43E0-B8FC-AC1667EBCBE1}">
-              <a14:hiddenEffects xmlns:a14="http://schemas.microsoft.com/office/drawing/2010/main" xmlns="">
+              <a14:hiddenEffects xmlns="" xmlns:a14="http://schemas.microsoft.com/office/drawing/2010/main">
                 <a:effectLst>
                   <a:outerShdw dist="35921" dir="2700000" algn="ctr" rotWithShape="0">
                     <a:srgbClr val="808080"/>
@@ -351,7 +352,7 @@
               </a14:hiddenEffects>
             </a:ext>
             <a:ext uri="{53640926-AAD7-44D8-BBD7-CCE9431645EC}">
-              <a14:shadowObscured xmlns:a14="http://schemas.microsoft.com/office/drawing/2010/main" xmlns="" val="1"/>
+              <a14:shadowObscured xmlns="" xmlns:a14="http://schemas.microsoft.com/office/drawing/2010/main" val="1"/>
             </a:ext>
           </a:extLst>
         </p:spPr>
@@ -381,14 +382,14 @@
           <a:effectLst/>
           <a:extLst>
             <a:ext uri="{909E8E84-426E-40DD-AFC4-6F175D3DCCD1}">
-              <a14:hiddenFill xmlns:a14="http://schemas.microsoft.com/office/drawing/2010/main" xmlns="">
+              <a14:hiddenFill xmlns="" xmlns:a14="http://schemas.microsoft.com/office/drawing/2010/main">
                 <a:solidFill>
                   <a:schemeClr val="accent1"/>
                 </a:solidFill>
               </a14:hiddenFill>
             </a:ext>
             <a:ext uri="{91240B29-F687-4F45-9708-019B960494DF}">
-              <a14:hiddenLine xmlns:a14="http://schemas.microsoft.com/office/drawing/2010/main" xmlns="" w="9525">
+              <a14:hiddenLine xmlns="" xmlns:a14="http://schemas.microsoft.com/office/drawing/2010/main" w="9525">
                 <a:solidFill>
                   <a:schemeClr val="tx1"/>
                 </a:solidFill>
@@ -398,7 +399,7 @@
               </a14:hiddenLine>
             </a:ext>
             <a:ext uri="{AF507438-7753-43E0-B8FC-AC1667EBCBE1}">
-              <a14:hiddenEffects xmlns:a14="http://schemas.microsoft.com/office/drawing/2010/main" xmlns="">
+              <a14:hiddenEffects xmlns="" xmlns:a14="http://schemas.microsoft.com/office/drawing/2010/main">
                 <a:effectLst>
                   <a:outerShdw dist="35921" dir="2700000" algn="ctr" rotWithShape="0">
                     <a:schemeClr val="bg2"/>
@@ -477,14 +478,14 @@
           <a:effectLst/>
           <a:extLst>
             <a:ext uri="{909E8E84-426E-40DD-AFC4-6F175D3DCCD1}">
-              <a14:hiddenFill xmlns:a14="http://schemas.microsoft.com/office/drawing/2010/main" xmlns="">
+              <a14:hiddenFill xmlns="" xmlns:a14="http://schemas.microsoft.com/office/drawing/2010/main">
                 <a:solidFill>
                   <a:schemeClr val="accent1"/>
                 </a:solidFill>
               </a14:hiddenFill>
             </a:ext>
             <a:ext uri="{91240B29-F687-4F45-9708-019B960494DF}">
-              <a14:hiddenLine xmlns:a14="http://schemas.microsoft.com/office/drawing/2010/main" xmlns="" w="9525">
+              <a14:hiddenLine xmlns="" xmlns:a14="http://schemas.microsoft.com/office/drawing/2010/main" w="9525">
                 <a:solidFill>
                   <a:schemeClr val="tx1"/>
                 </a:solidFill>
@@ -494,7 +495,7 @@
               </a14:hiddenLine>
             </a:ext>
             <a:ext uri="{AF507438-7753-43E0-B8FC-AC1667EBCBE1}">
-              <a14:hiddenEffects xmlns:a14="http://schemas.microsoft.com/office/drawing/2010/main" xmlns="">
+              <a14:hiddenEffects xmlns="" xmlns:a14="http://schemas.microsoft.com/office/drawing/2010/main">
                 <a:effectLst>
                   <a:outerShdw dist="35921" dir="2700000" algn="ctr" rotWithShape="0">
                     <a:schemeClr val="bg2"/>
@@ -545,14 +546,14 @@
           <a:effectLst/>
           <a:extLst>
             <a:ext uri="{909E8E84-426E-40DD-AFC4-6F175D3DCCD1}">
-              <a14:hiddenFill xmlns:a14="http://schemas.microsoft.com/office/drawing/2010/main" xmlns="">
+              <a14:hiddenFill xmlns="" xmlns:a14="http://schemas.microsoft.com/office/drawing/2010/main">
                 <a:solidFill>
                   <a:schemeClr val="accent1"/>
                 </a:solidFill>
               </a14:hiddenFill>
             </a:ext>
             <a:ext uri="{91240B29-F687-4F45-9708-019B960494DF}">
-              <a14:hiddenLine xmlns:a14="http://schemas.microsoft.com/office/drawing/2010/main" xmlns="" w="9525">
+              <a14:hiddenLine xmlns="" xmlns:a14="http://schemas.microsoft.com/office/drawing/2010/main" w="9525">
                 <a:solidFill>
                   <a:schemeClr val="tx1"/>
                 </a:solidFill>
@@ -562,7 +563,7 @@
               </a14:hiddenLine>
             </a:ext>
             <a:ext uri="{AF507438-7753-43E0-B8FC-AC1667EBCBE1}">
-              <a14:hiddenEffects xmlns:a14="http://schemas.microsoft.com/office/drawing/2010/main" xmlns="">
+              <a14:hiddenEffects xmlns="" xmlns:a14="http://schemas.microsoft.com/office/drawing/2010/main">
                 <a:effectLst>
                   <a:outerShdw dist="35921" dir="2700000" algn="ctr" rotWithShape="0">
                     <a:schemeClr val="bg2"/>
@@ -596,7 +597,7 @@
     </p:spTree>
     <p:extLst>
       <p:ext uri="{BB962C8B-B14F-4D97-AF65-F5344CB8AC3E}">
-        <p14:creationId xmlns:p14="http://schemas.microsoft.com/office/powerpoint/2010/main" xmlns="" val="45029081"/>
+        <p14:creationId xmlns="" xmlns:p14="http://schemas.microsoft.com/office/powerpoint/2010/main" val="45029081"/>
       </p:ext>
     </p:extLst>
   </p:cSld>
@@ -801,7 +802,7 @@
     </p:spTree>
     <p:extLst>
       <p:ext uri="{BB962C8B-B14F-4D97-AF65-F5344CB8AC3E}">
-        <p14:creationId xmlns:p14="http://schemas.microsoft.com/office/powerpoint/2010/main" xmlns="" val="3162953695"/>
+        <p14:creationId xmlns="" xmlns:p14="http://schemas.microsoft.com/office/powerpoint/2010/main" val="3162953695"/>
       </p:ext>
     </p:extLst>
   </p:cSld>
@@ -886,7 +887,7 @@
     </p:spTree>
     <p:extLst>
       <p:ext uri="{BB962C8B-B14F-4D97-AF65-F5344CB8AC3E}">
-        <p14:creationId xmlns:p14="http://schemas.microsoft.com/office/powerpoint/2010/main" xmlns="" val="4074272823"/>
+        <p14:creationId xmlns="" xmlns:p14="http://schemas.microsoft.com/office/powerpoint/2010/main" val="4074272823"/>
       </p:ext>
     </p:extLst>
   </p:cSld>
@@ -971,7 +972,92 @@
     </p:spTree>
     <p:extLst>
       <p:ext uri="{BB962C8B-B14F-4D97-AF65-F5344CB8AC3E}">
-        <p14:creationId xmlns:p14="http://schemas.microsoft.com/office/powerpoint/2010/main" xmlns="" val="4074272823"/>
+        <p14:creationId xmlns="" xmlns:p14="http://schemas.microsoft.com/office/powerpoint/2010/main" val="4074272823"/>
+      </p:ext>
+    </p:extLst>
+  </p:cSld>
+  <p:clrMapOvr>
+    <a:masterClrMapping/>
+  </p:clrMapOvr>
+</p:notes>
+</file>
+
+<file path=ppt/notesSlides/notesSlide12.xml><?xml version="1.0" encoding="utf-8"?>
+<p:notes xmlns:a="http://schemas.openxmlformats.org/drawingml/2006/main" xmlns:r="http://schemas.openxmlformats.org/officeDocument/2006/relationships" xmlns:p="http://schemas.openxmlformats.org/presentationml/2006/main">
+  <p:cSld>
+    <p:spTree>
+      <p:nvGrpSpPr>
+        <p:cNvPr id="1" name=""/>
+        <p:cNvGrpSpPr/>
+        <p:nvPr/>
+      </p:nvGrpSpPr>
+      <p:grpSpPr>
+        <a:xfrm>
+          <a:off x="0" y="0"/>
+          <a:ext cx="0" cy="0"/>
+          <a:chOff x="0" y="0"/>
+          <a:chExt cx="0" cy="0"/>
+        </a:xfrm>
+      </p:grpSpPr>
+      <p:sp>
+        <p:nvSpPr>
+          <p:cNvPr id="2" name="幻灯片图像占位符 1"/>
+          <p:cNvSpPr>
+            <a:spLocks noGrp="1" noRot="1" noChangeAspect="1"/>
+          </p:cNvSpPr>
+          <p:nvPr>
+            <p:ph type="sldImg"/>
+          </p:nvPr>
+        </p:nvSpPr>
+        <p:spPr/>
+      </p:sp>
+      <p:sp>
+        <p:nvSpPr>
+          <p:cNvPr id="3" name="备注占位符 2"/>
+          <p:cNvSpPr>
+            <a:spLocks noGrp="1"/>
+          </p:cNvSpPr>
+          <p:nvPr>
+            <p:ph type="body" idx="1"/>
+          </p:nvPr>
+        </p:nvSpPr>
+        <p:spPr/>
+        <p:txBody>
+          <a:bodyPr/>
+          <a:lstStyle/>
+          <a:p>
+            <a:endParaRPr lang="zh-CN" altLang="en-US" dirty="0"/>
+          </a:p>
+        </p:txBody>
+      </p:sp>
+      <p:sp>
+        <p:nvSpPr>
+          <p:cNvPr id="4" name="灯片编号占位符 3"/>
+          <p:cNvSpPr>
+            <a:spLocks noGrp="1"/>
+          </p:cNvSpPr>
+          <p:nvPr>
+            <p:ph type="sldNum" sz="quarter" idx="10"/>
+          </p:nvPr>
+        </p:nvSpPr>
+        <p:spPr/>
+        <p:txBody>
+          <a:bodyPr/>
+          <a:lstStyle/>
+          <a:p>
+            <a:fld id="{4F212CDC-BBBD-47F2-BD0A-0380DC626990}" type="slidenum">
+              <a:rPr lang="en-US" altLang="zh-CN" smtClean="0"/>
+              <a:pPr/>
+              <a:t>12</a:t>
+            </a:fld>
+            <a:endParaRPr lang="en-US" altLang="zh-CN"/>
+          </a:p>
+        </p:txBody>
+      </p:sp>
+    </p:spTree>
+    <p:extLst>
+      <p:ext uri="{BB962C8B-B14F-4D97-AF65-F5344CB8AC3E}">
+        <p14:creationId xmlns="" xmlns:p14="http://schemas.microsoft.com/office/powerpoint/2010/main" val="4074272823"/>
       </p:ext>
     </p:extLst>
   </p:cSld>
@@ -1066,7 +1152,7 @@
     </p:spTree>
     <p:extLst>
       <p:ext uri="{BB962C8B-B14F-4D97-AF65-F5344CB8AC3E}">
-        <p14:creationId xmlns:p14="http://schemas.microsoft.com/office/powerpoint/2010/main" xmlns="" val="4074272823"/>
+        <p14:creationId xmlns="" xmlns:p14="http://schemas.microsoft.com/office/powerpoint/2010/main" val="4074272823"/>
       </p:ext>
     </p:extLst>
   </p:cSld>
@@ -1169,7 +1255,7 @@
     </p:spTree>
     <p:extLst>
       <p:ext uri="{BB962C8B-B14F-4D97-AF65-F5344CB8AC3E}">
-        <p14:creationId xmlns:p14="http://schemas.microsoft.com/office/powerpoint/2010/main" xmlns="" val="4074272823"/>
+        <p14:creationId xmlns="" xmlns:p14="http://schemas.microsoft.com/office/powerpoint/2010/main" val="4074272823"/>
       </p:ext>
     </p:extLst>
   </p:cSld>
@@ -1254,7 +1340,7 @@
     </p:spTree>
     <p:extLst>
       <p:ext uri="{BB962C8B-B14F-4D97-AF65-F5344CB8AC3E}">
-        <p14:creationId xmlns:p14="http://schemas.microsoft.com/office/powerpoint/2010/main" xmlns="" val="4074272823"/>
+        <p14:creationId xmlns="" xmlns:p14="http://schemas.microsoft.com/office/powerpoint/2010/main" val="4074272823"/>
       </p:ext>
     </p:extLst>
   </p:cSld>
@@ -1339,7 +1425,7 @@
     </p:spTree>
     <p:extLst>
       <p:ext uri="{BB962C8B-B14F-4D97-AF65-F5344CB8AC3E}">
-        <p14:creationId xmlns:p14="http://schemas.microsoft.com/office/powerpoint/2010/main" xmlns="" val="4074272823"/>
+        <p14:creationId xmlns="" xmlns:p14="http://schemas.microsoft.com/office/powerpoint/2010/main" val="4074272823"/>
       </p:ext>
     </p:extLst>
   </p:cSld>
@@ -1424,7 +1510,7 @@
     </p:spTree>
     <p:extLst>
       <p:ext uri="{BB962C8B-B14F-4D97-AF65-F5344CB8AC3E}">
-        <p14:creationId xmlns:p14="http://schemas.microsoft.com/office/powerpoint/2010/main" xmlns="" val="4074272823"/>
+        <p14:creationId xmlns="" xmlns:p14="http://schemas.microsoft.com/office/powerpoint/2010/main" val="4074272823"/>
       </p:ext>
     </p:extLst>
   </p:cSld>
@@ -1509,7 +1595,7 @@
     </p:spTree>
     <p:extLst>
       <p:ext uri="{BB962C8B-B14F-4D97-AF65-F5344CB8AC3E}">
-        <p14:creationId xmlns:p14="http://schemas.microsoft.com/office/powerpoint/2010/main" xmlns="" val="4074272823"/>
+        <p14:creationId xmlns="" xmlns:p14="http://schemas.microsoft.com/office/powerpoint/2010/main" val="4074272823"/>
       </p:ext>
     </p:extLst>
   </p:cSld>
@@ -1594,7 +1680,7 @@
     </p:spTree>
     <p:extLst>
       <p:ext uri="{BB962C8B-B14F-4D97-AF65-F5344CB8AC3E}">
-        <p14:creationId xmlns:p14="http://schemas.microsoft.com/office/powerpoint/2010/main" xmlns="" val="4074272823"/>
+        <p14:creationId xmlns="" xmlns:p14="http://schemas.microsoft.com/office/powerpoint/2010/main" val="4074272823"/>
       </p:ext>
     </p:extLst>
   </p:cSld>
@@ -1679,7 +1765,7 @@
     </p:spTree>
     <p:extLst>
       <p:ext uri="{BB962C8B-B14F-4D97-AF65-F5344CB8AC3E}">
-        <p14:creationId xmlns:p14="http://schemas.microsoft.com/office/powerpoint/2010/main" xmlns="" val="4074272823"/>
+        <p14:creationId xmlns="" xmlns:p14="http://schemas.microsoft.com/office/powerpoint/2010/main" val="4074272823"/>
       </p:ext>
     </p:extLst>
   </p:cSld>
@@ -1733,7 +1819,7 @@
           <a:effectLst/>
           <a:extLst>
             <a:ext uri="{91240B29-F687-4F45-9708-019B960494DF}">
-              <a14:hiddenLine xmlns:a14="http://schemas.microsoft.com/office/drawing/2010/main" xmlns="" w="9525">
+              <a14:hiddenLine xmlns="" xmlns:a14="http://schemas.microsoft.com/office/drawing/2010/main" w="9525">
                 <a:solidFill>
                   <a:schemeClr val="tx1"/>
                 </a:solidFill>
@@ -1743,7 +1829,7 @@
               </a14:hiddenLine>
             </a:ext>
             <a:ext uri="{AF507438-7753-43E0-B8FC-AC1667EBCBE1}">
-              <a14:hiddenEffects xmlns:a14="http://schemas.microsoft.com/office/drawing/2010/main" xmlns="">
+              <a14:hiddenEffects xmlns="" xmlns:a14="http://schemas.microsoft.com/office/drawing/2010/main">
                 <a:effectLst>
                   <a:outerShdw dist="35921" dir="2700000" algn="ctr" rotWithShape="0">
                     <a:schemeClr val="bg2"/>
@@ -1790,7 +1876,7 @@
           <a:effectLst/>
           <a:extLst>
             <a:ext uri="{91240B29-F687-4F45-9708-019B960494DF}">
-              <a14:hiddenLine xmlns:a14="http://schemas.microsoft.com/office/drawing/2010/main" xmlns="" w="9525">
+              <a14:hiddenLine xmlns="" xmlns:a14="http://schemas.microsoft.com/office/drawing/2010/main" w="9525">
                 <a:solidFill>
                   <a:schemeClr val="tx1"/>
                 </a:solidFill>
@@ -1800,7 +1886,7 @@
               </a14:hiddenLine>
             </a:ext>
             <a:ext uri="{AF507438-7753-43E0-B8FC-AC1667EBCBE1}">
-              <a14:hiddenEffects xmlns:a14="http://schemas.microsoft.com/office/drawing/2010/main" xmlns="">
+              <a14:hiddenEffects xmlns="" xmlns:a14="http://schemas.microsoft.com/office/drawing/2010/main">
                 <a:effectLst>
                   <a:outerShdw dist="35921" dir="2700000" algn="ctr" rotWithShape="0">
                     <a:schemeClr val="bg2"/>
@@ -1847,7 +1933,7 @@
           <a:effectLst/>
           <a:extLst>
             <a:ext uri="{91240B29-F687-4F45-9708-019B960494DF}">
-              <a14:hiddenLine xmlns:a14="http://schemas.microsoft.com/office/drawing/2010/main" xmlns="" w="9525">
+              <a14:hiddenLine xmlns="" xmlns:a14="http://schemas.microsoft.com/office/drawing/2010/main" w="9525">
                 <a:solidFill>
                   <a:schemeClr val="tx1"/>
                 </a:solidFill>
@@ -1857,7 +1943,7 @@
               </a14:hiddenLine>
             </a:ext>
             <a:ext uri="{AF507438-7753-43E0-B8FC-AC1667EBCBE1}">
-              <a14:hiddenEffects xmlns:a14="http://schemas.microsoft.com/office/drawing/2010/main" xmlns="">
+              <a14:hiddenEffects xmlns="" xmlns:a14="http://schemas.microsoft.com/office/drawing/2010/main">
                 <a:effectLst>
                   <a:outerShdw dist="35921" dir="2700000" algn="ctr" rotWithShape="0">
                     <a:schemeClr val="bg2"/>
@@ -1900,7 +1986,7 @@
           <a:effectLst/>
           <a:extLst>
             <a:ext uri="{91240B29-F687-4F45-9708-019B960494DF}">
-              <a14:hiddenLine xmlns:a14="http://schemas.microsoft.com/office/drawing/2010/main" xmlns="" w="9525">
+              <a14:hiddenLine xmlns="" xmlns:a14="http://schemas.microsoft.com/office/drawing/2010/main" w="9525">
                 <a:solidFill>
                   <a:schemeClr val="tx1"/>
                 </a:solidFill>
@@ -1910,7 +1996,7 @@
               </a14:hiddenLine>
             </a:ext>
             <a:ext uri="{AF507438-7753-43E0-B8FC-AC1667EBCBE1}">
-              <a14:hiddenEffects xmlns:a14="http://schemas.microsoft.com/office/drawing/2010/main" xmlns="">
+              <a14:hiddenEffects xmlns="" xmlns:a14="http://schemas.microsoft.com/office/drawing/2010/main">
                 <a:effectLst>
                   <a:outerShdw dist="35921" dir="2700000" algn="ctr" rotWithShape="0">
                     <a:schemeClr val="bg2"/>
@@ -1953,7 +2039,7 @@
           <a:effectLst/>
           <a:extLst>
             <a:ext uri="{91240B29-F687-4F45-9708-019B960494DF}">
-              <a14:hiddenLine xmlns:a14="http://schemas.microsoft.com/office/drawing/2010/main" xmlns="" w="9525">
+              <a14:hiddenLine xmlns="" xmlns:a14="http://schemas.microsoft.com/office/drawing/2010/main" w="9525">
                 <a:solidFill>
                   <a:schemeClr val="tx1"/>
                 </a:solidFill>
@@ -1963,7 +2049,7 @@
               </a14:hiddenLine>
             </a:ext>
             <a:ext uri="{AF507438-7753-43E0-B8FC-AC1667EBCBE1}">
-              <a14:hiddenEffects xmlns:a14="http://schemas.microsoft.com/office/drawing/2010/main" xmlns="">
+              <a14:hiddenEffects xmlns="" xmlns:a14="http://schemas.microsoft.com/office/drawing/2010/main">
                 <a:effectLst>
                   <a:outerShdw dist="35921" dir="2700000" algn="ctr" rotWithShape="0">
                     <a:schemeClr val="bg2"/>
@@ -2006,7 +2092,7 @@
           <a:effectLst/>
           <a:extLst>
             <a:ext uri="{91240B29-F687-4F45-9708-019B960494DF}">
-              <a14:hiddenLine xmlns:a14="http://schemas.microsoft.com/office/drawing/2010/main" xmlns="" w="9525">
+              <a14:hiddenLine xmlns="" xmlns:a14="http://schemas.microsoft.com/office/drawing/2010/main" w="9525">
                 <a:solidFill>
                   <a:schemeClr val="tx1"/>
                 </a:solidFill>
@@ -2016,7 +2102,7 @@
               </a14:hiddenLine>
             </a:ext>
             <a:ext uri="{AF507438-7753-43E0-B8FC-AC1667EBCBE1}">
-              <a14:hiddenEffects xmlns:a14="http://schemas.microsoft.com/office/drawing/2010/main" xmlns="">
+              <a14:hiddenEffects xmlns="" xmlns:a14="http://schemas.microsoft.com/office/drawing/2010/main">
                 <a:effectLst>
                   <a:outerShdw dist="35921" dir="2700000" algn="ctr" rotWithShape="0">
                     <a:schemeClr val="bg2"/>
@@ -2152,7 +2238,7 @@
             <a:effectLst/>
             <a:extLst>
               <a:ext uri="{91240B29-F687-4F45-9708-019B960494DF}">
-                <a14:hiddenLine xmlns:a14="http://schemas.microsoft.com/office/drawing/2010/main" xmlns="" w="9525">
+                <a14:hiddenLine xmlns="" xmlns:a14="http://schemas.microsoft.com/office/drawing/2010/main" w="9525">
                   <a:solidFill>
                     <a:schemeClr val="tx1"/>
                   </a:solidFill>
@@ -2162,7 +2248,7 @@
                 </a14:hiddenLine>
               </a:ext>
               <a:ext uri="{AF507438-7753-43E0-B8FC-AC1667EBCBE1}">
-                <a14:hiddenEffects xmlns:a14="http://schemas.microsoft.com/office/drawing/2010/main" xmlns="">
+                <a14:hiddenEffects xmlns="" xmlns:a14="http://schemas.microsoft.com/office/drawing/2010/main">
                   <a:effectLst>
                     <a:outerShdw dist="35921" dir="2700000" algn="ctr" rotWithShape="0">
                       <a:schemeClr val="bg2"/>
@@ -2282,7 +2368,7 @@
             <a:effectLst/>
             <a:extLst>
               <a:ext uri="{91240B29-F687-4F45-9708-019B960494DF}">
-                <a14:hiddenLine xmlns:a14="http://schemas.microsoft.com/office/drawing/2010/main" xmlns="" w="9525">
+                <a14:hiddenLine xmlns="" xmlns:a14="http://schemas.microsoft.com/office/drawing/2010/main" w="9525">
                   <a:solidFill>
                     <a:schemeClr val="tx1"/>
                   </a:solidFill>
@@ -2292,7 +2378,7 @@
                 </a14:hiddenLine>
               </a:ext>
               <a:ext uri="{AF507438-7753-43E0-B8FC-AC1667EBCBE1}">
-                <a14:hiddenEffects xmlns:a14="http://schemas.microsoft.com/office/drawing/2010/main" xmlns="">
+                <a14:hiddenEffects xmlns="" xmlns:a14="http://schemas.microsoft.com/office/drawing/2010/main">
                   <a:effectLst>
                     <a:outerShdw dist="35921" dir="2700000" algn="ctr" rotWithShape="0">
                       <a:schemeClr val="bg2"/>
@@ -2404,7 +2490,7 @@
             <a:effectLst/>
             <a:extLst>
               <a:ext uri="{91240B29-F687-4F45-9708-019B960494DF}">
-                <a14:hiddenLine xmlns:a14="http://schemas.microsoft.com/office/drawing/2010/main" xmlns="" w="9525">
+                <a14:hiddenLine xmlns="" xmlns:a14="http://schemas.microsoft.com/office/drawing/2010/main" w="9525">
                   <a:solidFill>
                     <a:schemeClr val="tx1"/>
                   </a:solidFill>
@@ -2414,7 +2500,7 @@
                 </a14:hiddenLine>
               </a:ext>
               <a:ext uri="{AF507438-7753-43E0-B8FC-AC1667EBCBE1}">
-                <a14:hiddenEffects xmlns:a14="http://schemas.microsoft.com/office/drawing/2010/main" xmlns="">
+                <a14:hiddenEffects xmlns="" xmlns:a14="http://schemas.microsoft.com/office/drawing/2010/main">
                   <a:effectLst>
                     <a:outerShdw dist="35921" dir="2700000" algn="ctr" rotWithShape="0">
                       <a:schemeClr val="bg2"/>
@@ -9268,7 +9354,7 @@
           <a:effectLst/>
           <a:extLst>
             <a:ext uri="{91240B29-F687-4F45-9708-019B960494DF}">
-              <a14:hiddenLine xmlns:a14="http://schemas.microsoft.com/office/drawing/2010/main" xmlns="" w="9525">
+              <a14:hiddenLine xmlns="" xmlns:a14="http://schemas.microsoft.com/office/drawing/2010/main" w="9525">
                 <a:solidFill>
                   <a:schemeClr val="tx1"/>
                 </a:solidFill>
@@ -9278,7 +9364,7 @@
               </a14:hiddenLine>
             </a:ext>
             <a:ext uri="{AF507438-7753-43E0-B8FC-AC1667EBCBE1}">
-              <a14:hiddenEffects xmlns:a14="http://schemas.microsoft.com/office/drawing/2010/main" xmlns="">
+              <a14:hiddenEffects xmlns="" xmlns:a14="http://schemas.microsoft.com/office/drawing/2010/main">
                 <a:effectLst>
                   <a:outerShdw dist="35921" dir="2700000" algn="ctr" rotWithShape="0">
                     <a:schemeClr val="bg2"/>
@@ -9321,7 +9407,7 @@
           <a:effectLst/>
           <a:extLst>
             <a:ext uri="{91240B29-F687-4F45-9708-019B960494DF}">
-              <a14:hiddenLine xmlns:a14="http://schemas.microsoft.com/office/drawing/2010/main" xmlns="" w="9525">
+              <a14:hiddenLine xmlns="" xmlns:a14="http://schemas.microsoft.com/office/drawing/2010/main" w="9525">
                 <a:solidFill>
                   <a:schemeClr val="tx1"/>
                 </a:solidFill>
@@ -9331,7 +9417,7 @@
               </a14:hiddenLine>
             </a:ext>
             <a:ext uri="{AF507438-7753-43E0-B8FC-AC1667EBCBE1}">
-              <a14:hiddenEffects xmlns:a14="http://schemas.microsoft.com/office/drawing/2010/main" xmlns="">
+              <a14:hiddenEffects xmlns="" xmlns:a14="http://schemas.microsoft.com/office/drawing/2010/main">
                 <a:effectLst>
                   <a:outerShdw dist="35921" dir="2700000" algn="ctr" rotWithShape="0">
                     <a:schemeClr val="bg2"/>
@@ -9467,7 +9553,7 @@
             <a:effectLst/>
             <a:extLst>
               <a:ext uri="{91240B29-F687-4F45-9708-019B960494DF}">
-                <a14:hiddenLine xmlns:a14="http://schemas.microsoft.com/office/drawing/2010/main" xmlns="" w="9525">
+                <a14:hiddenLine xmlns="" xmlns:a14="http://schemas.microsoft.com/office/drawing/2010/main" w="9525">
                   <a:solidFill>
                     <a:schemeClr val="tx1"/>
                   </a:solidFill>
@@ -9477,7 +9563,7 @@
                 </a14:hiddenLine>
               </a:ext>
               <a:ext uri="{AF507438-7753-43E0-B8FC-AC1667EBCBE1}">
-                <a14:hiddenEffects xmlns:a14="http://schemas.microsoft.com/office/drawing/2010/main" xmlns="">
+                <a14:hiddenEffects xmlns="" xmlns:a14="http://schemas.microsoft.com/office/drawing/2010/main">
                   <a:effectLst>
                     <a:outerShdw dist="35921" dir="2700000" algn="ctr" rotWithShape="0">
                       <a:schemeClr val="bg2"/>
@@ -9587,7 +9673,7 @@
             <a:effectLst/>
             <a:extLst>
               <a:ext uri="{91240B29-F687-4F45-9708-019B960494DF}">
-                <a14:hiddenLine xmlns:a14="http://schemas.microsoft.com/office/drawing/2010/main" xmlns="" w="9525">
+                <a14:hiddenLine xmlns="" xmlns:a14="http://schemas.microsoft.com/office/drawing/2010/main" w="9525">
                   <a:solidFill>
                     <a:schemeClr val="tx1"/>
                   </a:solidFill>
@@ -9597,7 +9683,7 @@
                 </a14:hiddenLine>
               </a:ext>
               <a:ext uri="{AF507438-7753-43E0-B8FC-AC1667EBCBE1}">
-                <a14:hiddenEffects xmlns:a14="http://schemas.microsoft.com/office/drawing/2010/main" xmlns="">
+                <a14:hiddenEffects xmlns="" xmlns:a14="http://schemas.microsoft.com/office/drawing/2010/main">
                   <a:effectLst>
                     <a:outerShdw dist="35921" dir="2700000" algn="ctr" rotWithShape="0">
                       <a:schemeClr val="bg2"/>
@@ -9709,7 +9795,7 @@
             <a:effectLst/>
             <a:extLst>
               <a:ext uri="{91240B29-F687-4F45-9708-019B960494DF}">
-                <a14:hiddenLine xmlns:a14="http://schemas.microsoft.com/office/drawing/2010/main" xmlns="" w="9525">
+                <a14:hiddenLine xmlns="" xmlns:a14="http://schemas.microsoft.com/office/drawing/2010/main" w="9525">
                   <a:solidFill>
                     <a:schemeClr val="tx1"/>
                   </a:solidFill>
@@ -9719,7 +9805,7 @@
                 </a14:hiddenLine>
               </a:ext>
               <a:ext uri="{AF507438-7753-43E0-B8FC-AC1667EBCBE1}">
-                <a14:hiddenEffects xmlns:a14="http://schemas.microsoft.com/office/drawing/2010/main" xmlns="">
+                <a14:hiddenEffects xmlns="" xmlns:a14="http://schemas.microsoft.com/office/drawing/2010/main">
                   <a:effectLst>
                     <a:outerShdw dist="35921" dir="2700000" algn="ctr" rotWithShape="0">
                       <a:schemeClr val="bg2"/>
@@ -9763,7 +9849,7 @@
           <a:effectLst/>
           <a:extLst>
             <a:ext uri="{91240B29-F687-4F45-9708-019B960494DF}">
-              <a14:hiddenLine xmlns:a14="http://schemas.microsoft.com/office/drawing/2010/main" xmlns="" w="9525">
+              <a14:hiddenLine xmlns="" xmlns:a14="http://schemas.microsoft.com/office/drawing/2010/main" w="9525">
                 <a:solidFill>
                   <a:schemeClr val="tx1"/>
                 </a:solidFill>
@@ -9773,7 +9859,7 @@
               </a14:hiddenLine>
             </a:ext>
             <a:ext uri="{AF507438-7753-43E0-B8FC-AC1667EBCBE1}">
-              <a14:hiddenEffects xmlns:a14="http://schemas.microsoft.com/office/drawing/2010/main" xmlns="">
+              <a14:hiddenEffects xmlns="" xmlns:a14="http://schemas.microsoft.com/office/drawing/2010/main">
                 <a:effectLst>
                   <a:outerShdw dist="35921" dir="2700000" algn="ctr" rotWithShape="0">
                     <a:schemeClr val="bg2"/>
@@ -9820,7 +9906,7 @@
           <a:effectLst/>
           <a:extLst>
             <a:ext uri="{91240B29-F687-4F45-9708-019B960494DF}">
-              <a14:hiddenLine xmlns:a14="http://schemas.microsoft.com/office/drawing/2010/main" xmlns="" w="9525">
+              <a14:hiddenLine xmlns="" xmlns:a14="http://schemas.microsoft.com/office/drawing/2010/main" w="9525">
                 <a:solidFill>
                   <a:schemeClr val="tx1"/>
                 </a:solidFill>
@@ -9830,7 +9916,7 @@
               </a14:hiddenLine>
             </a:ext>
             <a:ext uri="{AF507438-7753-43E0-B8FC-AC1667EBCBE1}">
-              <a14:hiddenEffects xmlns:a14="http://schemas.microsoft.com/office/drawing/2010/main" xmlns="">
+              <a14:hiddenEffects xmlns="" xmlns:a14="http://schemas.microsoft.com/office/drawing/2010/main">
                 <a:effectLst>
                   <a:outerShdw dist="35921" dir="2700000" algn="ctr" rotWithShape="0">
                     <a:schemeClr val="bg2"/>
@@ -9877,7 +9963,7 @@
           <a:effectLst/>
           <a:extLst>
             <a:ext uri="{91240B29-F687-4F45-9708-019B960494DF}">
-              <a14:hiddenLine xmlns:a14="http://schemas.microsoft.com/office/drawing/2010/main" xmlns="" w="9525">
+              <a14:hiddenLine xmlns="" xmlns:a14="http://schemas.microsoft.com/office/drawing/2010/main" w="9525">
                 <a:solidFill>
                   <a:schemeClr val="tx1"/>
                 </a:solidFill>
@@ -9887,7 +9973,7 @@
               </a14:hiddenLine>
             </a:ext>
             <a:ext uri="{AF507438-7753-43E0-B8FC-AC1667EBCBE1}">
-              <a14:hiddenEffects xmlns:a14="http://schemas.microsoft.com/office/drawing/2010/main" xmlns="">
+              <a14:hiddenEffects xmlns="" xmlns:a14="http://schemas.microsoft.com/office/drawing/2010/main">
                 <a:effectLst>
                   <a:outerShdw dist="35921" dir="2700000" algn="ctr" rotWithShape="0">
                     <a:schemeClr val="bg2"/>
@@ -9930,7 +10016,7 @@
           <a:effectLst/>
           <a:extLst>
             <a:ext uri="{91240B29-F687-4F45-9708-019B960494DF}">
-              <a14:hiddenLine xmlns:a14="http://schemas.microsoft.com/office/drawing/2010/main" xmlns="" w="9525">
+              <a14:hiddenLine xmlns="" xmlns:a14="http://schemas.microsoft.com/office/drawing/2010/main" w="9525">
                 <a:solidFill>
                   <a:schemeClr val="tx1"/>
                 </a:solidFill>
@@ -9940,7 +10026,7 @@
               </a14:hiddenLine>
             </a:ext>
             <a:ext uri="{AF507438-7753-43E0-B8FC-AC1667EBCBE1}">
-              <a14:hiddenEffects xmlns:a14="http://schemas.microsoft.com/office/drawing/2010/main" xmlns="">
+              <a14:hiddenEffects xmlns="" xmlns:a14="http://schemas.microsoft.com/office/drawing/2010/main">
                 <a:effectLst>
                   <a:outerShdw dist="35921" dir="2700000" algn="ctr" rotWithShape="0">
                     <a:schemeClr val="bg2"/>
@@ -9987,7 +10073,7 @@
           <a:effectLst/>
           <a:extLst>
             <a:ext uri="{91240B29-F687-4F45-9708-019B960494DF}">
-              <a14:hiddenLine xmlns:a14="http://schemas.microsoft.com/office/drawing/2010/main" xmlns="" w="9525">
+              <a14:hiddenLine xmlns="" xmlns:a14="http://schemas.microsoft.com/office/drawing/2010/main" w="9525">
                 <a:solidFill>
                   <a:schemeClr val="tx1"/>
                 </a:solidFill>
@@ -9997,7 +10083,7 @@
               </a14:hiddenLine>
             </a:ext>
             <a:ext uri="{AF507438-7753-43E0-B8FC-AC1667EBCBE1}">
-              <a14:hiddenEffects xmlns:a14="http://schemas.microsoft.com/office/drawing/2010/main" xmlns="">
+              <a14:hiddenEffects xmlns="" xmlns:a14="http://schemas.microsoft.com/office/drawing/2010/main">
                 <a:effectLst>
                   <a:outerShdw dist="35921" dir="2700000" algn="ctr" rotWithShape="0">
                     <a:schemeClr val="bg2"/>
@@ -10171,7 +10257,7 @@
           <a:effectLst/>
           <a:extLst>
             <a:ext uri="{91240B29-F687-4F45-9708-019B960494DF}">
-              <a14:hiddenLine xmlns:a14="http://schemas.microsoft.com/office/drawing/2010/main" xmlns="" w="9525">
+              <a14:hiddenLine xmlns="" xmlns:a14="http://schemas.microsoft.com/office/drawing/2010/main" w="9525">
                 <a:solidFill>
                   <a:schemeClr val="tx1"/>
                 </a:solidFill>
@@ -10181,7 +10267,7 @@
               </a14:hiddenLine>
             </a:ext>
             <a:ext uri="{AF507438-7753-43E0-B8FC-AC1667EBCBE1}">
-              <a14:hiddenEffects xmlns:a14="http://schemas.microsoft.com/office/drawing/2010/main" xmlns="">
+              <a14:hiddenEffects xmlns="" xmlns:a14="http://schemas.microsoft.com/office/drawing/2010/main">
                 <a:effectLst>
                   <a:outerShdw dist="35921" dir="2700000" algn="ctr" rotWithShape="0">
                     <a:schemeClr val="bg2"/>
@@ -10226,7 +10312,7 @@
           <a:effectLst/>
           <a:extLst>
             <a:ext uri="{91240B29-F687-4F45-9708-019B960494DF}">
-              <a14:hiddenLine xmlns:a14="http://schemas.microsoft.com/office/drawing/2010/main" xmlns="" w="9525">
+              <a14:hiddenLine xmlns="" xmlns:a14="http://schemas.microsoft.com/office/drawing/2010/main" w="9525">
                 <a:solidFill>
                   <a:schemeClr val="tx1"/>
                 </a:solidFill>
@@ -10236,7 +10322,7 @@
               </a14:hiddenLine>
             </a:ext>
             <a:ext uri="{AF507438-7753-43E0-B8FC-AC1667EBCBE1}">
-              <a14:hiddenEffects xmlns:a14="http://schemas.microsoft.com/office/drawing/2010/main" xmlns="">
+              <a14:hiddenEffects xmlns="" xmlns:a14="http://schemas.microsoft.com/office/drawing/2010/main">
                 <a:effectLst>
                   <a:outerShdw dist="35921" dir="2700000" algn="ctr" rotWithShape="0">
                     <a:schemeClr val="bg2"/>
@@ -10279,7 +10365,7 @@
           <a:effectLst/>
           <a:extLst>
             <a:ext uri="{91240B29-F687-4F45-9708-019B960494DF}">
-              <a14:hiddenLine xmlns:a14="http://schemas.microsoft.com/office/drawing/2010/main" xmlns="" w="9525">
+              <a14:hiddenLine xmlns="" xmlns:a14="http://schemas.microsoft.com/office/drawing/2010/main" w="9525">
                 <a:solidFill>
                   <a:schemeClr val="tx1"/>
                 </a:solidFill>
@@ -10289,7 +10375,7 @@
               </a14:hiddenLine>
             </a:ext>
             <a:ext uri="{AF507438-7753-43E0-B8FC-AC1667EBCBE1}">
-              <a14:hiddenEffects xmlns:a14="http://schemas.microsoft.com/office/drawing/2010/main" xmlns="">
+              <a14:hiddenEffects xmlns="" xmlns:a14="http://schemas.microsoft.com/office/drawing/2010/main">
                 <a:effectLst>
                   <a:outerShdw dist="35921" dir="2700000" algn="ctr" rotWithShape="0">
                     <a:schemeClr val="bg2"/>
@@ -10319,7 +10405,7 @@
           <a:blip r:embed="rId7" cstate="print">
             <a:extLst>
               <a:ext uri="{28A0092B-C50C-407E-A947-70E740481C1C}">
-                <a14:useLocalDpi xmlns:a14="http://schemas.microsoft.com/office/drawing/2010/main" xmlns="" val="0"/>
+                <a14:useLocalDpi xmlns="" xmlns:a14="http://schemas.microsoft.com/office/drawing/2010/main" val="0"/>
               </a:ext>
             </a:extLst>
           </a:blip>
@@ -10339,7 +10425,7 @@
           <a:noFill/>
           <a:extLst>
             <a:ext uri="{909E8E84-426E-40DD-AFC4-6F175D3DCCD1}">
-              <a14:hiddenFill xmlns:a14="http://schemas.microsoft.com/office/drawing/2010/main" xmlns="">
+              <a14:hiddenFill xmlns="" xmlns:a14="http://schemas.microsoft.com/office/drawing/2010/main">
                 <a:solidFill>
                   <a:srgbClr val="FFFFFF"/>
                 </a:solidFill>
@@ -10414,7 +10500,7 @@
           <a:effectLst/>
           <a:extLst>
             <a:ext uri="{91240B29-F687-4F45-9708-019B960494DF}">
-              <a14:hiddenLine xmlns:a14="http://schemas.microsoft.com/office/drawing/2010/main" xmlns="" w="9525">
+              <a14:hiddenLine xmlns="" xmlns:a14="http://schemas.microsoft.com/office/drawing/2010/main" w="9525">
                 <a:solidFill>
                   <a:schemeClr val="tx1"/>
                 </a:solidFill>
@@ -10424,7 +10510,7 @@
               </a14:hiddenLine>
             </a:ext>
             <a:ext uri="{AF507438-7753-43E0-B8FC-AC1667EBCBE1}">
-              <a14:hiddenEffects xmlns:a14="http://schemas.microsoft.com/office/drawing/2010/main" xmlns="">
+              <a14:hiddenEffects xmlns="" xmlns:a14="http://schemas.microsoft.com/office/drawing/2010/main">
                 <a:effectLst>
                   <a:outerShdw dist="35921" dir="2700000" algn="ctr" rotWithShape="0">
                     <a:schemeClr val="bg2"/>
@@ -10448,7 +10534,7 @@
     <a:masterClrMapping/>
   </p:clrMapOvr>
   <mc:AlternateContent xmlns:mc="http://schemas.openxmlformats.org/markup-compatibility/2006">
-    <mc:Choice xmlns:p14="http://schemas.microsoft.com/office/powerpoint/2010/main" xmlns="" Requires="p14">
+    <mc:Choice xmlns="" xmlns:p14="http://schemas.microsoft.com/office/powerpoint/2010/main" Requires="p14">
       <p:transition p14:dur="10"/>
     </mc:Choice>
     <mc:Fallback>
@@ -11299,7 +11385,7 @@
     </p:spTree>
     <p:extLst>
       <p:ext uri="{BB962C8B-B14F-4D97-AF65-F5344CB8AC3E}">
-        <p14:creationId xmlns:p14="http://schemas.microsoft.com/office/powerpoint/2010/main" xmlns="" val="3837632591"/>
+        <p14:creationId xmlns="" xmlns:p14="http://schemas.microsoft.com/office/powerpoint/2010/main" val="3837632591"/>
       </p:ext>
     </p:extLst>
   </p:cSld>
@@ -11307,7 +11393,7 @@
     <a:masterClrMapping/>
   </p:clrMapOvr>
   <mc:AlternateContent xmlns:mc="http://schemas.openxmlformats.org/markup-compatibility/2006">
-    <mc:Choice xmlns:p14="http://schemas.microsoft.com/office/powerpoint/2010/main" xmlns="" Requires="p14">
+    <mc:Choice xmlns="" xmlns:p14="http://schemas.microsoft.com/office/powerpoint/2010/main" Requires="p14">
       <p:transition p14:dur="10"/>
     </mc:Choice>
     <mc:Fallback>
@@ -11503,7 +11589,7 @@
     </p:spTree>
     <p:extLst>
       <p:ext uri="{BB962C8B-B14F-4D97-AF65-F5344CB8AC3E}">
-        <p14:creationId xmlns:p14="http://schemas.microsoft.com/office/powerpoint/2010/main" xmlns="" val="2834318928"/>
+        <p14:creationId xmlns="" xmlns:p14="http://schemas.microsoft.com/office/powerpoint/2010/main" val="2834318928"/>
       </p:ext>
     </p:extLst>
   </p:cSld>
@@ -11511,7 +11597,7 @@
     <a:masterClrMapping/>
   </p:clrMapOvr>
   <mc:AlternateContent xmlns:mc="http://schemas.openxmlformats.org/markup-compatibility/2006">
-    <mc:Choice xmlns:p14="http://schemas.microsoft.com/office/powerpoint/2010/main" xmlns="" Requires="p14">
+    <mc:Choice xmlns="" xmlns:p14="http://schemas.microsoft.com/office/powerpoint/2010/main" Requires="p14">
       <p:transition p14:dur="10"/>
     </mc:Choice>
     <mc:Fallback>
@@ -11794,7 +11880,7 @@
     </p:spTree>
     <p:extLst>
       <p:ext uri="{BB962C8B-B14F-4D97-AF65-F5344CB8AC3E}">
-        <p14:creationId xmlns:p14="http://schemas.microsoft.com/office/powerpoint/2010/main" xmlns="" val="4048891960"/>
+        <p14:creationId xmlns="" xmlns:p14="http://schemas.microsoft.com/office/powerpoint/2010/main" val="4048891960"/>
       </p:ext>
     </p:extLst>
   </p:cSld>
@@ -11802,7 +11888,7 @@
     <a:masterClrMapping/>
   </p:clrMapOvr>
   <mc:AlternateContent xmlns:mc="http://schemas.openxmlformats.org/markup-compatibility/2006">
-    <mc:Choice xmlns:p14="http://schemas.microsoft.com/office/powerpoint/2010/main" xmlns="" Requires="p14">
+    <mc:Choice xmlns="" xmlns:p14="http://schemas.microsoft.com/office/powerpoint/2010/main" Requires="p14">
       <p:transition p14:dur="10"/>
     </mc:Choice>
     <mc:Fallback>
@@ -11984,7 +12070,7 @@
     </p:spTree>
     <p:extLst>
       <p:ext uri="{BB962C8B-B14F-4D97-AF65-F5344CB8AC3E}">
-        <p14:creationId xmlns:p14="http://schemas.microsoft.com/office/powerpoint/2010/main" xmlns="" val="356270086"/>
+        <p14:creationId xmlns="" xmlns:p14="http://schemas.microsoft.com/office/powerpoint/2010/main" val="356270086"/>
       </p:ext>
     </p:extLst>
   </p:cSld>
@@ -11992,7 +12078,7 @@
     <a:masterClrMapping/>
   </p:clrMapOvr>
   <mc:AlternateContent xmlns:mc="http://schemas.openxmlformats.org/markup-compatibility/2006">
-    <mc:Choice xmlns:p14="http://schemas.microsoft.com/office/powerpoint/2010/main" xmlns="" Requires="p14">
+    <mc:Choice xmlns="" xmlns:p14="http://schemas.microsoft.com/office/powerpoint/2010/main" Requires="p14">
       <p:transition p14:dur="10"/>
     </mc:Choice>
     <mc:Fallback>
@@ -12167,7 +12253,7 @@
     </p:spTree>
     <p:extLst>
       <p:ext uri="{BB962C8B-B14F-4D97-AF65-F5344CB8AC3E}">
-        <p14:creationId xmlns:p14="http://schemas.microsoft.com/office/powerpoint/2010/main" xmlns="" val="1537390044"/>
+        <p14:creationId xmlns="" xmlns:p14="http://schemas.microsoft.com/office/powerpoint/2010/main" val="1537390044"/>
       </p:ext>
     </p:extLst>
   </p:cSld>
@@ -12175,7 +12261,7 @@
     <a:masterClrMapping/>
   </p:clrMapOvr>
   <mc:AlternateContent xmlns:mc="http://schemas.openxmlformats.org/markup-compatibility/2006">
-    <mc:Choice xmlns:p14="http://schemas.microsoft.com/office/powerpoint/2010/main" xmlns="" Requires="p14">
+    <mc:Choice xmlns="" xmlns:p14="http://schemas.microsoft.com/office/powerpoint/2010/main" Requires="p14">
       <p:transition p14:dur="10"/>
     </mc:Choice>
     <mc:Fallback>
@@ -12358,7 +12444,7 @@
     </p:spTree>
     <p:extLst>
       <p:ext uri="{BB962C8B-B14F-4D97-AF65-F5344CB8AC3E}">
-        <p14:creationId xmlns:p14="http://schemas.microsoft.com/office/powerpoint/2010/main" xmlns="" val="2350597799"/>
+        <p14:creationId xmlns="" xmlns:p14="http://schemas.microsoft.com/office/powerpoint/2010/main" val="2350597799"/>
       </p:ext>
     </p:extLst>
   </p:cSld>
@@ -12366,7 +12452,7 @@
     <a:masterClrMapping/>
   </p:clrMapOvr>
   <mc:AlternateContent xmlns:mc="http://schemas.openxmlformats.org/markup-compatibility/2006">
-    <mc:Choice xmlns:p14="http://schemas.microsoft.com/office/powerpoint/2010/main" xmlns="" Requires="p14">
+    <mc:Choice xmlns="" xmlns:p14="http://schemas.microsoft.com/office/powerpoint/2010/main" Requires="p14">
       <p:transition p14:dur="10"/>
     </mc:Choice>
     <mc:Fallback>
@@ -12545,7 +12631,7 @@
     </p:spTree>
     <p:extLst>
       <p:ext uri="{BB962C8B-B14F-4D97-AF65-F5344CB8AC3E}">
-        <p14:creationId xmlns:p14="http://schemas.microsoft.com/office/powerpoint/2010/main" xmlns="" val="1553643063"/>
+        <p14:creationId xmlns="" xmlns:p14="http://schemas.microsoft.com/office/powerpoint/2010/main" val="1553643063"/>
       </p:ext>
     </p:extLst>
   </p:cSld>
@@ -12553,7 +12639,7 @@
     <a:masterClrMapping/>
   </p:clrMapOvr>
   <mc:AlternateContent xmlns:mc="http://schemas.openxmlformats.org/markup-compatibility/2006">
-    <mc:Choice xmlns:p14="http://schemas.microsoft.com/office/powerpoint/2010/main" xmlns="" Requires="p14">
+    <mc:Choice xmlns="" xmlns:p14="http://schemas.microsoft.com/office/powerpoint/2010/main" Requires="p14">
       <p:transition p14:dur="10"/>
     </mc:Choice>
     <mc:Fallback>
@@ -12754,7 +12840,7 @@
     </p:spTree>
     <p:extLst>
       <p:ext uri="{BB962C8B-B14F-4D97-AF65-F5344CB8AC3E}">
-        <p14:creationId xmlns:p14="http://schemas.microsoft.com/office/powerpoint/2010/main" xmlns="" val="3931288045"/>
+        <p14:creationId xmlns="" xmlns:p14="http://schemas.microsoft.com/office/powerpoint/2010/main" val="3931288045"/>
       </p:ext>
     </p:extLst>
   </p:cSld>
@@ -12762,7 +12848,7 @@
     <a:masterClrMapping/>
   </p:clrMapOvr>
   <mc:AlternateContent xmlns:mc="http://schemas.openxmlformats.org/markup-compatibility/2006">
-    <mc:Choice xmlns:p14="http://schemas.microsoft.com/office/powerpoint/2010/main" xmlns="" Requires="p14">
+    <mc:Choice xmlns="" xmlns:p14="http://schemas.microsoft.com/office/powerpoint/2010/main" Requires="p14">
       <p:transition p14:dur="10"/>
     </mc:Choice>
     <mc:Fallback>
@@ -13059,7 +13145,7 @@
     </p:spTree>
     <p:extLst>
       <p:ext uri="{BB962C8B-B14F-4D97-AF65-F5344CB8AC3E}">
-        <p14:creationId xmlns:p14="http://schemas.microsoft.com/office/powerpoint/2010/main" xmlns="" val="1436502707"/>
+        <p14:creationId xmlns="" xmlns:p14="http://schemas.microsoft.com/office/powerpoint/2010/main" val="1436502707"/>
       </p:ext>
     </p:extLst>
   </p:cSld>
@@ -13067,7 +13153,7 @@
     <a:masterClrMapping/>
   </p:clrMapOvr>
   <mc:AlternateContent xmlns:mc="http://schemas.openxmlformats.org/markup-compatibility/2006">
-    <mc:Choice xmlns:p14="http://schemas.microsoft.com/office/powerpoint/2010/main" xmlns="" Requires="p14">
+    <mc:Choice xmlns="" xmlns:p14="http://schemas.microsoft.com/office/powerpoint/2010/main" Requires="p14">
       <p:transition p14:dur="10"/>
     </mc:Choice>
     <mc:Fallback>
@@ -13503,7 +13589,7 @@
     </p:spTree>
     <p:extLst>
       <p:ext uri="{BB962C8B-B14F-4D97-AF65-F5344CB8AC3E}">
-        <p14:creationId xmlns:p14="http://schemas.microsoft.com/office/powerpoint/2010/main" xmlns="" val="4218482637"/>
+        <p14:creationId xmlns="" xmlns:p14="http://schemas.microsoft.com/office/powerpoint/2010/main" val="4218482637"/>
       </p:ext>
     </p:extLst>
   </p:cSld>
@@ -13511,7 +13597,7 @@
     <a:masterClrMapping/>
   </p:clrMapOvr>
   <mc:AlternateContent xmlns:mc="http://schemas.openxmlformats.org/markup-compatibility/2006">
-    <mc:Choice xmlns:p14="http://schemas.microsoft.com/office/powerpoint/2010/main" xmlns="" Requires="p14">
+    <mc:Choice xmlns="" xmlns:p14="http://schemas.microsoft.com/office/powerpoint/2010/main" Requires="p14">
       <p:transition p14:dur="10"/>
     </mc:Choice>
     <mc:Fallback>
@@ -13638,7 +13724,7 @@
     </p:spTree>
     <p:extLst>
       <p:ext uri="{BB962C8B-B14F-4D97-AF65-F5344CB8AC3E}">
-        <p14:creationId xmlns:p14="http://schemas.microsoft.com/office/powerpoint/2010/main" xmlns="" val="3367094085"/>
+        <p14:creationId xmlns="" xmlns:p14="http://schemas.microsoft.com/office/powerpoint/2010/main" val="3367094085"/>
       </p:ext>
     </p:extLst>
   </p:cSld>
@@ -13646,7 +13732,7 @@
     <a:masterClrMapping/>
   </p:clrMapOvr>
   <mc:AlternateContent xmlns:mc="http://schemas.openxmlformats.org/markup-compatibility/2006">
-    <mc:Choice xmlns:p14="http://schemas.microsoft.com/office/powerpoint/2010/main" xmlns="" Requires="p14">
+    <mc:Choice xmlns="" xmlns:p14="http://schemas.microsoft.com/office/powerpoint/2010/main" Requires="p14">
       <p:transition p14:dur="10"/>
     </mc:Choice>
     <mc:Fallback>
@@ -13750,7 +13836,7 @@
     </p:spTree>
     <p:extLst>
       <p:ext uri="{BB962C8B-B14F-4D97-AF65-F5344CB8AC3E}">
-        <p14:creationId xmlns:p14="http://schemas.microsoft.com/office/powerpoint/2010/main" xmlns="" val="1902852705"/>
+        <p14:creationId xmlns="" xmlns:p14="http://schemas.microsoft.com/office/powerpoint/2010/main" val="1902852705"/>
       </p:ext>
     </p:extLst>
   </p:cSld>
@@ -13758,7 +13844,7 @@
     <a:masterClrMapping/>
   </p:clrMapOvr>
   <mc:AlternateContent xmlns:mc="http://schemas.openxmlformats.org/markup-compatibility/2006">
-    <mc:Choice xmlns:p14="http://schemas.microsoft.com/office/powerpoint/2010/main" xmlns="" Requires="p14">
+    <mc:Choice xmlns="" xmlns:p14="http://schemas.microsoft.com/office/powerpoint/2010/main" Requires="p14">
       <p:transition p14:dur="10"/>
     </mc:Choice>
     <mc:Fallback>
@@ -14044,7 +14130,7 @@
     </p:spTree>
     <p:extLst>
       <p:ext uri="{BB962C8B-B14F-4D97-AF65-F5344CB8AC3E}">
-        <p14:creationId xmlns:p14="http://schemas.microsoft.com/office/powerpoint/2010/main" xmlns="" val="3975071873"/>
+        <p14:creationId xmlns="" xmlns:p14="http://schemas.microsoft.com/office/powerpoint/2010/main" val="3975071873"/>
       </p:ext>
     </p:extLst>
   </p:cSld>
@@ -14052,7 +14138,7 @@
     <a:masterClrMapping/>
   </p:clrMapOvr>
   <mc:AlternateContent xmlns:mc="http://schemas.openxmlformats.org/markup-compatibility/2006">
-    <mc:Choice xmlns:p14="http://schemas.microsoft.com/office/powerpoint/2010/main" xmlns="" Requires="p14">
+    <mc:Choice xmlns="" xmlns:p14="http://schemas.microsoft.com/office/powerpoint/2010/main" Requires="p14">
       <p:transition p14:dur="10"/>
     </mc:Choice>
     <mc:Fallback>
@@ -14318,7 +14404,7 @@
     </p:spTree>
     <p:extLst>
       <p:ext uri="{BB962C8B-B14F-4D97-AF65-F5344CB8AC3E}">
-        <p14:creationId xmlns:p14="http://schemas.microsoft.com/office/powerpoint/2010/main" xmlns="" val="3345478573"/>
+        <p14:creationId xmlns="" xmlns:p14="http://schemas.microsoft.com/office/powerpoint/2010/main" val="3345478573"/>
       </p:ext>
     </p:extLst>
   </p:cSld>
@@ -14326,7 +14412,7 @@
     <a:masterClrMapping/>
   </p:clrMapOvr>
   <mc:AlternateContent xmlns:mc="http://schemas.openxmlformats.org/markup-compatibility/2006">
-    <mc:Choice xmlns:p14="http://schemas.microsoft.com/office/powerpoint/2010/main" xmlns="" Requires="p14">
+    <mc:Choice xmlns="" xmlns:p14="http://schemas.microsoft.com/office/powerpoint/2010/main" Requires="p14">
       <p:transition p14:dur="10"/>
     </mc:Choice>
     <mc:Fallback>
@@ -21193,7 +21279,7 @@
           <a:effectLst/>
           <a:extLst>
             <a:ext uri="{91240B29-F687-4F45-9708-019B960494DF}">
-              <a14:hiddenLine xmlns:a14="http://schemas.microsoft.com/office/drawing/2010/main" xmlns="" w="9525">
+              <a14:hiddenLine xmlns="" xmlns:a14="http://schemas.microsoft.com/office/drawing/2010/main" w="9525">
                 <a:solidFill>
                   <a:schemeClr val="tx1"/>
                 </a:solidFill>
@@ -21203,7 +21289,7 @@
               </a14:hiddenLine>
             </a:ext>
             <a:ext uri="{AF507438-7753-43E0-B8FC-AC1667EBCBE1}">
-              <a14:hiddenEffects xmlns:a14="http://schemas.microsoft.com/office/drawing/2010/main" xmlns="">
+              <a14:hiddenEffects xmlns="" xmlns:a14="http://schemas.microsoft.com/office/drawing/2010/main">
                 <a:effectLst>
                   <a:outerShdw dist="35921" dir="2700000" algn="ctr" rotWithShape="0">
                     <a:schemeClr val="bg2"/>
@@ -21313,7 +21399,7 @@
           <a:effectLst/>
           <a:extLst>
             <a:ext uri="{91240B29-F687-4F45-9708-019B960494DF}">
-              <a14:hiddenLine xmlns:a14="http://schemas.microsoft.com/office/drawing/2010/main" xmlns="" w="9525">
+              <a14:hiddenLine xmlns="" xmlns:a14="http://schemas.microsoft.com/office/drawing/2010/main" w="9525">
                 <a:solidFill>
                   <a:schemeClr val="tx1"/>
                 </a:solidFill>
@@ -21323,7 +21409,7 @@
               </a14:hiddenLine>
             </a:ext>
             <a:ext uri="{AF507438-7753-43E0-B8FC-AC1667EBCBE1}">
-              <a14:hiddenEffects xmlns:a14="http://schemas.microsoft.com/office/drawing/2010/main" xmlns="">
+              <a14:hiddenEffects xmlns="" xmlns:a14="http://schemas.microsoft.com/office/drawing/2010/main">
                 <a:effectLst>
                   <a:outerShdw dist="35921" dir="2700000" algn="ctr" rotWithShape="0">
                     <a:schemeClr val="bg2"/>
@@ -21432,7 +21518,7 @@
           <a:effectLst/>
           <a:extLst>
             <a:ext uri="{91240B29-F687-4F45-9708-019B960494DF}">
-              <a14:hiddenLine xmlns:a14="http://schemas.microsoft.com/office/drawing/2010/main" xmlns="" w="9525">
+              <a14:hiddenLine xmlns="" xmlns:a14="http://schemas.microsoft.com/office/drawing/2010/main" w="9525">
                 <a:solidFill>
                   <a:schemeClr val="tx1"/>
                 </a:solidFill>
@@ -21442,7 +21528,7 @@
               </a14:hiddenLine>
             </a:ext>
             <a:ext uri="{AF507438-7753-43E0-B8FC-AC1667EBCBE1}">
-              <a14:hiddenEffects xmlns:a14="http://schemas.microsoft.com/office/drawing/2010/main" xmlns="">
+              <a14:hiddenEffects xmlns="" xmlns:a14="http://schemas.microsoft.com/office/drawing/2010/main">
                 <a:effectLst>
                   <a:outerShdw dist="35921" dir="2700000" algn="ctr" rotWithShape="0">
                     <a:schemeClr val="bg2"/>
@@ -21552,7 +21638,7 @@
           <a:effectLst/>
           <a:extLst>
             <a:ext uri="{91240B29-F687-4F45-9708-019B960494DF}">
-              <a14:hiddenLine xmlns:a14="http://schemas.microsoft.com/office/drawing/2010/main" xmlns="" w="9525">
+              <a14:hiddenLine xmlns="" xmlns:a14="http://schemas.microsoft.com/office/drawing/2010/main" w="9525">
                 <a:solidFill>
                   <a:schemeClr val="tx1"/>
                 </a:solidFill>
@@ -21562,7 +21648,7 @@
               </a14:hiddenLine>
             </a:ext>
             <a:ext uri="{AF507438-7753-43E0-B8FC-AC1667EBCBE1}">
-              <a14:hiddenEffects xmlns:a14="http://schemas.microsoft.com/office/drawing/2010/main" xmlns="">
+              <a14:hiddenEffects xmlns="" xmlns:a14="http://schemas.microsoft.com/office/drawing/2010/main">
                 <a:effectLst>
                   <a:outerShdw dist="35921" dir="2700000" algn="ctr" rotWithShape="0">
                     <a:schemeClr val="bg2"/>
@@ -21684,7 +21770,7 @@
           <a:effectLst/>
           <a:extLst>
             <a:ext uri="{91240B29-F687-4F45-9708-019B960494DF}">
-              <a14:hiddenLine xmlns:a14="http://schemas.microsoft.com/office/drawing/2010/main" xmlns="" w="9525">
+              <a14:hiddenLine xmlns="" xmlns:a14="http://schemas.microsoft.com/office/drawing/2010/main" w="9525">
                 <a:solidFill>
                   <a:schemeClr val="tx1"/>
                 </a:solidFill>
@@ -21694,7 +21780,7 @@
               </a14:hiddenLine>
             </a:ext>
             <a:ext uri="{AF507438-7753-43E0-B8FC-AC1667EBCBE1}">
-              <a14:hiddenEffects xmlns:a14="http://schemas.microsoft.com/office/drawing/2010/main" xmlns="">
+              <a14:hiddenEffects xmlns="" xmlns:a14="http://schemas.microsoft.com/office/drawing/2010/main">
                 <a:effectLst>
                   <a:outerShdw dist="35921" dir="2700000" algn="ctr" rotWithShape="0">
                     <a:schemeClr val="bg2"/>
@@ -21737,7 +21823,7 @@
           <a:effectLst/>
           <a:extLst>
             <a:ext uri="{91240B29-F687-4F45-9708-019B960494DF}">
-              <a14:hiddenLine xmlns:a14="http://schemas.microsoft.com/office/drawing/2010/main" xmlns="" w="9525">
+              <a14:hiddenLine xmlns="" xmlns:a14="http://schemas.microsoft.com/office/drawing/2010/main" w="9525">
                 <a:solidFill>
                   <a:schemeClr val="tx1"/>
                 </a:solidFill>
@@ -21747,7 +21833,7 @@
               </a14:hiddenLine>
             </a:ext>
             <a:ext uri="{AF507438-7753-43E0-B8FC-AC1667EBCBE1}">
-              <a14:hiddenEffects xmlns:a14="http://schemas.microsoft.com/office/drawing/2010/main" xmlns="">
+              <a14:hiddenEffects xmlns="" xmlns:a14="http://schemas.microsoft.com/office/drawing/2010/main">
                 <a:effectLst>
                   <a:outerShdw dist="35921" dir="2700000" algn="ctr" rotWithShape="0">
                     <a:schemeClr val="bg2"/>
@@ -21843,7 +21929,7 @@
           <a:effectLst/>
           <a:extLst>
             <a:ext uri="{91240B29-F687-4F45-9708-019B960494DF}">
-              <a14:hiddenLine xmlns:a14="http://schemas.microsoft.com/office/drawing/2010/main" xmlns="" w="9525">
+              <a14:hiddenLine xmlns="" xmlns:a14="http://schemas.microsoft.com/office/drawing/2010/main" w="9525">
                 <a:solidFill>
                   <a:schemeClr val="tx1"/>
                 </a:solidFill>
@@ -21853,7 +21939,7 @@
               </a14:hiddenLine>
             </a:ext>
             <a:ext uri="{AF507438-7753-43E0-B8FC-AC1667EBCBE1}">
-              <a14:hiddenEffects xmlns:a14="http://schemas.microsoft.com/office/drawing/2010/main" xmlns="">
+              <a14:hiddenEffects xmlns="" xmlns:a14="http://schemas.microsoft.com/office/drawing/2010/main">
                 <a:effectLst>
                   <a:outerShdw dist="35921" dir="2700000" algn="ctr" rotWithShape="0">
                     <a:schemeClr val="bg2"/>
@@ -21896,14 +21982,14 @@
           <a:effectLst/>
           <a:extLst>
             <a:ext uri="{909E8E84-426E-40DD-AFC4-6F175D3DCCD1}">
-              <a14:hiddenFill xmlns:a14="http://schemas.microsoft.com/office/drawing/2010/main" xmlns="">
+              <a14:hiddenFill xmlns="" xmlns:a14="http://schemas.microsoft.com/office/drawing/2010/main">
                 <a:solidFill>
                   <a:schemeClr val="accent1"/>
                 </a:solidFill>
               </a14:hiddenFill>
             </a:ext>
             <a:ext uri="{91240B29-F687-4F45-9708-019B960494DF}">
-              <a14:hiddenLine xmlns:a14="http://schemas.microsoft.com/office/drawing/2010/main" xmlns="" w="9525">
+              <a14:hiddenLine xmlns="" xmlns:a14="http://schemas.microsoft.com/office/drawing/2010/main" w="9525">
                 <a:solidFill>
                   <a:schemeClr val="tx1"/>
                 </a:solidFill>
@@ -21913,7 +21999,7 @@
               </a14:hiddenLine>
             </a:ext>
             <a:ext uri="{AF507438-7753-43E0-B8FC-AC1667EBCBE1}">
-              <a14:hiddenEffects xmlns:a14="http://schemas.microsoft.com/office/drawing/2010/main" xmlns="">
+              <a14:hiddenEffects xmlns="" xmlns:a14="http://schemas.microsoft.com/office/drawing/2010/main">
                 <a:effectLst>
                   <a:outerShdw dist="35921" dir="2700000" algn="ctr" rotWithShape="0">
                     <a:schemeClr val="bg2"/>
@@ -21965,14 +22051,14 @@
           <a:effectLst/>
           <a:extLst>
             <a:ext uri="{909E8E84-426E-40DD-AFC4-6F175D3DCCD1}">
-              <a14:hiddenFill xmlns:a14="http://schemas.microsoft.com/office/drawing/2010/main" xmlns="">
+              <a14:hiddenFill xmlns="" xmlns:a14="http://schemas.microsoft.com/office/drawing/2010/main">
                 <a:solidFill>
                   <a:schemeClr val="accent1"/>
                 </a:solidFill>
               </a14:hiddenFill>
             </a:ext>
             <a:ext uri="{91240B29-F687-4F45-9708-019B960494DF}">
-              <a14:hiddenLine xmlns:a14="http://schemas.microsoft.com/office/drawing/2010/main" xmlns="" w="9525">
+              <a14:hiddenLine xmlns="" xmlns:a14="http://schemas.microsoft.com/office/drawing/2010/main" w="9525">
                 <a:solidFill>
                   <a:schemeClr val="tx1"/>
                 </a:solidFill>
@@ -21982,7 +22068,7 @@
               </a14:hiddenLine>
             </a:ext>
             <a:ext uri="{AF507438-7753-43E0-B8FC-AC1667EBCBE1}">
-              <a14:hiddenEffects xmlns:a14="http://schemas.microsoft.com/office/drawing/2010/main" xmlns="">
+              <a14:hiddenEffects xmlns="" xmlns:a14="http://schemas.microsoft.com/office/drawing/2010/main">
                 <a:effectLst>
                   <a:outerShdw dist="35921" dir="2700000" algn="ctr" rotWithShape="0">
                     <a:schemeClr val="bg2"/>
@@ -22062,14 +22148,14 @@
           <a:effectLst/>
           <a:extLst>
             <a:ext uri="{909E8E84-426E-40DD-AFC4-6F175D3DCCD1}">
-              <a14:hiddenFill xmlns:a14="http://schemas.microsoft.com/office/drawing/2010/main" xmlns="">
+              <a14:hiddenFill xmlns="" xmlns:a14="http://schemas.microsoft.com/office/drawing/2010/main">
                 <a:solidFill>
                   <a:schemeClr val="accent1"/>
                 </a:solidFill>
               </a14:hiddenFill>
             </a:ext>
             <a:ext uri="{91240B29-F687-4F45-9708-019B960494DF}">
-              <a14:hiddenLine xmlns:a14="http://schemas.microsoft.com/office/drawing/2010/main" xmlns="" w="9525">
+              <a14:hiddenLine xmlns="" xmlns:a14="http://schemas.microsoft.com/office/drawing/2010/main" w="9525">
                 <a:solidFill>
                   <a:schemeClr val="tx1"/>
                 </a:solidFill>
@@ -22079,7 +22165,7 @@
               </a14:hiddenLine>
             </a:ext>
             <a:ext uri="{AF507438-7753-43E0-B8FC-AC1667EBCBE1}">
-              <a14:hiddenEffects xmlns:a14="http://schemas.microsoft.com/office/drawing/2010/main" xmlns="">
+              <a14:hiddenEffects xmlns="" xmlns:a14="http://schemas.microsoft.com/office/drawing/2010/main">
                 <a:effectLst>
                   <a:outerShdw dist="35921" dir="2700000" algn="ctr" rotWithShape="0">
                     <a:schemeClr val="bg2"/>
@@ -22135,14 +22221,14 @@
           <a:effectLst/>
           <a:extLst>
             <a:ext uri="{909E8E84-426E-40DD-AFC4-6F175D3DCCD1}">
-              <a14:hiddenFill xmlns:a14="http://schemas.microsoft.com/office/drawing/2010/main" xmlns="">
+              <a14:hiddenFill xmlns="" xmlns:a14="http://schemas.microsoft.com/office/drawing/2010/main">
                 <a:solidFill>
                   <a:schemeClr val="accent1"/>
                 </a:solidFill>
               </a14:hiddenFill>
             </a:ext>
             <a:ext uri="{91240B29-F687-4F45-9708-019B960494DF}">
-              <a14:hiddenLine xmlns:a14="http://schemas.microsoft.com/office/drawing/2010/main" xmlns="" w="9525">
+              <a14:hiddenLine xmlns="" xmlns:a14="http://schemas.microsoft.com/office/drawing/2010/main" w="9525">
                 <a:solidFill>
                   <a:schemeClr val="tx1"/>
                 </a:solidFill>
@@ -22152,7 +22238,7 @@
               </a14:hiddenLine>
             </a:ext>
             <a:ext uri="{AF507438-7753-43E0-B8FC-AC1667EBCBE1}">
-              <a14:hiddenEffects xmlns:a14="http://schemas.microsoft.com/office/drawing/2010/main" xmlns="">
+              <a14:hiddenEffects xmlns="" xmlns:a14="http://schemas.microsoft.com/office/drawing/2010/main">
                 <a:effectLst>
                   <a:outerShdw dist="35921" dir="2700000" algn="ctr" rotWithShape="0">
                     <a:schemeClr val="bg2"/>
@@ -22208,14 +22294,14 @@
           <a:effectLst/>
           <a:extLst>
             <a:ext uri="{909E8E84-426E-40DD-AFC4-6F175D3DCCD1}">
-              <a14:hiddenFill xmlns:a14="http://schemas.microsoft.com/office/drawing/2010/main" xmlns="">
+              <a14:hiddenFill xmlns="" xmlns:a14="http://schemas.microsoft.com/office/drawing/2010/main">
                 <a:solidFill>
                   <a:schemeClr val="accent1"/>
                 </a:solidFill>
               </a14:hiddenFill>
             </a:ext>
             <a:ext uri="{91240B29-F687-4F45-9708-019B960494DF}">
-              <a14:hiddenLine xmlns:a14="http://schemas.microsoft.com/office/drawing/2010/main" xmlns="" w="9525">
+              <a14:hiddenLine xmlns="" xmlns:a14="http://schemas.microsoft.com/office/drawing/2010/main" w="9525">
                 <a:solidFill>
                   <a:schemeClr val="tx1"/>
                 </a:solidFill>
@@ -22225,7 +22311,7 @@
               </a14:hiddenLine>
             </a:ext>
             <a:ext uri="{AF507438-7753-43E0-B8FC-AC1667EBCBE1}">
-              <a14:hiddenEffects xmlns:a14="http://schemas.microsoft.com/office/drawing/2010/main" xmlns="">
+              <a14:hiddenEffects xmlns="" xmlns:a14="http://schemas.microsoft.com/office/drawing/2010/main">
                 <a:effectLst>
                   <a:outerShdw dist="35921" dir="2700000" algn="ctr" rotWithShape="0">
                     <a:schemeClr val="bg2"/>
@@ -22295,7 +22381,7 @@
           <a:effectLst/>
           <a:extLst>
             <a:ext uri="{AF507438-7753-43E0-B8FC-AC1667EBCBE1}">
-              <a14:hiddenEffects xmlns:a14="http://schemas.microsoft.com/office/drawing/2010/main" xmlns="">
+              <a14:hiddenEffects xmlns="" xmlns:a14="http://schemas.microsoft.com/office/drawing/2010/main">
                 <a:effectLst>
                   <a:outerShdw dist="35921" dir="2700000" algn="ctr" rotWithShape="0">
                     <a:schemeClr val="bg2"/>
@@ -22347,7 +22433,7 @@
           <a:effectLst/>
           <a:extLst>
             <a:ext uri="{AF507438-7753-43E0-B8FC-AC1667EBCBE1}">
-              <a14:hiddenEffects xmlns:a14="http://schemas.microsoft.com/office/drawing/2010/main" xmlns="">
+              <a14:hiddenEffects xmlns="" xmlns:a14="http://schemas.microsoft.com/office/drawing/2010/main">
                 <a:effectLst>
                   <a:outerShdw dist="35921" dir="2700000" algn="ctr" rotWithShape="0">
                     <a:schemeClr val="bg2"/>
@@ -22386,7 +22472,7 @@
     <p:sldLayoutId id="2147483663" r:id="rId15"/>
   </p:sldLayoutIdLst>
   <mc:AlternateContent xmlns:mc="http://schemas.openxmlformats.org/markup-compatibility/2006">
-    <mc:Choice xmlns:p14="http://schemas.microsoft.com/office/powerpoint/2010/main" xmlns="" Requires="p14">
+    <mc:Choice xmlns="" xmlns:p14="http://schemas.microsoft.com/office/powerpoint/2010/main" Requires="p14">
       <p:transition p14:dur="10"/>
     </mc:Choice>
     <mc:Fallback>
@@ -24118,7 +24204,7 @@
     <a:masterClrMapping/>
   </p:clrMapOvr>
   <mc:AlternateContent xmlns:mc="http://schemas.openxmlformats.org/markup-compatibility/2006">
-    <mc:Choice xmlns:p14="http://schemas.microsoft.com/office/powerpoint/2010/main" xmlns="" Requires="p14">
+    <mc:Choice xmlns="" xmlns:p14="http://schemas.microsoft.com/office/powerpoint/2010/main" Requires="p14">
       <p:transition p14:dur="10"/>
     </mc:Choice>
     <mc:Fallback>
@@ -24174,2264 +24260,6 @@
           <a:p>
             <a:pPr lvl="0"/>
             <a:r>
-              <a:rPr lang="en-US" altLang="zh-CN" sz="3600" dirty="0" smtClean="0">
-                <a:ea typeface="宋体" charset="-122"/>
-              </a:rPr>
-              <a:t>4</a:t>
-            </a:r>
-            <a:r>
-              <a:rPr lang="en-US" altLang="zh-CN" sz="3600" dirty="0" smtClean="0">
-                <a:ea typeface="宋体" charset="-122"/>
-              </a:rPr>
-              <a:t>.</a:t>
-            </a:r>
-            <a:r>
-              <a:rPr lang="zh-CN" altLang="en-US" sz="3600" dirty="0" smtClean="0">
-                <a:ea typeface="宋体" charset="-122"/>
-              </a:rPr>
-              <a:t>教会联结与合一</a:t>
-            </a:r>
-            <a:r>
-              <a:rPr lang="zh-CN" altLang="en-US" sz="3200" dirty="0" smtClean="0"/>
-              <a:t>（</a:t>
-            </a:r>
-            <a:r>
-              <a:rPr lang="en-US" altLang="zh-CN" sz="3200" dirty="0" smtClean="0"/>
-              <a:t>18-24</a:t>
-            </a:r>
-            <a:r>
-              <a:rPr lang="zh-CN" altLang="en-US" sz="3200" dirty="0" smtClean="0"/>
-              <a:t>） </a:t>
-            </a:r>
-            <a:endParaRPr lang="en-US" altLang="zh-CN" sz="3600" dirty="0">
-              <a:ea typeface="宋体" charset="-122"/>
-            </a:endParaRPr>
-          </a:p>
-        </p:txBody>
-      </p:sp>
-      <p:sp>
-        <p:nvSpPr>
-          <p:cNvPr id="8195" name="Rectangle 3"/>
-          <p:cNvSpPr>
-            <a:spLocks noGrp="1" noChangeArrowheads="1"/>
-          </p:cNvSpPr>
-          <p:nvPr>
-            <p:ph type="body" sz="half" idx="1"/>
-          </p:nvPr>
-        </p:nvSpPr>
-        <p:spPr>
-          <a:xfrm>
-            <a:off x="685800" y="1285860"/>
-            <a:ext cx="7467600" cy="5072098"/>
-          </a:xfrm>
-        </p:spPr>
-        <p:txBody>
-          <a:bodyPr/>
-          <a:lstStyle/>
-          <a:p>
-            <a:pPr>
-              <a:buNone/>
-            </a:pPr>
-            <a:r>
-              <a:rPr lang="en-US" altLang="zh-CN" sz="2800" dirty="0" smtClean="0">
-                <a:solidFill>
-                  <a:srgbClr val="FF0000"/>
-                </a:solidFill>
-              </a:rPr>
-              <a:t>17</a:t>
-            </a:r>
-            <a:r>
-              <a:rPr lang="zh-CN" altLang="en-US" sz="2800" dirty="0" smtClean="0">
-                <a:solidFill>
-                  <a:srgbClr val="FF0000"/>
-                </a:solidFill>
-              </a:rPr>
-              <a:t>也</a:t>
-            </a:r>
-            <a:r>
-              <a:rPr lang="zh-CN" altLang="en-US" sz="2800" dirty="0" smtClean="0">
-                <a:solidFill>
-                  <a:srgbClr val="FF0000"/>
-                </a:solidFill>
-              </a:rPr>
-              <a:t>没</a:t>
-            </a:r>
-            <a:r>
-              <a:rPr lang="en-US" altLang="zh-CN" sz="2800" dirty="0" smtClean="0">
-                <a:solidFill>
-                  <a:srgbClr val="FF0000"/>
-                </a:solidFill>
-              </a:rPr>
-              <a:t>…</a:t>
-            </a:r>
-            <a:r>
-              <a:rPr lang="zh-CN" altLang="en-US" sz="2800" dirty="0" smtClean="0">
-                <a:solidFill>
-                  <a:srgbClr val="FF0000"/>
-                </a:solidFill>
-              </a:rPr>
-              <a:t>见</a:t>
-            </a:r>
-            <a:r>
-              <a:rPr lang="en-US" altLang="zh-CN" sz="2800" dirty="0" smtClean="0">
-                <a:solidFill>
-                  <a:srgbClr val="FF0000"/>
-                </a:solidFill>
-              </a:rPr>
-              <a:t>…</a:t>
-            </a:r>
-            <a:r>
-              <a:rPr lang="zh-CN" altLang="en-US" sz="2800" dirty="0" smtClean="0">
-                <a:solidFill>
-                  <a:srgbClr val="FF0000"/>
-                </a:solidFill>
-              </a:rPr>
-              <a:t>先</a:t>
-            </a:r>
-            <a:r>
-              <a:rPr lang="zh-CN" altLang="en-US" sz="2800" dirty="0" smtClean="0">
-                <a:solidFill>
-                  <a:srgbClr val="FF0000"/>
-                </a:solidFill>
-              </a:rPr>
-              <a:t>作使徒</a:t>
-            </a:r>
-            <a:r>
-              <a:rPr lang="zh-CN" altLang="en-US" sz="2800" dirty="0" smtClean="0">
-                <a:solidFill>
-                  <a:srgbClr val="FF0000"/>
-                </a:solidFill>
-              </a:rPr>
-              <a:t>的</a:t>
-            </a:r>
-            <a:r>
-              <a:rPr lang="en-US" altLang="zh-CN" sz="2800" dirty="0" smtClean="0">
-                <a:solidFill>
-                  <a:srgbClr val="FF0000"/>
-                </a:solidFill>
-              </a:rPr>
-              <a:t>…</a:t>
-            </a:r>
-            <a:r>
-              <a:rPr lang="zh-CN" altLang="en-US" sz="2800" dirty="0" smtClean="0">
-                <a:solidFill>
-                  <a:srgbClr val="FF0000"/>
-                </a:solidFill>
-              </a:rPr>
-              <a:t> 。</a:t>
-            </a:r>
-            <a:r>
-              <a:rPr lang="en-US" altLang="zh-CN" sz="2800" dirty="0" smtClean="0">
-                <a:solidFill>
-                  <a:srgbClr val="FF0000"/>
-                </a:solidFill>
-              </a:rPr>
-              <a:t>18</a:t>
-            </a:r>
-            <a:r>
-              <a:rPr lang="zh-CN" altLang="en-US" sz="2800" dirty="0" smtClean="0">
-                <a:solidFill>
-                  <a:srgbClr val="FF0000"/>
-                </a:solidFill>
-              </a:rPr>
-              <a:t>过了</a:t>
-            </a:r>
-            <a:r>
-              <a:rPr lang="zh-CN" altLang="en-US" sz="2800" dirty="0" smtClean="0">
-                <a:solidFill>
-                  <a:srgbClr val="FF0000"/>
-                </a:solidFill>
-              </a:rPr>
-              <a:t>三年</a:t>
-            </a:r>
-            <a:r>
-              <a:rPr lang="en-US" altLang="zh-CN" sz="2800" dirty="0" smtClean="0">
-                <a:solidFill>
-                  <a:srgbClr val="FF0000"/>
-                </a:solidFill>
-              </a:rPr>
-              <a:t>…</a:t>
-            </a:r>
-            <a:r>
-              <a:rPr lang="zh-CN" altLang="en-US" sz="2800" dirty="0" smtClean="0">
-                <a:solidFill>
-                  <a:srgbClr val="FF0000"/>
-                </a:solidFill>
-              </a:rPr>
-              <a:t>见</a:t>
-            </a:r>
-            <a:r>
-              <a:rPr lang="zh-CN" altLang="en-US" sz="2800" dirty="0" smtClean="0">
-                <a:solidFill>
-                  <a:srgbClr val="FF0000"/>
-                </a:solidFill>
-              </a:rPr>
-              <a:t>矶</a:t>
-            </a:r>
-            <a:r>
-              <a:rPr lang="zh-CN" altLang="en-US" sz="2800" dirty="0" smtClean="0">
-                <a:solidFill>
-                  <a:srgbClr val="FF0000"/>
-                </a:solidFill>
-              </a:rPr>
-              <a:t>法</a:t>
-            </a:r>
-            <a:r>
-              <a:rPr lang="en-US" altLang="zh-CN" sz="2800" dirty="0" smtClean="0">
-                <a:solidFill>
-                  <a:srgbClr val="FF0000"/>
-                </a:solidFill>
-              </a:rPr>
-              <a:t>…</a:t>
-            </a:r>
-            <a:r>
-              <a:rPr lang="zh-CN" altLang="en-US" sz="2800" dirty="0" smtClean="0">
-                <a:solidFill>
-                  <a:srgbClr val="FF0000"/>
-                </a:solidFill>
-              </a:rPr>
-              <a:t>。</a:t>
-            </a:r>
-            <a:r>
-              <a:rPr lang="en-US" altLang="zh-CN" sz="2800" dirty="0" smtClean="0">
-                <a:solidFill>
-                  <a:srgbClr val="FF0000"/>
-                </a:solidFill>
-              </a:rPr>
-              <a:t>19</a:t>
-            </a:r>
-            <a:r>
-              <a:rPr lang="zh-CN" altLang="en-US" sz="2800" dirty="0" smtClean="0">
-                <a:solidFill>
-                  <a:srgbClr val="FF0000"/>
-                </a:solidFill>
-              </a:rPr>
-              <a:t>别的</a:t>
-            </a:r>
-            <a:r>
-              <a:rPr lang="zh-CN" altLang="en-US" sz="2800" dirty="0" smtClean="0">
-                <a:solidFill>
-                  <a:srgbClr val="FF0000"/>
-                </a:solidFill>
-              </a:rPr>
-              <a:t>使徒</a:t>
-            </a:r>
-            <a:r>
-              <a:rPr lang="zh-CN" altLang="en-US" sz="2800" dirty="0" smtClean="0">
-                <a:solidFill>
-                  <a:srgbClr val="FF0000"/>
-                </a:solidFill>
-              </a:rPr>
-              <a:t>，</a:t>
-            </a:r>
-            <a:r>
-              <a:rPr lang="en-US" altLang="zh-CN" sz="2800" dirty="0" smtClean="0">
-                <a:solidFill>
-                  <a:srgbClr val="FF0000"/>
-                </a:solidFill>
-              </a:rPr>
-              <a:t>…</a:t>
-            </a:r>
-            <a:r>
-              <a:rPr lang="zh-CN" altLang="en-US" sz="2800" dirty="0" smtClean="0">
-                <a:solidFill>
-                  <a:srgbClr val="FF0000"/>
-                </a:solidFill>
-              </a:rPr>
-              <a:t>除雅</a:t>
-            </a:r>
-            <a:r>
-              <a:rPr lang="zh-CN" altLang="en-US" sz="2800" dirty="0" smtClean="0">
-                <a:solidFill>
-                  <a:srgbClr val="FF0000"/>
-                </a:solidFill>
-              </a:rPr>
-              <a:t>各</a:t>
-            </a:r>
-            <a:r>
-              <a:rPr lang="zh-CN" altLang="en-US" sz="2800" dirty="0" smtClean="0">
-                <a:solidFill>
-                  <a:srgbClr val="FF0000"/>
-                </a:solidFill>
-              </a:rPr>
-              <a:t>，</a:t>
-            </a:r>
-            <a:r>
-              <a:rPr lang="en-US" altLang="zh-CN" sz="2800" dirty="0" smtClean="0">
-                <a:solidFill>
-                  <a:srgbClr val="FF0000"/>
-                </a:solidFill>
-              </a:rPr>
-              <a:t>…</a:t>
-            </a:r>
-            <a:r>
-              <a:rPr lang="zh-CN" altLang="en-US" sz="2800" dirty="0" smtClean="0">
-                <a:solidFill>
-                  <a:srgbClr val="FF0000"/>
-                </a:solidFill>
-              </a:rPr>
-              <a:t>都没见。</a:t>
-            </a:r>
-            <a:endParaRPr lang="en-US" altLang="zh-CN" sz="2800" dirty="0" smtClean="0">
-              <a:solidFill>
-                <a:srgbClr val="FF0000"/>
-              </a:solidFill>
-            </a:endParaRPr>
-          </a:p>
-          <a:p>
-            <a:r>
-              <a:rPr lang="zh-CN" altLang="en-US" dirty="0" smtClean="0"/>
-              <a:t>与其他使徒的关系</a:t>
-            </a:r>
-            <a:r>
-              <a:rPr lang="zh-CN" altLang="en-US" dirty="0" smtClean="0"/>
-              <a:t>（</a:t>
-            </a:r>
-            <a:r>
-              <a:rPr lang="en-US" dirty="0" smtClean="0"/>
-              <a:t>v17</a:t>
-            </a:r>
-            <a:r>
-              <a:rPr lang="en-US" altLang="zh-CN" dirty="0" smtClean="0"/>
-              <a:t>-19</a:t>
-            </a:r>
-            <a:r>
-              <a:rPr lang="zh-CN" altLang="en-US" dirty="0" smtClean="0"/>
-              <a:t>） </a:t>
-            </a:r>
-            <a:endParaRPr lang="en-US" altLang="zh-CN" dirty="0" smtClean="0"/>
-          </a:p>
-          <a:p>
-            <a:pPr lvl="1"/>
-            <a:r>
-              <a:rPr lang="en-US" altLang="zh-CN" sz="2400" dirty="0" smtClean="0"/>
-              <a:t>Q2. </a:t>
-            </a:r>
-            <a:r>
-              <a:rPr lang="zh-CN" altLang="en-US" sz="2400" dirty="0" smtClean="0"/>
-              <a:t>保罗信主前认识其他使徒吗</a:t>
-            </a:r>
-            <a:r>
-              <a:rPr lang="zh-CN" altLang="en-US" sz="2400" dirty="0" smtClean="0"/>
-              <a:t>？信</a:t>
-            </a:r>
-            <a:r>
-              <a:rPr lang="zh-CN" altLang="en-US" sz="2400" dirty="0" smtClean="0"/>
-              <a:t>主后跟哪些使徒交流过</a:t>
-            </a:r>
-            <a:r>
-              <a:rPr lang="zh-CN" altLang="en-US" sz="2400" dirty="0" smtClean="0"/>
-              <a:t>？保罗</a:t>
-            </a:r>
-            <a:r>
-              <a:rPr lang="zh-CN" altLang="en-US" sz="2400" dirty="0" smtClean="0"/>
-              <a:t>为什么强调这些</a:t>
-            </a:r>
-            <a:r>
-              <a:rPr lang="zh-CN" altLang="en-US" sz="2400" dirty="0" smtClean="0"/>
-              <a:t>事？</a:t>
-            </a:r>
-            <a:endParaRPr lang="zh-CN" altLang="en-US" sz="2400" dirty="0" smtClean="0"/>
-          </a:p>
-          <a:p>
-            <a:pPr lvl="2"/>
-            <a:r>
-              <a:rPr lang="zh-CN" altLang="en-US" sz="2000" dirty="0" smtClean="0"/>
-              <a:t>保罗信主前，保罗对信徒是敌对态度，跟使徒没有正面接触</a:t>
-            </a:r>
-            <a:r>
-              <a:rPr lang="zh-CN" altLang="en-US" sz="2000" dirty="0" smtClean="0"/>
-              <a:t>。。</a:t>
-            </a:r>
-            <a:endParaRPr lang="en-US" altLang="zh-CN" sz="2000" dirty="0" smtClean="0"/>
-          </a:p>
-          <a:p>
-            <a:pPr lvl="2"/>
-            <a:r>
-              <a:rPr lang="zh-CN" altLang="en-US" sz="2000" dirty="0" smtClean="0"/>
-              <a:t>刚信主时，</a:t>
-            </a:r>
-            <a:r>
-              <a:rPr lang="zh-CN" altLang="en-US" sz="2000" dirty="0" smtClean="0"/>
-              <a:t>保罗没有去见使徒，强调</a:t>
-            </a:r>
-            <a:r>
-              <a:rPr lang="zh-CN" altLang="en-US" sz="2000" dirty="0" smtClean="0"/>
-              <a:t>他对于神的呼召已经十分清楚</a:t>
-            </a:r>
-            <a:r>
-              <a:rPr lang="zh-CN" altLang="en-US" sz="2000" dirty="0" smtClean="0"/>
-              <a:t>，无须</a:t>
-            </a:r>
-            <a:r>
-              <a:rPr lang="zh-CN" altLang="en-US" sz="2000" dirty="0" smtClean="0"/>
-              <a:t>再与人商量 </a:t>
-            </a:r>
-            <a:r>
-              <a:rPr lang="zh-CN" altLang="en-US" sz="2000" dirty="0" smtClean="0"/>
-              <a:t>，无需征求</a:t>
-            </a:r>
-            <a:r>
-              <a:rPr lang="zh-CN" altLang="en-US" sz="2000" dirty="0" smtClean="0"/>
-              <a:t>他们的同意，以获得他们的支持。</a:t>
-            </a:r>
-            <a:endParaRPr lang="en-US" altLang="zh-CN" sz="2000" dirty="0" smtClean="0"/>
-          </a:p>
-          <a:p>
-            <a:pPr lvl="2"/>
-            <a:r>
-              <a:rPr lang="zh-CN" altLang="en-US" sz="2000" dirty="0" smtClean="0"/>
-              <a:t>保罗信</a:t>
-            </a:r>
-            <a:r>
-              <a:rPr lang="zh-CN" altLang="en-US" sz="2000" dirty="0" smtClean="0"/>
-              <a:t>主后</a:t>
-            </a:r>
-            <a:r>
-              <a:rPr lang="zh-CN" altLang="en-US" sz="2000" dirty="0" smtClean="0"/>
-              <a:t>，耶路撒冷的门徒最初不敢与他结交</a:t>
-            </a:r>
-            <a:r>
-              <a:rPr lang="zh-CN" altLang="en-US" sz="2000" dirty="0" smtClean="0"/>
-              <a:t>，不</a:t>
-            </a:r>
-            <a:r>
-              <a:rPr lang="zh-CN" altLang="en-US" sz="2000" dirty="0" smtClean="0"/>
-              <a:t>信</a:t>
-            </a:r>
-            <a:r>
-              <a:rPr lang="zh-CN" altLang="en-US" sz="2000" dirty="0" smtClean="0"/>
-              <a:t>他是真信徒</a:t>
-            </a:r>
-            <a:r>
-              <a:rPr lang="zh-CN" altLang="en-US" sz="2000" dirty="0" smtClean="0"/>
-              <a:t>，唯有巴拿巴接待他</a:t>
-            </a:r>
-            <a:r>
-              <a:rPr lang="zh-CN" altLang="en-US" sz="2000" dirty="0" smtClean="0"/>
-              <a:t>，得</a:t>
-            </a:r>
-            <a:r>
-              <a:rPr lang="zh-CN" altLang="en-US" sz="2000" dirty="0" smtClean="0"/>
-              <a:t>与使徒相见。后来</a:t>
-            </a:r>
-            <a:r>
-              <a:rPr lang="zh-CN" altLang="en-US" sz="2000" dirty="0" smtClean="0"/>
-              <a:t>会见</a:t>
-            </a:r>
-            <a:r>
-              <a:rPr lang="en-US" altLang="zh-CN" sz="2000" dirty="0" smtClean="0"/>
-              <a:t>2</a:t>
-            </a:r>
-            <a:r>
-              <a:rPr lang="zh-CN" altLang="en-US" sz="2000" dirty="0" smtClean="0"/>
-              <a:t>位领袖，</a:t>
-            </a:r>
-            <a:r>
-              <a:rPr lang="zh-CN" altLang="en-US" sz="2000" dirty="0" smtClean="0"/>
-              <a:t>彼得、雅各，促使犹太和外邦教会合一。</a:t>
-            </a:r>
-            <a:endParaRPr lang="en-US" altLang="zh-CN" sz="2000" dirty="0" smtClean="0"/>
-          </a:p>
-        </p:txBody>
-      </p:sp>
-    </p:spTree>
-    <p:extLst>
-      <p:ext uri="{BB962C8B-B14F-4D97-AF65-F5344CB8AC3E}">
-        <p14:creationId xmlns:p14="http://schemas.microsoft.com/office/powerpoint/2010/main" xmlns="" val="602482599"/>
-      </p:ext>
-    </p:extLst>
-  </p:cSld>
-  <p:clrMapOvr>
-    <a:masterClrMapping/>
-  </p:clrMapOvr>
-  <mc:AlternateContent xmlns:mc="http://schemas.openxmlformats.org/markup-compatibility/2006">
-    <mc:Choice xmlns:p14="http://schemas.microsoft.com/office/powerpoint/2010/main" xmlns="" Requires="p14">
-      <p:transition p14:dur="10"/>
-    </mc:Choice>
-    <mc:Fallback>
-      <p:transition/>
-    </mc:Fallback>
-  </mc:AlternateContent>
-  <p:timing>
-    <p:tnLst>
-      <p:par>
-        <p:cTn id="1" dur="indefinite" restart="never" nodeType="tmRoot"/>
-      </p:par>
-    </p:tnLst>
-  </p:timing>
-</p:sld>
-</file>
-
-<file path=ppt/slides/slide11.xml><?xml version="1.0" encoding="utf-8"?>
-<p:sld xmlns:a="http://schemas.openxmlformats.org/drawingml/2006/main" xmlns:r="http://schemas.openxmlformats.org/officeDocument/2006/relationships" xmlns:p="http://schemas.openxmlformats.org/presentationml/2006/main">
-  <p:cSld>
-    <p:spTree>
-      <p:nvGrpSpPr>
-        <p:cNvPr id="1" name=""/>
-        <p:cNvGrpSpPr/>
-        <p:nvPr/>
-      </p:nvGrpSpPr>
-      <p:grpSpPr>
-        <a:xfrm>
-          <a:off x="0" y="0"/>
-          <a:ext cx="0" cy="0"/>
-          <a:chOff x="0" y="0"/>
-          <a:chExt cx="0" cy="0"/>
-        </a:xfrm>
-      </p:grpSpPr>
-      <p:sp>
-        <p:nvSpPr>
-          <p:cNvPr id="8194" name="Rectangle 2"/>
-          <p:cNvSpPr>
-            <a:spLocks noGrp="1" noChangeArrowheads="1"/>
-          </p:cNvSpPr>
-          <p:nvPr>
-            <p:ph type="title"/>
-          </p:nvPr>
-        </p:nvSpPr>
-        <p:spPr/>
-        <p:txBody>
-          <a:bodyPr/>
-          <a:lstStyle/>
-          <a:p>
-            <a:r>
-              <a:rPr lang="zh-CN" altLang="en-US" dirty="0" smtClean="0">
-                <a:ea typeface="宋体" charset="-122"/>
-              </a:rPr>
-              <a:t>总结应用</a:t>
-            </a:r>
-            <a:endParaRPr lang="en-US" altLang="zh-CN" sz="3600" dirty="0">
-              <a:ea typeface="宋体" charset="-122"/>
-            </a:endParaRPr>
-          </a:p>
-        </p:txBody>
-      </p:sp>
-      <p:sp>
-        <p:nvSpPr>
-          <p:cNvPr id="8195" name="Rectangle 3"/>
-          <p:cNvSpPr>
-            <a:spLocks noGrp="1" noChangeArrowheads="1"/>
-          </p:cNvSpPr>
-          <p:nvPr>
-            <p:ph type="body" sz="half" idx="1"/>
-          </p:nvPr>
-        </p:nvSpPr>
-        <p:spPr>
-          <a:xfrm>
-            <a:off x="685800" y="1357298"/>
-            <a:ext cx="7467600" cy="4880014"/>
-          </a:xfrm>
-        </p:spPr>
-        <p:txBody>
-          <a:bodyPr/>
-          <a:lstStyle/>
-          <a:p>
-            <a:pPr lvl="1"/>
-            <a:r>
-              <a:rPr lang="en-US" altLang="zh-CN" sz="2400" dirty="0" smtClean="0"/>
-              <a:t>4</a:t>
-            </a:r>
-            <a:r>
-              <a:rPr lang="zh-CN" altLang="en-US" sz="2400" dirty="0" smtClean="0"/>
-              <a:t>组问题作为线索：</a:t>
-            </a:r>
-            <a:endParaRPr lang="en-US" altLang="zh-CN" sz="2400" dirty="0" smtClean="0"/>
-          </a:p>
-          <a:p>
-            <a:pPr lvl="2"/>
-            <a:r>
-              <a:rPr lang="zh-CN" altLang="en-US" sz="2000" dirty="0" smtClean="0"/>
-              <a:t>经文</a:t>
-            </a:r>
-            <a:r>
-              <a:rPr lang="zh-CN" altLang="en-US" sz="2000" dirty="0" smtClean="0"/>
-              <a:t>中提到接受福音有哪几种渠道？保罗与你分别属于哪一种？你如何理解“启示”一词</a:t>
-            </a:r>
-            <a:r>
-              <a:rPr lang="zh-CN" altLang="en-US" sz="2000" dirty="0" smtClean="0"/>
-              <a:t>？</a:t>
-            </a:r>
-            <a:endParaRPr lang="en-US" altLang="zh-CN" sz="2000" dirty="0" smtClean="0">
-              <a:solidFill>
-                <a:srgbClr val="0070C0"/>
-              </a:solidFill>
-            </a:endParaRPr>
-          </a:p>
-          <a:p>
-            <a:pPr lvl="2"/>
-            <a:r>
-              <a:rPr lang="zh-CN" altLang="en-US" sz="2000" dirty="0" smtClean="0"/>
-              <a:t>保罗</a:t>
-            </a:r>
-            <a:r>
-              <a:rPr lang="zh-CN" altLang="en-US" sz="2000" dirty="0" smtClean="0"/>
-              <a:t>信主前认识其他使徒吗？信主后跟哪些使徒交流过？保罗为什么强调这些事？</a:t>
-            </a:r>
-            <a:endParaRPr lang="en-US" altLang="zh-CN" sz="2000" dirty="0" smtClean="0">
-              <a:solidFill>
-                <a:srgbClr val="0070C0"/>
-              </a:solidFill>
-            </a:endParaRPr>
-          </a:p>
-          <a:p>
-            <a:pPr lvl="2"/>
-            <a:r>
-              <a:rPr lang="en-US" altLang="zh-CN" sz="2000" dirty="0" smtClean="0"/>
-              <a:t>14</a:t>
-            </a:r>
-            <a:r>
-              <a:rPr lang="zh-CN" altLang="en-US" sz="2000" dirty="0" smtClean="0"/>
-              <a:t>节提到的“遗传”指的是什么？为“遗传”热心跟信仰有冲突吗？如果有，冲突是</a:t>
-            </a:r>
-            <a:r>
-              <a:rPr lang="zh-CN" altLang="en-US" sz="2000" dirty="0" smtClean="0"/>
-              <a:t>什么？</a:t>
-            </a:r>
-            <a:endParaRPr lang="en-US" altLang="zh-CN" sz="2000" dirty="0" smtClean="0"/>
-          </a:p>
-          <a:p>
-            <a:pPr lvl="2"/>
-            <a:r>
-              <a:rPr lang="zh-CN" altLang="en-US" sz="2000" dirty="0" smtClean="0"/>
-              <a:t>保罗</a:t>
-            </a:r>
-            <a:r>
-              <a:rPr lang="zh-CN" altLang="en-US" sz="2000" dirty="0" smtClean="0"/>
-              <a:t>信主前后有哪些变化？我有哪些变化？请对比自己的改变与保罗有何相似之处。</a:t>
-            </a:r>
-            <a:endParaRPr lang="en-US" altLang="zh-CN" sz="2000" dirty="0" smtClean="0">
-              <a:solidFill>
-                <a:srgbClr val="0070C0"/>
-              </a:solidFill>
-            </a:endParaRPr>
-          </a:p>
-          <a:p>
-            <a:pPr lvl="1"/>
-            <a:r>
-              <a:rPr lang="zh-CN" altLang="en-US" sz="2400" dirty="0" smtClean="0"/>
-              <a:t>应用和反思：</a:t>
-            </a:r>
-            <a:endParaRPr lang="en-US" altLang="zh-CN" sz="2400" dirty="0"/>
-          </a:p>
-          <a:p>
-            <a:pPr lvl="2"/>
-            <a:r>
-              <a:rPr lang="zh-CN" altLang="en-US" sz="2000" dirty="0" smtClean="0"/>
-              <a:t>正确</a:t>
-            </a:r>
-            <a:r>
-              <a:rPr lang="zh-CN" altLang="en-US" sz="2000" dirty="0" smtClean="0"/>
-              <a:t>地引用</a:t>
-            </a:r>
-            <a:r>
-              <a:rPr lang="zh-CN" altLang="en-US" sz="2000" dirty="0" smtClean="0"/>
-              <a:t>“不</a:t>
-            </a:r>
-            <a:r>
-              <a:rPr lang="zh-CN" altLang="en-US" sz="2000" dirty="0" smtClean="0"/>
-              <a:t>从人领受”的</a:t>
-            </a:r>
-            <a:r>
-              <a:rPr lang="zh-CN" altLang="en-US" sz="2000" dirty="0" smtClean="0"/>
-              <a:t>原则；</a:t>
-            </a:r>
-            <a:endParaRPr lang="zh-CN" altLang="en-US" sz="2000" dirty="0" smtClean="0"/>
-          </a:p>
-          <a:p>
-            <a:pPr lvl="2"/>
-            <a:r>
-              <a:rPr lang="zh-CN" altLang="en-US" sz="2000" dirty="0" smtClean="0"/>
-              <a:t>总结</a:t>
-            </a:r>
-            <a:r>
-              <a:rPr lang="en-US" altLang="zh-CN" sz="2000" dirty="0" smtClean="0"/>
-              <a:t>/</a:t>
-            </a:r>
-            <a:r>
-              <a:rPr lang="zh-CN" altLang="en-US" sz="2000" dirty="0" smtClean="0"/>
-              <a:t>完善个人得救见证，向至少</a:t>
-            </a:r>
-            <a:r>
-              <a:rPr lang="en-US" altLang="zh-CN" sz="2000" dirty="0" smtClean="0"/>
-              <a:t>1</a:t>
-            </a:r>
-            <a:r>
-              <a:rPr lang="zh-CN" altLang="en-US" sz="2000" dirty="0" smtClean="0"/>
-              <a:t>人</a:t>
-            </a:r>
-            <a:r>
-              <a:rPr lang="zh-CN" altLang="en-US" sz="2000" dirty="0" smtClean="0"/>
-              <a:t>分享。</a:t>
-            </a:r>
-            <a:endParaRPr lang="en-US" altLang="zh-CN" dirty="0"/>
-          </a:p>
-          <a:p>
-            <a:pPr lvl="2"/>
-            <a:endParaRPr lang="en-US" altLang="zh-CN" sz="2000" dirty="0">
-              <a:ea typeface="宋体" charset="-122"/>
-            </a:endParaRPr>
-          </a:p>
-        </p:txBody>
-      </p:sp>
-    </p:spTree>
-    <p:extLst>
-      <p:ext uri="{BB962C8B-B14F-4D97-AF65-F5344CB8AC3E}">
-        <p14:creationId xmlns:p14="http://schemas.microsoft.com/office/powerpoint/2010/main" xmlns="" val="274900122"/>
-      </p:ext>
-    </p:extLst>
-  </p:cSld>
-  <p:clrMapOvr>
-    <a:masterClrMapping/>
-  </p:clrMapOvr>
-  <mc:AlternateContent xmlns:mc="http://schemas.openxmlformats.org/markup-compatibility/2006">
-    <mc:Choice xmlns:p14="http://schemas.microsoft.com/office/powerpoint/2010/main" xmlns="" Requires="p14">
-      <p:transition p14:dur="10"/>
-    </mc:Choice>
-    <mc:Fallback>
-      <p:transition/>
-    </mc:Fallback>
-  </mc:AlternateContent>
-  <p:timing>
-    <p:tnLst>
-      <p:par>
-        <p:cTn id="1" dur="indefinite" restart="never" nodeType="tmRoot"/>
-      </p:par>
-    </p:tnLst>
-  </p:timing>
-</p:sld>
-</file>
-
-<file path=ppt/slides/slide12.xml><?xml version="1.0" encoding="utf-8"?>
-<p:sld xmlns:a="http://schemas.openxmlformats.org/drawingml/2006/main" xmlns:r="http://schemas.openxmlformats.org/officeDocument/2006/relationships" xmlns:p="http://schemas.openxmlformats.org/presentationml/2006/main">
-  <p:cSld>
-    <p:spTree>
-      <p:nvGrpSpPr>
-        <p:cNvPr id="1" name=""/>
-        <p:cNvGrpSpPr/>
-        <p:nvPr/>
-      </p:nvGrpSpPr>
-      <p:grpSpPr>
-        <a:xfrm>
-          <a:off x="0" y="0"/>
-          <a:ext cx="0" cy="0"/>
-          <a:chOff x="0" y="0"/>
-          <a:chExt cx="0" cy="0"/>
-        </a:xfrm>
-      </p:grpSpPr>
-      <p:sp>
-        <p:nvSpPr>
-          <p:cNvPr id="38916" name="Rectangle 4"/>
-          <p:cNvSpPr>
-            <a:spLocks noGrp="1" noChangeArrowheads="1"/>
-          </p:cNvSpPr>
-          <p:nvPr>
-            <p:ph type="ctrTitle"/>
-          </p:nvPr>
-        </p:nvSpPr>
-        <p:spPr>
-          <a:xfrm>
-            <a:off x="4714876" y="2857496"/>
-            <a:ext cx="3895740" cy="1470025"/>
-          </a:xfrm>
-        </p:spPr>
-        <p:txBody>
-          <a:bodyPr/>
-          <a:lstStyle/>
-          <a:p>
-            <a:pPr algn="l"/>
-            <a:r>
-              <a:rPr lang="zh-CN" altLang="en-US" sz="6000" dirty="0" smtClean="0">
-                <a:solidFill>
-                  <a:srgbClr val="0070C0"/>
-                </a:solidFill>
-                <a:ea typeface="宋体" charset="-122"/>
-              </a:rPr>
-              <a:t>分享结束    </a:t>
-            </a:r>
-            <a:r>
-              <a:rPr lang="en-US" altLang="zh-CN" sz="6000" dirty="0" smtClean="0">
-                <a:solidFill>
-                  <a:srgbClr val="0070C0"/>
-                </a:solidFill>
-                <a:ea typeface="宋体" charset="-122"/>
-              </a:rPr>
-              <a:t/>
-            </a:r>
-            <a:br>
-              <a:rPr lang="en-US" altLang="zh-CN" sz="6000" dirty="0" smtClean="0">
-                <a:solidFill>
-                  <a:srgbClr val="0070C0"/>
-                </a:solidFill>
-                <a:ea typeface="宋体" charset="-122"/>
-              </a:rPr>
-            </a:br>
-            <a:r>
-              <a:rPr lang="zh-CN" altLang="en-US" sz="6000" dirty="0" smtClean="0">
-                <a:solidFill>
-                  <a:srgbClr val="0070C0"/>
-                </a:solidFill>
-                <a:ea typeface="宋体" charset="-122"/>
-              </a:rPr>
-              <a:t>谢谢大家</a:t>
-            </a:r>
-            <a:r>
-              <a:rPr lang="en-US" altLang="zh-CN" sz="6000" dirty="0" smtClean="0">
-                <a:solidFill>
-                  <a:srgbClr val="0070C0"/>
-                </a:solidFill>
-                <a:ea typeface="宋体" charset="-122"/>
-              </a:rPr>
-              <a:t>!</a:t>
-            </a:r>
-            <a:endParaRPr lang="en-US" altLang="zh-CN" sz="6000" dirty="0">
-              <a:solidFill>
-                <a:srgbClr val="0070C0"/>
-              </a:solidFill>
-              <a:ea typeface="宋体" charset="-122"/>
-            </a:endParaRPr>
-          </a:p>
-        </p:txBody>
-      </p:sp>
-    </p:spTree>
-  </p:cSld>
-  <p:clrMapOvr>
-    <a:masterClrMapping/>
-  </p:clrMapOvr>
-  <mc:AlternateContent xmlns:mc="http://schemas.openxmlformats.org/markup-compatibility/2006">
-    <mc:Choice xmlns:p14="http://schemas.microsoft.com/office/powerpoint/2010/main" xmlns="" Requires="p14">
-      <p:transition p14:dur="10"/>
-    </mc:Choice>
-    <mc:Fallback>
-      <p:transition/>
-    </mc:Fallback>
-  </mc:AlternateContent>
-  <p:timing>
-    <p:tnLst>
-      <p:par>
-        <p:cTn id="1" dur="indefinite" restart="never" nodeType="tmRoot"/>
-      </p:par>
-    </p:tnLst>
-  </p:timing>
-</p:sld>
-</file>
-
-<file path=ppt/slides/slide2.xml><?xml version="1.0" encoding="utf-8"?>
-<p:sld xmlns:a="http://schemas.openxmlformats.org/drawingml/2006/main" xmlns:r="http://schemas.openxmlformats.org/officeDocument/2006/relationships" xmlns:p="http://schemas.openxmlformats.org/presentationml/2006/main">
-  <p:cSld>
-    <p:spTree>
-      <p:nvGrpSpPr>
-        <p:cNvPr id="1" name=""/>
-        <p:cNvGrpSpPr/>
-        <p:nvPr/>
-      </p:nvGrpSpPr>
-      <p:grpSpPr>
-        <a:xfrm>
-          <a:off x="0" y="0"/>
-          <a:ext cx="0" cy="0"/>
-          <a:chOff x="0" y="0"/>
-          <a:chExt cx="0" cy="0"/>
-        </a:xfrm>
-      </p:grpSpPr>
-      <p:sp>
-        <p:nvSpPr>
-          <p:cNvPr id="8194" name="Rectangle 2"/>
-          <p:cNvSpPr>
-            <a:spLocks noGrp="1" noChangeArrowheads="1"/>
-          </p:cNvSpPr>
-          <p:nvPr>
-            <p:ph type="title"/>
-          </p:nvPr>
-        </p:nvSpPr>
-        <p:spPr/>
-        <p:txBody>
-          <a:bodyPr/>
-          <a:lstStyle/>
-          <a:p>
-            <a:r>
-              <a:rPr lang="zh-CN" altLang="en-US" dirty="0">
-                <a:ea typeface="宋体" charset="-122"/>
-              </a:rPr>
-              <a:t>引言</a:t>
-            </a:r>
-            <a:endParaRPr lang="en-US" altLang="zh-CN" dirty="0">
-              <a:ea typeface="宋体" charset="-122"/>
-            </a:endParaRPr>
-          </a:p>
-        </p:txBody>
-      </p:sp>
-      <p:sp>
-        <p:nvSpPr>
-          <p:cNvPr id="8195" name="Rectangle 3"/>
-          <p:cNvSpPr>
-            <a:spLocks noGrp="1" noChangeArrowheads="1"/>
-          </p:cNvSpPr>
-          <p:nvPr>
-            <p:ph type="body" sz="half" idx="1"/>
-          </p:nvPr>
-        </p:nvSpPr>
-        <p:spPr>
-          <a:xfrm>
-            <a:off x="685800" y="1817688"/>
-            <a:ext cx="7467600" cy="4563640"/>
-          </a:xfrm>
-        </p:spPr>
-        <p:txBody>
-          <a:bodyPr/>
-          <a:lstStyle/>
-          <a:p>
-            <a:r>
-              <a:rPr lang="zh-CN" altLang="en-US" dirty="0" smtClean="0"/>
-              <a:t>每年受洗</a:t>
-            </a:r>
-            <a:endParaRPr lang="en-US" altLang="zh-CN" dirty="0" smtClean="0"/>
-          </a:p>
-          <a:p>
-            <a:pPr lvl="1"/>
-            <a:r>
-              <a:rPr lang="zh-CN" altLang="en-US" sz="2400" dirty="0" smtClean="0"/>
-              <a:t>我们都会听到许多感人的信主见证</a:t>
-            </a:r>
-            <a:endParaRPr lang="en-US" altLang="zh-CN" sz="2400" dirty="0" smtClean="0"/>
-          </a:p>
-          <a:p>
-            <a:pPr lvl="1"/>
-            <a:r>
-              <a:rPr lang="zh-CN" altLang="en-US" sz="2400" dirty="0" smtClean="0"/>
-              <a:t>圣经中浪子回头故事的真人版</a:t>
-            </a:r>
-            <a:endParaRPr lang="en-US" altLang="zh-CN" sz="2400" dirty="0" smtClean="0"/>
-          </a:p>
-          <a:p>
-            <a:r>
-              <a:rPr lang="zh-CN" altLang="en-US" dirty="0" smtClean="0"/>
-              <a:t>变化大 </a:t>
-            </a:r>
-            <a:r>
-              <a:rPr lang="en-US" altLang="zh-CN" dirty="0" err="1" smtClean="0"/>
-              <a:t>vs</a:t>
-            </a:r>
-            <a:r>
-              <a:rPr lang="en-US" altLang="zh-CN" dirty="0" smtClean="0"/>
-              <a:t> </a:t>
-            </a:r>
-            <a:r>
-              <a:rPr lang="zh-CN" altLang="en-US" dirty="0" smtClean="0"/>
-              <a:t>小</a:t>
-            </a:r>
-            <a:endParaRPr lang="en-US" altLang="zh-CN" dirty="0" smtClean="0"/>
-          </a:p>
-          <a:p>
-            <a:pPr lvl="1"/>
-            <a:r>
-              <a:rPr lang="zh-CN" altLang="en-US" sz="2400" dirty="0" smtClean="0"/>
-              <a:t>有些人信主前后变化不大，有些人变化特别大</a:t>
-            </a:r>
-            <a:endParaRPr lang="en-US" altLang="zh-CN" sz="2400" dirty="0" smtClean="0"/>
-          </a:p>
-          <a:p>
-            <a:pPr lvl="1"/>
-            <a:r>
-              <a:rPr lang="zh-CN" altLang="en-US" sz="2400" dirty="0" smtClean="0"/>
-              <a:t>使徒保罗就是一个极端的例子</a:t>
-            </a:r>
-            <a:endParaRPr lang="en-US" altLang="zh-CN" sz="2000" dirty="0">
-              <a:ea typeface="宋体" charset="-122"/>
-            </a:endParaRPr>
-          </a:p>
-        </p:txBody>
-      </p:sp>
-    </p:spTree>
-  </p:cSld>
-  <p:clrMapOvr>
-    <a:masterClrMapping/>
-  </p:clrMapOvr>
-  <mc:AlternateContent xmlns:mc="http://schemas.openxmlformats.org/markup-compatibility/2006">
-    <mc:Choice xmlns:p14="http://schemas.microsoft.com/office/powerpoint/2010/main" xmlns="" Requires="p14">
-      <p:transition p14:dur="10"/>
-    </mc:Choice>
-    <mc:Fallback>
-      <p:transition/>
-    </mc:Fallback>
-  </mc:AlternateContent>
-  <p:timing>
-    <p:tnLst>
-      <p:par>
-        <p:cTn id="1" dur="indefinite" restart="never" nodeType="tmRoot"/>
-      </p:par>
-    </p:tnLst>
-  </p:timing>
-</p:sld>
-</file>
-
-<file path=ppt/slides/slide3.xml><?xml version="1.0" encoding="utf-8"?>
-<p:sld xmlns:a="http://schemas.openxmlformats.org/drawingml/2006/main" xmlns:r="http://schemas.openxmlformats.org/officeDocument/2006/relationships" xmlns:p="http://schemas.openxmlformats.org/presentationml/2006/main">
-  <p:cSld>
-    <p:spTree>
-      <p:nvGrpSpPr>
-        <p:cNvPr id="1" name=""/>
-        <p:cNvGrpSpPr/>
-        <p:nvPr/>
-      </p:nvGrpSpPr>
-      <p:grpSpPr>
-        <a:xfrm>
-          <a:off x="0" y="0"/>
-          <a:ext cx="0" cy="0"/>
-          <a:chOff x="0" y="0"/>
-          <a:chExt cx="0" cy="0"/>
-        </a:xfrm>
-      </p:grpSpPr>
-      <p:sp>
-        <p:nvSpPr>
-          <p:cNvPr id="8194" name="Rectangle 2"/>
-          <p:cNvSpPr>
-            <a:spLocks noGrp="1" noChangeArrowheads="1"/>
-          </p:cNvSpPr>
-          <p:nvPr>
-            <p:ph type="title"/>
-          </p:nvPr>
-        </p:nvSpPr>
-        <p:spPr/>
-        <p:txBody>
-          <a:bodyPr/>
-          <a:lstStyle/>
-          <a:p>
-            <a:r>
-              <a:rPr lang="zh-CN" altLang="en-US" dirty="0">
-                <a:ea typeface="宋体" charset="-122"/>
-              </a:rPr>
-              <a:t>引言</a:t>
-            </a:r>
-            <a:endParaRPr lang="en-US" altLang="zh-CN" dirty="0">
-              <a:ea typeface="宋体" charset="-122"/>
-            </a:endParaRPr>
-          </a:p>
-        </p:txBody>
-      </p:sp>
-      <p:sp>
-        <p:nvSpPr>
-          <p:cNvPr id="8195" name="Rectangle 3"/>
-          <p:cNvSpPr>
-            <a:spLocks noGrp="1" noChangeArrowheads="1"/>
-          </p:cNvSpPr>
-          <p:nvPr>
-            <p:ph type="body" sz="half" idx="1"/>
-          </p:nvPr>
-        </p:nvSpPr>
-        <p:spPr>
-          <a:xfrm>
-            <a:off x="685800" y="1817688"/>
-            <a:ext cx="7467600" cy="4419624"/>
-          </a:xfrm>
-        </p:spPr>
-        <p:txBody>
-          <a:bodyPr/>
-          <a:lstStyle/>
-          <a:p>
-            <a:r>
-              <a:rPr lang="zh-CN" altLang="en-US" dirty="0" smtClean="0"/>
-              <a:t>历史背景</a:t>
-            </a:r>
-            <a:endParaRPr lang="en-US" altLang="zh-CN" dirty="0" smtClean="0"/>
-          </a:p>
-          <a:p>
-            <a:pPr lvl="1"/>
-            <a:r>
-              <a:rPr lang="zh-CN" altLang="en-US" sz="2400" dirty="0" smtClean="0"/>
-              <a:t>以色列是个特别看重传统的名族</a:t>
-            </a:r>
-            <a:endParaRPr lang="en-US" altLang="zh-CN" sz="2400" dirty="0" smtClean="0"/>
-          </a:p>
-          <a:p>
-            <a:pPr lvl="1"/>
-            <a:r>
-              <a:rPr lang="zh-CN" altLang="en-US" sz="2400" dirty="0" smtClean="0"/>
-              <a:t>曾有拉比比喻：</a:t>
-            </a:r>
-            <a:r>
-              <a:rPr lang="en-US" sz="2400" dirty="0" smtClean="0"/>
-              <a:t>“</a:t>
-            </a:r>
-            <a:r>
-              <a:rPr lang="zh-CN" altLang="en-US" sz="2400" dirty="0" smtClean="0"/>
-              <a:t>圣经是水，革马拉是酒，塔木德是加了风味的酒。</a:t>
-            </a:r>
-            <a:r>
-              <a:rPr lang="en-US" sz="2400" dirty="0" smtClean="0"/>
-              <a:t>”</a:t>
-            </a:r>
-            <a:endParaRPr lang="en-US" altLang="zh-CN" dirty="0" smtClean="0"/>
-          </a:p>
-          <a:p>
-            <a:r>
-              <a:rPr lang="zh-CN" altLang="en-US" dirty="0" smtClean="0"/>
-              <a:t>上下文</a:t>
-            </a:r>
-            <a:endParaRPr lang="en-US" altLang="zh-CN" dirty="0" smtClean="0"/>
-          </a:p>
-          <a:p>
-            <a:pPr lvl="1"/>
-            <a:r>
-              <a:rPr lang="zh-CN" altLang="en-US" sz="2400" dirty="0" smtClean="0"/>
-              <a:t>上文，保罗在问安语之后，就开始责备加拉太人那么快便离开那恩召他们的主，去附从“别的福音”。</a:t>
-            </a:r>
-            <a:endParaRPr lang="en-US" altLang="zh-CN" sz="2400" dirty="0" smtClean="0"/>
-          </a:p>
-          <a:p>
-            <a:pPr lvl="1"/>
-            <a:r>
-              <a:rPr lang="zh-CN" altLang="en-US" sz="2400" dirty="0" smtClean="0"/>
-              <a:t>接下来我们一起来查考第</a:t>
-            </a:r>
-            <a:r>
-              <a:rPr lang="en-US" sz="2400" dirty="0" smtClean="0"/>
-              <a:t>1</a:t>
-            </a:r>
-            <a:r>
-              <a:rPr lang="zh-CN" altLang="en-US" sz="2400" dirty="0" smtClean="0"/>
-              <a:t>章后半部分，在本段中，保罗为他自己作使徒之职权辩护。</a:t>
-            </a:r>
-            <a:endParaRPr lang="en-US" altLang="zh-CN" sz="2000" dirty="0">
-              <a:ea typeface="宋体" charset="-122"/>
-            </a:endParaRPr>
-          </a:p>
-        </p:txBody>
-      </p:sp>
-    </p:spTree>
-    <p:extLst>
-      <p:ext uri="{BB962C8B-B14F-4D97-AF65-F5344CB8AC3E}">
-        <p14:creationId xmlns:p14="http://schemas.microsoft.com/office/powerpoint/2010/main" xmlns="" val="2916621134"/>
-      </p:ext>
-    </p:extLst>
-  </p:cSld>
-  <p:clrMapOvr>
-    <a:masterClrMapping/>
-  </p:clrMapOvr>
-  <mc:AlternateContent xmlns:mc="http://schemas.openxmlformats.org/markup-compatibility/2006">
-    <mc:Choice xmlns:p14="http://schemas.microsoft.com/office/powerpoint/2010/main" xmlns="" Requires="p14">
-      <p:transition p14:dur="10"/>
-    </mc:Choice>
-    <mc:Fallback>
-      <p:transition/>
-    </mc:Fallback>
-  </mc:AlternateContent>
-  <p:timing>
-    <p:tnLst>
-      <p:par>
-        <p:cTn id="1" dur="indefinite" restart="never" nodeType="tmRoot"/>
-      </p:par>
-    </p:tnLst>
-  </p:timing>
-</p:sld>
-</file>
-
-<file path=ppt/slides/slide4.xml><?xml version="1.0" encoding="utf-8"?>
-<p:sld xmlns:a="http://schemas.openxmlformats.org/drawingml/2006/main" xmlns:r="http://schemas.openxmlformats.org/officeDocument/2006/relationships" xmlns:p="http://schemas.openxmlformats.org/presentationml/2006/main">
-  <p:cSld>
-    <p:spTree>
-      <p:nvGrpSpPr>
-        <p:cNvPr id="1" name=""/>
-        <p:cNvGrpSpPr/>
-        <p:nvPr/>
-      </p:nvGrpSpPr>
-      <p:grpSpPr>
-        <a:xfrm>
-          <a:off x="0" y="0"/>
-          <a:ext cx="0" cy="0"/>
-          <a:chOff x="0" y="0"/>
-          <a:chExt cx="0" cy="0"/>
-        </a:xfrm>
-      </p:grpSpPr>
-      <p:sp>
-        <p:nvSpPr>
-          <p:cNvPr id="8194" name="Rectangle 2"/>
-          <p:cNvSpPr>
-            <a:spLocks noGrp="1" noChangeArrowheads="1"/>
-          </p:cNvSpPr>
-          <p:nvPr>
-            <p:ph type="title"/>
-          </p:nvPr>
-        </p:nvSpPr>
-        <p:spPr>
-          <a:xfrm>
-            <a:off x="457200" y="238125"/>
-            <a:ext cx="7043758" cy="868363"/>
-          </a:xfrm>
-        </p:spPr>
-        <p:txBody>
-          <a:bodyPr/>
-          <a:lstStyle/>
-          <a:p>
-            <a:r>
-              <a:rPr lang="en-US" altLang="zh-CN" sz="3600" dirty="0" smtClean="0">
-                <a:ea typeface="宋体" charset="-122"/>
-              </a:rPr>
-              <a:t>1</a:t>
-            </a:r>
-            <a:r>
-              <a:rPr lang="en-US" altLang="zh-CN" sz="3600" dirty="0" smtClean="0">
-                <a:ea typeface="宋体" charset="-122"/>
-              </a:rPr>
-              <a:t>.</a:t>
-            </a:r>
-            <a:r>
-              <a:rPr lang="zh-CN" altLang="en-US" sz="3600" dirty="0" smtClean="0">
-                <a:ea typeface="宋体" charset="-122"/>
-              </a:rPr>
-              <a:t>改变的原因</a:t>
-            </a:r>
-            <a:r>
-              <a:rPr lang="en-US" altLang="zh-CN" sz="3600" dirty="0" smtClean="0">
-                <a:ea typeface="宋体" charset="-122"/>
-              </a:rPr>
-              <a:t>—</a:t>
-            </a:r>
-            <a:r>
-              <a:rPr lang="zh-CN" altLang="en-US" sz="3600" dirty="0" smtClean="0"/>
-              <a:t>领受</a:t>
-            </a:r>
-            <a:r>
-              <a:rPr lang="zh-CN" altLang="en-US" sz="3600" dirty="0" smtClean="0"/>
-              <a:t>启示</a:t>
-            </a:r>
-            <a:r>
-              <a:rPr lang="zh-CN" altLang="en-US" sz="3200" dirty="0" smtClean="0"/>
-              <a:t>（</a:t>
-            </a:r>
-            <a:r>
-              <a:rPr lang="en-US" sz="3200" dirty="0" smtClean="0"/>
-              <a:t>11</a:t>
-            </a:r>
-            <a:r>
-              <a:rPr lang="en-US" altLang="zh-CN" sz="3200" dirty="0" smtClean="0"/>
-              <a:t>-</a:t>
-            </a:r>
-            <a:r>
-              <a:rPr lang="en-US" sz="3200" dirty="0" smtClean="0"/>
-              <a:t>12</a:t>
-            </a:r>
-            <a:r>
-              <a:rPr lang="zh-CN" altLang="en-US" sz="3200" dirty="0" smtClean="0"/>
-              <a:t>）</a:t>
-            </a:r>
-            <a:r>
-              <a:rPr lang="zh-CN" altLang="en-US" sz="2800" dirty="0" smtClean="0">
-                <a:ea typeface="宋体" charset="-122"/>
-              </a:rPr>
-              <a:t> </a:t>
-            </a:r>
-            <a:endParaRPr lang="en-US" altLang="zh-CN" sz="4000" dirty="0">
-              <a:ea typeface="宋体" charset="-122"/>
-            </a:endParaRPr>
-          </a:p>
-        </p:txBody>
-      </p:sp>
-      <p:sp>
-        <p:nvSpPr>
-          <p:cNvPr id="8195" name="Rectangle 3"/>
-          <p:cNvSpPr>
-            <a:spLocks noGrp="1" noChangeArrowheads="1"/>
-          </p:cNvSpPr>
-          <p:nvPr>
-            <p:ph type="body" sz="half" idx="1"/>
-          </p:nvPr>
-        </p:nvSpPr>
-        <p:spPr>
-          <a:xfrm>
-            <a:off x="685800" y="1285860"/>
-            <a:ext cx="7467600" cy="5072098"/>
-          </a:xfrm>
-        </p:spPr>
-        <p:txBody>
-          <a:bodyPr/>
-          <a:lstStyle/>
-          <a:p>
-            <a:pPr>
-              <a:buNone/>
-            </a:pPr>
-            <a:r>
-              <a:rPr lang="en-US" altLang="zh-CN" sz="2800" dirty="0" smtClean="0">
-                <a:solidFill>
-                  <a:srgbClr val="FF0000"/>
-                </a:solidFill>
-              </a:rPr>
-              <a:t>11</a:t>
-            </a:r>
-            <a:r>
-              <a:rPr lang="zh-CN" altLang="en-US" sz="2800" dirty="0" smtClean="0">
-                <a:solidFill>
-                  <a:srgbClr val="FF0000"/>
-                </a:solidFill>
-              </a:rPr>
-              <a:t>弟兄们，我告诉你们，我素来所传的福音，不是出于</a:t>
-            </a:r>
-            <a:r>
-              <a:rPr lang="zh-CN" altLang="en-US" sz="2800" dirty="0" smtClean="0"/>
-              <a:t>人的意思</a:t>
-            </a:r>
-            <a:r>
-              <a:rPr lang="zh-CN" altLang="en-US" sz="2800" dirty="0" smtClean="0">
-                <a:solidFill>
-                  <a:srgbClr val="FF0000"/>
-                </a:solidFill>
-              </a:rPr>
-              <a:t>。</a:t>
-            </a:r>
-            <a:endParaRPr lang="en-US" altLang="zh-CN" dirty="0" smtClean="0">
-              <a:solidFill>
-                <a:srgbClr val="FF0000"/>
-              </a:solidFill>
-            </a:endParaRPr>
-          </a:p>
-          <a:p>
-            <a:r>
-              <a:rPr lang="en-US" altLang="zh-CN" dirty="0" smtClean="0"/>
-              <a:t>1.1.</a:t>
-            </a:r>
-            <a:r>
-              <a:rPr lang="zh-CN" altLang="en-US" dirty="0" smtClean="0"/>
-              <a:t>人的意思（</a:t>
-            </a:r>
-            <a:r>
-              <a:rPr lang="en-US" altLang="zh-CN" dirty="0" smtClean="0"/>
-              <a:t>v11</a:t>
-            </a:r>
-            <a:r>
-              <a:rPr lang="zh-CN" altLang="en-US" dirty="0" smtClean="0"/>
-              <a:t>）  </a:t>
-            </a:r>
-            <a:endParaRPr lang="en-US" altLang="zh-CN" dirty="0" smtClean="0"/>
-          </a:p>
-          <a:p>
-            <a:pPr lvl="1"/>
-            <a:r>
-              <a:rPr lang="en-US" altLang="zh-CN" dirty="0" smtClean="0"/>
-              <a:t>a</a:t>
-            </a:r>
-            <a:r>
-              <a:rPr lang="zh-CN" altLang="en-US" dirty="0" smtClean="0"/>
-              <a:t>）“不是出于人的意思”</a:t>
-            </a:r>
-            <a:endParaRPr lang="en-US" altLang="zh-CN" sz="2000" dirty="0" smtClean="0"/>
-          </a:p>
-          <a:p>
-            <a:pPr lvl="2"/>
-            <a:r>
-              <a:rPr lang="zh-CN" altLang="en-US" dirty="0" smtClean="0"/>
-              <a:t>就是不属于人的一种道理，既不是出于人的授意或附从人的主张，也不是从人间的各种哲理或学说中领悟出来的一种新道理。</a:t>
-            </a:r>
-            <a:endParaRPr lang="en-US" altLang="zh-CN" dirty="0" smtClean="0"/>
-          </a:p>
-          <a:p>
-            <a:pPr lvl="2"/>
-            <a:r>
-              <a:rPr lang="zh-CN" altLang="en-US" dirty="0" smtClean="0"/>
-              <a:t>他慎重地声明</a:t>
-            </a:r>
-            <a:r>
-              <a:rPr lang="en-US" altLang="zh-CN" dirty="0" smtClean="0"/>
-              <a:t>︰</a:t>
-            </a:r>
-            <a:r>
-              <a:rPr lang="zh-CN" altLang="en-US" dirty="0" smtClean="0"/>
-              <a:t>他所传的福音，与他过去所受的教育，和宗教方面的栽培无关。乃是从神另外领受的一项“新道” 。</a:t>
-            </a:r>
-            <a:endParaRPr lang="en-US" altLang="zh-CN" dirty="0" smtClean="0"/>
-          </a:p>
-        </p:txBody>
-      </p:sp>
-    </p:spTree>
-    <p:extLst>
-      <p:ext uri="{BB962C8B-B14F-4D97-AF65-F5344CB8AC3E}">
-        <p14:creationId xmlns:p14="http://schemas.microsoft.com/office/powerpoint/2010/main" xmlns="" val="602482599"/>
-      </p:ext>
-    </p:extLst>
-  </p:cSld>
-  <p:clrMapOvr>
-    <a:masterClrMapping/>
-  </p:clrMapOvr>
-  <mc:AlternateContent xmlns:mc="http://schemas.openxmlformats.org/markup-compatibility/2006">
-    <mc:Choice xmlns:p14="http://schemas.microsoft.com/office/powerpoint/2010/main" xmlns="" Requires="p14">
-      <p:transition p14:dur="10"/>
-    </mc:Choice>
-    <mc:Fallback>
-      <p:transition/>
-    </mc:Fallback>
-  </mc:AlternateContent>
-  <p:timing>
-    <p:tnLst>
-      <p:par>
-        <p:cTn id="1" dur="indefinite" restart="never" nodeType="tmRoot"/>
-      </p:par>
-    </p:tnLst>
-  </p:timing>
-</p:sld>
-</file>
-
-<file path=ppt/slides/slide5.xml><?xml version="1.0" encoding="utf-8"?>
-<p:sld xmlns:a="http://schemas.openxmlformats.org/drawingml/2006/main" xmlns:r="http://schemas.openxmlformats.org/officeDocument/2006/relationships" xmlns:p="http://schemas.openxmlformats.org/presentationml/2006/main">
-  <p:cSld>
-    <p:spTree>
-      <p:nvGrpSpPr>
-        <p:cNvPr id="1" name=""/>
-        <p:cNvGrpSpPr/>
-        <p:nvPr/>
-      </p:nvGrpSpPr>
-      <p:grpSpPr>
-        <a:xfrm>
-          <a:off x="0" y="0"/>
-          <a:ext cx="0" cy="0"/>
-          <a:chOff x="0" y="0"/>
-          <a:chExt cx="0" cy="0"/>
-        </a:xfrm>
-      </p:grpSpPr>
-      <p:sp>
-        <p:nvSpPr>
-          <p:cNvPr id="8194" name="Rectangle 2"/>
-          <p:cNvSpPr>
-            <a:spLocks noGrp="1" noChangeArrowheads="1"/>
-          </p:cNvSpPr>
-          <p:nvPr>
-            <p:ph type="title"/>
-          </p:nvPr>
-        </p:nvSpPr>
-        <p:spPr>
-          <a:xfrm>
-            <a:off x="457200" y="238125"/>
-            <a:ext cx="7043758" cy="868363"/>
-          </a:xfrm>
-        </p:spPr>
-        <p:txBody>
-          <a:bodyPr/>
-          <a:lstStyle/>
-          <a:p>
-            <a:r>
-              <a:rPr lang="en-US" altLang="zh-CN" sz="3600" dirty="0" smtClean="0">
-                <a:ea typeface="宋体" charset="-122"/>
-              </a:rPr>
-              <a:t>1</a:t>
-            </a:r>
-            <a:r>
-              <a:rPr lang="en-US" altLang="zh-CN" sz="3600" dirty="0" smtClean="0">
-                <a:ea typeface="宋体" charset="-122"/>
-              </a:rPr>
-              <a:t>.</a:t>
-            </a:r>
-            <a:r>
-              <a:rPr lang="zh-CN" altLang="en-US" sz="3600" dirty="0" smtClean="0">
-                <a:ea typeface="宋体" charset="-122"/>
-              </a:rPr>
-              <a:t>改变的原因</a:t>
-            </a:r>
-            <a:r>
-              <a:rPr lang="en-US" altLang="zh-CN" sz="3600" dirty="0" smtClean="0">
-                <a:ea typeface="宋体" charset="-122"/>
-              </a:rPr>
-              <a:t>—</a:t>
-            </a:r>
-            <a:r>
-              <a:rPr lang="zh-CN" altLang="en-US" sz="3600" dirty="0" smtClean="0"/>
-              <a:t>领受</a:t>
-            </a:r>
-            <a:r>
-              <a:rPr lang="zh-CN" altLang="en-US" sz="3600" dirty="0" smtClean="0"/>
-              <a:t>启示</a:t>
-            </a:r>
-            <a:r>
-              <a:rPr lang="zh-CN" altLang="en-US" sz="3200" dirty="0" smtClean="0"/>
-              <a:t>（</a:t>
-            </a:r>
-            <a:r>
-              <a:rPr lang="en-US" sz="3200" dirty="0" smtClean="0"/>
-              <a:t>11</a:t>
-            </a:r>
-            <a:r>
-              <a:rPr lang="en-US" altLang="zh-CN" sz="3200" dirty="0" smtClean="0"/>
-              <a:t>-</a:t>
-            </a:r>
-            <a:r>
-              <a:rPr lang="en-US" sz="3200" dirty="0" smtClean="0"/>
-              <a:t>12</a:t>
-            </a:r>
-            <a:r>
-              <a:rPr lang="zh-CN" altLang="en-US" sz="3200" dirty="0" smtClean="0"/>
-              <a:t>）</a:t>
-            </a:r>
-            <a:r>
-              <a:rPr lang="zh-CN" altLang="en-US" sz="2800" dirty="0" smtClean="0">
-                <a:ea typeface="宋体" charset="-122"/>
-              </a:rPr>
-              <a:t> </a:t>
-            </a:r>
-            <a:endParaRPr lang="en-US" altLang="zh-CN" sz="4000" dirty="0">
-              <a:ea typeface="宋体" charset="-122"/>
-            </a:endParaRPr>
-          </a:p>
-        </p:txBody>
-      </p:sp>
-      <p:sp>
-        <p:nvSpPr>
-          <p:cNvPr id="8195" name="Rectangle 3"/>
-          <p:cNvSpPr>
-            <a:spLocks noGrp="1" noChangeArrowheads="1"/>
-          </p:cNvSpPr>
-          <p:nvPr>
-            <p:ph type="body" sz="half" idx="1"/>
-          </p:nvPr>
-        </p:nvSpPr>
-        <p:spPr>
-          <a:xfrm>
-            <a:off x="685800" y="1285860"/>
-            <a:ext cx="7467600" cy="5072098"/>
-          </a:xfrm>
-        </p:spPr>
-        <p:txBody>
-          <a:bodyPr/>
-          <a:lstStyle/>
-          <a:p>
-            <a:pPr>
-              <a:buNone/>
-            </a:pPr>
-            <a:r>
-              <a:rPr lang="en-US" altLang="zh-CN" sz="2800" dirty="0" smtClean="0">
-                <a:solidFill>
-                  <a:srgbClr val="FF0000"/>
-                </a:solidFill>
-              </a:rPr>
-              <a:t>12</a:t>
-            </a:r>
-            <a:r>
-              <a:rPr lang="zh-CN" altLang="en-US" sz="2800" dirty="0" smtClean="0">
-                <a:solidFill>
-                  <a:srgbClr val="FF0000"/>
-                </a:solidFill>
-              </a:rPr>
-              <a:t>因为我不是从人领受的，也不是人教导我的，乃是从耶稣基督</a:t>
-            </a:r>
-            <a:r>
-              <a:rPr lang="zh-CN" altLang="en-US" sz="2800" dirty="0" smtClean="0"/>
-              <a:t>启示</a:t>
-            </a:r>
-            <a:r>
-              <a:rPr lang="zh-CN" altLang="en-US" sz="2800" dirty="0" smtClean="0">
-                <a:solidFill>
-                  <a:srgbClr val="FF0000"/>
-                </a:solidFill>
-              </a:rPr>
-              <a:t>来的。</a:t>
-            </a:r>
-          </a:p>
-          <a:p>
-            <a:r>
-              <a:rPr lang="en-US" altLang="zh-CN" dirty="0" smtClean="0"/>
-              <a:t>1.2.</a:t>
-            </a:r>
-            <a:r>
-              <a:rPr lang="zh-CN" altLang="en-US" dirty="0" smtClean="0"/>
-              <a:t>神的启示（</a:t>
-            </a:r>
-            <a:r>
-              <a:rPr lang="en-US" dirty="0" smtClean="0"/>
-              <a:t>v12</a:t>
-            </a:r>
-            <a:r>
-              <a:rPr lang="zh-CN" altLang="en-US" dirty="0" smtClean="0"/>
-              <a:t>） </a:t>
-            </a:r>
-            <a:endParaRPr lang="en-US" altLang="zh-CN" dirty="0" smtClean="0"/>
-          </a:p>
-          <a:p>
-            <a:pPr lvl="1"/>
-            <a:r>
-              <a:rPr lang="en-US" altLang="zh-CN" dirty="0" smtClean="0"/>
-              <a:t>a</a:t>
-            </a:r>
-            <a:r>
-              <a:rPr lang="zh-CN" altLang="en-US" dirty="0" smtClean="0"/>
-              <a:t>）保罗受启示的经历</a:t>
-            </a:r>
-            <a:endParaRPr lang="en-US" altLang="zh-CN" sz="2000" dirty="0" smtClean="0"/>
-          </a:p>
-          <a:p>
-            <a:pPr lvl="2"/>
-            <a:r>
-              <a:rPr lang="en-US" altLang="zh-CN" sz="2000" dirty="0" smtClean="0">
-                <a:solidFill>
-                  <a:srgbClr val="FF0000"/>
-                </a:solidFill>
-              </a:rPr>
-              <a:t>[</a:t>
-            </a:r>
-            <a:r>
-              <a:rPr lang="zh-CN" altLang="en-US" sz="2000" dirty="0" smtClean="0">
-                <a:solidFill>
-                  <a:srgbClr val="FF0000"/>
-                </a:solidFill>
-              </a:rPr>
-              <a:t>林后</a:t>
-            </a:r>
-            <a:r>
-              <a:rPr lang="en-US" altLang="zh-CN" sz="2000" dirty="0" smtClean="0">
-                <a:solidFill>
-                  <a:srgbClr val="FF0000"/>
-                </a:solidFill>
-              </a:rPr>
-              <a:t>12:2] </a:t>
-            </a:r>
-            <a:r>
-              <a:rPr lang="zh-CN" altLang="en-US" sz="2000" dirty="0" smtClean="0">
-                <a:solidFill>
-                  <a:srgbClr val="FF0000"/>
-                </a:solidFill>
-              </a:rPr>
-              <a:t>我认得一个在基督里的人，他前十四年被提到第三层天上去。</a:t>
-            </a:r>
-            <a:endParaRPr lang="en-US" altLang="zh-CN" sz="2000" dirty="0" smtClean="0">
-              <a:solidFill>
-                <a:srgbClr val="FF0000"/>
-              </a:solidFill>
-            </a:endParaRPr>
-          </a:p>
-          <a:p>
-            <a:pPr lvl="2"/>
-            <a:r>
-              <a:rPr lang="zh-CN" altLang="en-US" sz="2000" dirty="0" smtClean="0"/>
-              <a:t>蒙召后不久，曾有一段时间（约三年）到阿拉伯去。这三年中他得着了什么启示，或如何受神造就，是我们所不能测透的。</a:t>
-            </a:r>
-            <a:endParaRPr lang="en-US" altLang="zh-CN" sz="2000" dirty="0" smtClean="0"/>
-          </a:p>
-          <a:p>
-            <a:pPr lvl="2"/>
-            <a:r>
-              <a:rPr lang="en-US" altLang="zh-CN" sz="2000" dirty="0" smtClean="0">
-                <a:solidFill>
-                  <a:srgbClr val="FF0000"/>
-                </a:solidFill>
-              </a:rPr>
-              <a:t>[</a:t>
-            </a:r>
-            <a:r>
-              <a:rPr lang="zh-CN" altLang="en-US" sz="2000" dirty="0" smtClean="0">
-                <a:solidFill>
-                  <a:srgbClr val="FF0000"/>
-                </a:solidFill>
-              </a:rPr>
-              <a:t>弗</a:t>
-            </a:r>
-            <a:r>
-              <a:rPr lang="en-US" altLang="zh-CN" sz="2000" dirty="0" smtClean="0">
-                <a:solidFill>
-                  <a:srgbClr val="FF0000"/>
-                </a:solidFill>
-              </a:rPr>
-              <a:t>3:4] </a:t>
-            </a:r>
-            <a:r>
-              <a:rPr lang="zh-CN" altLang="en-US" sz="2000" dirty="0" smtClean="0">
-                <a:solidFill>
-                  <a:srgbClr val="FF0000"/>
-                </a:solidFill>
-              </a:rPr>
-              <a:t>用启示使我知道福音的奥秘，正如我以前略略写过的。</a:t>
-            </a:r>
-            <a:endParaRPr lang="en-US" altLang="zh-CN" sz="2000" dirty="0" smtClean="0">
-              <a:solidFill>
-                <a:srgbClr val="FF0000"/>
-              </a:solidFill>
-            </a:endParaRPr>
-          </a:p>
-          <a:p>
-            <a:pPr lvl="2"/>
-            <a:r>
-              <a:rPr lang="zh-CN" altLang="en-US" sz="2000" dirty="0" smtClean="0"/>
-              <a:t>外邦人得以在基督借着福音（不是藉割礼）得与犹太人（犹太信徒）同归于一</a:t>
-            </a:r>
-            <a:endParaRPr lang="en-US" altLang="zh-CN" dirty="0" smtClean="0"/>
-          </a:p>
-        </p:txBody>
-      </p:sp>
-    </p:spTree>
-    <p:extLst>
-      <p:ext uri="{BB962C8B-B14F-4D97-AF65-F5344CB8AC3E}">
-        <p14:creationId xmlns:p14="http://schemas.microsoft.com/office/powerpoint/2010/main" xmlns="" val="602482599"/>
-      </p:ext>
-    </p:extLst>
-  </p:cSld>
-  <p:clrMapOvr>
-    <a:masterClrMapping/>
-  </p:clrMapOvr>
-  <mc:AlternateContent xmlns:mc="http://schemas.openxmlformats.org/markup-compatibility/2006">
-    <mc:Choice xmlns:p14="http://schemas.microsoft.com/office/powerpoint/2010/main" xmlns="" Requires="p14">
-      <p:transition p14:dur="10"/>
-    </mc:Choice>
-    <mc:Fallback>
-      <p:transition/>
-    </mc:Fallback>
-  </mc:AlternateContent>
-  <p:timing>
-    <p:tnLst>
-      <p:par>
-        <p:cTn id="1" dur="indefinite" restart="never" nodeType="tmRoot"/>
-      </p:par>
-    </p:tnLst>
-  </p:timing>
-</p:sld>
-</file>
-
-<file path=ppt/slides/slide6.xml><?xml version="1.0" encoding="utf-8"?>
-<p:sld xmlns:a="http://schemas.openxmlformats.org/drawingml/2006/main" xmlns:r="http://schemas.openxmlformats.org/officeDocument/2006/relationships" xmlns:p="http://schemas.openxmlformats.org/presentationml/2006/main">
-  <p:cSld>
-    <p:spTree>
-      <p:nvGrpSpPr>
-        <p:cNvPr id="1" name=""/>
-        <p:cNvGrpSpPr/>
-        <p:nvPr/>
-      </p:nvGrpSpPr>
-      <p:grpSpPr>
-        <a:xfrm>
-          <a:off x="0" y="0"/>
-          <a:ext cx="0" cy="0"/>
-          <a:chOff x="0" y="0"/>
-          <a:chExt cx="0" cy="0"/>
-        </a:xfrm>
-      </p:grpSpPr>
-      <p:sp>
-        <p:nvSpPr>
-          <p:cNvPr id="8194" name="Rectangle 2"/>
-          <p:cNvSpPr>
-            <a:spLocks noGrp="1" noChangeArrowheads="1"/>
-          </p:cNvSpPr>
-          <p:nvPr>
-            <p:ph type="title"/>
-          </p:nvPr>
-        </p:nvSpPr>
-        <p:spPr>
-          <a:xfrm>
-            <a:off x="457200" y="238125"/>
-            <a:ext cx="7043758" cy="868363"/>
-          </a:xfrm>
-        </p:spPr>
-        <p:txBody>
-          <a:bodyPr/>
-          <a:lstStyle/>
-          <a:p>
-            <a:r>
-              <a:rPr lang="en-US" altLang="zh-CN" sz="3600" dirty="0" smtClean="0">
-                <a:ea typeface="宋体" charset="-122"/>
-              </a:rPr>
-              <a:t>1</a:t>
-            </a:r>
-            <a:r>
-              <a:rPr lang="en-US" altLang="zh-CN" sz="3600" dirty="0" smtClean="0">
-                <a:ea typeface="宋体" charset="-122"/>
-              </a:rPr>
-              <a:t>.</a:t>
-            </a:r>
-            <a:r>
-              <a:rPr lang="zh-CN" altLang="en-US" sz="3600" dirty="0" smtClean="0">
-                <a:ea typeface="宋体" charset="-122"/>
-              </a:rPr>
-              <a:t>改变的原因</a:t>
-            </a:r>
-            <a:r>
-              <a:rPr lang="en-US" altLang="zh-CN" sz="3600" dirty="0" smtClean="0">
-                <a:ea typeface="宋体" charset="-122"/>
-              </a:rPr>
-              <a:t>—</a:t>
-            </a:r>
-            <a:r>
-              <a:rPr lang="zh-CN" altLang="en-US" sz="3600" dirty="0" smtClean="0"/>
-              <a:t>领受</a:t>
-            </a:r>
-            <a:r>
-              <a:rPr lang="zh-CN" altLang="en-US" sz="3600" dirty="0" smtClean="0"/>
-              <a:t>启示</a:t>
-            </a:r>
-            <a:r>
-              <a:rPr lang="zh-CN" altLang="en-US" sz="3200" dirty="0" smtClean="0"/>
-              <a:t>（</a:t>
-            </a:r>
-            <a:r>
-              <a:rPr lang="en-US" sz="3200" dirty="0" smtClean="0"/>
-              <a:t>11</a:t>
-            </a:r>
-            <a:r>
-              <a:rPr lang="en-US" altLang="zh-CN" sz="3200" dirty="0" smtClean="0"/>
-              <a:t>-</a:t>
-            </a:r>
-            <a:r>
-              <a:rPr lang="en-US" sz="3200" dirty="0" smtClean="0"/>
-              <a:t>12</a:t>
-            </a:r>
-            <a:r>
-              <a:rPr lang="zh-CN" altLang="en-US" sz="3200" dirty="0" smtClean="0"/>
-              <a:t>）</a:t>
-            </a:r>
-            <a:r>
-              <a:rPr lang="zh-CN" altLang="en-US" sz="2800" dirty="0" smtClean="0">
-                <a:ea typeface="宋体" charset="-122"/>
-              </a:rPr>
-              <a:t> </a:t>
-            </a:r>
-            <a:endParaRPr lang="en-US" altLang="zh-CN" sz="4000" dirty="0">
-              <a:ea typeface="宋体" charset="-122"/>
-            </a:endParaRPr>
-          </a:p>
-        </p:txBody>
-      </p:sp>
-      <p:sp>
-        <p:nvSpPr>
-          <p:cNvPr id="8195" name="Rectangle 3"/>
-          <p:cNvSpPr>
-            <a:spLocks noGrp="1" noChangeArrowheads="1"/>
-          </p:cNvSpPr>
-          <p:nvPr>
-            <p:ph type="body" sz="half" idx="1"/>
-          </p:nvPr>
-        </p:nvSpPr>
-        <p:spPr>
-          <a:xfrm>
-            <a:off x="685800" y="1285860"/>
-            <a:ext cx="7467600" cy="5072098"/>
-          </a:xfrm>
-        </p:spPr>
-        <p:txBody>
-          <a:bodyPr/>
-          <a:lstStyle/>
-          <a:p>
-            <a:pPr>
-              <a:buNone/>
-            </a:pPr>
-            <a:r>
-              <a:rPr lang="en-US" altLang="zh-CN" sz="2800" dirty="0" smtClean="0">
-                <a:solidFill>
-                  <a:srgbClr val="FF0000"/>
-                </a:solidFill>
-              </a:rPr>
-              <a:t>12</a:t>
-            </a:r>
-            <a:r>
-              <a:rPr lang="zh-CN" altLang="en-US" sz="2800" dirty="0" smtClean="0">
-                <a:solidFill>
-                  <a:srgbClr val="FF0000"/>
-                </a:solidFill>
-              </a:rPr>
-              <a:t>因为我不是从人领受的，也不是人教导我的，乃是从耶稣基督</a:t>
-            </a:r>
-            <a:r>
-              <a:rPr lang="zh-CN" altLang="en-US" sz="2800" dirty="0" smtClean="0"/>
-              <a:t>启示</a:t>
-            </a:r>
-            <a:r>
-              <a:rPr lang="zh-CN" altLang="en-US" sz="2800" dirty="0" smtClean="0">
-                <a:solidFill>
-                  <a:srgbClr val="FF0000"/>
-                </a:solidFill>
-              </a:rPr>
-              <a:t>来的。</a:t>
-            </a:r>
-          </a:p>
-          <a:p>
-            <a:r>
-              <a:rPr lang="en-US" altLang="zh-CN" dirty="0" smtClean="0"/>
-              <a:t>1.2.</a:t>
-            </a:r>
-            <a:r>
-              <a:rPr lang="zh-CN" altLang="en-US" dirty="0" smtClean="0"/>
-              <a:t>神的启示（</a:t>
-            </a:r>
-            <a:r>
-              <a:rPr lang="en-US" dirty="0" smtClean="0"/>
-              <a:t>v12</a:t>
-            </a:r>
-            <a:r>
-              <a:rPr lang="zh-CN" altLang="en-US" dirty="0" smtClean="0"/>
-              <a:t>） </a:t>
-            </a:r>
-            <a:endParaRPr lang="en-US" altLang="zh-CN" dirty="0" smtClean="0"/>
-          </a:p>
-          <a:p>
-            <a:pPr lvl="1"/>
-            <a:r>
-              <a:rPr lang="en-US" altLang="zh-CN" sz="2400" dirty="0" smtClean="0"/>
-              <a:t>Q1. </a:t>
-            </a:r>
-            <a:r>
-              <a:rPr lang="zh-CN" altLang="en-US" sz="2400" dirty="0" smtClean="0"/>
-              <a:t>经文中提到接受福音有哪几种渠道？保罗与你分别属于哪一种？</a:t>
-            </a:r>
-            <a:r>
-              <a:rPr lang="zh-CN" altLang="en-US" sz="2400" dirty="0" smtClean="0"/>
-              <a:t>你如何理解“启示”一词？</a:t>
-            </a:r>
-            <a:endParaRPr lang="en-US" altLang="zh-CN" sz="2400" dirty="0" smtClean="0"/>
-          </a:p>
-          <a:p>
-            <a:pPr lvl="2"/>
-            <a:r>
-              <a:rPr lang="zh-CN" altLang="en-US" sz="2000" dirty="0" smtClean="0"/>
-              <a:t>两种渠道：通过人的教导，直接被神启示。保罗没有人教导，直接由神启示他；提摩太在真道上所受的栽培是从保罗那里听到的，可见提摩太是被人教导的，我们听到的福音也是从一代一代信仰前辈传承而来</a:t>
-            </a:r>
-            <a:r>
-              <a:rPr lang="zh-CN" altLang="en-US" sz="2000" dirty="0" smtClean="0"/>
-              <a:t>的。</a:t>
-            </a:r>
-            <a:endParaRPr lang="en-US" altLang="zh-CN" sz="2000" dirty="0" smtClean="0"/>
-          </a:p>
-          <a:p>
-            <a:pPr lvl="2"/>
-            <a:r>
-              <a:rPr lang="zh-CN" altLang="en-US" sz="2000" dirty="0" smtClean="0"/>
-              <a:t>保罗的启示是直接从神而来，有些信徒在生活、工作、行事之中，应用这项原则“直接听从神的指引，不听人的意见”时，却要小心谨慎，</a:t>
-            </a:r>
-            <a:r>
-              <a:rPr lang="en-US" altLang="zh-CN" sz="2000" dirty="0" smtClean="0"/>
-              <a:t>4</a:t>
-            </a:r>
-            <a:r>
-              <a:rPr lang="zh-CN" altLang="en-US" sz="2000" dirty="0" smtClean="0"/>
-              <a:t>点原因。</a:t>
-            </a:r>
-            <a:endParaRPr lang="en-US" altLang="zh-CN" dirty="0" smtClean="0"/>
-          </a:p>
-        </p:txBody>
-      </p:sp>
-    </p:spTree>
-    <p:extLst>
-      <p:ext uri="{BB962C8B-B14F-4D97-AF65-F5344CB8AC3E}">
-        <p14:creationId xmlns:p14="http://schemas.microsoft.com/office/powerpoint/2010/main" xmlns="" val="602482599"/>
-      </p:ext>
-    </p:extLst>
-  </p:cSld>
-  <p:clrMapOvr>
-    <a:masterClrMapping/>
-  </p:clrMapOvr>
-  <mc:AlternateContent xmlns:mc="http://schemas.openxmlformats.org/markup-compatibility/2006">
-    <mc:Choice xmlns:p14="http://schemas.microsoft.com/office/powerpoint/2010/main" xmlns="" Requires="p14">
-      <p:transition p14:dur="10"/>
-    </mc:Choice>
-    <mc:Fallback>
-      <p:transition/>
-    </mc:Fallback>
-  </mc:AlternateContent>
-  <p:timing>
-    <p:tnLst>
-      <p:par>
-        <p:cTn id="1" dur="indefinite" restart="never" nodeType="tmRoot"/>
-      </p:par>
-    </p:tnLst>
-  </p:timing>
-</p:sld>
-</file>
-
-<file path=ppt/slides/slide7.xml><?xml version="1.0" encoding="utf-8"?>
-<p:sld xmlns:a="http://schemas.openxmlformats.org/drawingml/2006/main" xmlns:r="http://schemas.openxmlformats.org/officeDocument/2006/relationships" xmlns:p="http://schemas.openxmlformats.org/presentationml/2006/main">
-  <p:cSld>
-    <p:spTree>
-      <p:nvGrpSpPr>
-        <p:cNvPr id="1" name=""/>
-        <p:cNvGrpSpPr/>
-        <p:nvPr/>
-      </p:nvGrpSpPr>
-      <p:grpSpPr>
-        <a:xfrm>
-          <a:off x="0" y="0"/>
-          <a:ext cx="0" cy="0"/>
-          <a:chOff x="0" y="0"/>
-          <a:chExt cx="0" cy="0"/>
-        </a:xfrm>
-      </p:grpSpPr>
-      <p:sp>
-        <p:nvSpPr>
-          <p:cNvPr id="8194" name="Rectangle 2"/>
-          <p:cNvSpPr>
-            <a:spLocks noGrp="1" noChangeArrowheads="1"/>
-          </p:cNvSpPr>
-          <p:nvPr>
-            <p:ph type="title"/>
-          </p:nvPr>
-        </p:nvSpPr>
-        <p:spPr>
-          <a:xfrm>
-            <a:off x="457200" y="238125"/>
-            <a:ext cx="7043758" cy="868363"/>
-          </a:xfrm>
-        </p:spPr>
-        <p:txBody>
-          <a:bodyPr/>
-          <a:lstStyle/>
-          <a:p>
-            <a:pPr lvl="0"/>
-            <a:r>
-              <a:rPr lang="en-US" altLang="zh-CN" sz="3600" dirty="0" smtClean="0">
-                <a:ea typeface="宋体" charset="-122"/>
-              </a:rPr>
-              <a:t>2</a:t>
-            </a:r>
-            <a:r>
-              <a:rPr lang="en-US" altLang="zh-CN" sz="3600" dirty="0" smtClean="0">
-                <a:ea typeface="宋体" charset="-122"/>
-              </a:rPr>
-              <a:t>.</a:t>
-            </a:r>
-            <a:r>
-              <a:rPr lang="zh-CN" altLang="en-US" sz="3600" dirty="0" smtClean="0">
-                <a:ea typeface="宋体" charset="-122"/>
-              </a:rPr>
-              <a:t>改变前</a:t>
-            </a:r>
-            <a:r>
-              <a:rPr lang="en-US" altLang="zh-CN" sz="3600" dirty="0" smtClean="0">
-                <a:ea typeface="宋体" charset="-122"/>
-              </a:rPr>
-              <a:t>—</a:t>
-            </a:r>
-            <a:r>
-              <a:rPr lang="zh-CN" altLang="en-US" sz="3600" dirty="0" smtClean="0"/>
-              <a:t>醉</a:t>
-            </a:r>
-            <a:r>
-              <a:rPr lang="zh-CN" altLang="en-US" sz="3600" dirty="0" smtClean="0"/>
-              <a:t>心律法传统</a:t>
-            </a:r>
-            <a:r>
-              <a:rPr lang="zh-CN" altLang="en-US" sz="3200" dirty="0" smtClean="0"/>
-              <a:t>（</a:t>
-            </a:r>
-            <a:r>
-              <a:rPr lang="en-US" sz="3200" dirty="0" smtClean="0"/>
-              <a:t>13</a:t>
-            </a:r>
-            <a:r>
-              <a:rPr lang="en-US" altLang="zh-CN" sz="3200" dirty="0" smtClean="0"/>
-              <a:t>-</a:t>
-            </a:r>
-            <a:r>
-              <a:rPr lang="en-US" sz="3200" dirty="0" smtClean="0"/>
-              <a:t>14</a:t>
-            </a:r>
-            <a:r>
-              <a:rPr lang="zh-CN" altLang="en-US" sz="3200" dirty="0" smtClean="0"/>
-              <a:t>）</a:t>
-            </a:r>
-            <a:endParaRPr lang="en-US" altLang="zh-CN" sz="3600" dirty="0">
-              <a:ea typeface="宋体" charset="-122"/>
-            </a:endParaRPr>
-          </a:p>
-        </p:txBody>
-      </p:sp>
-      <p:sp>
-        <p:nvSpPr>
-          <p:cNvPr id="8195" name="Rectangle 3"/>
-          <p:cNvSpPr>
-            <a:spLocks noGrp="1" noChangeArrowheads="1"/>
-          </p:cNvSpPr>
-          <p:nvPr>
-            <p:ph type="body" sz="half" idx="1"/>
-          </p:nvPr>
-        </p:nvSpPr>
-        <p:spPr>
-          <a:xfrm>
-            <a:off x="685800" y="1285860"/>
-            <a:ext cx="7467600" cy="5072098"/>
-          </a:xfrm>
-        </p:spPr>
-        <p:txBody>
-          <a:bodyPr/>
-          <a:lstStyle/>
-          <a:p>
-            <a:pPr>
-              <a:buNone/>
-            </a:pPr>
-            <a:r>
-              <a:rPr lang="en-US" altLang="zh-CN" sz="2800" dirty="0" smtClean="0">
-                <a:solidFill>
-                  <a:srgbClr val="FF0000"/>
-                </a:solidFill>
-              </a:rPr>
-              <a:t>14</a:t>
-            </a:r>
-            <a:r>
-              <a:rPr lang="zh-CN" altLang="en-US" sz="2800" dirty="0" smtClean="0">
-                <a:solidFill>
-                  <a:srgbClr val="FF0000"/>
-                </a:solidFill>
-              </a:rPr>
-              <a:t>我又在犹太教中，比我本国许多同岁的人更有长进，为我祖宗的</a:t>
-            </a:r>
-            <a:r>
-              <a:rPr lang="zh-CN" altLang="en-US" sz="2800" dirty="0" smtClean="0"/>
-              <a:t>遗传</a:t>
-            </a:r>
-            <a:r>
-              <a:rPr lang="zh-CN" altLang="en-US" sz="2800" dirty="0" smtClean="0">
-                <a:solidFill>
-                  <a:srgbClr val="FF0000"/>
-                </a:solidFill>
-              </a:rPr>
-              <a:t>更加热心。</a:t>
-            </a:r>
-            <a:endParaRPr lang="en-US" altLang="zh-CN" sz="2800" dirty="0" smtClean="0">
-              <a:solidFill>
-                <a:srgbClr val="FF0000"/>
-              </a:solidFill>
-            </a:endParaRPr>
-          </a:p>
-          <a:p>
-            <a:r>
-              <a:rPr lang="zh-CN" altLang="en-US" dirty="0" smtClean="0"/>
-              <a:t>遗传</a:t>
-            </a:r>
-            <a:r>
-              <a:rPr lang="zh-CN" altLang="en-US" dirty="0" smtClean="0"/>
-              <a:t>（</a:t>
-            </a:r>
-            <a:r>
-              <a:rPr lang="en-US" dirty="0" smtClean="0"/>
-              <a:t>v14</a:t>
-            </a:r>
-            <a:r>
-              <a:rPr lang="zh-CN" altLang="en-US" dirty="0" smtClean="0"/>
-              <a:t>） </a:t>
-            </a:r>
-            <a:endParaRPr lang="en-US" altLang="zh-CN" dirty="0" smtClean="0"/>
-          </a:p>
-          <a:p>
-            <a:pPr lvl="1"/>
-            <a:r>
-              <a:rPr lang="en-US" altLang="zh-CN" sz="2400" dirty="0" smtClean="0"/>
-              <a:t>Q3. </a:t>
-            </a:r>
-            <a:r>
-              <a:rPr lang="en-US" altLang="zh-CN" sz="2400" dirty="0" smtClean="0"/>
-              <a:t>14</a:t>
-            </a:r>
-            <a:r>
-              <a:rPr lang="zh-CN" altLang="en-US" sz="2400" dirty="0" smtClean="0"/>
-              <a:t>节提到的“遗传”指的是什么？为“遗传”热心跟信仰有冲突吗？如果有，冲突是什么？</a:t>
-            </a:r>
-          </a:p>
-          <a:p>
-            <a:pPr lvl="2"/>
-            <a:r>
-              <a:rPr lang="zh-CN" altLang="en-US" sz="2000" dirty="0" smtClean="0"/>
-              <a:t>遗传英文单词是</a:t>
-            </a:r>
-            <a:r>
-              <a:rPr lang="en-US" sz="2000" dirty="0" smtClean="0"/>
-              <a:t>tradition</a:t>
-            </a:r>
-            <a:r>
-              <a:rPr lang="zh-CN" altLang="en-US" sz="2000" dirty="0" smtClean="0"/>
-              <a:t>，也就是传统，指古人设立的规矩和习惯，犹太人有犹太人的传统，我们中国人也有自己的传统。</a:t>
-            </a:r>
-            <a:endParaRPr lang="en-US" altLang="zh-CN" sz="2000" dirty="0" smtClean="0"/>
-          </a:p>
-          <a:p>
-            <a:pPr lvl="2"/>
-            <a:r>
-              <a:rPr lang="zh-CN" altLang="en-US" sz="2000" dirty="0" smtClean="0"/>
-              <a:t>传统本身没有错，但是跟神的旨意有冲突时，就该有所取舍。过分看重传统，有时候跟信仰会有冲突。</a:t>
-            </a:r>
-            <a:endParaRPr lang="en-US" altLang="zh-CN" sz="2000" dirty="0" smtClean="0"/>
-          </a:p>
-          <a:p>
-            <a:pPr lvl="2"/>
-            <a:r>
-              <a:rPr lang="en-US" altLang="zh-CN" sz="2000" dirty="0" smtClean="0"/>
-              <a:t>Eg1 </a:t>
-            </a:r>
-            <a:r>
-              <a:rPr lang="zh-CN" altLang="en-US" sz="2000" dirty="0" smtClean="0"/>
-              <a:t>犹太人古人的</a:t>
-            </a:r>
-            <a:r>
-              <a:rPr lang="zh-CN" altLang="en-US" sz="2000" dirty="0" smtClean="0"/>
-              <a:t>遗传，洗手、奉献与孝敬父母</a:t>
-            </a:r>
-            <a:endParaRPr lang="en-US" altLang="zh-CN" sz="2000" dirty="0" smtClean="0"/>
-          </a:p>
-          <a:p>
-            <a:pPr lvl="2"/>
-            <a:r>
-              <a:rPr lang="en-US" altLang="zh-CN" sz="2000" dirty="0" smtClean="0"/>
-              <a:t>Eg2 </a:t>
-            </a:r>
-            <a:r>
-              <a:rPr lang="zh-CN" altLang="en-US" sz="2000" dirty="0" smtClean="0"/>
-              <a:t>过年</a:t>
-            </a:r>
-            <a:endParaRPr lang="en-US" altLang="zh-CN" sz="2000" dirty="0" smtClean="0"/>
-          </a:p>
-        </p:txBody>
-      </p:sp>
-    </p:spTree>
-    <p:extLst>
-      <p:ext uri="{BB962C8B-B14F-4D97-AF65-F5344CB8AC3E}">
-        <p14:creationId xmlns:p14="http://schemas.microsoft.com/office/powerpoint/2010/main" xmlns="" val="602482599"/>
-      </p:ext>
-    </p:extLst>
-  </p:cSld>
-  <p:clrMapOvr>
-    <a:masterClrMapping/>
-  </p:clrMapOvr>
-  <mc:AlternateContent xmlns:mc="http://schemas.openxmlformats.org/markup-compatibility/2006">
-    <mc:Choice xmlns:p14="http://schemas.microsoft.com/office/powerpoint/2010/main" xmlns="" Requires="p14">
-      <p:transition p14:dur="10"/>
-    </mc:Choice>
-    <mc:Fallback>
-      <p:transition/>
-    </mc:Fallback>
-  </mc:AlternateContent>
-  <p:timing>
-    <p:tnLst>
-      <p:par>
-        <p:cTn id="1" dur="indefinite" restart="never" nodeType="tmRoot"/>
-      </p:par>
-    </p:tnLst>
-  </p:timing>
-</p:sld>
-</file>
-
-<file path=ppt/slides/slide8.xml><?xml version="1.0" encoding="utf-8"?>
-<p:sld xmlns:a="http://schemas.openxmlformats.org/drawingml/2006/main" xmlns:r="http://schemas.openxmlformats.org/officeDocument/2006/relationships" xmlns:p="http://schemas.openxmlformats.org/presentationml/2006/main">
-  <p:cSld>
-    <p:spTree>
-      <p:nvGrpSpPr>
-        <p:cNvPr id="1" name=""/>
-        <p:cNvGrpSpPr/>
-        <p:nvPr/>
-      </p:nvGrpSpPr>
-      <p:grpSpPr>
-        <a:xfrm>
-          <a:off x="0" y="0"/>
-          <a:ext cx="0" cy="0"/>
-          <a:chOff x="0" y="0"/>
-          <a:chExt cx="0" cy="0"/>
-        </a:xfrm>
-      </p:grpSpPr>
-      <p:sp>
-        <p:nvSpPr>
-          <p:cNvPr id="8194" name="Rectangle 2"/>
-          <p:cNvSpPr>
-            <a:spLocks noGrp="1" noChangeArrowheads="1"/>
-          </p:cNvSpPr>
-          <p:nvPr>
-            <p:ph type="title"/>
-          </p:nvPr>
-        </p:nvSpPr>
-        <p:spPr>
-          <a:xfrm>
-            <a:off x="457200" y="238125"/>
-            <a:ext cx="7043758" cy="868363"/>
-          </a:xfrm>
-        </p:spPr>
-        <p:txBody>
-          <a:bodyPr/>
-          <a:lstStyle/>
-          <a:p>
-            <a:pPr lvl="0"/>
-            <a:r>
               <a:rPr lang="en-US" altLang="zh-CN" sz="3600" dirty="0" smtClean="0"/>
               <a:t>3.</a:t>
             </a:r>
@@ -26500,7 +24328,7 @@
                   <a:srgbClr val="FF0000"/>
                 </a:solidFill>
               </a:rPr>
-              <a:t>15</a:t>
+              <a:t>13…</a:t>
             </a:r>
             <a:r>
               <a:rPr lang="zh-CN" altLang="en-US" sz="2800" dirty="0" smtClean="0">
@@ -26508,11 +24336,19 @@
                   <a:srgbClr val="FF0000"/>
                 </a:solidFill>
               </a:rPr>
-              <a:t>然而那把我从</a:t>
+              <a:t>极力</a:t>
             </a:r>
             <a:r>
               <a:rPr lang="zh-CN" altLang="en-US" sz="2800" dirty="0" smtClean="0"/>
-              <a:t>母腹里分别</a:t>
+              <a:t>逼迫</a:t>
+            </a:r>
+            <a:r>
+              <a:rPr lang="en-US" altLang="zh-CN" sz="2800" dirty="0" smtClean="0">
+                <a:solidFill>
+                  <a:srgbClr val="FF0000"/>
+                </a:solidFill>
+              </a:rPr>
+              <a:t>…</a:t>
             </a:r>
             <a:r>
               <a:rPr lang="zh-CN" altLang="en-US" sz="2800" dirty="0" smtClean="0">
@@ -26520,7 +24356,7 @@
                   <a:srgbClr val="FF0000"/>
                 </a:solidFill>
               </a:rPr>
-              <a:t>出来、又施恩召我的　神，</a:t>
+              <a:t>教会，</a:t>
             </a:r>
             <a:r>
               <a:rPr lang="en-US" altLang="zh-CN" sz="2800" dirty="0" smtClean="0">
@@ -26528,7 +24364,7 @@
                   <a:srgbClr val="FF0000"/>
                 </a:solidFill>
               </a:rPr>
-              <a:t>16</a:t>
+              <a:t>14</a:t>
             </a:r>
             <a:r>
               <a:rPr lang="zh-CN" altLang="en-US" sz="2800" dirty="0" smtClean="0">
@@ -26536,11 +24372,11 @@
                   <a:srgbClr val="FF0000"/>
                 </a:solidFill>
               </a:rPr>
-              <a:t>既然乐意</a:t>
+              <a:t>我又在</a:t>
             </a:r>
             <a:r>
               <a:rPr lang="zh-CN" altLang="en-US" sz="2800" dirty="0" smtClean="0"/>
-              <a:t>将他儿子启示</a:t>
+              <a:t>犹太教</a:t>
             </a:r>
             <a:r>
               <a:rPr lang="zh-CN" altLang="en-US" sz="2800" dirty="0" smtClean="0">
@@ -26548,11 +24384,15 @@
                   <a:srgbClr val="FF0000"/>
                 </a:solidFill>
               </a:rPr>
-              <a:t>在我心里，叫我把他传在</a:t>
-            </a:r>
-            <a:r>
-              <a:rPr lang="zh-CN" altLang="en-US" sz="2800" dirty="0" smtClean="0"/>
-              <a:t>外邦人</a:t>
+              <a:t>中，</a:t>
+            </a:r>
+            <a:r>
+              <a:rPr lang="en-US" altLang="zh-CN" sz="2800" dirty="0" smtClean="0">
+                <a:solidFill>
+                  <a:srgbClr val="FF0000"/>
+                </a:solidFill>
+              </a:rPr>
+              <a:t>…</a:t>
             </a:r>
             <a:r>
               <a:rPr lang="zh-CN" altLang="en-US" sz="2800" dirty="0" smtClean="0">
@@ -26560,7 +24400,35 @@
                   <a:srgbClr val="FF0000"/>
                 </a:solidFill>
               </a:rPr>
-              <a:t>中。</a:t>
+              <a:t>为我祖宗的遗传更加</a:t>
+            </a:r>
+            <a:r>
+              <a:rPr lang="zh-CN" altLang="en-US" sz="2800" dirty="0" smtClean="0"/>
+              <a:t>热心</a:t>
+            </a:r>
+            <a:r>
+              <a:rPr lang="zh-CN" altLang="en-US" sz="2800" dirty="0" smtClean="0">
+                <a:solidFill>
+                  <a:srgbClr val="FF0000"/>
+                </a:solidFill>
+              </a:rPr>
+              <a:t>。 </a:t>
+            </a:r>
+            <a:r>
+              <a:rPr lang="en-US" altLang="zh-CN" sz="2800" dirty="0" smtClean="0">
+                <a:solidFill>
+                  <a:srgbClr val="FF0000"/>
+                </a:solidFill>
+              </a:rPr>
+              <a:t>23…</a:t>
+            </a:r>
+            <a:r>
+              <a:rPr lang="zh-CN" altLang="en-US" sz="2800" dirty="0" smtClean="0">
+                <a:solidFill>
+                  <a:srgbClr val="FF0000"/>
+                </a:solidFill>
+              </a:rPr>
+              <a:t>传扬真道</a:t>
             </a:r>
             <a:endParaRPr lang="en-US" altLang="zh-CN" sz="2800" dirty="0" smtClean="0">
               <a:solidFill>
@@ -26571,456 +24439,11 @@
           <a:p>
             <a:r>
               <a:rPr lang="en-US" altLang="zh-CN" dirty="0" smtClean="0"/>
-              <a:t>3.1 </a:t>
+              <a:t>3.2 </a:t>
             </a:r>
             <a:r>
               <a:rPr lang="zh-CN" altLang="en-US" dirty="0" smtClean="0"/>
-              <a:t>在神方面（</a:t>
-            </a:r>
-            <a:r>
-              <a:rPr lang="en-US" dirty="0" smtClean="0"/>
-              <a:t>v15-16a</a:t>
-            </a:r>
-            <a:r>
-              <a:rPr lang="zh-CN" altLang="en-US" dirty="0" smtClean="0"/>
-              <a:t>） </a:t>
-            </a:r>
-            <a:endParaRPr lang="en-US" altLang="zh-CN" dirty="0" smtClean="0"/>
-          </a:p>
-          <a:p>
-            <a:pPr lvl="1"/>
-            <a:r>
-              <a:rPr lang="en-US" altLang="zh-CN" sz="2400" dirty="0" smtClean="0"/>
-              <a:t>A. </a:t>
-            </a:r>
-            <a:r>
-              <a:rPr lang="zh-CN" altLang="en-US" sz="2400" dirty="0" smtClean="0"/>
-              <a:t>拣选──</a:t>
-            </a:r>
-            <a:r>
-              <a:rPr lang="zh-CN" altLang="en-US" sz="2400" dirty="0" smtClean="0"/>
-              <a:t>“从</a:t>
-            </a:r>
-            <a:r>
-              <a:rPr lang="zh-CN" altLang="en-US" sz="2400" dirty="0" smtClean="0"/>
-              <a:t>母腹里分别出来</a:t>
-            </a:r>
-            <a:r>
-              <a:rPr lang="en-US" altLang="zh-CN" sz="2400" dirty="0" smtClean="0"/>
-              <a:t>……”</a:t>
-            </a:r>
-            <a:r>
-              <a:rPr lang="zh-CN" altLang="en-US" sz="2400" dirty="0" smtClean="0"/>
-              <a:t>（</a:t>
-            </a:r>
-            <a:r>
-              <a:rPr lang="en-US" altLang="zh-CN" sz="2400" dirty="0" smtClean="0"/>
-              <a:t>15</a:t>
-            </a:r>
-            <a:r>
-              <a:rPr lang="zh-CN" altLang="en-US" sz="2400" dirty="0" smtClean="0"/>
-              <a:t>）</a:t>
-            </a:r>
-          </a:p>
-          <a:p>
-            <a:pPr lvl="1"/>
-            <a:r>
-              <a:rPr lang="en-US" altLang="zh-CN" sz="2400" dirty="0" smtClean="0"/>
-              <a:t>B</a:t>
-            </a:r>
-            <a:r>
-              <a:rPr lang="en-US" altLang="zh-CN" sz="2400" dirty="0" smtClean="0"/>
-              <a:t>. </a:t>
-            </a:r>
-            <a:r>
-              <a:rPr lang="zh-CN" altLang="en-US" sz="2400" dirty="0" smtClean="0"/>
-              <a:t>启示──</a:t>
-            </a:r>
-            <a:r>
-              <a:rPr lang="zh-CN" altLang="en-US" sz="2400" dirty="0" smtClean="0"/>
-              <a:t>“将他儿子</a:t>
-            </a:r>
-            <a:r>
-              <a:rPr lang="zh-CN" altLang="en-US" sz="2400" dirty="0" smtClean="0"/>
-              <a:t>启示在我心里”</a:t>
-            </a:r>
-            <a:r>
-              <a:rPr lang="zh-CN" altLang="en-US" sz="2400" dirty="0" smtClean="0"/>
-              <a:t>（</a:t>
-            </a:r>
-            <a:r>
-              <a:rPr lang="en-US" altLang="zh-CN" sz="2400" dirty="0" smtClean="0"/>
-              <a:t>16</a:t>
-            </a:r>
-            <a:r>
-              <a:rPr lang="zh-CN" altLang="en-US" sz="2400" dirty="0" smtClean="0"/>
-              <a:t>上）</a:t>
-            </a:r>
-          </a:p>
-          <a:p>
-            <a:pPr lvl="1"/>
-            <a:r>
-              <a:rPr lang="en-US" altLang="zh-CN" sz="2400" dirty="0" smtClean="0"/>
-              <a:t>C</a:t>
-            </a:r>
-            <a:r>
-              <a:rPr lang="en-US" altLang="zh-CN" sz="2400" dirty="0" smtClean="0"/>
-              <a:t>. </a:t>
-            </a:r>
-            <a:r>
-              <a:rPr lang="zh-CN" altLang="en-US" sz="2400" dirty="0" smtClean="0"/>
-              <a:t>差遣──“叫我</a:t>
-            </a:r>
-            <a:r>
-              <a:rPr lang="zh-CN" altLang="en-US" sz="2400" dirty="0" smtClean="0"/>
-              <a:t>把</a:t>
-            </a:r>
-            <a:r>
-              <a:rPr lang="zh-CN" altLang="en-US" sz="2400" dirty="0" smtClean="0"/>
-              <a:t>他</a:t>
-            </a:r>
-            <a:r>
-              <a:rPr lang="zh-CN" altLang="en-US" sz="2400" dirty="0" smtClean="0"/>
-              <a:t>传</a:t>
-            </a:r>
-            <a:r>
-              <a:rPr lang="zh-CN" altLang="en-US" sz="2400" dirty="0" smtClean="0"/>
-              <a:t>在外邦</a:t>
-            </a:r>
-            <a:r>
-              <a:rPr lang="zh-CN" altLang="en-US" sz="2400" dirty="0" smtClean="0"/>
-              <a:t>人中</a:t>
-            </a:r>
-            <a:r>
-              <a:rPr lang="en-US" altLang="zh-CN" sz="2400" dirty="0" smtClean="0"/>
-              <a:t>”</a:t>
-            </a:r>
-            <a:r>
-              <a:rPr lang="zh-CN" altLang="en-US" sz="2400" dirty="0" smtClean="0"/>
-              <a:t>（</a:t>
-            </a:r>
-            <a:r>
-              <a:rPr lang="en-US" altLang="zh-CN" sz="2400" dirty="0" smtClean="0"/>
-              <a:t>16</a:t>
-            </a:r>
-            <a:r>
-              <a:rPr lang="zh-CN" altLang="en-US" sz="2400" dirty="0" smtClean="0"/>
-              <a:t>上）</a:t>
-            </a:r>
-          </a:p>
-          <a:p>
-            <a:pPr lvl="1"/>
-            <a:r>
-              <a:rPr lang="zh-CN" altLang="en-US" sz="2400" dirty="0" smtClean="0"/>
-              <a:t>总之</a:t>
-            </a:r>
-            <a:r>
-              <a:rPr lang="zh-CN" altLang="en-US" sz="2400" dirty="0" smtClean="0"/>
-              <a:t>，从上文可见神所拣选的仆人有几个明显的记号</a:t>
-            </a:r>
-            <a:r>
-              <a:rPr lang="en-US" altLang="zh-CN" sz="2400" dirty="0" smtClean="0"/>
-              <a:t>︰</a:t>
-            </a:r>
-            <a:r>
-              <a:rPr lang="zh-CN" altLang="en-US" sz="2400" dirty="0" smtClean="0"/>
-              <a:t>有神的恩召、有神的启示、有神的差遣。</a:t>
-            </a:r>
-            <a:endParaRPr lang="zh-CN" altLang="en-US" sz="2400" dirty="0" smtClean="0"/>
-          </a:p>
-        </p:txBody>
-      </p:sp>
-    </p:spTree>
-    <p:extLst>
-      <p:ext uri="{BB962C8B-B14F-4D97-AF65-F5344CB8AC3E}">
-        <p14:creationId xmlns:p14="http://schemas.microsoft.com/office/powerpoint/2010/main" xmlns="" val="602482599"/>
-      </p:ext>
-    </p:extLst>
-  </p:cSld>
-  <p:clrMapOvr>
-    <a:masterClrMapping/>
-  </p:clrMapOvr>
-  <mc:AlternateContent xmlns:mc="http://schemas.openxmlformats.org/markup-compatibility/2006">
-    <mc:Choice xmlns:p14="http://schemas.microsoft.com/office/powerpoint/2010/main" xmlns="" Requires="p14">
-      <p:transition p14:dur="10"/>
-    </mc:Choice>
-    <mc:Fallback>
-      <p:transition/>
-    </mc:Fallback>
-  </mc:AlternateContent>
-  <p:timing>
-    <p:tnLst>
-      <p:par>
-        <p:cTn id="1" dur="indefinite" restart="never" nodeType="tmRoot"/>
-      </p:par>
-    </p:tnLst>
-  </p:timing>
-</p:sld>
-</file>
-
-<file path=ppt/slides/slide9.xml><?xml version="1.0" encoding="utf-8"?>
-<p:sld xmlns:a="http://schemas.openxmlformats.org/drawingml/2006/main" xmlns:r="http://schemas.openxmlformats.org/officeDocument/2006/relationships" xmlns:p="http://schemas.openxmlformats.org/presentationml/2006/main">
-  <p:cSld>
-    <p:spTree>
-      <p:nvGrpSpPr>
-        <p:cNvPr id="1" name=""/>
-        <p:cNvGrpSpPr/>
-        <p:nvPr/>
-      </p:nvGrpSpPr>
-      <p:grpSpPr>
-        <a:xfrm>
-          <a:off x="0" y="0"/>
-          <a:ext cx="0" cy="0"/>
-          <a:chOff x="0" y="0"/>
-          <a:chExt cx="0" cy="0"/>
-        </a:xfrm>
-      </p:grpSpPr>
-      <p:sp>
-        <p:nvSpPr>
-          <p:cNvPr id="8194" name="Rectangle 2"/>
-          <p:cNvSpPr>
-            <a:spLocks noGrp="1" noChangeArrowheads="1"/>
-          </p:cNvSpPr>
-          <p:nvPr>
-            <p:ph type="title"/>
-          </p:nvPr>
-        </p:nvSpPr>
-        <p:spPr>
-          <a:xfrm>
-            <a:off x="457200" y="238125"/>
-            <a:ext cx="7043758" cy="868363"/>
-          </a:xfrm>
-        </p:spPr>
-        <p:txBody>
-          <a:bodyPr/>
-          <a:lstStyle/>
-          <a:p>
-            <a:pPr lvl="0"/>
-            <a:r>
-              <a:rPr lang="en-US" altLang="zh-CN" sz="3600" dirty="0" smtClean="0"/>
-              <a:t>3</a:t>
-            </a:r>
-            <a:r>
-              <a:rPr lang="en-US" altLang="zh-CN" sz="3600" dirty="0" smtClean="0"/>
-              <a:t>.</a:t>
-            </a:r>
-            <a:r>
-              <a:rPr lang="zh-CN" altLang="en-US" sz="3600" dirty="0" smtClean="0"/>
-              <a:t>改变的过程</a:t>
-            </a:r>
-            <a:r>
-              <a:rPr lang="en-US" altLang="zh-CN" sz="3600" dirty="0" smtClean="0"/>
-              <a:t>—</a:t>
-            </a:r>
-            <a:r>
-              <a:rPr lang="zh-CN" altLang="en-US" sz="3600" dirty="0" smtClean="0"/>
-              <a:t>归主蒙召</a:t>
-            </a:r>
-            <a:r>
-              <a:rPr lang="zh-CN" altLang="en-US" sz="3200" dirty="0" smtClean="0"/>
-              <a:t>（</a:t>
-            </a:r>
-            <a:r>
-              <a:rPr lang="en-US" sz="3200" dirty="0" smtClean="0"/>
-              <a:t>15</a:t>
-            </a:r>
-            <a:r>
-              <a:rPr lang="en-US" altLang="zh-CN" sz="3200" dirty="0" smtClean="0"/>
-              <a:t>-</a:t>
-            </a:r>
-            <a:r>
-              <a:rPr lang="en-US" sz="3200" dirty="0" smtClean="0"/>
-              <a:t>17</a:t>
-            </a:r>
-            <a:r>
-              <a:rPr lang="zh-CN" altLang="en-US" sz="3200" dirty="0" smtClean="0"/>
-              <a:t>）</a:t>
-            </a:r>
-            <a:endParaRPr lang="zh-CN" altLang="en-US" sz="3600" dirty="0"/>
-          </a:p>
-        </p:txBody>
-      </p:sp>
-      <p:sp>
-        <p:nvSpPr>
-          <p:cNvPr id="8195" name="Rectangle 3"/>
-          <p:cNvSpPr>
-            <a:spLocks noGrp="1" noChangeArrowheads="1"/>
-          </p:cNvSpPr>
-          <p:nvPr>
-            <p:ph type="body" sz="half" idx="1"/>
-          </p:nvPr>
-        </p:nvSpPr>
-        <p:spPr>
-          <a:xfrm>
-            <a:off x="685800" y="1285860"/>
-            <a:ext cx="7467600" cy="5072098"/>
-          </a:xfrm>
-        </p:spPr>
-        <p:txBody>
-          <a:bodyPr/>
-          <a:lstStyle/>
-          <a:p>
-            <a:pPr>
-              <a:buNone/>
-            </a:pPr>
-            <a:r>
-              <a:rPr lang="en-US" altLang="zh-CN" sz="2800" dirty="0" smtClean="0">
-                <a:solidFill>
-                  <a:srgbClr val="FF0000"/>
-                </a:solidFill>
-              </a:rPr>
-              <a:t>13…</a:t>
-            </a:r>
-            <a:r>
-              <a:rPr lang="zh-CN" altLang="en-US" sz="2800" dirty="0" smtClean="0">
-                <a:solidFill>
-                  <a:srgbClr val="FF0000"/>
-                </a:solidFill>
-              </a:rPr>
-              <a:t>极力</a:t>
-            </a:r>
-            <a:r>
-              <a:rPr lang="zh-CN" altLang="en-US" sz="2800" dirty="0" smtClean="0"/>
-              <a:t>逼迫</a:t>
-            </a:r>
-            <a:r>
-              <a:rPr lang="en-US" altLang="zh-CN" sz="2800" dirty="0" smtClean="0">
-                <a:solidFill>
-                  <a:srgbClr val="FF0000"/>
-                </a:solidFill>
-              </a:rPr>
-              <a:t>…</a:t>
-            </a:r>
-            <a:r>
-              <a:rPr lang="zh-CN" altLang="en-US" sz="2800" dirty="0" smtClean="0">
-                <a:solidFill>
-                  <a:srgbClr val="FF0000"/>
-                </a:solidFill>
-              </a:rPr>
-              <a:t>教会</a:t>
-            </a:r>
-            <a:r>
-              <a:rPr lang="zh-CN" altLang="en-US" sz="2800" dirty="0" smtClean="0">
-                <a:solidFill>
-                  <a:srgbClr val="FF0000"/>
-                </a:solidFill>
-              </a:rPr>
-              <a:t>，</a:t>
-            </a:r>
-            <a:r>
-              <a:rPr lang="en-US" altLang="zh-CN" sz="2800" dirty="0" smtClean="0">
-                <a:solidFill>
-                  <a:srgbClr val="FF0000"/>
-                </a:solidFill>
-              </a:rPr>
-              <a:t>14</a:t>
-            </a:r>
-            <a:r>
-              <a:rPr lang="zh-CN" altLang="en-US" sz="2800" dirty="0" smtClean="0">
-                <a:solidFill>
-                  <a:srgbClr val="FF0000"/>
-                </a:solidFill>
-              </a:rPr>
-              <a:t>我又在</a:t>
-            </a:r>
-            <a:r>
-              <a:rPr lang="zh-CN" altLang="en-US" sz="2800" dirty="0" smtClean="0"/>
-              <a:t>犹太教</a:t>
-            </a:r>
-            <a:r>
-              <a:rPr lang="zh-CN" altLang="en-US" sz="2800" dirty="0" smtClean="0">
-                <a:solidFill>
-                  <a:srgbClr val="FF0000"/>
-                </a:solidFill>
-              </a:rPr>
-              <a:t>中</a:t>
-            </a:r>
-            <a:r>
-              <a:rPr lang="zh-CN" altLang="en-US" sz="2800" dirty="0" smtClean="0">
-                <a:solidFill>
-                  <a:srgbClr val="FF0000"/>
-                </a:solidFill>
-              </a:rPr>
-              <a:t>，</a:t>
-            </a:r>
-            <a:r>
-              <a:rPr lang="en-US" altLang="zh-CN" sz="2800" dirty="0" smtClean="0">
-                <a:solidFill>
-                  <a:srgbClr val="FF0000"/>
-                </a:solidFill>
-              </a:rPr>
-              <a:t>…</a:t>
-            </a:r>
-            <a:r>
-              <a:rPr lang="zh-CN" altLang="en-US" sz="2800" dirty="0" smtClean="0">
-                <a:solidFill>
-                  <a:srgbClr val="FF0000"/>
-                </a:solidFill>
-              </a:rPr>
-              <a:t>为</a:t>
-            </a:r>
-            <a:r>
-              <a:rPr lang="zh-CN" altLang="en-US" sz="2800" dirty="0" smtClean="0">
-                <a:solidFill>
-                  <a:srgbClr val="FF0000"/>
-                </a:solidFill>
-              </a:rPr>
-              <a:t>我祖宗的遗传更加</a:t>
-            </a:r>
-            <a:r>
-              <a:rPr lang="zh-CN" altLang="en-US" sz="2800" dirty="0" smtClean="0"/>
-              <a:t>热心</a:t>
-            </a:r>
-            <a:r>
-              <a:rPr lang="zh-CN" altLang="en-US" sz="2800" dirty="0" smtClean="0">
-                <a:solidFill>
-                  <a:srgbClr val="FF0000"/>
-                </a:solidFill>
-              </a:rPr>
-              <a:t>。 </a:t>
-            </a:r>
-            <a:r>
-              <a:rPr lang="en-US" altLang="zh-CN" sz="2800" dirty="0" smtClean="0">
-                <a:solidFill>
-                  <a:srgbClr val="FF0000"/>
-                </a:solidFill>
-              </a:rPr>
-              <a:t>23…</a:t>
-            </a:r>
-            <a:r>
-              <a:rPr lang="zh-CN" altLang="en-US" sz="2800" dirty="0" smtClean="0">
-                <a:solidFill>
-                  <a:srgbClr val="FF0000"/>
-                </a:solidFill>
-              </a:rPr>
-              <a:t>传扬</a:t>
-            </a:r>
-            <a:r>
-              <a:rPr lang="zh-CN" altLang="en-US" sz="2800" dirty="0" smtClean="0">
-                <a:solidFill>
-                  <a:srgbClr val="FF0000"/>
-                </a:solidFill>
-              </a:rPr>
-              <a:t>真道</a:t>
-            </a:r>
-            <a:endParaRPr lang="en-US" altLang="zh-CN" sz="2800" dirty="0" smtClean="0">
-              <a:solidFill>
-                <a:srgbClr val="FF0000"/>
-              </a:solidFill>
-            </a:endParaRPr>
-          </a:p>
-          <a:p>
-            <a:r>
-              <a:rPr lang="en-US" altLang="zh-CN" dirty="0" smtClean="0"/>
-              <a:t>3.2 </a:t>
-            </a:r>
-            <a:r>
-              <a:rPr lang="zh-CN" altLang="en-US" dirty="0" smtClean="0"/>
-              <a:t>在保罗方面</a:t>
-            </a:r>
-            <a:r>
-              <a:rPr lang="zh-CN" altLang="en-US" dirty="0" smtClean="0"/>
-              <a:t>（</a:t>
+              <a:t>在保罗方面（</a:t>
             </a:r>
             <a:r>
               <a:rPr lang="en-US" dirty="0" smtClean="0"/>
@@ -28125,7 +25548,7 @@
     </p:spTree>
     <p:extLst>
       <p:ext uri="{BB962C8B-B14F-4D97-AF65-F5344CB8AC3E}">
-        <p14:creationId xmlns:p14="http://schemas.microsoft.com/office/powerpoint/2010/main" xmlns="" val="602482599"/>
+        <p14:creationId xmlns="" xmlns:p14="http://schemas.microsoft.com/office/powerpoint/2010/main" val="602482599"/>
       </p:ext>
     </p:extLst>
   </p:cSld>
@@ -28133,7 +25556,7 @@
     <a:masterClrMapping/>
   </p:clrMapOvr>
   <mc:AlternateContent xmlns:mc="http://schemas.openxmlformats.org/markup-compatibility/2006">
-    <mc:Choice xmlns:p14="http://schemas.microsoft.com/office/powerpoint/2010/main" xmlns="" Requires="p14">
+    <mc:Choice xmlns="" xmlns:p14="http://schemas.microsoft.com/office/powerpoint/2010/main" Requires="p14">
       <p:transition p14:dur="10"/>
     </mc:Choice>
     <mc:Fallback>
@@ -28273,6 +25696,2508 @@
             </p:seq>
           </p:childTnLst>
         </p:cTn>
+      </p:par>
+    </p:tnLst>
+  </p:timing>
+</p:sld>
+</file>
+
+<file path=ppt/slides/slide11.xml><?xml version="1.0" encoding="utf-8"?>
+<p:sld xmlns:a="http://schemas.openxmlformats.org/drawingml/2006/main" xmlns:r="http://schemas.openxmlformats.org/officeDocument/2006/relationships" xmlns:p="http://schemas.openxmlformats.org/presentationml/2006/main">
+  <p:cSld>
+    <p:spTree>
+      <p:nvGrpSpPr>
+        <p:cNvPr id="1" name=""/>
+        <p:cNvGrpSpPr/>
+        <p:nvPr/>
+      </p:nvGrpSpPr>
+      <p:grpSpPr>
+        <a:xfrm>
+          <a:off x="0" y="0"/>
+          <a:ext cx="0" cy="0"/>
+          <a:chOff x="0" y="0"/>
+          <a:chExt cx="0" cy="0"/>
+        </a:xfrm>
+      </p:grpSpPr>
+      <p:sp>
+        <p:nvSpPr>
+          <p:cNvPr id="8194" name="Rectangle 2"/>
+          <p:cNvSpPr>
+            <a:spLocks noGrp="1" noChangeArrowheads="1"/>
+          </p:cNvSpPr>
+          <p:nvPr>
+            <p:ph type="title"/>
+          </p:nvPr>
+        </p:nvSpPr>
+        <p:spPr>
+          <a:xfrm>
+            <a:off x="457200" y="238125"/>
+            <a:ext cx="7043758" cy="868363"/>
+          </a:xfrm>
+        </p:spPr>
+        <p:txBody>
+          <a:bodyPr/>
+          <a:lstStyle/>
+          <a:p>
+            <a:pPr lvl="0"/>
+            <a:r>
+              <a:rPr lang="en-US" altLang="zh-CN" sz="3600" dirty="0" smtClean="0">
+                <a:ea typeface="宋体" charset="-122"/>
+              </a:rPr>
+              <a:t>4.</a:t>
+            </a:r>
+            <a:r>
+              <a:rPr lang="zh-CN" altLang="en-US" sz="3600" dirty="0" smtClean="0">
+                <a:ea typeface="宋体" charset="-122"/>
+              </a:rPr>
+              <a:t>教会联结与合一</a:t>
+            </a:r>
+            <a:r>
+              <a:rPr lang="zh-CN" altLang="en-US" sz="3200" dirty="0" smtClean="0"/>
+              <a:t>（</a:t>
+            </a:r>
+            <a:r>
+              <a:rPr lang="en-US" altLang="zh-CN" sz="3200" dirty="0" smtClean="0"/>
+              <a:t>18-24</a:t>
+            </a:r>
+            <a:r>
+              <a:rPr lang="zh-CN" altLang="en-US" sz="3200" dirty="0" smtClean="0"/>
+              <a:t>） </a:t>
+            </a:r>
+            <a:endParaRPr lang="en-US" altLang="zh-CN" sz="3600" dirty="0">
+              <a:ea typeface="宋体" charset="-122"/>
+            </a:endParaRPr>
+          </a:p>
+        </p:txBody>
+      </p:sp>
+      <p:sp>
+        <p:nvSpPr>
+          <p:cNvPr id="8195" name="Rectangle 3"/>
+          <p:cNvSpPr>
+            <a:spLocks noGrp="1" noChangeArrowheads="1"/>
+          </p:cNvSpPr>
+          <p:nvPr>
+            <p:ph type="body" sz="half" idx="1"/>
+          </p:nvPr>
+        </p:nvSpPr>
+        <p:spPr>
+          <a:xfrm>
+            <a:off x="685800" y="1285860"/>
+            <a:ext cx="7467600" cy="5072098"/>
+          </a:xfrm>
+        </p:spPr>
+        <p:txBody>
+          <a:bodyPr/>
+          <a:lstStyle/>
+          <a:p>
+            <a:pPr>
+              <a:buNone/>
+            </a:pPr>
+            <a:r>
+              <a:rPr lang="en-US" altLang="zh-CN" sz="2800" dirty="0" smtClean="0">
+                <a:solidFill>
+                  <a:srgbClr val="FF0000"/>
+                </a:solidFill>
+              </a:rPr>
+              <a:t>17</a:t>
+            </a:r>
+            <a:r>
+              <a:rPr lang="zh-CN" altLang="en-US" sz="2800" dirty="0" smtClean="0">
+                <a:solidFill>
+                  <a:srgbClr val="FF0000"/>
+                </a:solidFill>
+              </a:rPr>
+              <a:t>也没</a:t>
+            </a:r>
+            <a:r>
+              <a:rPr lang="en-US" altLang="zh-CN" sz="2800" dirty="0" smtClean="0">
+                <a:solidFill>
+                  <a:srgbClr val="FF0000"/>
+                </a:solidFill>
+              </a:rPr>
+              <a:t>…</a:t>
+            </a:r>
+            <a:r>
+              <a:rPr lang="zh-CN" altLang="en-US" sz="2800" dirty="0" smtClean="0">
+                <a:solidFill>
+                  <a:srgbClr val="FF0000"/>
+                </a:solidFill>
+              </a:rPr>
+              <a:t>见</a:t>
+            </a:r>
+            <a:r>
+              <a:rPr lang="en-US" altLang="zh-CN" sz="2800" dirty="0" smtClean="0">
+                <a:solidFill>
+                  <a:srgbClr val="FF0000"/>
+                </a:solidFill>
+              </a:rPr>
+              <a:t>…</a:t>
+            </a:r>
+            <a:r>
+              <a:rPr lang="zh-CN" altLang="en-US" sz="2800" dirty="0" smtClean="0">
+                <a:solidFill>
+                  <a:srgbClr val="FF0000"/>
+                </a:solidFill>
+              </a:rPr>
+              <a:t>先作使徒的</a:t>
+            </a:r>
+            <a:r>
+              <a:rPr lang="en-US" altLang="zh-CN" sz="2800" dirty="0" smtClean="0">
+                <a:solidFill>
+                  <a:srgbClr val="FF0000"/>
+                </a:solidFill>
+              </a:rPr>
+              <a:t>…</a:t>
+            </a:r>
+            <a:r>
+              <a:rPr lang="zh-CN" altLang="en-US" sz="2800" dirty="0" smtClean="0">
+                <a:solidFill>
+                  <a:srgbClr val="FF0000"/>
+                </a:solidFill>
+              </a:rPr>
+              <a:t> 。</a:t>
+            </a:r>
+            <a:r>
+              <a:rPr lang="en-US" altLang="zh-CN" sz="2800" dirty="0" smtClean="0">
+                <a:solidFill>
+                  <a:srgbClr val="FF0000"/>
+                </a:solidFill>
+              </a:rPr>
+              <a:t>18</a:t>
+            </a:r>
+            <a:r>
+              <a:rPr lang="zh-CN" altLang="en-US" sz="2800" dirty="0" smtClean="0">
+                <a:solidFill>
+                  <a:srgbClr val="FF0000"/>
+                </a:solidFill>
+              </a:rPr>
+              <a:t>过了三年</a:t>
+            </a:r>
+            <a:r>
+              <a:rPr lang="en-US" altLang="zh-CN" sz="2800" dirty="0" smtClean="0">
+                <a:solidFill>
+                  <a:srgbClr val="FF0000"/>
+                </a:solidFill>
+              </a:rPr>
+              <a:t>…</a:t>
+            </a:r>
+            <a:r>
+              <a:rPr lang="zh-CN" altLang="en-US" sz="2800" dirty="0" smtClean="0">
+                <a:solidFill>
+                  <a:srgbClr val="FF0000"/>
+                </a:solidFill>
+              </a:rPr>
+              <a:t>见矶法</a:t>
+            </a:r>
+            <a:r>
+              <a:rPr lang="en-US" altLang="zh-CN" sz="2800" dirty="0" smtClean="0">
+                <a:solidFill>
+                  <a:srgbClr val="FF0000"/>
+                </a:solidFill>
+              </a:rPr>
+              <a:t>…</a:t>
+            </a:r>
+            <a:r>
+              <a:rPr lang="zh-CN" altLang="en-US" sz="2800" dirty="0" smtClean="0">
+                <a:solidFill>
+                  <a:srgbClr val="FF0000"/>
+                </a:solidFill>
+              </a:rPr>
+              <a:t>。</a:t>
+            </a:r>
+            <a:r>
+              <a:rPr lang="en-US" altLang="zh-CN" sz="2800" dirty="0" smtClean="0">
+                <a:solidFill>
+                  <a:srgbClr val="FF0000"/>
+                </a:solidFill>
+              </a:rPr>
+              <a:t>19</a:t>
+            </a:r>
+            <a:r>
+              <a:rPr lang="zh-CN" altLang="en-US" sz="2800" dirty="0" smtClean="0">
+                <a:solidFill>
+                  <a:srgbClr val="FF0000"/>
+                </a:solidFill>
+              </a:rPr>
+              <a:t>别的使徒，</a:t>
+            </a:r>
+            <a:r>
+              <a:rPr lang="en-US" altLang="zh-CN" sz="2800" dirty="0" smtClean="0">
+                <a:solidFill>
+                  <a:srgbClr val="FF0000"/>
+                </a:solidFill>
+              </a:rPr>
+              <a:t>…</a:t>
+            </a:r>
+            <a:r>
+              <a:rPr lang="zh-CN" altLang="en-US" sz="2800" dirty="0" smtClean="0">
+                <a:solidFill>
+                  <a:srgbClr val="FF0000"/>
+                </a:solidFill>
+              </a:rPr>
+              <a:t>除雅各，</a:t>
+            </a:r>
+            <a:r>
+              <a:rPr lang="en-US" altLang="zh-CN" sz="2800" dirty="0" smtClean="0">
+                <a:solidFill>
+                  <a:srgbClr val="FF0000"/>
+                </a:solidFill>
+              </a:rPr>
+              <a:t>…</a:t>
+            </a:r>
+            <a:r>
+              <a:rPr lang="zh-CN" altLang="en-US" sz="2800" dirty="0" smtClean="0">
+                <a:solidFill>
+                  <a:srgbClr val="FF0000"/>
+                </a:solidFill>
+              </a:rPr>
+              <a:t>都没见。</a:t>
+            </a:r>
+            <a:endParaRPr lang="en-US" altLang="zh-CN" sz="2800" dirty="0" smtClean="0">
+              <a:solidFill>
+                <a:srgbClr val="FF0000"/>
+              </a:solidFill>
+            </a:endParaRPr>
+          </a:p>
+          <a:p>
+            <a:r>
+              <a:rPr lang="zh-CN" altLang="en-US" dirty="0" smtClean="0"/>
+              <a:t>与其他使徒的关系（</a:t>
+            </a:r>
+            <a:r>
+              <a:rPr lang="en-US" dirty="0" smtClean="0"/>
+              <a:t>v17</a:t>
+            </a:r>
+            <a:r>
+              <a:rPr lang="en-US" altLang="zh-CN" dirty="0" smtClean="0"/>
+              <a:t>-19</a:t>
+            </a:r>
+            <a:r>
+              <a:rPr lang="zh-CN" altLang="en-US" dirty="0" smtClean="0"/>
+              <a:t>） </a:t>
+            </a:r>
+            <a:endParaRPr lang="en-US" altLang="zh-CN" dirty="0" smtClean="0"/>
+          </a:p>
+          <a:p>
+            <a:pPr lvl="1"/>
+            <a:r>
+              <a:rPr lang="en-US" altLang="zh-CN" sz="2400" dirty="0" smtClean="0"/>
+              <a:t>Q2. </a:t>
+            </a:r>
+            <a:r>
+              <a:rPr lang="zh-CN" altLang="en-US" sz="2400" dirty="0" smtClean="0"/>
+              <a:t>保罗信主前认识其他使徒吗？信主后跟哪些使徒交流过？保罗为什么强调这些事？</a:t>
+            </a:r>
+          </a:p>
+          <a:p>
+            <a:pPr lvl="2"/>
+            <a:r>
+              <a:rPr lang="zh-CN" altLang="en-US" sz="2000" dirty="0" smtClean="0"/>
+              <a:t>保罗信主前，保罗对信徒是敌对态度，跟使徒没有正面接触。。</a:t>
+            </a:r>
+            <a:endParaRPr lang="en-US" altLang="zh-CN" sz="2000" dirty="0" smtClean="0"/>
+          </a:p>
+          <a:p>
+            <a:pPr lvl="2"/>
+            <a:r>
+              <a:rPr lang="zh-CN" altLang="en-US" sz="2000" dirty="0" smtClean="0"/>
+              <a:t>刚信主时，保罗没有去见使徒，强调他对于神的呼召已经十分清楚，无须再与人商量 ，无需征求他们的同意，以获得他们的支持。</a:t>
+            </a:r>
+            <a:endParaRPr lang="en-US" altLang="zh-CN" sz="2000" dirty="0" smtClean="0"/>
+          </a:p>
+          <a:p>
+            <a:pPr lvl="2"/>
+            <a:r>
+              <a:rPr lang="zh-CN" altLang="en-US" sz="2000" dirty="0" smtClean="0"/>
+              <a:t>保罗信主后，耶路撒冷的门徒最初不敢与他结交，不信他是真信徒，唯有巴拿巴接待他，得与使徒相见。后来会见</a:t>
+            </a:r>
+            <a:r>
+              <a:rPr lang="en-US" altLang="zh-CN" sz="2000" dirty="0" smtClean="0"/>
+              <a:t>2</a:t>
+            </a:r>
+            <a:r>
+              <a:rPr lang="zh-CN" altLang="en-US" sz="2000" dirty="0" smtClean="0"/>
+              <a:t>位领袖，彼得、雅各，促使犹太和外邦教会合一。</a:t>
+            </a:r>
+            <a:endParaRPr lang="en-US" altLang="zh-CN" sz="2000" dirty="0" smtClean="0"/>
+          </a:p>
+        </p:txBody>
+      </p:sp>
+    </p:spTree>
+    <p:extLst>
+      <p:ext uri="{BB962C8B-B14F-4D97-AF65-F5344CB8AC3E}">
+        <p14:creationId xmlns="" xmlns:p14="http://schemas.microsoft.com/office/powerpoint/2010/main" val="602482599"/>
+      </p:ext>
+    </p:extLst>
+  </p:cSld>
+  <p:clrMapOvr>
+    <a:masterClrMapping/>
+  </p:clrMapOvr>
+  <mc:AlternateContent xmlns:mc="http://schemas.openxmlformats.org/markup-compatibility/2006">
+    <mc:Choice xmlns="" xmlns:p14="http://schemas.microsoft.com/office/powerpoint/2010/main" Requires="p14">
+      <p:transition p14:dur="10"/>
+    </mc:Choice>
+    <mc:Fallback>
+      <p:transition/>
+    </mc:Fallback>
+  </mc:AlternateContent>
+  <p:timing>
+    <p:tnLst>
+      <p:par>
+        <p:cTn id="1" dur="indefinite" restart="never" nodeType="tmRoot"/>
+      </p:par>
+    </p:tnLst>
+  </p:timing>
+</p:sld>
+</file>
+
+<file path=ppt/slides/slide12.xml><?xml version="1.0" encoding="utf-8"?>
+<p:sld xmlns:a="http://schemas.openxmlformats.org/drawingml/2006/main" xmlns:r="http://schemas.openxmlformats.org/officeDocument/2006/relationships" xmlns:p="http://schemas.openxmlformats.org/presentationml/2006/main">
+  <p:cSld>
+    <p:spTree>
+      <p:nvGrpSpPr>
+        <p:cNvPr id="1" name=""/>
+        <p:cNvGrpSpPr/>
+        <p:nvPr/>
+      </p:nvGrpSpPr>
+      <p:grpSpPr>
+        <a:xfrm>
+          <a:off x="0" y="0"/>
+          <a:ext cx="0" cy="0"/>
+          <a:chOff x="0" y="0"/>
+          <a:chExt cx="0" cy="0"/>
+        </a:xfrm>
+      </p:grpSpPr>
+      <p:sp>
+        <p:nvSpPr>
+          <p:cNvPr id="8194" name="Rectangle 2"/>
+          <p:cNvSpPr>
+            <a:spLocks noGrp="1" noChangeArrowheads="1"/>
+          </p:cNvSpPr>
+          <p:nvPr>
+            <p:ph type="title"/>
+          </p:nvPr>
+        </p:nvSpPr>
+        <p:spPr/>
+        <p:txBody>
+          <a:bodyPr/>
+          <a:lstStyle/>
+          <a:p>
+            <a:r>
+              <a:rPr lang="zh-CN" altLang="en-US" dirty="0" smtClean="0">
+                <a:ea typeface="宋体" charset="-122"/>
+              </a:rPr>
+              <a:t>总结应用</a:t>
+            </a:r>
+            <a:endParaRPr lang="en-US" altLang="zh-CN" sz="3600" dirty="0">
+              <a:ea typeface="宋体" charset="-122"/>
+            </a:endParaRPr>
+          </a:p>
+        </p:txBody>
+      </p:sp>
+      <p:sp>
+        <p:nvSpPr>
+          <p:cNvPr id="8195" name="Rectangle 3"/>
+          <p:cNvSpPr>
+            <a:spLocks noGrp="1" noChangeArrowheads="1"/>
+          </p:cNvSpPr>
+          <p:nvPr>
+            <p:ph type="body" sz="half" idx="1"/>
+          </p:nvPr>
+        </p:nvSpPr>
+        <p:spPr>
+          <a:xfrm>
+            <a:off x="685800" y="1357298"/>
+            <a:ext cx="7467600" cy="4880014"/>
+          </a:xfrm>
+        </p:spPr>
+        <p:txBody>
+          <a:bodyPr/>
+          <a:lstStyle/>
+          <a:p>
+            <a:pPr lvl="1"/>
+            <a:r>
+              <a:rPr lang="en-US" altLang="zh-CN" sz="2400" dirty="0" smtClean="0"/>
+              <a:t>4</a:t>
+            </a:r>
+            <a:r>
+              <a:rPr lang="zh-CN" altLang="en-US" sz="2400" dirty="0" smtClean="0"/>
+              <a:t>组问题作为线索：</a:t>
+            </a:r>
+            <a:endParaRPr lang="en-US" altLang="zh-CN" sz="2400" dirty="0" smtClean="0"/>
+          </a:p>
+          <a:p>
+            <a:pPr lvl="2"/>
+            <a:r>
+              <a:rPr lang="zh-CN" altLang="en-US" sz="2000" dirty="0" smtClean="0"/>
+              <a:t>经文中提到接受福音有哪几种渠道？保罗与你分别属于哪一种？你如何理解“启示”一词？</a:t>
+            </a:r>
+            <a:endParaRPr lang="en-US" altLang="zh-CN" sz="2000" dirty="0" smtClean="0">
+              <a:solidFill>
+                <a:srgbClr val="0070C0"/>
+              </a:solidFill>
+            </a:endParaRPr>
+          </a:p>
+          <a:p>
+            <a:pPr lvl="2"/>
+            <a:r>
+              <a:rPr lang="zh-CN" altLang="en-US" sz="2000" dirty="0" smtClean="0"/>
+              <a:t>保罗信主前认识其他使徒吗？信主后跟哪些使徒交流过？保罗为什么强调这些事？</a:t>
+            </a:r>
+            <a:endParaRPr lang="en-US" altLang="zh-CN" sz="2000" dirty="0" smtClean="0">
+              <a:solidFill>
+                <a:srgbClr val="0070C0"/>
+              </a:solidFill>
+            </a:endParaRPr>
+          </a:p>
+          <a:p>
+            <a:pPr lvl="2"/>
+            <a:r>
+              <a:rPr lang="en-US" altLang="zh-CN" sz="2000" dirty="0" smtClean="0"/>
+              <a:t>14</a:t>
+            </a:r>
+            <a:r>
+              <a:rPr lang="zh-CN" altLang="en-US" sz="2000" dirty="0" smtClean="0"/>
+              <a:t>节提到的“遗传”指的是什么？为“遗传”热心跟信仰有冲突吗？如果有</a:t>
+            </a:r>
+            <a:r>
+              <a:rPr lang="zh-CN" altLang="en-US" sz="2000" dirty="0" smtClean="0"/>
+              <a:t>，请举例说明。</a:t>
+            </a:r>
+            <a:endParaRPr lang="en-US" altLang="zh-CN" sz="2000" dirty="0" smtClean="0"/>
+          </a:p>
+          <a:p>
+            <a:pPr lvl="2"/>
+            <a:r>
+              <a:rPr lang="zh-CN" altLang="en-US" sz="2000" dirty="0" smtClean="0"/>
+              <a:t>保罗信主前后有哪些变化？我有哪些变化？请对比自己的改变与保罗有何相似之处。</a:t>
+            </a:r>
+            <a:endParaRPr lang="en-US" altLang="zh-CN" sz="2000" dirty="0" smtClean="0">
+              <a:solidFill>
+                <a:srgbClr val="0070C0"/>
+              </a:solidFill>
+            </a:endParaRPr>
+          </a:p>
+          <a:p>
+            <a:pPr lvl="1"/>
+            <a:r>
+              <a:rPr lang="zh-CN" altLang="en-US" sz="2400" dirty="0" smtClean="0"/>
+              <a:t>应用和反思：</a:t>
+            </a:r>
+            <a:endParaRPr lang="en-US" altLang="zh-CN" sz="2400" dirty="0"/>
+          </a:p>
+          <a:p>
+            <a:pPr lvl="2"/>
+            <a:r>
+              <a:rPr lang="zh-CN" altLang="en-US" sz="2000" dirty="0" smtClean="0"/>
+              <a:t>正确地引用“不从人领受”的原则；</a:t>
+            </a:r>
+          </a:p>
+          <a:p>
+            <a:pPr lvl="2"/>
+            <a:r>
+              <a:rPr lang="zh-CN" altLang="en-US" sz="2000" dirty="0" smtClean="0"/>
+              <a:t>总结</a:t>
+            </a:r>
+            <a:r>
+              <a:rPr lang="en-US" altLang="zh-CN" sz="2000" dirty="0" smtClean="0"/>
+              <a:t>/</a:t>
+            </a:r>
+            <a:r>
+              <a:rPr lang="zh-CN" altLang="en-US" sz="2000" dirty="0" smtClean="0"/>
+              <a:t>完善个人得救见证，向至少</a:t>
+            </a:r>
+            <a:r>
+              <a:rPr lang="en-US" altLang="zh-CN" sz="2000" dirty="0" smtClean="0"/>
+              <a:t>1</a:t>
+            </a:r>
+            <a:r>
+              <a:rPr lang="zh-CN" altLang="en-US" sz="2000" dirty="0" smtClean="0"/>
+              <a:t>人分享。</a:t>
+            </a:r>
+            <a:endParaRPr lang="en-US" altLang="zh-CN" dirty="0"/>
+          </a:p>
+          <a:p>
+            <a:pPr lvl="2"/>
+            <a:endParaRPr lang="en-US" altLang="zh-CN" sz="2000" dirty="0">
+              <a:ea typeface="宋体" charset="-122"/>
+            </a:endParaRPr>
+          </a:p>
+        </p:txBody>
+      </p:sp>
+    </p:spTree>
+    <p:extLst>
+      <p:ext uri="{BB962C8B-B14F-4D97-AF65-F5344CB8AC3E}">
+        <p14:creationId xmlns="" xmlns:p14="http://schemas.microsoft.com/office/powerpoint/2010/main" val="274900122"/>
+      </p:ext>
+    </p:extLst>
+  </p:cSld>
+  <p:clrMapOvr>
+    <a:masterClrMapping/>
+  </p:clrMapOvr>
+  <mc:AlternateContent xmlns:mc="http://schemas.openxmlformats.org/markup-compatibility/2006">
+    <mc:Choice xmlns="" xmlns:p14="http://schemas.microsoft.com/office/powerpoint/2010/main" Requires="p14">
+      <p:transition p14:dur="10"/>
+    </mc:Choice>
+    <mc:Fallback>
+      <p:transition/>
+    </mc:Fallback>
+  </mc:AlternateContent>
+  <p:timing>
+    <p:tnLst>
+      <p:par>
+        <p:cTn id="1" dur="indefinite" restart="never" nodeType="tmRoot"/>
+      </p:par>
+    </p:tnLst>
+  </p:timing>
+</p:sld>
+</file>
+
+<file path=ppt/slides/slide13.xml><?xml version="1.0" encoding="utf-8"?>
+<p:sld xmlns:a="http://schemas.openxmlformats.org/drawingml/2006/main" xmlns:r="http://schemas.openxmlformats.org/officeDocument/2006/relationships" xmlns:p="http://schemas.openxmlformats.org/presentationml/2006/main">
+  <p:cSld>
+    <p:spTree>
+      <p:nvGrpSpPr>
+        <p:cNvPr id="1" name=""/>
+        <p:cNvGrpSpPr/>
+        <p:nvPr/>
+      </p:nvGrpSpPr>
+      <p:grpSpPr>
+        <a:xfrm>
+          <a:off x="0" y="0"/>
+          <a:ext cx="0" cy="0"/>
+          <a:chOff x="0" y="0"/>
+          <a:chExt cx="0" cy="0"/>
+        </a:xfrm>
+      </p:grpSpPr>
+      <p:sp>
+        <p:nvSpPr>
+          <p:cNvPr id="38916" name="Rectangle 4"/>
+          <p:cNvSpPr>
+            <a:spLocks noGrp="1" noChangeArrowheads="1"/>
+          </p:cNvSpPr>
+          <p:nvPr>
+            <p:ph type="ctrTitle"/>
+          </p:nvPr>
+        </p:nvSpPr>
+        <p:spPr>
+          <a:xfrm>
+            <a:off x="4714876" y="2857496"/>
+            <a:ext cx="3895740" cy="1470025"/>
+          </a:xfrm>
+        </p:spPr>
+        <p:txBody>
+          <a:bodyPr/>
+          <a:lstStyle/>
+          <a:p>
+            <a:pPr algn="l"/>
+            <a:r>
+              <a:rPr lang="zh-CN" altLang="en-US" sz="6000" dirty="0" smtClean="0">
+                <a:solidFill>
+                  <a:srgbClr val="0070C0"/>
+                </a:solidFill>
+                <a:ea typeface="宋体" charset="-122"/>
+              </a:rPr>
+              <a:t>分享结束    </a:t>
+            </a:r>
+            <a:r>
+              <a:rPr lang="en-US" altLang="zh-CN" sz="6000" dirty="0" smtClean="0">
+                <a:solidFill>
+                  <a:srgbClr val="0070C0"/>
+                </a:solidFill>
+                <a:ea typeface="宋体" charset="-122"/>
+              </a:rPr>
+              <a:t/>
+            </a:r>
+            <a:br>
+              <a:rPr lang="en-US" altLang="zh-CN" sz="6000" dirty="0" smtClean="0">
+                <a:solidFill>
+                  <a:srgbClr val="0070C0"/>
+                </a:solidFill>
+                <a:ea typeface="宋体" charset="-122"/>
+              </a:rPr>
+            </a:br>
+            <a:r>
+              <a:rPr lang="zh-CN" altLang="en-US" sz="6000" dirty="0" smtClean="0">
+                <a:solidFill>
+                  <a:srgbClr val="0070C0"/>
+                </a:solidFill>
+                <a:ea typeface="宋体" charset="-122"/>
+              </a:rPr>
+              <a:t>谢谢大家</a:t>
+            </a:r>
+            <a:r>
+              <a:rPr lang="en-US" altLang="zh-CN" sz="6000" dirty="0" smtClean="0">
+                <a:solidFill>
+                  <a:srgbClr val="0070C0"/>
+                </a:solidFill>
+                <a:ea typeface="宋体" charset="-122"/>
+              </a:rPr>
+              <a:t>!</a:t>
+            </a:r>
+            <a:endParaRPr lang="en-US" altLang="zh-CN" sz="6000" dirty="0">
+              <a:solidFill>
+                <a:srgbClr val="0070C0"/>
+              </a:solidFill>
+              <a:ea typeface="宋体" charset="-122"/>
+            </a:endParaRPr>
+          </a:p>
+        </p:txBody>
+      </p:sp>
+    </p:spTree>
+  </p:cSld>
+  <p:clrMapOvr>
+    <a:masterClrMapping/>
+  </p:clrMapOvr>
+  <mc:AlternateContent xmlns:mc="http://schemas.openxmlformats.org/markup-compatibility/2006">
+    <mc:Choice xmlns="" xmlns:p14="http://schemas.microsoft.com/office/powerpoint/2010/main" Requires="p14">
+      <p:transition p14:dur="10"/>
+    </mc:Choice>
+    <mc:Fallback>
+      <p:transition/>
+    </mc:Fallback>
+  </mc:AlternateContent>
+  <p:timing>
+    <p:tnLst>
+      <p:par>
+        <p:cTn id="1" dur="indefinite" restart="never" nodeType="tmRoot"/>
+      </p:par>
+    </p:tnLst>
+  </p:timing>
+</p:sld>
+</file>
+
+<file path=ppt/slides/slide2.xml><?xml version="1.0" encoding="utf-8"?>
+<p:sld xmlns:a="http://schemas.openxmlformats.org/drawingml/2006/main" xmlns:r="http://schemas.openxmlformats.org/officeDocument/2006/relationships" xmlns:p="http://schemas.openxmlformats.org/presentationml/2006/main">
+  <p:cSld>
+    <p:spTree>
+      <p:nvGrpSpPr>
+        <p:cNvPr id="1" name=""/>
+        <p:cNvGrpSpPr/>
+        <p:nvPr/>
+      </p:nvGrpSpPr>
+      <p:grpSpPr>
+        <a:xfrm>
+          <a:off x="0" y="0"/>
+          <a:ext cx="0" cy="0"/>
+          <a:chOff x="0" y="0"/>
+          <a:chExt cx="0" cy="0"/>
+        </a:xfrm>
+      </p:grpSpPr>
+      <p:sp>
+        <p:nvSpPr>
+          <p:cNvPr id="8194" name="Rectangle 2"/>
+          <p:cNvSpPr>
+            <a:spLocks noGrp="1" noChangeArrowheads="1"/>
+          </p:cNvSpPr>
+          <p:nvPr>
+            <p:ph type="title"/>
+          </p:nvPr>
+        </p:nvSpPr>
+        <p:spPr/>
+        <p:txBody>
+          <a:bodyPr/>
+          <a:lstStyle/>
+          <a:p>
+            <a:r>
+              <a:rPr lang="zh-CN" altLang="en-US" dirty="0">
+                <a:ea typeface="宋体" charset="-122"/>
+              </a:rPr>
+              <a:t>引言</a:t>
+            </a:r>
+            <a:endParaRPr lang="en-US" altLang="zh-CN" dirty="0">
+              <a:ea typeface="宋体" charset="-122"/>
+            </a:endParaRPr>
+          </a:p>
+        </p:txBody>
+      </p:sp>
+      <p:sp>
+        <p:nvSpPr>
+          <p:cNvPr id="8195" name="Rectangle 3"/>
+          <p:cNvSpPr>
+            <a:spLocks noGrp="1" noChangeArrowheads="1"/>
+          </p:cNvSpPr>
+          <p:nvPr>
+            <p:ph type="body" sz="half" idx="1"/>
+          </p:nvPr>
+        </p:nvSpPr>
+        <p:spPr>
+          <a:xfrm>
+            <a:off x="685800" y="1817688"/>
+            <a:ext cx="7467600" cy="4563640"/>
+          </a:xfrm>
+        </p:spPr>
+        <p:txBody>
+          <a:bodyPr/>
+          <a:lstStyle/>
+          <a:p>
+            <a:r>
+              <a:rPr lang="zh-CN" altLang="en-US" dirty="0" smtClean="0"/>
+              <a:t>每年受洗</a:t>
+            </a:r>
+            <a:endParaRPr lang="en-US" altLang="zh-CN" dirty="0" smtClean="0"/>
+          </a:p>
+          <a:p>
+            <a:pPr lvl="1"/>
+            <a:r>
+              <a:rPr lang="zh-CN" altLang="en-US" sz="2400" dirty="0" smtClean="0"/>
+              <a:t>我们都会听到许多感人的信主见证</a:t>
+            </a:r>
+            <a:endParaRPr lang="en-US" altLang="zh-CN" sz="2400" dirty="0" smtClean="0"/>
+          </a:p>
+          <a:p>
+            <a:pPr lvl="1"/>
+            <a:r>
+              <a:rPr lang="zh-CN" altLang="en-US" sz="2400" dirty="0" smtClean="0"/>
+              <a:t>圣经中浪子回头故事的真人版</a:t>
+            </a:r>
+            <a:endParaRPr lang="en-US" altLang="zh-CN" sz="2400" dirty="0" smtClean="0"/>
+          </a:p>
+          <a:p>
+            <a:r>
+              <a:rPr lang="zh-CN" altLang="en-US" dirty="0" smtClean="0"/>
+              <a:t>变化大 </a:t>
+            </a:r>
+            <a:r>
+              <a:rPr lang="en-US" altLang="zh-CN" dirty="0" err="1" smtClean="0"/>
+              <a:t>vs</a:t>
+            </a:r>
+            <a:r>
+              <a:rPr lang="en-US" altLang="zh-CN" dirty="0" smtClean="0"/>
+              <a:t> </a:t>
+            </a:r>
+            <a:r>
+              <a:rPr lang="zh-CN" altLang="en-US" dirty="0" smtClean="0"/>
+              <a:t>小</a:t>
+            </a:r>
+            <a:endParaRPr lang="en-US" altLang="zh-CN" dirty="0" smtClean="0"/>
+          </a:p>
+          <a:p>
+            <a:pPr lvl="1"/>
+            <a:r>
+              <a:rPr lang="zh-CN" altLang="en-US" sz="2400" dirty="0" smtClean="0"/>
+              <a:t>有些人信主前后变化不大，有些人变化特别大</a:t>
+            </a:r>
+            <a:endParaRPr lang="en-US" altLang="zh-CN" sz="2400" dirty="0" smtClean="0"/>
+          </a:p>
+          <a:p>
+            <a:pPr lvl="1"/>
+            <a:r>
+              <a:rPr lang="zh-CN" altLang="en-US" sz="2400" dirty="0" smtClean="0"/>
+              <a:t>使徒保罗就是一个极端的例子</a:t>
+            </a:r>
+            <a:endParaRPr lang="en-US" altLang="zh-CN" sz="2000" dirty="0">
+              <a:ea typeface="宋体" charset="-122"/>
+            </a:endParaRPr>
+          </a:p>
+        </p:txBody>
+      </p:sp>
+    </p:spTree>
+  </p:cSld>
+  <p:clrMapOvr>
+    <a:masterClrMapping/>
+  </p:clrMapOvr>
+  <mc:AlternateContent xmlns:mc="http://schemas.openxmlformats.org/markup-compatibility/2006">
+    <mc:Choice xmlns="" xmlns:p14="http://schemas.microsoft.com/office/powerpoint/2010/main" Requires="p14">
+      <p:transition p14:dur="10"/>
+    </mc:Choice>
+    <mc:Fallback>
+      <p:transition/>
+    </mc:Fallback>
+  </mc:AlternateContent>
+  <p:timing>
+    <p:tnLst>
+      <p:par>
+        <p:cTn id="1" dur="indefinite" restart="never" nodeType="tmRoot"/>
+      </p:par>
+    </p:tnLst>
+  </p:timing>
+</p:sld>
+</file>
+
+<file path=ppt/slides/slide3.xml><?xml version="1.0" encoding="utf-8"?>
+<p:sld xmlns:a="http://schemas.openxmlformats.org/drawingml/2006/main" xmlns:r="http://schemas.openxmlformats.org/officeDocument/2006/relationships" xmlns:p="http://schemas.openxmlformats.org/presentationml/2006/main">
+  <p:cSld>
+    <p:spTree>
+      <p:nvGrpSpPr>
+        <p:cNvPr id="1" name=""/>
+        <p:cNvGrpSpPr/>
+        <p:nvPr/>
+      </p:nvGrpSpPr>
+      <p:grpSpPr>
+        <a:xfrm>
+          <a:off x="0" y="0"/>
+          <a:ext cx="0" cy="0"/>
+          <a:chOff x="0" y="0"/>
+          <a:chExt cx="0" cy="0"/>
+        </a:xfrm>
+      </p:grpSpPr>
+      <p:sp>
+        <p:nvSpPr>
+          <p:cNvPr id="8194" name="Rectangle 2"/>
+          <p:cNvSpPr>
+            <a:spLocks noGrp="1" noChangeArrowheads="1"/>
+          </p:cNvSpPr>
+          <p:nvPr>
+            <p:ph type="title"/>
+          </p:nvPr>
+        </p:nvSpPr>
+        <p:spPr/>
+        <p:txBody>
+          <a:bodyPr/>
+          <a:lstStyle/>
+          <a:p>
+            <a:r>
+              <a:rPr lang="zh-CN" altLang="en-US" dirty="0">
+                <a:ea typeface="宋体" charset="-122"/>
+              </a:rPr>
+              <a:t>引言</a:t>
+            </a:r>
+            <a:endParaRPr lang="en-US" altLang="zh-CN" dirty="0">
+              <a:ea typeface="宋体" charset="-122"/>
+            </a:endParaRPr>
+          </a:p>
+        </p:txBody>
+      </p:sp>
+      <p:sp>
+        <p:nvSpPr>
+          <p:cNvPr id="8195" name="Rectangle 3"/>
+          <p:cNvSpPr>
+            <a:spLocks noGrp="1" noChangeArrowheads="1"/>
+          </p:cNvSpPr>
+          <p:nvPr>
+            <p:ph type="body" sz="half" idx="1"/>
+          </p:nvPr>
+        </p:nvSpPr>
+        <p:spPr>
+          <a:xfrm>
+            <a:off x="685800" y="1817688"/>
+            <a:ext cx="7467600" cy="4419624"/>
+          </a:xfrm>
+        </p:spPr>
+        <p:txBody>
+          <a:bodyPr/>
+          <a:lstStyle/>
+          <a:p>
+            <a:r>
+              <a:rPr lang="zh-CN" altLang="en-US" dirty="0" smtClean="0"/>
+              <a:t>历史背景</a:t>
+            </a:r>
+            <a:endParaRPr lang="en-US" altLang="zh-CN" dirty="0" smtClean="0"/>
+          </a:p>
+          <a:p>
+            <a:pPr lvl="1"/>
+            <a:r>
+              <a:rPr lang="zh-CN" altLang="en-US" sz="2400" dirty="0" smtClean="0"/>
+              <a:t>以色列是个特别看重传统的名族</a:t>
+            </a:r>
+            <a:endParaRPr lang="en-US" altLang="zh-CN" sz="2400" dirty="0" smtClean="0"/>
+          </a:p>
+          <a:p>
+            <a:pPr lvl="1"/>
+            <a:r>
+              <a:rPr lang="zh-CN" altLang="en-US" sz="2400" dirty="0" smtClean="0"/>
+              <a:t>曾有拉比比喻：</a:t>
+            </a:r>
+            <a:r>
+              <a:rPr lang="en-US" sz="2400" dirty="0" smtClean="0"/>
+              <a:t>“</a:t>
+            </a:r>
+            <a:r>
+              <a:rPr lang="zh-CN" altLang="en-US" sz="2400" dirty="0" smtClean="0"/>
+              <a:t>圣经是水，革马拉是酒，塔木德是加了风味的酒。</a:t>
+            </a:r>
+            <a:r>
+              <a:rPr lang="en-US" sz="2400" dirty="0" smtClean="0"/>
+              <a:t>”</a:t>
+            </a:r>
+            <a:endParaRPr lang="en-US" altLang="zh-CN" dirty="0" smtClean="0"/>
+          </a:p>
+          <a:p>
+            <a:r>
+              <a:rPr lang="zh-CN" altLang="en-US" dirty="0" smtClean="0"/>
+              <a:t>上下文</a:t>
+            </a:r>
+            <a:endParaRPr lang="en-US" altLang="zh-CN" dirty="0" smtClean="0"/>
+          </a:p>
+          <a:p>
+            <a:pPr lvl="1"/>
+            <a:r>
+              <a:rPr lang="zh-CN" altLang="en-US" sz="2400" dirty="0" smtClean="0"/>
+              <a:t>上文，保罗在问安语之后，就开始责备加拉太人那么快便离开那恩召他们的主，去附从“别的福音”。</a:t>
+            </a:r>
+            <a:endParaRPr lang="en-US" altLang="zh-CN" sz="2400" dirty="0" smtClean="0"/>
+          </a:p>
+          <a:p>
+            <a:pPr lvl="1"/>
+            <a:r>
+              <a:rPr lang="zh-CN" altLang="en-US" sz="2400" dirty="0" smtClean="0"/>
+              <a:t>接下来我们一起来查考第</a:t>
+            </a:r>
+            <a:r>
+              <a:rPr lang="en-US" sz="2400" dirty="0" smtClean="0"/>
+              <a:t>1</a:t>
+            </a:r>
+            <a:r>
+              <a:rPr lang="zh-CN" altLang="en-US" sz="2400" dirty="0" smtClean="0"/>
+              <a:t>章后半部分，在本段中，保罗为他自己作使徒之职权辩护。</a:t>
+            </a:r>
+            <a:endParaRPr lang="en-US" altLang="zh-CN" sz="2000" dirty="0">
+              <a:ea typeface="宋体" charset="-122"/>
+            </a:endParaRPr>
+          </a:p>
+        </p:txBody>
+      </p:sp>
+    </p:spTree>
+    <p:extLst>
+      <p:ext uri="{BB962C8B-B14F-4D97-AF65-F5344CB8AC3E}">
+        <p14:creationId xmlns="" xmlns:p14="http://schemas.microsoft.com/office/powerpoint/2010/main" val="2916621134"/>
+      </p:ext>
+    </p:extLst>
+  </p:cSld>
+  <p:clrMapOvr>
+    <a:masterClrMapping/>
+  </p:clrMapOvr>
+  <mc:AlternateContent xmlns:mc="http://schemas.openxmlformats.org/markup-compatibility/2006">
+    <mc:Choice xmlns="" xmlns:p14="http://schemas.microsoft.com/office/powerpoint/2010/main" Requires="p14">
+      <p:transition p14:dur="10"/>
+    </mc:Choice>
+    <mc:Fallback>
+      <p:transition/>
+    </mc:Fallback>
+  </mc:AlternateContent>
+  <p:timing>
+    <p:tnLst>
+      <p:par>
+        <p:cTn id="1" dur="indefinite" restart="never" nodeType="tmRoot"/>
+      </p:par>
+    </p:tnLst>
+  </p:timing>
+</p:sld>
+</file>
+
+<file path=ppt/slides/slide4.xml><?xml version="1.0" encoding="utf-8"?>
+<p:sld xmlns:a="http://schemas.openxmlformats.org/drawingml/2006/main" xmlns:r="http://schemas.openxmlformats.org/officeDocument/2006/relationships" xmlns:p="http://schemas.openxmlformats.org/presentationml/2006/main">
+  <p:cSld>
+    <p:spTree>
+      <p:nvGrpSpPr>
+        <p:cNvPr id="1" name=""/>
+        <p:cNvGrpSpPr/>
+        <p:nvPr/>
+      </p:nvGrpSpPr>
+      <p:grpSpPr>
+        <a:xfrm>
+          <a:off x="0" y="0"/>
+          <a:ext cx="0" cy="0"/>
+          <a:chOff x="0" y="0"/>
+          <a:chExt cx="0" cy="0"/>
+        </a:xfrm>
+      </p:grpSpPr>
+      <p:sp>
+        <p:nvSpPr>
+          <p:cNvPr id="8194" name="Rectangle 2"/>
+          <p:cNvSpPr>
+            <a:spLocks noGrp="1" noChangeArrowheads="1"/>
+          </p:cNvSpPr>
+          <p:nvPr>
+            <p:ph type="title"/>
+          </p:nvPr>
+        </p:nvSpPr>
+        <p:spPr/>
+        <p:txBody>
+          <a:bodyPr/>
+          <a:lstStyle/>
+          <a:p>
+            <a:r>
+              <a:rPr lang="zh-CN" altLang="en-US" dirty="0" smtClean="0">
+                <a:ea typeface="宋体" charset="-122"/>
+              </a:rPr>
+              <a:t>问题讨论</a:t>
+            </a:r>
+            <a:endParaRPr lang="en-US" altLang="zh-CN" sz="3600" dirty="0">
+              <a:ea typeface="宋体" charset="-122"/>
+            </a:endParaRPr>
+          </a:p>
+        </p:txBody>
+      </p:sp>
+      <p:sp>
+        <p:nvSpPr>
+          <p:cNvPr id="8195" name="Rectangle 3"/>
+          <p:cNvSpPr>
+            <a:spLocks noGrp="1" noChangeArrowheads="1"/>
+          </p:cNvSpPr>
+          <p:nvPr>
+            <p:ph type="body" sz="half" idx="1"/>
+          </p:nvPr>
+        </p:nvSpPr>
+        <p:spPr>
+          <a:xfrm>
+            <a:off x="0" y="1357298"/>
+            <a:ext cx="8153400" cy="4880014"/>
+          </a:xfrm>
+        </p:spPr>
+        <p:txBody>
+          <a:bodyPr/>
+          <a:lstStyle/>
+          <a:p>
+            <a:pPr lvl="2"/>
+            <a:r>
+              <a:rPr lang="en-US" altLang="zh-CN" sz="2800" dirty="0" smtClean="0"/>
+              <a:t>1</a:t>
+            </a:r>
+            <a:r>
+              <a:rPr lang="zh-CN" altLang="en-US" sz="2800" dirty="0" smtClean="0"/>
+              <a:t>、经文中</a:t>
+            </a:r>
+            <a:r>
+              <a:rPr lang="zh-CN" altLang="en-US" sz="2800" dirty="0" smtClean="0"/>
+              <a:t>提到接受福音有哪几种渠道</a:t>
+            </a:r>
+            <a:r>
+              <a:rPr lang="zh-CN" altLang="en-US" sz="2800" dirty="0" smtClean="0"/>
+              <a:t>？   保</a:t>
+            </a:r>
+            <a:r>
+              <a:rPr lang="zh-CN" altLang="en-US" sz="2800" dirty="0" smtClean="0"/>
+              <a:t>罗与你分别属于哪一种？你如何理解“启示”一词？</a:t>
+            </a:r>
+            <a:endParaRPr lang="en-US" altLang="zh-CN" sz="2800" dirty="0" smtClean="0">
+              <a:solidFill>
+                <a:srgbClr val="0070C0"/>
+              </a:solidFill>
+            </a:endParaRPr>
+          </a:p>
+          <a:p>
+            <a:pPr lvl="2"/>
+            <a:r>
+              <a:rPr lang="en-US" altLang="zh-CN" sz="2800" dirty="0" smtClean="0"/>
+              <a:t>2</a:t>
+            </a:r>
+            <a:r>
+              <a:rPr lang="zh-CN" altLang="en-US" sz="2800" dirty="0" smtClean="0"/>
+              <a:t>、保</a:t>
+            </a:r>
+            <a:r>
+              <a:rPr lang="zh-CN" altLang="en-US" sz="2800" dirty="0" smtClean="0"/>
+              <a:t>罗信主前认识其他使徒吗？信主后跟哪些使徒交流过？保罗为什么强调这些事？</a:t>
+            </a:r>
+            <a:endParaRPr lang="en-US" altLang="zh-CN" sz="2800" dirty="0" smtClean="0">
+              <a:solidFill>
+                <a:srgbClr val="0070C0"/>
+              </a:solidFill>
+            </a:endParaRPr>
+          </a:p>
+          <a:p>
+            <a:pPr lvl="2"/>
+            <a:r>
+              <a:rPr lang="en-US" altLang="zh-CN" sz="2800" dirty="0" smtClean="0"/>
+              <a:t>3</a:t>
+            </a:r>
+            <a:r>
+              <a:rPr lang="zh-CN" altLang="en-US" sz="2800" dirty="0" smtClean="0"/>
+              <a:t>、</a:t>
+            </a:r>
+            <a:r>
+              <a:rPr lang="en-US" altLang="zh-CN" sz="2800" dirty="0" smtClean="0"/>
+              <a:t>14</a:t>
+            </a:r>
+            <a:r>
+              <a:rPr lang="zh-CN" altLang="en-US" sz="2800" dirty="0" smtClean="0"/>
+              <a:t>节提到的“遗传”指的是什么</a:t>
+            </a:r>
+            <a:r>
+              <a:rPr lang="zh-CN" altLang="en-US" sz="2800" dirty="0" smtClean="0"/>
+              <a:t>？     为</a:t>
+            </a:r>
+            <a:r>
+              <a:rPr lang="zh-CN" altLang="en-US" sz="2800" dirty="0" smtClean="0"/>
+              <a:t>“遗传”热心跟信仰有冲突吗？如果有</a:t>
+            </a:r>
+            <a:r>
+              <a:rPr lang="zh-CN" altLang="en-US" sz="2800" dirty="0" smtClean="0"/>
+              <a:t>，</a:t>
+            </a:r>
+            <a:r>
+              <a:rPr lang="zh-CN" altLang="en-US" sz="2800" dirty="0" smtClean="0"/>
+              <a:t>请举例说明。</a:t>
+            </a:r>
+            <a:endParaRPr lang="en-US" altLang="zh-CN" sz="2800" dirty="0" smtClean="0"/>
+          </a:p>
+          <a:p>
+            <a:pPr lvl="2"/>
+            <a:r>
+              <a:rPr lang="en-US" altLang="zh-CN" sz="2800" dirty="0" smtClean="0"/>
+              <a:t>4</a:t>
+            </a:r>
+            <a:r>
+              <a:rPr lang="zh-CN" altLang="en-US" sz="2800" dirty="0" smtClean="0"/>
+              <a:t>、保</a:t>
+            </a:r>
+            <a:r>
+              <a:rPr lang="zh-CN" altLang="en-US" sz="2800" dirty="0" smtClean="0"/>
+              <a:t>罗信主前后有哪些变化？我有哪些变化？请对比自己的改变与保罗有何相似之处。</a:t>
+            </a:r>
+            <a:endParaRPr lang="en-US" altLang="zh-CN" sz="2800" dirty="0" smtClean="0">
+              <a:solidFill>
+                <a:srgbClr val="0070C0"/>
+              </a:solidFill>
+            </a:endParaRPr>
+          </a:p>
+          <a:p>
+            <a:pPr lvl="2"/>
+            <a:endParaRPr lang="en-US" altLang="zh-CN" sz="2800" dirty="0">
+              <a:ea typeface="宋体" charset="-122"/>
+            </a:endParaRPr>
+          </a:p>
+        </p:txBody>
+      </p:sp>
+    </p:spTree>
+    <p:extLst>
+      <p:ext uri="{BB962C8B-B14F-4D97-AF65-F5344CB8AC3E}">
+        <p14:creationId xmlns="" xmlns:p14="http://schemas.microsoft.com/office/powerpoint/2010/main" val="274900122"/>
+      </p:ext>
+    </p:extLst>
+  </p:cSld>
+  <p:clrMapOvr>
+    <a:masterClrMapping/>
+  </p:clrMapOvr>
+  <mc:AlternateContent xmlns:mc="http://schemas.openxmlformats.org/markup-compatibility/2006">
+    <mc:Choice xmlns="" xmlns:p14="http://schemas.microsoft.com/office/powerpoint/2010/main" Requires="p14">
+      <p:transition p14:dur="10"/>
+    </mc:Choice>
+    <mc:Fallback>
+      <p:transition/>
+    </mc:Fallback>
+  </mc:AlternateContent>
+  <p:timing>
+    <p:tnLst>
+      <p:par>
+        <p:cTn id="1" dur="indefinite" restart="never" nodeType="tmRoot"/>
+      </p:par>
+    </p:tnLst>
+  </p:timing>
+</p:sld>
+</file>
+
+<file path=ppt/slides/slide5.xml><?xml version="1.0" encoding="utf-8"?>
+<p:sld xmlns:a="http://schemas.openxmlformats.org/drawingml/2006/main" xmlns:r="http://schemas.openxmlformats.org/officeDocument/2006/relationships" xmlns:p="http://schemas.openxmlformats.org/presentationml/2006/main">
+  <p:cSld>
+    <p:spTree>
+      <p:nvGrpSpPr>
+        <p:cNvPr id="1" name=""/>
+        <p:cNvGrpSpPr/>
+        <p:nvPr/>
+      </p:nvGrpSpPr>
+      <p:grpSpPr>
+        <a:xfrm>
+          <a:off x="0" y="0"/>
+          <a:ext cx="0" cy="0"/>
+          <a:chOff x="0" y="0"/>
+          <a:chExt cx="0" cy="0"/>
+        </a:xfrm>
+      </p:grpSpPr>
+      <p:sp>
+        <p:nvSpPr>
+          <p:cNvPr id="8194" name="Rectangle 2"/>
+          <p:cNvSpPr>
+            <a:spLocks noGrp="1" noChangeArrowheads="1"/>
+          </p:cNvSpPr>
+          <p:nvPr>
+            <p:ph type="title"/>
+          </p:nvPr>
+        </p:nvSpPr>
+        <p:spPr>
+          <a:xfrm>
+            <a:off x="457200" y="238125"/>
+            <a:ext cx="7043758" cy="868363"/>
+          </a:xfrm>
+        </p:spPr>
+        <p:txBody>
+          <a:bodyPr/>
+          <a:lstStyle/>
+          <a:p>
+            <a:r>
+              <a:rPr lang="en-US" altLang="zh-CN" sz="3600" dirty="0" smtClean="0">
+                <a:ea typeface="宋体" charset="-122"/>
+              </a:rPr>
+              <a:t>1.</a:t>
+            </a:r>
+            <a:r>
+              <a:rPr lang="zh-CN" altLang="en-US" sz="3600" dirty="0" smtClean="0">
+                <a:ea typeface="宋体" charset="-122"/>
+              </a:rPr>
+              <a:t>改变的原因</a:t>
+            </a:r>
+            <a:r>
+              <a:rPr lang="en-US" altLang="zh-CN" sz="3600" dirty="0" smtClean="0">
+                <a:ea typeface="宋体" charset="-122"/>
+              </a:rPr>
+              <a:t>—</a:t>
+            </a:r>
+            <a:r>
+              <a:rPr lang="zh-CN" altLang="en-US" sz="3600" dirty="0" smtClean="0"/>
+              <a:t>领受启示</a:t>
+            </a:r>
+            <a:r>
+              <a:rPr lang="zh-CN" altLang="en-US" sz="3200" dirty="0" smtClean="0"/>
+              <a:t>（</a:t>
+            </a:r>
+            <a:r>
+              <a:rPr lang="en-US" sz="3200" dirty="0" smtClean="0"/>
+              <a:t>11</a:t>
+            </a:r>
+            <a:r>
+              <a:rPr lang="en-US" altLang="zh-CN" sz="3200" dirty="0" smtClean="0"/>
+              <a:t>-</a:t>
+            </a:r>
+            <a:r>
+              <a:rPr lang="en-US" sz="3200" dirty="0" smtClean="0"/>
+              <a:t>12</a:t>
+            </a:r>
+            <a:r>
+              <a:rPr lang="zh-CN" altLang="en-US" sz="3200" dirty="0" smtClean="0"/>
+              <a:t>）</a:t>
+            </a:r>
+            <a:r>
+              <a:rPr lang="zh-CN" altLang="en-US" sz="2800" dirty="0" smtClean="0">
+                <a:ea typeface="宋体" charset="-122"/>
+              </a:rPr>
+              <a:t> </a:t>
+            </a:r>
+            <a:endParaRPr lang="en-US" altLang="zh-CN" sz="4000" dirty="0">
+              <a:ea typeface="宋体" charset="-122"/>
+            </a:endParaRPr>
+          </a:p>
+        </p:txBody>
+      </p:sp>
+      <p:sp>
+        <p:nvSpPr>
+          <p:cNvPr id="8195" name="Rectangle 3"/>
+          <p:cNvSpPr>
+            <a:spLocks noGrp="1" noChangeArrowheads="1"/>
+          </p:cNvSpPr>
+          <p:nvPr>
+            <p:ph type="body" sz="half" idx="1"/>
+          </p:nvPr>
+        </p:nvSpPr>
+        <p:spPr>
+          <a:xfrm>
+            <a:off x="685800" y="1285860"/>
+            <a:ext cx="7467600" cy="5072098"/>
+          </a:xfrm>
+        </p:spPr>
+        <p:txBody>
+          <a:bodyPr/>
+          <a:lstStyle/>
+          <a:p>
+            <a:pPr>
+              <a:buNone/>
+            </a:pPr>
+            <a:r>
+              <a:rPr lang="en-US" altLang="zh-CN" sz="2800" dirty="0" smtClean="0">
+                <a:solidFill>
+                  <a:srgbClr val="FF0000"/>
+                </a:solidFill>
+              </a:rPr>
+              <a:t>11</a:t>
+            </a:r>
+            <a:r>
+              <a:rPr lang="zh-CN" altLang="en-US" sz="2800" dirty="0" smtClean="0">
+                <a:solidFill>
+                  <a:srgbClr val="FF0000"/>
+                </a:solidFill>
+              </a:rPr>
+              <a:t>弟兄们，我告诉你们，我素来所传的福音，不是出于</a:t>
+            </a:r>
+            <a:r>
+              <a:rPr lang="zh-CN" altLang="en-US" sz="2800" dirty="0" smtClean="0"/>
+              <a:t>人的意思</a:t>
+            </a:r>
+            <a:r>
+              <a:rPr lang="zh-CN" altLang="en-US" sz="2800" dirty="0" smtClean="0">
+                <a:solidFill>
+                  <a:srgbClr val="FF0000"/>
+                </a:solidFill>
+              </a:rPr>
+              <a:t>。</a:t>
+            </a:r>
+            <a:endParaRPr lang="en-US" altLang="zh-CN" dirty="0" smtClean="0">
+              <a:solidFill>
+                <a:srgbClr val="FF0000"/>
+              </a:solidFill>
+            </a:endParaRPr>
+          </a:p>
+          <a:p>
+            <a:r>
+              <a:rPr lang="en-US" altLang="zh-CN" dirty="0" smtClean="0"/>
+              <a:t>1.1.</a:t>
+            </a:r>
+            <a:r>
+              <a:rPr lang="zh-CN" altLang="en-US" dirty="0" smtClean="0"/>
+              <a:t>人的意思（</a:t>
+            </a:r>
+            <a:r>
+              <a:rPr lang="en-US" altLang="zh-CN" dirty="0" smtClean="0"/>
+              <a:t>v11</a:t>
+            </a:r>
+            <a:r>
+              <a:rPr lang="zh-CN" altLang="en-US" dirty="0" smtClean="0"/>
+              <a:t>）  </a:t>
+            </a:r>
+            <a:endParaRPr lang="en-US" altLang="zh-CN" dirty="0" smtClean="0"/>
+          </a:p>
+          <a:p>
+            <a:pPr lvl="1"/>
+            <a:r>
+              <a:rPr lang="en-US" altLang="zh-CN" dirty="0" smtClean="0"/>
+              <a:t>a</a:t>
+            </a:r>
+            <a:r>
+              <a:rPr lang="zh-CN" altLang="en-US" dirty="0" smtClean="0"/>
+              <a:t>）“不是出于人的意思”</a:t>
+            </a:r>
+            <a:endParaRPr lang="en-US" altLang="zh-CN" sz="2000" dirty="0" smtClean="0"/>
+          </a:p>
+          <a:p>
+            <a:pPr lvl="2"/>
+            <a:r>
+              <a:rPr lang="zh-CN" altLang="en-US" dirty="0" smtClean="0"/>
+              <a:t>就是不属于人的一种道理，既不是出于人的授意或附从人的主张，也不是从人间的各种哲理或学说中领悟出来的一种新道理。</a:t>
+            </a:r>
+            <a:endParaRPr lang="en-US" altLang="zh-CN" dirty="0" smtClean="0"/>
+          </a:p>
+          <a:p>
+            <a:pPr lvl="2"/>
+            <a:r>
+              <a:rPr lang="zh-CN" altLang="en-US" dirty="0" smtClean="0"/>
+              <a:t>他慎重地声明</a:t>
+            </a:r>
+            <a:r>
+              <a:rPr lang="en-US" altLang="zh-CN" dirty="0" smtClean="0"/>
+              <a:t>︰</a:t>
+            </a:r>
+            <a:r>
+              <a:rPr lang="zh-CN" altLang="en-US" dirty="0" smtClean="0"/>
+              <a:t>他所传的福音，与他过去所受的教育，和宗教方面的栽培无关。乃是从神另外领受的一项“新道” 。</a:t>
+            </a:r>
+            <a:endParaRPr lang="en-US" altLang="zh-CN" dirty="0" smtClean="0"/>
+          </a:p>
+        </p:txBody>
+      </p:sp>
+    </p:spTree>
+    <p:extLst>
+      <p:ext uri="{BB962C8B-B14F-4D97-AF65-F5344CB8AC3E}">
+        <p14:creationId xmlns="" xmlns:p14="http://schemas.microsoft.com/office/powerpoint/2010/main" val="602482599"/>
+      </p:ext>
+    </p:extLst>
+  </p:cSld>
+  <p:clrMapOvr>
+    <a:masterClrMapping/>
+  </p:clrMapOvr>
+  <mc:AlternateContent xmlns:mc="http://schemas.openxmlformats.org/markup-compatibility/2006">
+    <mc:Choice xmlns="" xmlns:p14="http://schemas.microsoft.com/office/powerpoint/2010/main" Requires="p14">
+      <p:transition p14:dur="10"/>
+    </mc:Choice>
+    <mc:Fallback>
+      <p:transition/>
+    </mc:Fallback>
+  </mc:AlternateContent>
+  <p:timing>
+    <p:tnLst>
+      <p:par>
+        <p:cTn id="1" dur="indefinite" restart="never" nodeType="tmRoot"/>
+      </p:par>
+    </p:tnLst>
+  </p:timing>
+</p:sld>
+</file>
+
+<file path=ppt/slides/slide6.xml><?xml version="1.0" encoding="utf-8"?>
+<p:sld xmlns:a="http://schemas.openxmlformats.org/drawingml/2006/main" xmlns:r="http://schemas.openxmlformats.org/officeDocument/2006/relationships" xmlns:p="http://schemas.openxmlformats.org/presentationml/2006/main">
+  <p:cSld>
+    <p:spTree>
+      <p:nvGrpSpPr>
+        <p:cNvPr id="1" name=""/>
+        <p:cNvGrpSpPr/>
+        <p:nvPr/>
+      </p:nvGrpSpPr>
+      <p:grpSpPr>
+        <a:xfrm>
+          <a:off x="0" y="0"/>
+          <a:ext cx="0" cy="0"/>
+          <a:chOff x="0" y="0"/>
+          <a:chExt cx="0" cy="0"/>
+        </a:xfrm>
+      </p:grpSpPr>
+      <p:sp>
+        <p:nvSpPr>
+          <p:cNvPr id="8194" name="Rectangle 2"/>
+          <p:cNvSpPr>
+            <a:spLocks noGrp="1" noChangeArrowheads="1"/>
+          </p:cNvSpPr>
+          <p:nvPr>
+            <p:ph type="title"/>
+          </p:nvPr>
+        </p:nvSpPr>
+        <p:spPr>
+          <a:xfrm>
+            <a:off x="457200" y="238125"/>
+            <a:ext cx="7043758" cy="868363"/>
+          </a:xfrm>
+        </p:spPr>
+        <p:txBody>
+          <a:bodyPr/>
+          <a:lstStyle/>
+          <a:p>
+            <a:r>
+              <a:rPr lang="en-US" altLang="zh-CN" sz="3600" dirty="0" smtClean="0">
+                <a:ea typeface="宋体" charset="-122"/>
+              </a:rPr>
+              <a:t>1.</a:t>
+            </a:r>
+            <a:r>
+              <a:rPr lang="zh-CN" altLang="en-US" sz="3600" dirty="0" smtClean="0">
+                <a:ea typeface="宋体" charset="-122"/>
+              </a:rPr>
+              <a:t>改变的原因</a:t>
+            </a:r>
+            <a:r>
+              <a:rPr lang="en-US" altLang="zh-CN" sz="3600" dirty="0" smtClean="0">
+                <a:ea typeface="宋体" charset="-122"/>
+              </a:rPr>
+              <a:t>—</a:t>
+            </a:r>
+            <a:r>
+              <a:rPr lang="zh-CN" altLang="en-US" sz="3600" dirty="0" smtClean="0"/>
+              <a:t>领受启示</a:t>
+            </a:r>
+            <a:r>
+              <a:rPr lang="zh-CN" altLang="en-US" sz="3200" dirty="0" smtClean="0"/>
+              <a:t>（</a:t>
+            </a:r>
+            <a:r>
+              <a:rPr lang="en-US" sz="3200" dirty="0" smtClean="0"/>
+              <a:t>11</a:t>
+            </a:r>
+            <a:r>
+              <a:rPr lang="en-US" altLang="zh-CN" sz="3200" dirty="0" smtClean="0"/>
+              <a:t>-</a:t>
+            </a:r>
+            <a:r>
+              <a:rPr lang="en-US" sz="3200" dirty="0" smtClean="0"/>
+              <a:t>12</a:t>
+            </a:r>
+            <a:r>
+              <a:rPr lang="zh-CN" altLang="en-US" sz="3200" dirty="0" smtClean="0"/>
+              <a:t>）</a:t>
+            </a:r>
+            <a:r>
+              <a:rPr lang="zh-CN" altLang="en-US" sz="2800" dirty="0" smtClean="0">
+                <a:ea typeface="宋体" charset="-122"/>
+              </a:rPr>
+              <a:t> </a:t>
+            </a:r>
+            <a:endParaRPr lang="en-US" altLang="zh-CN" sz="4000" dirty="0">
+              <a:ea typeface="宋体" charset="-122"/>
+            </a:endParaRPr>
+          </a:p>
+        </p:txBody>
+      </p:sp>
+      <p:sp>
+        <p:nvSpPr>
+          <p:cNvPr id="8195" name="Rectangle 3"/>
+          <p:cNvSpPr>
+            <a:spLocks noGrp="1" noChangeArrowheads="1"/>
+          </p:cNvSpPr>
+          <p:nvPr>
+            <p:ph type="body" sz="half" idx="1"/>
+          </p:nvPr>
+        </p:nvSpPr>
+        <p:spPr>
+          <a:xfrm>
+            <a:off x="685800" y="1285860"/>
+            <a:ext cx="7467600" cy="5072098"/>
+          </a:xfrm>
+        </p:spPr>
+        <p:txBody>
+          <a:bodyPr/>
+          <a:lstStyle/>
+          <a:p>
+            <a:pPr>
+              <a:buNone/>
+            </a:pPr>
+            <a:r>
+              <a:rPr lang="en-US" altLang="zh-CN" sz="2800" dirty="0" smtClean="0">
+                <a:solidFill>
+                  <a:srgbClr val="FF0000"/>
+                </a:solidFill>
+              </a:rPr>
+              <a:t>12</a:t>
+            </a:r>
+            <a:r>
+              <a:rPr lang="zh-CN" altLang="en-US" sz="2800" dirty="0" smtClean="0">
+                <a:solidFill>
+                  <a:srgbClr val="FF0000"/>
+                </a:solidFill>
+              </a:rPr>
+              <a:t>因为我不是从人领受的，也不是人教导我的，乃是从耶稣基督</a:t>
+            </a:r>
+            <a:r>
+              <a:rPr lang="zh-CN" altLang="en-US" sz="2800" dirty="0" smtClean="0"/>
+              <a:t>启示</a:t>
+            </a:r>
+            <a:r>
+              <a:rPr lang="zh-CN" altLang="en-US" sz="2800" dirty="0" smtClean="0">
+                <a:solidFill>
+                  <a:srgbClr val="FF0000"/>
+                </a:solidFill>
+              </a:rPr>
+              <a:t>来的。</a:t>
+            </a:r>
+          </a:p>
+          <a:p>
+            <a:r>
+              <a:rPr lang="en-US" altLang="zh-CN" dirty="0" smtClean="0"/>
+              <a:t>1.2.</a:t>
+            </a:r>
+            <a:r>
+              <a:rPr lang="zh-CN" altLang="en-US" dirty="0" smtClean="0"/>
+              <a:t>神的启示（</a:t>
+            </a:r>
+            <a:r>
+              <a:rPr lang="en-US" dirty="0" smtClean="0"/>
+              <a:t>v12</a:t>
+            </a:r>
+            <a:r>
+              <a:rPr lang="zh-CN" altLang="en-US" dirty="0" smtClean="0"/>
+              <a:t>） </a:t>
+            </a:r>
+            <a:endParaRPr lang="en-US" altLang="zh-CN" dirty="0" smtClean="0"/>
+          </a:p>
+          <a:p>
+            <a:pPr lvl="1"/>
+            <a:r>
+              <a:rPr lang="en-US" altLang="zh-CN" dirty="0" smtClean="0"/>
+              <a:t>a</a:t>
+            </a:r>
+            <a:r>
+              <a:rPr lang="zh-CN" altLang="en-US" dirty="0" smtClean="0"/>
+              <a:t>）保罗受启示的经历</a:t>
+            </a:r>
+            <a:endParaRPr lang="en-US" altLang="zh-CN" sz="2000" dirty="0" smtClean="0"/>
+          </a:p>
+          <a:p>
+            <a:pPr lvl="2"/>
+            <a:r>
+              <a:rPr lang="en-US" altLang="zh-CN" sz="2000" dirty="0" smtClean="0">
+                <a:solidFill>
+                  <a:srgbClr val="FF0000"/>
+                </a:solidFill>
+              </a:rPr>
+              <a:t>[</a:t>
+            </a:r>
+            <a:r>
+              <a:rPr lang="zh-CN" altLang="en-US" sz="2000" dirty="0" smtClean="0">
+                <a:solidFill>
+                  <a:srgbClr val="FF0000"/>
+                </a:solidFill>
+              </a:rPr>
+              <a:t>林后</a:t>
+            </a:r>
+            <a:r>
+              <a:rPr lang="en-US" altLang="zh-CN" sz="2000" dirty="0" smtClean="0">
+                <a:solidFill>
+                  <a:srgbClr val="FF0000"/>
+                </a:solidFill>
+              </a:rPr>
+              <a:t>12:2] </a:t>
+            </a:r>
+            <a:r>
+              <a:rPr lang="zh-CN" altLang="en-US" sz="2000" dirty="0" smtClean="0">
+                <a:solidFill>
+                  <a:srgbClr val="FF0000"/>
+                </a:solidFill>
+              </a:rPr>
+              <a:t>我认得一个在基督里的人，他前十四年被提到第三层天上去。</a:t>
+            </a:r>
+            <a:endParaRPr lang="en-US" altLang="zh-CN" sz="2000" dirty="0" smtClean="0">
+              <a:solidFill>
+                <a:srgbClr val="FF0000"/>
+              </a:solidFill>
+            </a:endParaRPr>
+          </a:p>
+          <a:p>
+            <a:pPr lvl="2"/>
+            <a:r>
+              <a:rPr lang="zh-CN" altLang="en-US" sz="2000" dirty="0" smtClean="0"/>
+              <a:t>蒙召后不久，曾有一段时间（约三年）到阿拉伯去。这三年中他得着了什么启示，或如何受神造就，是我们所不能测透的。</a:t>
+            </a:r>
+            <a:endParaRPr lang="en-US" altLang="zh-CN" sz="2000" dirty="0" smtClean="0"/>
+          </a:p>
+          <a:p>
+            <a:pPr lvl="2"/>
+            <a:r>
+              <a:rPr lang="en-US" altLang="zh-CN" sz="2000" dirty="0" smtClean="0">
+                <a:solidFill>
+                  <a:srgbClr val="FF0000"/>
+                </a:solidFill>
+              </a:rPr>
+              <a:t>[</a:t>
+            </a:r>
+            <a:r>
+              <a:rPr lang="zh-CN" altLang="en-US" sz="2000" dirty="0" smtClean="0">
+                <a:solidFill>
+                  <a:srgbClr val="FF0000"/>
+                </a:solidFill>
+              </a:rPr>
+              <a:t>弗</a:t>
+            </a:r>
+            <a:r>
+              <a:rPr lang="en-US" altLang="zh-CN" sz="2000" dirty="0" smtClean="0">
+                <a:solidFill>
+                  <a:srgbClr val="FF0000"/>
+                </a:solidFill>
+              </a:rPr>
+              <a:t>3:4] </a:t>
+            </a:r>
+            <a:r>
+              <a:rPr lang="zh-CN" altLang="en-US" sz="2000" dirty="0" smtClean="0">
+                <a:solidFill>
+                  <a:srgbClr val="FF0000"/>
+                </a:solidFill>
+              </a:rPr>
+              <a:t>用启示使我知道福音的奥秘，正如我以前略略写过的。</a:t>
+            </a:r>
+            <a:endParaRPr lang="en-US" altLang="zh-CN" sz="2000" dirty="0" smtClean="0">
+              <a:solidFill>
+                <a:srgbClr val="FF0000"/>
+              </a:solidFill>
+            </a:endParaRPr>
+          </a:p>
+          <a:p>
+            <a:pPr lvl="2"/>
+            <a:r>
+              <a:rPr lang="zh-CN" altLang="en-US" sz="2000" dirty="0" smtClean="0"/>
+              <a:t>外邦人得以在基督借着福音（不是藉割礼）得与犹太人（犹太信徒）同归于一</a:t>
+            </a:r>
+            <a:endParaRPr lang="en-US" altLang="zh-CN" dirty="0" smtClean="0"/>
+          </a:p>
+        </p:txBody>
+      </p:sp>
+    </p:spTree>
+    <p:extLst>
+      <p:ext uri="{BB962C8B-B14F-4D97-AF65-F5344CB8AC3E}">
+        <p14:creationId xmlns="" xmlns:p14="http://schemas.microsoft.com/office/powerpoint/2010/main" val="602482599"/>
+      </p:ext>
+    </p:extLst>
+  </p:cSld>
+  <p:clrMapOvr>
+    <a:masterClrMapping/>
+  </p:clrMapOvr>
+  <mc:AlternateContent xmlns:mc="http://schemas.openxmlformats.org/markup-compatibility/2006">
+    <mc:Choice xmlns="" xmlns:p14="http://schemas.microsoft.com/office/powerpoint/2010/main" Requires="p14">
+      <p:transition p14:dur="10"/>
+    </mc:Choice>
+    <mc:Fallback>
+      <p:transition/>
+    </mc:Fallback>
+  </mc:AlternateContent>
+  <p:timing>
+    <p:tnLst>
+      <p:par>
+        <p:cTn id="1" dur="indefinite" restart="never" nodeType="tmRoot"/>
+      </p:par>
+    </p:tnLst>
+  </p:timing>
+</p:sld>
+</file>
+
+<file path=ppt/slides/slide7.xml><?xml version="1.0" encoding="utf-8"?>
+<p:sld xmlns:a="http://schemas.openxmlformats.org/drawingml/2006/main" xmlns:r="http://schemas.openxmlformats.org/officeDocument/2006/relationships" xmlns:p="http://schemas.openxmlformats.org/presentationml/2006/main">
+  <p:cSld>
+    <p:spTree>
+      <p:nvGrpSpPr>
+        <p:cNvPr id="1" name=""/>
+        <p:cNvGrpSpPr/>
+        <p:nvPr/>
+      </p:nvGrpSpPr>
+      <p:grpSpPr>
+        <a:xfrm>
+          <a:off x="0" y="0"/>
+          <a:ext cx="0" cy="0"/>
+          <a:chOff x="0" y="0"/>
+          <a:chExt cx="0" cy="0"/>
+        </a:xfrm>
+      </p:grpSpPr>
+      <p:sp>
+        <p:nvSpPr>
+          <p:cNvPr id="8194" name="Rectangle 2"/>
+          <p:cNvSpPr>
+            <a:spLocks noGrp="1" noChangeArrowheads="1"/>
+          </p:cNvSpPr>
+          <p:nvPr>
+            <p:ph type="title"/>
+          </p:nvPr>
+        </p:nvSpPr>
+        <p:spPr>
+          <a:xfrm>
+            <a:off x="457200" y="238125"/>
+            <a:ext cx="7043758" cy="868363"/>
+          </a:xfrm>
+        </p:spPr>
+        <p:txBody>
+          <a:bodyPr/>
+          <a:lstStyle/>
+          <a:p>
+            <a:r>
+              <a:rPr lang="en-US" altLang="zh-CN" sz="3600" dirty="0" smtClean="0">
+                <a:ea typeface="宋体" charset="-122"/>
+              </a:rPr>
+              <a:t>1.</a:t>
+            </a:r>
+            <a:r>
+              <a:rPr lang="zh-CN" altLang="en-US" sz="3600" dirty="0" smtClean="0">
+                <a:ea typeface="宋体" charset="-122"/>
+              </a:rPr>
+              <a:t>改变的原因</a:t>
+            </a:r>
+            <a:r>
+              <a:rPr lang="en-US" altLang="zh-CN" sz="3600" dirty="0" smtClean="0">
+                <a:ea typeface="宋体" charset="-122"/>
+              </a:rPr>
+              <a:t>—</a:t>
+            </a:r>
+            <a:r>
+              <a:rPr lang="zh-CN" altLang="en-US" sz="3600" dirty="0" smtClean="0"/>
+              <a:t>领受启示</a:t>
+            </a:r>
+            <a:r>
+              <a:rPr lang="zh-CN" altLang="en-US" sz="3200" dirty="0" smtClean="0"/>
+              <a:t>（</a:t>
+            </a:r>
+            <a:r>
+              <a:rPr lang="en-US" sz="3200" dirty="0" smtClean="0"/>
+              <a:t>11</a:t>
+            </a:r>
+            <a:r>
+              <a:rPr lang="en-US" altLang="zh-CN" sz="3200" dirty="0" smtClean="0"/>
+              <a:t>-</a:t>
+            </a:r>
+            <a:r>
+              <a:rPr lang="en-US" sz="3200" dirty="0" smtClean="0"/>
+              <a:t>12</a:t>
+            </a:r>
+            <a:r>
+              <a:rPr lang="zh-CN" altLang="en-US" sz="3200" dirty="0" smtClean="0"/>
+              <a:t>）</a:t>
+            </a:r>
+            <a:r>
+              <a:rPr lang="zh-CN" altLang="en-US" sz="2800" dirty="0" smtClean="0">
+                <a:ea typeface="宋体" charset="-122"/>
+              </a:rPr>
+              <a:t> </a:t>
+            </a:r>
+            <a:endParaRPr lang="en-US" altLang="zh-CN" sz="4000" dirty="0">
+              <a:ea typeface="宋体" charset="-122"/>
+            </a:endParaRPr>
+          </a:p>
+        </p:txBody>
+      </p:sp>
+      <p:sp>
+        <p:nvSpPr>
+          <p:cNvPr id="8195" name="Rectangle 3"/>
+          <p:cNvSpPr>
+            <a:spLocks noGrp="1" noChangeArrowheads="1"/>
+          </p:cNvSpPr>
+          <p:nvPr>
+            <p:ph type="body" sz="half" idx="1"/>
+          </p:nvPr>
+        </p:nvSpPr>
+        <p:spPr>
+          <a:xfrm>
+            <a:off x="685800" y="1285860"/>
+            <a:ext cx="7467600" cy="5072098"/>
+          </a:xfrm>
+        </p:spPr>
+        <p:txBody>
+          <a:bodyPr/>
+          <a:lstStyle/>
+          <a:p>
+            <a:pPr>
+              <a:buNone/>
+            </a:pPr>
+            <a:r>
+              <a:rPr lang="en-US" altLang="zh-CN" sz="2800" dirty="0" smtClean="0">
+                <a:solidFill>
+                  <a:srgbClr val="FF0000"/>
+                </a:solidFill>
+              </a:rPr>
+              <a:t>12</a:t>
+            </a:r>
+            <a:r>
+              <a:rPr lang="zh-CN" altLang="en-US" sz="2800" dirty="0" smtClean="0">
+                <a:solidFill>
+                  <a:srgbClr val="FF0000"/>
+                </a:solidFill>
+              </a:rPr>
+              <a:t>因为我不是从人领受的，也不是人教导我的，乃是从耶稣基督</a:t>
+            </a:r>
+            <a:r>
+              <a:rPr lang="zh-CN" altLang="en-US" sz="2800" dirty="0" smtClean="0"/>
+              <a:t>启示</a:t>
+            </a:r>
+            <a:r>
+              <a:rPr lang="zh-CN" altLang="en-US" sz="2800" dirty="0" smtClean="0">
+                <a:solidFill>
+                  <a:srgbClr val="FF0000"/>
+                </a:solidFill>
+              </a:rPr>
+              <a:t>来的。</a:t>
+            </a:r>
+          </a:p>
+          <a:p>
+            <a:r>
+              <a:rPr lang="en-US" altLang="zh-CN" dirty="0" smtClean="0"/>
+              <a:t>1.2.</a:t>
+            </a:r>
+            <a:r>
+              <a:rPr lang="zh-CN" altLang="en-US" dirty="0" smtClean="0"/>
+              <a:t>神的启示（</a:t>
+            </a:r>
+            <a:r>
+              <a:rPr lang="en-US" dirty="0" smtClean="0"/>
+              <a:t>v12</a:t>
+            </a:r>
+            <a:r>
+              <a:rPr lang="zh-CN" altLang="en-US" dirty="0" smtClean="0"/>
+              <a:t>） </a:t>
+            </a:r>
+            <a:endParaRPr lang="en-US" altLang="zh-CN" dirty="0" smtClean="0"/>
+          </a:p>
+          <a:p>
+            <a:pPr lvl="1"/>
+            <a:r>
+              <a:rPr lang="en-US" altLang="zh-CN" sz="2400" dirty="0" smtClean="0"/>
+              <a:t>Q1. </a:t>
+            </a:r>
+            <a:r>
+              <a:rPr lang="zh-CN" altLang="en-US" sz="2400" dirty="0" smtClean="0"/>
+              <a:t>经文中提到接受福音有哪几种渠道？保罗与你分别属于哪一种？你如何理解“启示”一词？</a:t>
+            </a:r>
+            <a:endParaRPr lang="en-US" altLang="zh-CN" sz="2400" dirty="0" smtClean="0"/>
+          </a:p>
+          <a:p>
+            <a:pPr lvl="2"/>
+            <a:r>
+              <a:rPr lang="zh-CN" altLang="en-US" sz="2000" dirty="0" smtClean="0"/>
+              <a:t>两种渠道：通过人的教导，直接被神启示。保罗没有人教导，直接由神启示他；提摩太在真道上所受的栽培是从保罗那里听到的，可见提摩太是被人教导的，我们听到的福音也是从一代一代信仰前辈传承而来的。</a:t>
+            </a:r>
+            <a:endParaRPr lang="en-US" altLang="zh-CN" sz="2000" dirty="0" smtClean="0"/>
+          </a:p>
+          <a:p>
+            <a:pPr lvl="2"/>
+            <a:r>
+              <a:rPr lang="zh-CN" altLang="en-US" sz="2000" dirty="0" smtClean="0"/>
+              <a:t>保罗的启示是直接从神而来，有些信徒在生活、工作、行事之中，应用这项原则“直接听从神的指引，不听人的意见”时，却要小心谨慎，</a:t>
+            </a:r>
+            <a:r>
+              <a:rPr lang="en-US" altLang="zh-CN" sz="2000" dirty="0" smtClean="0"/>
+              <a:t>4</a:t>
+            </a:r>
+            <a:r>
+              <a:rPr lang="zh-CN" altLang="en-US" sz="2000" dirty="0" smtClean="0"/>
+              <a:t>点原因。</a:t>
+            </a:r>
+            <a:endParaRPr lang="en-US" altLang="zh-CN" dirty="0" smtClean="0"/>
+          </a:p>
+        </p:txBody>
+      </p:sp>
+    </p:spTree>
+    <p:extLst>
+      <p:ext uri="{BB962C8B-B14F-4D97-AF65-F5344CB8AC3E}">
+        <p14:creationId xmlns="" xmlns:p14="http://schemas.microsoft.com/office/powerpoint/2010/main" val="602482599"/>
+      </p:ext>
+    </p:extLst>
+  </p:cSld>
+  <p:clrMapOvr>
+    <a:masterClrMapping/>
+  </p:clrMapOvr>
+  <mc:AlternateContent xmlns:mc="http://schemas.openxmlformats.org/markup-compatibility/2006">
+    <mc:Choice xmlns="" xmlns:p14="http://schemas.microsoft.com/office/powerpoint/2010/main" Requires="p14">
+      <p:transition p14:dur="10"/>
+    </mc:Choice>
+    <mc:Fallback>
+      <p:transition/>
+    </mc:Fallback>
+  </mc:AlternateContent>
+  <p:timing>
+    <p:tnLst>
+      <p:par>
+        <p:cTn id="1" dur="indefinite" restart="never" nodeType="tmRoot"/>
+      </p:par>
+    </p:tnLst>
+  </p:timing>
+</p:sld>
+</file>
+
+<file path=ppt/slides/slide8.xml><?xml version="1.0" encoding="utf-8"?>
+<p:sld xmlns:a="http://schemas.openxmlformats.org/drawingml/2006/main" xmlns:r="http://schemas.openxmlformats.org/officeDocument/2006/relationships" xmlns:p="http://schemas.openxmlformats.org/presentationml/2006/main">
+  <p:cSld>
+    <p:spTree>
+      <p:nvGrpSpPr>
+        <p:cNvPr id="1" name=""/>
+        <p:cNvGrpSpPr/>
+        <p:nvPr/>
+      </p:nvGrpSpPr>
+      <p:grpSpPr>
+        <a:xfrm>
+          <a:off x="0" y="0"/>
+          <a:ext cx="0" cy="0"/>
+          <a:chOff x="0" y="0"/>
+          <a:chExt cx="0" cy="0"/>
+        </a:xfrm>
+      </p:grpSpPr>
+      <p:sp>
+        <p:nvSpPr>
+          <p:cNvPr id="8194" name="Rectangle 2"/>
+          <p:cNvSpPr>
+            <a:spLocks noGrp="1" noChangeArrowheads="1"/>
+          </p:cNvSpPr>
+          <p:nvPr>
+            <p:ph type="title"/>
+          </p:nvPr>
+        </p:nvSpPr>
+        <p:spPr>
+          <a:xfrm>
+            <a:off x="457200" y="238125"/>
+            <a:ext cx="7043758" cy="868363"/>
+          </a:xfrm>
+        </p:spPr>
+        <p:txBody>
+          <a:bodyPr/>
+          <a:lstStyle/>
+          <a:p>
+            <a:pPr lvl="0"/>
+            <a:r>
+              <a:rPr lang="en-US" altLang="zh-CN" sz="3600" dirty="0" smtClean="0">
+                <a:ea typeface="宋体" charset="-122"/>
+              </a:rPr>
+              <a:t>2.</a:t>
+            </a:r>
+            <a:r>
+              <a:rPr lang="zh-CN" altLang="en-US" sz="3600" dirty="0" smtClean="0">
+                <a:ea typeface="宋体" charset="-122"/>
+              </a:rPr>
+              <a:t>改变前</a:t>
+            </a:r>
+            <a:r>
+              <a:rPr lang="en-US" altLang="zh-CN" sz="3600" dirty="0" smtClean="0">
+                <a:ea typeface="宋体" charset="-122"/>
+              </a:rPr>
+              <a:t>—</a:t>
+            </a:r>
+            <a:r>
+              <a:rPr lang="zh-CN" altLang="en-US" sz="3600" dirty="0" smtClean="0"/>
+              <a:t>醉心律法传统</a:t>
+            </a:r>
+            <a:r>
+              <a:rPr lang="zh-CN" altLang="en-US" sz="3200" dirty="0" smtClean="0"/>
+              <a:t>（</a:t>
+            </a:r>
+            <a:r>
+              <a:rPr lang="en-US" sz="3200" dirty="0" smtClean="0"/>
+              <a:t>13</a:t>
+            </a:r>
+            <a:r>
+              <a:rPr lang="en-US" altLang="zh-CN" sz="3200" dirty="0" smtClean="0"/>
+              <a:t>-</a:t>
+            </a:r>
+            <a:r>
+              <a:rPr lang="en-US" sz="3200" dirty="0" smtClean="0"/>
+              <a:t>14</a:t>
+            </a:r>
+            <a:r>
+              <a:rPr lang="zh-CN" altLang="en-US" sz="3200" dirty="0" smtClean="0"/>
+              <a:t>）</a:t>
+            </a:r>
+            <a:endParaRPr lang="en-US" altLang="zh-CN" sz="3600" dirty="0">
+              <a:ea typeface="宋体" charset="-122"/>
+            </a:endParaRPr>
+          </a:p>
+        </p:txBody>
+      </p:sp>
+      <p:sp>
+        <p:nvSpPr>
+          <p:cNvPr id="8195" name="Rectangle 3"/>
+          <p:cNvSpPr>
+            <a:spLocks noGrp="1" noChangeArrowheads="1"/>
+          </p:cNvSpPr>
+          <p:nvPr>
+            <p:ph type="body" sz="half" idx="1"/>
+          </p:nvPr>
+        </p:nvSpPr>
+        <p:spPr>
+          <a:xfrm>
+            <a:off x="685800" y="1285860"/>
+            <a:ext cx="7467600" cy="5072098"/>
+          </a:xfrm>
+        </p:spPr>
+        <p:txBody>
+          <a:bodyPr/>
+          <a:lstStyle/>
+          <a:p>
+            <a:pPr>
+              <a:buNone/>
+            </a:pPr>
+            <a:r>
+              <a:rPr lang="en-US" altLang="zh-CN" sz="2800" dirty="0" smtClean="0">
+                <a:solidFill>
+                  <a:srgbClr val="FF0000"/>
+                </a:solidFill>
+              </a:rPr>
+              <a:t>14</a:t>
+            </a:r>
+            <a:r>
+              <a:rPr lang="zh-CN" altLang="en-US" sz="2800" dirty="0" smtClean="0">
+                <a:solidFill>
+                  <a:srgbClr val="FF0000"/>
+                </a:solidFill>
+              </a:rPr>
+              <a:t>我又在犹太教中，比我本国许多同岁的人更有长进，为我祖宗的</a:t>
+            </a:r>
+            <a:r>
+              <a:rPr lang="zh-CN" altLang="en-US" sz="2800" dirty="0" smtClean="0"/>
+              <a:t>遗传</a:t>
+            </a:r>
+            <a:r>
+              <a:rPr lang="zh-CN" altLang="en-US" sz="2800" dirty="0" smtClean="0">
+                <a:solidFill>
+                  <a:srgbClr val="FF0000"/>
+                </a:solidFill>
+              </a:rPr>
+              <a:t>更加热心。</a:t>
+            </a:r>
+            <a:endParaRPr lang="en-US" altLang="zh-CN" sz="2800" dirty="0" smtClean="0">
+              <a:solidFill>
+                <a:srgbClr val="FF0000"/>
+              </a:solidFill>
+            </a:endParaRPr>
+          </a:p>
+          <a:p>
+            <a:r>
+              <a:rPr lang="zh-CN" altLang="en-US" dirty="0" smtClean="0"/>
+              <a:t>遗传（</a:t>
+            </a:r>
+            <a:r>
+              <a:rPr lang="en-US" dirty="0" smtClean="0"/>
+              <a:t>v14</a:t>
+            </a:r>
+            <a:r>
+              <a:rPr lang="zh-CN" altLang="en-US" dirty="0" smtClean="0"/>
+              <a:t>） </a:t>
+            </a:r>
+            <a:endParaRPr lang="en-US" altLang="zh-CN" dirty="0" smtClean="0"/>
+          </a:p>
+          <a:p>
+            <a:pPr lvl="1"/>
+            <a:r>
+              <a:rPr lang="en-US" altLang="zh-CN" sz="2400" dirty="0" smtClean="0"/>
+              <a:t>Q3. 14</a:t>
+            </a:r>
+            <a:r>
+              <a:rPr lang="zh-CN" altLang="en-US" sz="2400" dirty="0" smtClean="0"/>
+              <a:t>节提到的“遗传”指的是什么？为“遗传”热心跟信仰有冲突吗？如果有</a:t>
+            </a:r>
+            <a:r>
+              <a:rPr lang="zh-CN" altLang="en-US" sz="2400" dirty="0" smtClean="0"/>
+              <a:t>，请举例说明。</a:t>
+            </a:r>
+            <a:endParaRPr lang="zh-CN" altLang="en-US" sz="2400" dirty="0" smtClean="0"/>
+          </a:p>
+          <a:p>
+            <a:pPr lvl="2"/>
+            <a:r>
+              <a:rPr lang="zh-CN" altLang="en-US" sz="2000" dirty="0" smtClean="0"/>
+              <a:t>遗传英文单词是</a:t>
+            </a:r>
+            <a:r>
+              <a:rPr lang="en-US" sz="2000" dirty="0" smtClean="0"/>
+              <a:t>tradition</a:t>
+            </a:r>
+            <a:r>
+              <a:rPr lang="zh-CN" altLang="en-US" sz="2000" dirty="0" smtClean="0"/>
+              <a:t>，也就是传统，指古人设立的规矩和习惯，犹太人有犹太人的传统，我们中国人也有自己的传统。</a:t>
+            </a:r>
+            <a:endParaRPr lang="en-US" altLang="zh-CN" sz="2000" dirty="0" smtClean="0"/>
+          </a:p>
+          <a:p>
+            <a:pPr lvl="2"/>
+            <a:r>
+              <a:rPr lang="zh-CN" altLang="en-US" sz="2000" dirty="0" smtClean="0"/>
+              <a:t>传统本身没有错，但是跟神的旨意有冲突时，就该有所取舍。过分看重传统，有时候跟信仰会有冲突。</a:t>
+            </a:r>
+            <a:endParaRPr lang="en-US" altLang="zh-CN" sz="2000" dirty="0" smtClean="0"/>
+          </a:p>
+          <a:p>
+            <a:pPr lvl="2"/>
+            <a:r>
+              <a:rPr lang="en-US" altLang="zh-CN" sz="2000" dirty="0" smtClean="0"/>
+              <a:t>Eg1 </a:t>
+            </a:r>
+            <a:r>
+              <a:rPr lang="zh-CN" altLang="en-US" sz="2000" dirty="0" smtClean="0"/>
+              <a:t>犹太人古人的遗传，洗手、奉献与孝敬父母</a:t>
+            </a:r>
+            <a:endParaRPr lang="en-US" altLang="zh-CN" sz="2000" dirty="0" smtClean="0"/>
+          </a:p>
+          <a:p>
+            <a:pPr lvl="2"/>
+            <a:r>
+              <a:rPr lang="en-US" altLang="zh-CN" sz="2000" dirty="0" smtClean="0"/>
+              <a:t>Eg2 </a:t>
+            </a:r>
+            <a:r>
+              <a:rPr lang="zh-CN" altLang="en-US" sz="2000" dirty="0" smtClean="0"/>
+              <a:t>过年</a:t>
+            </a:r>
+            <a:endParaRPr lang="en-US" altLang="zh-CN" sz="2000" dirty="0" smtClean="0"/>
+          </a:p>
+        </p:txBody>
+      </p:sp>
+    </p:spTree>
+    <p:extLst>
+      <p:ext uri="{BB962C8B-B14F-4D97-AF65-F5344CB8AC3E}">
+        <p14:creationId xmlns="" xmlns:p14="http://schemas.microsoft.com/office/powerpoint/2010/main" val="602482599"/>
+      </p:ext>
+    </p:extLst>
+  </p:cSld>
+  <p:clrMapOvr>
+    <a:masterClrMapping/>
+  </p:clrMapOvr>
+  <mc:AlternateContent xmlns:mc="http://schemas.openxmlformats.org/markup-compatibility/2006">
+    <mc:Choice xmlns="" xmlns:p14="http://schemas.microsoft.com/office/powerpoint/2010/main" Requires="p14">
+      <p:transition p14:dur="10"/>
+    </mc:Choice>
+    <mc:Fallback>
+      <p:transition/>
+    </mc:Fallback>
+  </mc:AlternateContent>
+  <p:timing>
+    <p:tnLst>
+      <p:par>
+        <p:cTn id="1" dur="indefinite" restart="never" nodeType="tmRoot"/>
+      </p:par>
+    </p:tnLst>
+  </p:timing>
+</p:sld>
+</file>
+
+<file path=ppt/slides/slide9.xml><?xml version="1.0" encoding="utf-8"?>
+<p:sld xmlns:a="http://schemas.openxmlformats.org/drawingml/2006/main" xmlns:r="http://schemas.openxmlformats.org/officeDocument/2006/relationships" xmlns:p="http://schemas.openxmlformats.org/presentationml/2006/main">
+  <p:cSld>
+    <p:spTree>
+      <p:nvGrpSpPr>
+        <p:cNvPr id="1" name=""/>
+        <p:cNvGrpSpPr/>
+        <p:nvPr/>
+      </p:nvGrpSpPr>
+      <p:grpSpPr>
+        <a:xfrm>
+          <a:off x="0" y="0"/>
+          <a:ext cx="0" cy="0"/>
+          <a:chOff x="0" y="0"/>
+          <a:chExt cx="0" cy="0"/>
+        </a:xfrm>
+      </p:grpSpPr>
+      <p:sp>
+        <p:nvSpPr>
+          <p:cNvPr id="8194" name="Rectangle 2"/>
+          <p:cNvSpPr>
+            <a:spLocks noGrp="1" noChangeArrowheads="1"/>
+          </p:cNvSpPr>
+          <p:nvPr>
+            <p:ph type="title"/>
+          </p:nvPr>
+        </p:nvSpPr>
+        <p:spPr>
+          <a:xfrm>
+            <a:off x="457200" y="238125"/>
+            <a:ext cx="7043758" cy="868363"/>
+          </a:xfrm>
+        </p:spPr>
+        <p:txBody>
+          <a:bodyPr/>
+          <a:lstStyle/>
+          <a:p>
+            <a:pPr lvl="0"/>
+            <a:r>
+              <a:rPr lang="en-US" altLang="zh-CN" sz="3600" dirty="0" smtClean="0"/>
+              <a:t>3.</a:t>
+            </a:r>
+            <a:r>
+              <a:rPr lang="zh-CN" altLang="en-US" sz="3600" dirty="0" smtClean="0"/>
+              <a:t>改变的过程</a:t>
+            </a:r>
+            <a:r>
+              <a:rPr lang="en-US" altLang="zh-CN" sz="3600" dirty="0" smtClean="0"/>
+              <a:t>—</a:t>
+            </a:r>
+            <a:r>
+              <a:rPr lang="zh-CN" altLang="en-US" sz="3600" dirty="0" smtClean="0"/>
+              <a:t>归主蒙召</a:t>
+            </a:r>
+            <a:r>
+              <a:rPr lang="zh-CN" altLang="en-US" sz="3200" dirty="0" smtClean="0"/>
+              <a:t>（</a:t>
+            </a:r>
+            <a:r>
+              <a:rPr lang="en-US" sz="3200" dirty="0" smtClean="0"/>
+              <a:t>15</a:t>
+            </a:r>
+            <a:r>
+              <a:rPr lang="en-US" altLang="zh-CN" sz="3200" dirty="0" smtClean="0"/>
+              <a:t>-</a:t>
+            </a:r>
+            <a:r>
+              <a:rPr lang="en-US" sz="3200" dirty="0" smtClean="0"/>
+              <a:t>17</a:t>
+            </a:r>
+            <a:r>
+              <a:rPr lang="zh-CN" altLang="en-US" sz="3200" dirty="0" smtClean="0"/>
+              <a:t>）</a:t>
+            </a:r>
+            <a:endParaRPr lang="zh-CN" altLang="en-US" sz="3600" dirty="0"/>
+          </a:p>
+        </p:txBody>
+      </p:sp>
+      <p:sp>
+        <p:nvSpPr>
+          <p:cNvPr id="8195" name="Rectangle 3"/>
+          <p:cNvSpPr>
+            <a:spLocks noGrp="1" noChangeArrowheads="1"/>
+          </p:cNvSpPr>
+          <p:nvPr>
+            <p:ph type="body" sz="half" idx="1"/>
+          </p:nvPr>
+        </p:nvSpPr>
+        <p:spPr>
+          <a:xfrm>
+            <a:off x="685800" y="1285860"/>
+            <a:ext cx="7467600" cy="5072098"/>
+          </a:xfrm>
+        </p:spPr>
+        <p:txBody>
+          <a:bodyPr/>
+          <a:lstStyle/>
+          <a:p>
+            <a:pPr>
+              <a:buNone/>
+            </a:pPr>
+            <a:r>
+              <a:rPr lang="en-US" altLang="zh-CN" sz="2800" dirty="0" smtClean="0">
+                <a:solidFill>
+                  <a:srgbClr val="FF0000"/>
+                </a:solidFill>
+              </a:rPr>
+              <a:t>15</a:t>
+            </a:r>
+            <a:r>
+              <a:rPr lang="zh-CN" altLang="en-US" sz="2800" dirty="0" smtClean="0">
+                <a:solidFill>
+                  <a:srgbClr val="FF0000"/>
+                </a:solidFill>
+              </a:rPr>
+              <a:t>然而那把我从</a:t>
+            </a:r>
+            <a:r>
+              <a:rPr lang="zh-CN" altLang="en-US" sz="2800" dirty="0" smtClean="0"/>
+              <a:t>母腹里分别</a:t>
+            </a:r>
+            <a:r>
+              <a:rPr lang="zh-CN" altLang="en-US" sz="2800" dirty="0" smtClean="0">
+                <a:solidFill>
+                  <a:srgbClr val="FF0000"/>
+                </a:solidFill>
+              </a:rPr>
+              <a:t>出来、又施恩召我的　神，</a:t>
+            </a:r>
+            <a:r>
+              <a:rPr lang="en-US" altLang="zh-CN" sz="2800" dirty="0" smtClean="0">
+                <a:solidFill>
+                  <a:srgbClr val="FF0000"/>
+                </a:solidFill>
+              </a:rPr>
+              <a:t>16</a:t>
+            </a:r>
+            <a:r>
+              <a:rPr lang="zh-CN" altLang="en-US" sz="2800" dirty="0" smtClean="0">
+                <a:solidFill>
+                  <a:srgbClr val="FF0000"/>
+                </a:solidFill>
+              </a:rPr>
+              <a:t>既然乐意</a:t>
+            </a:r>
+            <a:r>
+              <a:rPr lang="zh-CN" altLang="en-US" sz="2800" dirty="0" smtClean="0"/>
+              <a:t>将他儿子启示</a:t>
+            </a:r>
+            <a:r>
+              <a:rPr lang="zh-CN" altLang="en-US" sz="2800" dirty="0" smtClean="0">
+                <a:solidFill>
+                  <a:srgbClr val="FF0000"/>
+                </a:solidFill>
+              </a:rPr>
+              <a:t>在我心里，叫我把他传在</a:t>
+            </a:r>
+            <a:r>
+              <a:rPr lang="zh-CN" altLang="en-US" sz="2800" dirty="0" smtClean="0"/>
+              <a:t>外邦人</a:t>
+            </a:r>
+            <a:r>
+              <a:rPr lang="zh-CN" altLang="en-US" sz="2800" dirty="0" smtClean="0">
+                <a:solidFill>
+                  <a:srgbClr val="FF0000"/>
+                </a:solidFill>
+              </a:rPr>
+              <a:t>中。</a:t>
+            </a:r>
+            <a:endParaRPr lang="en-US" altLang="zh-CN" sz="2800" dirty="0" smtClean="0">
+              <a:solidFill>
+                <a:srgbClr val="FF0000"/>
+              </a:solidFill>
+            </a:endParaRPr>
+          </a:p>
+          <a:p>
+            <a:r>
+              <a:rPr lang="en-US" altLang="zh-CN" dirty="0" smtClean="0"/>
+              <a:t>3.1 </a:t>
+            </a:r>
+            <a:r>
+              <a:rPr lang="zh-CN" altLang="en-US" dirty="0" smtClean="0"/>
+              <a:t>在神方面（</a:t>
+            </a:r>
+            <a:r>
+              <a:rPr lang="en-US" dirty="0" smtClean="0"/>
+              <a:t>v15-16a</a:t>
+            </a:r>
+            <a:r>
+              <a:rPr lang="zh-CN" altLang="en-US" dirty="0" smtClean="0"/>
+              <a:t>） </a:t>
+            </a:r>
+            <a:endParaRPr lang="en-US" altLang="zh-CN" dirty="0" smtClean="0"/>
+          </a:p>
+          <a:p>
+            <a:pPr lvl="1"/>
+            <a:r>
+              <a:rPr lang="en-US" altLang="zh-CN" sz="2400" dirty="0" smtClean="0"/>
+              <a:t>A. </a:t>
+            </a:r>
+            <a:r>
+              <a:rPr lang="zh-CN" altLang="en-US" sz="2400" dirty="0" smtClean="0"/>
+              <a:t>拣选──“从母腹里分别出来</a:t>
+            </a:r>
+            <a:r>
+              <a:rPr lang="en-US" altLang="zh-CN" sz="2400" dirty="0" smtClean="0"/>
+              <a:t>……”</a:t>
+            </a:r>
+            <a:r>
+              <a:rPr lang="zh-CN" altLang="en-US" sz="2400" dirty="0" smtClean="0"/>
+              <a:t>（</a:t>
+            </a:r>
+            <a:r>
+              <a:rPr lang="en-US" altLang="zh-CN" sz="2400" dirty="0" smtClean="0"/>
+              <a:t>15</a:t>
+            </a:r>
+            <a:r>
+              <a:rPr lang="zh-CN" altLang="en-US" sz="2400" dirty="0" smtClean="0"/>
+              <a:t>）</a:t>
+            </a:r>
+          </a:p>
+          <a:p>
+            <a:pPr lvl="1"/>
+            <a:r>
+              <a:rPr lang="en-US" altLang="zh-CN" sz="2400" dirty="0" smtClean="0"/>
+              <a:t>B. </a:t>
+            </a:r>
+            <a:r>
+              <a:rPr lang="zh-CN" altLang="en-US" sz="2400" dirty="0" smtClean="0"/>
+              <a:t>启示──“将他儿子启示在我心里”（</a:t>
+            </a:r>
+            <a:r>
+              <a:rPr lang="en-US" altLang="zh-CN" sz="2400" dirty="0" smtClean="0"/>
+              <a:t>16</a:t>
+            </a:r>
+            <a:r>
+              <a:rPr lang="zh-CN" altLang="en-US" sz="2400" dirty="0" smtClean="0"/>
+              <a:t>上）</a:t>
+            </a:r>
+          </a:p>
+          <a:p>
+            <a:pPr lvl="1"/>
+            <a:r>
+              <a:rPr lang="en-US" altLang="zh-CN" sz="2400" dirty="0" smtClean="0"/>
+              <a:t>C. </a:t>
+            </a:r>
+            <a:r>
+              <a:rPr lang="zh-CN" altLang="en-US" sz="2400" dirty="0" smtClean="0"/>
+              <a:t>差遣──“叫我把他传在外邦人中</a:t>
+            </a:r>
+            <a:r>
+              <a:rPr lang="en-US" altLang="zh-CN" sz="2400" dirty="0" smtClean="0"/>
+              <a:t>”</a:t>
+            </a:r>
+            <a:r>
+              <a:rPr lang="zh-CN" altLang="en-US" sz="2400" dirty="0" smtClean="0"/>
+              <a:t>（</a:t>
+            </a:r>
+            <a:r>
+              <a:rPr lang="en-US" altLang="zh-CN" sz="2400" dirty="0" smtClean="0"/>
+              <a:t>16</a:t>
+            </a:r>
+            <a:r>
+              <a:rPr lang="zh-CN" altLang="en-US" sz="2400" dirty="0" smtClean="0"/>
+              <a:t>上）</a:t>
+            </a:r>
+          </a:p>
+          <a:p>
+            <a:pPr lvl="1"/>
+            <a:r>
+              <a:rPr lang="zh-CN" altLang="en-US" sz="2400" dirty="0" smtClean="0"/>
+              <a:t>总之，从上文可见神所拣选的仆人有几个明显的记号</a:t>
+            </a:r>
+            <a:r>
+              <a:rPr lang="en-US" altLang="zh-CN" sz="2400" dirty="0" smtClean="0"/>
+              <a:t>︰</a:t>
+            </a:r>
+            <a:r>
+              <a:rPr lang="zh-CN" altLang="en-US" sz="2400" dirty="0" smtClean="0"/>
+              <a:t>有神的恩召、有神的启示、有神的差遣。</a:t>
+            </a:r>
+          </a:p>
+        </p:txBody>
+      </p:sp>
+    </p:spTree>
+    <p:extLst>
+      <p:ext uri="{BB962C8B-B14F-4D97-AF65-F5344CB8AC3E}">
+        <p14:creationId xmlns="" xmlns:p14="http://schemas.microsoft.com/office/powerpoint/2010/main" val="602482599"/>
+      </p:ext>
+    </p:extLst>
+  </p:cSld>
+  <p:clrMapOvr>
+    <a:masterClrMapping/>
+  </p:clrMapOvr>
+  <mc:AlternateContent xmlns:mc="http://schemas.openxmlformats.org/markup-compatibility/2006">
+    <mc:Choice xmlns="" xmlns:p14="http://schemas.microsoft.com/office/powerpoint/2010/main" Requires="p14">
+      <p:transition p14:dur="10"/>
+    </mc:Choice>
+    <mc:Fallback>
+      <p:transition/>
+    </mc:Fallback>
+  </mc:AlternateContent>
+  <p:timing>
+    <p:tnLst>
+      <p:par>
+        <p:cTn id="1" dur="indefinite" restart="never" nodeType="tmRoot"/>
       </p:par>
     </p:tnLst>
   </p:timing>
